--- a/02/slides.pptx
+++ b/02/slides.pptx
@@ -5,29 +5,40 @@
     <p:sldMasterId id="2147483648" r:id="rId1"/>
   </p:sldMasterIdLst>
   <p:notesMasterIdLst>
-    <p:notesMasterId r:id="rId20"/>
+    <p:notesMasterId r:id="rId25"/>
   </p:notesMasterIdLst>
   <p:handoutMasterIdLst>
-    <p:handoutMasterId r:id="rId21"/>
+    <p:handoutMasterId r:id="rId32"/>
   </p:handoutMasterIdLst>
   <p:sldIdLst>
     <p:sldId id="256" r:id="rId3"/>
-    <p:sldId id="257" r:id="rId4"/>
-    <p:sldId id="260" r:id="rId5"/>
-    <p:sldId id="261" r:id="rId6"/>
-    <p:sldId id="258" r:id="rId7"/>
-    <p:sldId id="259" r:id="rId8"/>
-    <p:sldId id="263" r:id="rId9"/>
-    <p:sldId id="265" r:id="rId10"/>
-    <p:sldId id="266" r:id="rId11"/>
-    <p:sldId id="267" r:id="rId12"/>
-    <p:sldId id="268" r:id="rId13"/>
-    <p:sldId id="269" r:id="rId14"/>
-    <p:sldId id="270" r:id="rId15"/>
-    <p:sldId id="271" r:id="rId16"/>
-    <p:sldId id="272" r:id="rId17"/>
-    <p:sldId id="273" r:id="rId18"/>
-    <p:sldId id="274" r:id="rId19"/>
+    <p:sldId id="260" r:id="rId4"/>
+    <p:sldId id="261" r:id="rId5"/>
+    <p:sldId id="258" r:id="rId6"/>
+    <p:sldId id="259" r:id="rId7"/>
+    <p:sldId id="263" r:id="rId8"/>
+    <p:sldId id="265" r:id="rId9"/>
+    <p:sldId id="266" r:id="rId10"/>
+    <p:sldId id="267" r:id="rId11"/>
+    <p:sldId id="268" r:id="rId12"/>
+    <p:sldId id="269" r:id="rId13"/>
+    <p:sldId id="270" r:id="rId14"/>
+    <p:sldId id="271" r:id="rId15"/>
+    <p:sldId id="272" r:id="rId16"/>
+    <p:sldId id="273" r:id="rId17"/>
+    <p:sldId id="274" r:id="rId18"/>
+    <p:sldId id="281" r:id="rId19"/>
+    <p:sldId id="276" r:id="rId20"/>
+    <p:sldId id="277" r:id="rId21"/>
+    <p:sldId id="278" r:id="rId22"/>
+    <p:sldId id="275" r:id="rId23"/>
+    <p:sldId id="282" r:id="rId24"/>
+    <p:sldId id="283" r:id="rId26"/>
+    <p:sldId id="290" r:id="rId27"/>
+    <p:sldId id="289" r:id="rId28"/>
+    <p:sldId id="291" r:id="rId29"/>
+    <p:sldId id="292" r:id="rId30"/>
+    <p:sldId id="293" r:id="rId31"/>
   </p:sldIdLst>
   <p:sldSz cx="12192000" cy="6858000"/>
   <p:notesSz cx="7103745" cy="10234295"/>
@@ -632,6 +643,50 @@
     </a:lvl9pPr>
   </p:notesStyle>
 </p:notesMaster>
+</file>
+
+<file path=ppt/notesSlides/notesSlide1.xml><?xml version="1.0" encoding="utf-8"?>
+<p:notes xmlns:a="http://schemas.openxmlformats.org/drawingml/2006/main" xmlns:r="http://schemas.openxmlformats.org/officeDocument/2006/relationships" xmlns:p="http://schemas.openxmlformats.org/presentationml/2006/main">
+  <p:cSld>
+    <p:spTree>
+      <p:nvGrpSpPr>
+        <p:cNvPr id="1" name=""/>
+        <p:cNvGrpSpPr/>
+        <p:nvPr/>
+      </p:nvGrpSpPr>
+      <p:grpSpPr/>
+      <p:sp>
+        <p:nvSpPr>
+          <p:cNvPr id="2" name="Slide Image Placeholder 1"/>
+          <p:cNvSpPr/>
+          <p:nvPr>
+            <p:ph type="sldImg" idx="2"/>
+          </p:nvPr>
+        </p:nvSpPr>
+        <p:spPr/>
+      </p:sp>
+      <p:sp>
+        <p:nvSpPr>
+          <p:cNvPr id="3" name="Text Placeholder 2"/>
+          <p:cNvSpPr/>
+          <p:nvPr>
+            <p:ph type="body" idx="3"/>
+          </p:nvPr>
+        </p:nvSpPr>
+        <p:spPr/>
+        <p:txBody>
+          <a:bodyPr/>
+          <a:p>
+            <a:endParaRPr lang="en-US"/>
+          </a:p>
+        </p:txBody>
+      </p:sp>
+    </p:spTree>
+  </p:cSld>
+  <p:clrMapOvr>
+    <a:masterClrMapping/>
+  </p:clrMapOvr>
+</p:notes>
 </file>
 
 <file path=ppt/slideLayouts/slideLayout1.xml><?xml version="1.0" encoding="utf-8"?>
@@ -3694,31 +3749,15 @@
           <a:p>
             <a:r>
               <a:rPr lang="zh-CN" altLang="en-US"/>
-              <a:t>现代：</a:t>
+              <a:t>当代：</a:t>
             </a:r>
             <a:r>
               <a:rPr lang="en-US" altLang="zh-CN"/>
-              <a:t>C++14 </a:t>
-            </a:r>
-            <a:r>
-              <a:rPr lang="zh-CN" altLang="en-US"/>
-              <a:t>的</a:t>
-            </a:r>
-            <a:r>
-              <a:rPr lang="en-US" altLang="zh-CN"/>
-              <a:t> lambda </a:t>
-            </a:r>
-            <a:r>
-              <a:rPr lang="zh-CN" altLang="en-US"/>
-              <a:t>允许用</a:t>
-            </a:r>
-            <a:r>
-              <a:rPr lang="en-US" altLang="zh-CN"/>
-              <a:t> auto </a:t>
-            </a:r>
-            <a:r>
-              <a:rPr lang="zh-CN" altLang="en-US"/>
-              <a:t>自动推断类型</a:t>
+              <a:t>C++17 CTAD / compile-time argument deduction / </a:t>
+            </a:r>
+            <a:r>
+              <a:rPr lang="zh-CN" altLang="en-US"/>
+              <a:t>编译期参数推断</a:t>
             </a:r>
             <a:endParaRPr lang="zh-CN" altLang="en-US"/>
           </a:p>
@@ -3742,8 +3781,32 @@
         </p:blipFill>
         <p:spPr>
           <a:xfrm>
-            <a:off x="2900045" y="2038985"/>
-            <a:ext cx="6010275" cy="3924300"/>
+            <a:off x="2923540" y="2038985"/>
+            <a:ext cx="5962650" cy="3924300"/>
+          </a:xfrm>
+          <a:prstGeom prst="rect">
+            <a:avLst/>
+          </a:prstGeom>
+        </p:spPr>
+      </p:pic>
+      <p:pic>
+        <p:nvPicPr>
+          <p:cNvPr id="5" name="Picture 4"/>
+          <p:cNvPicPr>
+            <a:picLocks noChangeAspect="1"/>
+          </p:cNvPicPr>
+          <p:nvPr/>
+        </p:nvPicPr>
+        <p:blipFill>
+          <a:blip r:embed="rId2"/>
+          <a:stretch>
+            <a:fillRect/>
+          </a:stretch>
+        </p:blipFill>
+        <p:spPr>
+          <a:xfrm>
+            <a:off x="9125585" y="5798820"/>
+            <a:ext cx="3066415" cy="1059180"/>
           </a:xfrm>
           <a:prstGeom prst="rect">
             <a:avLst/>
@@ -3783,24 +3846,32 @@
           <a:bodyPr/>
           <a:p>
             <a:r>
-              <a:rPr lang="zh-CN" altLang="en-US"/>
+              <a:rPr lang="zh-CN" altLang="en-US">
+                <a:sym typeface="+mn-ea"/>
+              </a:rPr>
               <a:t>当代：</a:t>
             </a:r>
             <a:r>
-              <a:rPr lang="en-US" altLang="zh-CN"/>
-              <a:t>C++17 CTAD / compile-time argument deduction / </a:t>
-            </a:r>
-            <a:r>
-              <a:rPr lang="zh-CN" altLang="en-US"/>
-              <a:t>编译期参数推断</a:t>
-            </a:r>
-            <a:endParaRPr lang="zh-CN" altLang="en-US"/>
+              <a:rPr lang="en-US" altLang="zh-CN">
+                <a:sym typeface="+mn-ea"/>
+              </a:rPr>
+              <a:t>C++17 </a:t>
+            </a:r>
+            <a:r>
+              <a:rPr lang="zh-CN" altLang="en-US">
+                <a:sym typeface="+mn-ea"/>
+              </a:rPr>
+              <a:t>引入常用数值算法</a:t>
+            </a:r>
+            <a:endParaRPr lang="zh-CN" altLang="en-US">
+              <a:sym typeface="+mn-ea"/>
+            </a:endParaRPr>
           </a:p>
         </p:txBody>
       </p:sp>
       <p:pic>
         <p:nvPicPr>
-          <p:cNvPr id="4" name="Content Placeholder 3"/>
+          <p:cNvPr id="11" name="Content Placeholder 10"/>
           <p:cNvPicPr>
             <a:picLocks noChangeAspect="1"/>
           </p:cNvPicPr>
@@ -3816,32 +3887,8 @@
         </p:blipFill>
         <p:spPr>
           <a:xfrm>
-            <a:off x="2923540" y="2038985"/>
-            <a:ext cx="5962650" cy="3924300"/>
-          </a:xfrm>
-          <a:prstGeom prst="rect">
-            <a:avLst/>
-          </a:prstGeom>
-        </p:spPr>
-      </p:pic>
-      <p:pic>
-        <p:nvPicPr>
-          <p:cNvPr id="5" name="Picture 4"/>
-          <p:cNvPicPr>
-            <a:picLocks noChangeAspect="1"/>
-          </p:cNvPicPr>
-          <p:nvPr/>
-        </p:nvPicPr>
-        <p:blipFill>
-          <a:blip r:embed="rId2"/>
-          <a:stretch>
-            <a:fillRect/>
-          </a:stretch>
-        </p:blipFill>
-        <p:spPr>
-          <a:xfrm>
-            <a:off x="9125585" y="5798820"/>
-            <a:ext cx="3066415" cy="1059180"/>
+            <a:off x="2256790" y="2281555"/>
+            <a:ext cx="7296150" cy="3438525"/>
           </a:xfrm>
           <a:prstGeom prst="rect">
             <a:avLst/>
@@ -3881,32 +3928,61 @@
           <a:bodyPr/>
           <a:p>
             <a:r>
-              <a:rPr lang="zh-CN" altLang="en-US">
-                <a:sym typeface="+mn-ea"/>
-              </a:rPr>
-              <a:t>当代：</a:t>
-            </a:r>
-            <a:r>
-              <a:rPr lang="en-US" altLang="zh-CN">
-                <a:sym typeface="+mn-ea"/>
-              </a:rPr>
-              <a:t>C++17 </a:t>
-            </a:r>
-            <a:r>
-              <a:rPr lang="zh-CN" altLang="en-US">
-                <a:sym typeface="+mn-ea"/>
-              </a:rPr>
-              <a:t>引入常用数值算法</a:t>
-            </a:r>
-            <a:endParaRPr lang="zh-CN" altLang="en-US">
-              <a:sym typeface="+mn-ea"/>
-            </a:endParaRPr>
+              <a:rPr lang="zh-CN" altLang="en-US"/>
+              <a:t>未来：</a:t>
+            </a:r>
+            <a:r>
+              <a:rPr lang="en-US" altLang="zh-CN"/>
+              <a:t>C++20 </a:t>
+            </a:r>
+            <a:r>
+              <a:rPr lang="zh-CN" altLang="en-US"/>
+              <a:t>引入区间（</a:t>
+            </a:r>
+            <a:r>
+              <a:rPr lang="en-US" altLang="zh-CN"/>
+              <a:t>ranges</a:t>
+            </a:r>
+            <a:r>
+              <a:rPr lang="zh-CN" altLang="en-US"/>
+              <a:t>）</a:t>
+            </a:r>
+            <a:endParaRPr lang="zh-CN" altLang="en-US"/>
+          </a:p>
+        </p:txBody>
+      </p:sp>
+      <p:sp>
+        <p:nvSpPr>
+          <p:cNvPr id="5" name="Text Box 4"/>
+          <p:cNvSpPr txBox="1"/>
+          <p:nvPr/>
+        </p:nvSpPr>
+        <p:spPr>
+          <a:xfrm>
+            <a:off x="7797165" y="6489700"/>
+            <a:ext cx="4394835" cy="368300"/>
+          </a:xfrm>
+          <a:prstGeom prst="rect">
+            <a:avLst/>
+          </a:prstGeom>
+          <a:noFill/>
+        </p:spPr>
+        <p:txBody>
+          <a:bodyPr wrap="square" rtlCol="0">
+            <a:spAutoFit/>
+          </a:bodyPr>
+          <a:p>
+            <a:r>
+              <a:rPr lang="en-US"/>
+              <a:t>https://zhuanlan.zhihu.com/p/350068132</a:t>
+            </a:r>
+            <a:endParaRPr lang="en-US"/>
           </a:p>
         </p:txBody>
       </p:sp>
       <p:pic>
         <p:nvPicPr>
-          <p:cNvPr id="11" name="Content Placeholder 10"/>
+          <p:cNvPr id="4" name="Content Placeholder 3"/>
           <p:cNvPicPr>
             <a:picLocks noChangeAspect="1"/>
           </p:cNvPicPr>
@@ -3922,8 +3998,8 @@
         </p:blipFill>
         <p:spPr>
           <a:xfrm>
-            <a:off x="2256790" y="2281555"/>
-            <a:ext cx="7296150" cy="3438525"/>
+            <a:off x="2265045" y="1825625"/>
+            <a:ext cx="7279640" cy="4351655"/>
           </a:xfrm>
           <a:prstGeom prst="rect">
             <a:avLst/>
@@ -3963,53 +4039,34 @@
           <a:bodyPr/>
           <a:p>
             <a:r>
-              <a:rPr lang="zh-CN" altLang="en-US"/>
+              <a:rPr lang="zh-CN" altLang="en-US">
+                <a:sym typeface="+mn-ea"/>
+              </a:rPr>
               <a:t>未来：</a:t>
             </a:r>
             <a:r>
-              <a:rPr lang="en-US" altLang="zh-CN"/>
+              <a:rPr lang="en-US" altLang="zh-CN">
+                <a:sym typeface="+mn-ea"/>
+              </a:rPr>
               <a:t>C++20 </a:t>
             </a:r>
             <a:r>
-              <a:rPr lang="zh-CN" altLang="en-US"/>
-              <a:t>引入区间（</a:t>
-            </a:r>
-            <a:r>
-              <a:rPr lang="en-US" altLang="zh-CN"/>
-              <a:t>ranges</a:t>
-            </a:r>
-            <a:r>
-              <a:rPr lang="zh-CN" altLang="en-US"/>
+              <a:rPr lang="zh-CN" altLang="en-US">
+                <a:sym typeface="+mn-ea"/>
+              </a:rPr>
+              <a:t>引入模块（</a:t>
+            </a:r>
+            <a:r>
+              <a:rPr lang="en-US" altLang="zh-CN">
+                <a:sym typeface="+mn-ea"/>
+              </a:rPr>
+              <a:t>module</a:t>
+            </a:r>
+            <a:r>
+              <a:rPr lang="zh-CN" altLang="en-US">
+                <a:sym typeface="+mn-ea"/>
+              </a:rPr>
               <a:t>）</a:t>
-            </a:r>
-            <a:endParaRPr lang="zh-CN" altLang="en-US"/>
-          </a:p>
-        </p:txBody>
-      </p:sp>
-      <p:sp>
-        <p:nvSpPr>
-          <p:cNvPr id="5" name="Text Box 4"/>
-          <p:cNvSpPr txBox="1"/>
-          <p:nvPr/>
-        </p:nvSpPr>
-        <p:spPr>
-          <a:xfrm>
-            <a:off x="7797165" y="6489700"/>
-            <a:ext cx="4394835" cy="368300"/>
-          </a:xfrm>
-          <a:prstGeom prst="rect">
-            <a:avLst/>
-          </a:prstGeom>
-          <a:noFill/>
-        </p:spPr>
-        <p:txBody>
-          <a:bodyPr wrap="square" rtlCol="0">
-            <a:spAutoFit/>
-          </a:bodyPr>
-          <a:p>
-            <a:r>
-              <a:rPr lang="en-US"/>
-              <a:t>https://zhuanlan.zhihu.com/p/350068132</a:t>
             </a:r>
             <a:endParaRPr lang="en-US"/>
           </a:p>
@@ -4033,14 +4090,43 @@
         </p:blipFill>
         <p:spPr>
           <a:xfrm>
-            <a:off x="2265045" y="1825625"/>
-            <a:ext cx="7279640" cy="4351655"/>
+            <a:off x="2259330" y="1825625"/>
+            <a:ext cx="7291705" cy="4351655"/>
           </a:xfrm>
           <a:prstGeom prst="rect">
             <a:avLst/>
           </a:prstGeom>
         </p:spPr>
       </p:pic>
+      <p:sp>
+        <p:nvSpPr>
+          <p:cNvPr id="5" name="Text Box 4"/>
+          <p:cNvSpPr txBox="1"/>
+          <p:nvPr/>
+        </p:nvSpPr>
+        <p:spPr>
+          <a:xfrm>
+            <a:off x="7802245" y="6489700"/>
+            <a:ext cx="4389755" cy="368300"/>
+          </a:xfrm>
+          <a:prstGeom prst="rect">
+            <a:avLst/>
+          </a:prstGeom>
+          <a:noFill/>
+        </p:spPr>
+        <p:txBody>
+          <a:bodyPr wrap="square" rtlCol="0" anchor="t">
+            <a:spAutoFit/>
+          </a:bodyPr>
+          <a:p>
+            <a:r>
+              <a:rPr lang="en-US"/>
+              <a:t>https://zhuanlan.zhihu.com/p/350136757</a:t>
+            </a:r>
+            <a:endParaRPr lang="en-US"/>
+          </a:p>
+        </p:txBody>
+      </p:sp>
     </p:spTree>
   </p:cSld>
   <p:clrMapOvr>
@@ -4089,13 +4175,13 @@
               <a:rPr lang="zh-CN" altLang="en-US">
                 <a:sym typeface="+mn-ea"/>
               </a:rPr>
-              <a:t>引入模块（</a:t>
+              <a:t>允许函数参数为自动推断（</a:t>
             </a:r>
             <a:r>
               <a:rPr lang="en-US" altLang="zh-CN">
                 <a:sym typeface="+mn-ea"/>
               </a:rPr>
-              <a:t>module</a:t>
+              <a:t>auto</a:t>
             </a:r>
             <a:r>
               <a:rPr lang="zh-CN" altLang="en-US">
@@ -4103,7 +4189,9 @@
               </a:rPr>
               <a:t>）</a:t>
             </a:r>
-            <a:endParaRPr lang="en-US"/>
+            <a:endParaRPr lang="zh-CN" altLang="en-US">
+              <a:sym typeface="+mn-ea"/>
+            </a:endParaRPr>
           </a:p>
         </p:txBody>
       </p:sp>
@@ -4125,43 +4213,14 @@
         </p:blipFill>
         <p:spPr>
           <a:xfrm>
-            <a:off x="2259330" y="1825625"/>
-            <a:ext cx="7291705" cy="4351655"/>
+            <a:off x="2641600" y="1825625"/>
+            <a:ext cx="6527165" cy="4351655"/>
           </a:xfrm>
           <a:prstGeom prst="rect">
             <a:avLst/>
           </a:prstGeom>
         </p:spPr>
       </p:pic>
-      <p:sp>
-        <p:nvSpPr>
-          <p:cNvPr id="5" name="Text Box 4"/>
-          <p:cNvSpPr txBox="1"/>
-          <p:nvPr/>
-        </p:nvSpPr>
-        <p:spPr>
-          <a:xfrm>
-            <a:off x="7802245" y="6489700"/>
-            <a:ext cx="4389755" cy="368300"/>
-          </a:xfrm>
-          <a:prstGeom prst="rect">
-            <a:avLst/>
-          </a:prstGeom>
-          <a:noFill/>
-        </p:spPr>
-        <p:txBody>
-          <a:bodyPr wrap="square" rtlCol="0" anchor="t">
-            <a:spAutoFit/>
-          </a:bodyPr>
-          <a:p>
-            <a:r>
-              <a:rPr lang="en-US"/>
-              <a:t>https://zhuanlan.zhihu.com/p/350136757</a:t>
-            </a:r>
-            <a:endParaRPr lang="en-US"/>
-          </a:p>
-        </p:txBody>
-      </p:sp>
     </p:spTree>
   </p:cSld>
   <p:clrMapOvr>
@@ -4210,21 +4269,33 @@
               <a:rPr lang="zh-CN" altLang="en-US">
                 <a:sym typeface="+mn-ea"/>
               </a:rPr>
-              <a:t>允许函数参数为自动推断（</a:t>
+              <a:t>引入协程（</a:t>
             </a:r>
             <a:r>
               <a:rPr lang="en-US" altLang="zh-CN">
                 <a:sym typeface="+mn-ea"/>
               </a:rPr>
-              <a:t>auto</a:t>
+              <a:t>coroutine</a:t>
             </a:r>
             <a:r>
               <a:rPr lang="zh-CN" altLang="en-US">
                 <a:sym typeface="+mn-ea"/>
               </a:rPr>
+              <a:t>）和生成器（</a:t>
+            </a:r>
+            <a:r>
+              <a:rPr lang="en-US" altLang="zh-CN">
+                <a:sym typeface="+mn-ea"/>
+              </a:rPr>
+              <a:t>generator</a:t>
+            </a:r>
+            <a:r>
+              <a:rPr lang="zh-CN" altLang="en-US">
+                <a:sym typeface="+mn-ea"/>
+              </a:rPr>
               <a:t>）</a:t>
             </a:r>
-            <a:endParaRPr lang="zh-CN" altLang="en-US">
+            <a:endParaRPr lang="en-US" altLang="zh-CN">
               <a:sym typeface="+mn-ea"/>
             </a:endParaRPr>
           </a:p>
@@ -4232,7 +4303,7 @@
       </p:sp>
       <p:pic>
         <p:nvPicPr>
-          <p:cNvPr id="4" name="Content Placeholder 3"/>
+          <p:cNvPr id="6" name="Content Placeholder 5"/>
           <p:cNvPicPr>
             <a:picLocks noChangeAspect="1"/>
           </p:cNvPicPr>
@@ -4248,8 +4319,8 @@
         </p:blipFill>
         <p:spPr>
           <a:xfrm>
-            <a:off x="2641600" y="1825625"/>
-            <a:ext cx="6527165" cy="4351655"/>
+            <a:off x="3006725" y="1825625"/>
+            <a:ext cx="5796915" cy="4351655"/>
           </a:xfrm>
           <a:prstGeom prst="rect">
             <a:avLst/>
@@ -4304,33 +4375,21 @@
               <a:rPr lang="zh-CN" altLang="en-US">
                 <a:sym typeface="+mn-ea"/>
               </a:rPr>
-              <a:t>引入协程（</a:t>
+              <a:t>标准库加入</a:t>
             </a:r>
             <a:r>
               <a:rPr lang="en-US" altLang="zh-CN">
                 <a:sym typeface="+mn-ea"/>
               </a:rPr>
-              <a:t>coroutine</a:t>
+              <a:t> format </a:t>
             </a:r>
             <a:r>
               <a:rPr lang="zh-CN" altLang="en-US">
                 <a:sym typeface="+mn-ea"/>
               </a:rPr>
-              <a:t>）和生成器（</a:t>
-            </a:r>
-            <a:r>
-              <a:rPr lang="en-US" altLang="zh-CN">
-                <a:sym typeface="+mn-ea"/>
-              </a:rPr>
-              <a:t>generator</a:t>
-            </a:r>
-            <a:r>
-              <a:rPr lang="zh-CN" altLang="en-US">
-                <a:sym typeface="+mn-ea"/>
-              </a:rPr>
-              <a:t>）</a:t>
-            </a:r>
-            <a:endParaRPr lang="en-US" altLang="zh-CN">
+              <a:t>支持</a:t>
+            </a:r>
+            <a:endParaRPr lang="zh-CN" altLang="en-US">
               <a:sym typeface="+mn-ea"/>
             </a:endParaRPr>
           </a:p>
@@ -4338,7 +4397,7 @@
       </p:sp>
       <p:pic>
         <p:nvPicPr>
-          <p:cNvPr id="6" name="Content Placeholder 5"/>
+          <p:cNvPr id="4" name="Content Placeholder 3"/>
           <p:cNvPicPr>
             <a:picLocks noChangeAspect="1"/>
           </p:cNvPicPr>
@@ -4354,8 +4413,8 @@
         </p:blipFill>
         <p:spPr>
           <a:xfrm>
-            <a:off x="3006725" y="1825625"/>
-            <a:ext cx="5796915" cy="4351655"/>
+            <a:off x="3136265" y="1825625"/>
+            <a:ext cx="5537835" cy="4351655"/>
           </a:xfrm>
           <a:prstGeom prst="rect">
             <a:avLst/>
@@ -4395,50 +4454,82 @@
           <a:bodyPr/>
           <a:p>
             <a:r>
-              <a:rPr lang="zh-CN" altLang="en-US">
-                <a:sym typeface="+mn-ea"/>
-              </a:rPr>
-              <a:t>未来：</a:t>
-            </a:r>
-            <a:r>
-              <a:rPr lang="en-US" altLang="zh-CN">
-                <a:sym typeface="+mn-ea"/>
-              </a:rPr>
-              <a:t>C++20 </a:t>
-            </a:r>
-            <a:r>
-              <a:rPr lang="zh-CN" altLang="en-US">
-                <a:sym typeface="+mn-ea"/>
-              </a:rPr>
-              <a:t>标准库加入</a:t>
-            </a:r>
-            <a:r>
-              <a:rPr lang="en-US" altLang="zh-CN">
-                <a:sym typeface="+mn-ea"/>
-              </a:rPr>
-              <a:t> format </a:t>
-            </a:r>
-            <a:r>
-              <a:rPr lang="zh-CN" altLang="en-US">
-                <a:sym typeface="+mn-ea"/>
-              </a:rPr>
-              <a:t>支持</a:t>
-            </a:r>
-            <a:endParaRPr lang="zh-CN" altLang="en-US">
-              <a:sym typeface="+mn-ea"/>
-            </a:endParaRPr>
+              <a:rPr lang="zh-CN" altLang="en-US"/>
+              <a:t>跑远了！</a:t>
+            </a:r>
+            <a:endParaRPr lang="zh-CN" altLang="en-US"/>
+          </a:p>
+        </p:txBody>
+      </p:sp>
+      <p:sp>
+        <p:nvSpPr>
+          <p:cNvPr id="3" name="Content Placeholder 2"/>
+          <p:cNvSpPr>
+            <a:spLocks noGrp="1"/>
+          </p:cNvSpPr>
+          <p:nvPr>
+            <p:ph idx="1"/>
+          </p:nvPr>
+        </p:nvSpPr>
+        <p:spPr/>
+        <p:txBody>
+          <a:bodyPr/>
+          <a:p>
+            <a:r>
+              <a:rPr lang="zh-CN" altLang="en-US"/>
+              <a:t>鉴于</a:t>
+            </a:r>
+            <a:r>
+              <a:rPr lang="en-US" altLang="zh-CN"/>
+              <a:t> C++20 </a:t>
+            </a:r>
+            <a:r>
+              <a:rPr lang="zh-CN" altLang="en-US"/>
+              <a:t>还没有普遍落地（例如</a:t>
+            </a:r>
+            <a:r>
+              <a:rPr lang="en-US" altLang="zh-CN"/>
+              <a:t> CMake </a:t>
+            </a:r>
+            <a:r>
+              <a:rPr lang="zh-CN" altLang="en-US"/>
+              <a:t>不支持</a:t>
+            </a:r>
+            <a:r>
+              <a:rPr lang="en-US" altLang="zh-CN"/>
+              <a:t> C++20 modules</a:t>
+            </a:r>
+            <a:r>
+              <a:rPr lang="zh-CN" altLang="en-US"/>
+              <a:t>）因此我们的课程基于</a:t>
+            </a:r>
+            <a:r>
+              <a:rPr lang="en-US" altLang="zh-CN"/>
+              <a:t> C++17 </a:t>
+            </a:r>
+            <a:r>
+              <a:rPr lang="zh-CN" altLang="en-US"/>
+              <a:t>标准，有时会谈到</a:t>
+            </a:r>
+            <a:r>
+              <a:rPr lang="en-US" altLang="zh-CN"/>
+              <a:t> C++20 </a:t>
+            </a:r>
+            <a:r>
+              <a:rPr lang="zh-CN" altLang="en-US"/>
+              <a:t>作为扩展阅读。</a:t>
+            </a:r>
+            <a:endParaRPr lang="zh-CN" altLang="en-US"/>
           </a:p>
         </p:txBody>
       </p:sp>
       <p:pic>
         <p:nvPicPr>
-          <p:cNvPr id="4" name="Content Placeholder 3"/>
+          <p:cNvPr id="4" name="Picture 3" descr="sycllogokhronoR-C"/>
           <p:cNvPicPr>
             <a:picLocks noChangeAspect="1"/>
           </p:cNvPicPr>
-          <p:nvPr>
-            <p:ph idx="1"/>
-          </p:nvPr>
+          <p:nvPr/>
         </p:nvPicPr>
         <p:blipFill>
           <a:blip r:embed="rId1"/>
@@ -4448,14 +4539,441 @@
         </p:blipFill>
         <p:spPr>
           <a:xfrm>
-            <a:off x="3136265" y="1825625"/>
-            <a:ext cx="5537835" cy="4351655"/>
+            <a:off x="2152015" y="2741295"/>
+            <a:ext cx="7887970" cy="3435985"/>
           </a:xfrm>
           <a:prstGeom prst="rect">
             <a:avLst/>
           </a:prstGeom>
         </p:spPr>
       </p:pic>
+    </p:spTree>
+  </p:cSld>
+  <p:clrMapOvr>
+    <a:masterClrMapping/>
+  </p:clrMapOvr>
+</p:sld>
+</file>
+
+<file path=ppt/slides/slide18.xml><?xml version="1.0" encoding="utf-8"?>
+<p:sld xmlns:a="http://schemas.openxmlformats.org/drawingml/2006/main" xmlns:r="http://schemas.openxmlformats.org/officeDocument/2006/relationships" xmlns:p="http://schemas.openxmlformats.org/presentationml/2006/main">
+  <p:cSld>
+    <p:spTree>
+      <p:nvGrpSpPr>
+        <p:cNvPr id="1" name=""/>
+        <p:cNvGrpSpPr/>
+        <p:nvPr/>
+      </p:nvGrpSpPr>
+      <p:grpSpPr/>
+      <p:sp>
+        <p:nvSpPr>
+          <p:cNvPr id="2" name="Title 1"/>
+          <p:cNvSpPr>
+            <a:spLocks noGrp="1"/>
+          </p:cNvSpPr>
+          <p:nvPr>
+            <p:ph type="title"/>
+          </p:nvPr>
+        </p:nvSpPr>
+        <p:spPr/>
+        <p:txBody>
+          <a:bodyPr/>
+          <a:p>
+            <a:r>
+              <a:rPr lang="en-US" altLang="zh-CN"/>
+              <a:t>C++</a:t>
+            </a:r>
+            <a:r>
+              <a:rPr lang="zh-CN" altLang="en-US"/>
+              <a:t>有哪些</a:t>
+            </a:r>
+            <a:r>
+              <a:rPr lang="zh-CN" altLang="en-US">
+                <a:sym typeface="+mn-ea"/>
+              </a:rPr>
+              <a:t>面向对象</a:t>
+            </a:r>
+            <a:r>
+              <a:rPr lang="zh-CN" altLang="en-US"/>
+              <a:t>思想？</a:t>
+            </a:r>
+            <a:endParaRPr lang="zh-CN" altLang="en-US"/>
+          </a:p>
+        </p:txBody>
+      </p:sp>
+      <p:pic>
+        <p:nvPicPr>
+          <p:cNvPr id="8" name="Content Placeholder 7"/>
+          <p:cNvPicPr>
+            <a:picLocks noChangeAspect="1"/>
+          </p:cNvPicPr>
+          <p:nvPr>
+            <p:ph sz="half" idx="1"/>
+          </p:nvPr>
+        </p:nvPicPr>
+        <p:blipFill>
+          <a:blip r:embed="rId1"/>
+          <a:stretch>
+            <a:fillRect/>
+          </a:stretch>
+        </p:blipFill>
+        <p:spPr>
+          <a:xfrm>
+            <a:off x="1078230" y="1825625"/>
+            <a:ext cx="4319270" cy="4351655"/>
+          </a:xfrm>
+          <a:prstGeom prst="rect">
+            <a:avLst/>
+          </a:prstGeom>
+        </p:spPr>
+      </p:pic>
+      <p:pic>
+        <p:nvPicPr>
+          <p:cNvPr id="4" name="Content Placeholder 3"/>
+          <p:cNvPicPr>
+            <a:picLocks noChangeAspect="1"/>
+          </p:cNvPicPr>
+          <p:nvPr>
+            <p:ph sz="half" idx="2"/>
+          </p:nvPr>
+        </p:nvPicPr>
+        <p:blipFill>
+          <a:blip r:embed="rId2"/>
+          <a:stretch>
+            <a:fillRect/>
+          </a:stretch>
+        </p:blipFill>
+        <p:spPr>
+          <a:xfrm>
+            <a:off x="6266815" y="1825625"/>
+            <a:ext cx="4610100" cy="4351655"/>
+          </a:xfrm>
+          <a:prstGeom prst="rect">
+            <a:avLst/>
+          </a:prstGeom>
+        </p:spPr>
+      </p:pic>
+    </p:spTree>
+  </p:cSld>
+  <p:clrMapOvr>
+    <a:masterClrMapping/>
+  </p:clrMapOvr>
+</p:sld>
+</file>
+
+<file path=ppt/slides/slide19.xml><?xml version="1.0" encoding="utf-8"?>
+<p:sld xmlns:a="http://schemas.openxmlformats.org/drawingml/2006/main" xmlns:r="http://schemas.openxmlformats.org/officeDocument/2006/relationships" xmlns:p="http://schemas.openxmlformats.org/presentationml/2006/main">
+  <p:cSld>
+    <p:spTree>
+      <p:nvGrpSpPr>
+        <p:cNvPr id="1" name=""/>
+        <p:cNvGrpSpPr/>
+        <p:nvPr/>
+      </p:nvGrpSpPr>
+      <p:grpSpPr/>
+      <p:sp>
+        <p:nvSpPr>
+          <p:cNvPr id="2" name="Title 1"/>
+          <p:cNvSpPr>
+            <a:spLocks noGrp="1"/>
+          </p:cNvSpPr>
+          <p:nvPr>
+            <p:ph type="title"/>
+          </p:nvPr>
+        </p:nvSpPr>
+        <p:spPr/>
+        <p:txBody>
+          <a:bodyPr/>
+          <a:p>
+            <a:r>
+              <a:rPr lang="en-US" altLang="zh-CN"/>
+              <a:t>C++</a:t>
+            </a:r>
+            <a:r>
+              <a:rPr lang="zh-CN" altLang="en-US"/>
+              <a:t>思想：封装</a:t>
+            </a:r>
+            <a:endParaRPr lang="zh-CN" altLang="en-US"/>
+          </a:p>
+        </p:txBody>
+      </p:sp>
+      <p:pic>
+        <p:nvPicPr>
+          <p:cNvPr id="8" name="Content Placeholder 7"/>
+          <p:cNvPicPr>
+            <a:picLocks noChangeAspect="1"/>
+          </p:cNvPicPr>
+          <p:nvPr>
+            <p:ph sz="half" idx="1"/>
+          </p:nvPr>
+        </p:nvPicPr>
+        <p:blipFill>
+          <a:blip r:embed="rId1"/>
+          <a:stretch>
+            <a:fillRect/>
+          </a:stretch>
+        </p:blipFill>
+        <p:spPr>
+          <a:xfrm>
+            <a:off x="1078230" y="1825625"/>
+            <a:ext cx="4319270" cy="4351655"/>
+          </a:xfrm>
+          <a:prstGeom prst="rect">
+            <a:avLst/>
+          </a:prstGeom>
+        </p:spPr>
+      </p:pic>
+      <p:pic>
+        <p:nvPicPr>
+          <p:cNvPr id="4" name="Content Placeholder 3"/>
+          <p:cNvPicPr>
+            <a:picLocks noChangeAspect="1"/>
+          </p:cNvPicPr>
+          <p:nvPr>
+            <p:ph sz="half" idx="2"/>
+          </p:nvPr>
+        </p:nvPicPr>
+        <p:blipFill>
+          <a:blip r:embed="rId2"/>
+          <a:stretch>
+            <a:fillRect/>
+          </a:stretch>
+        </p:blipFill>
+        <p:spPr>
+          <a:xfrm>
+            <a:off x="6266815" y="1825625"/>
+            <a:ext cx="4610100" cy="4351655"/>
+          </a:xfrm>
+          <a:prstGeom prst="rect">
+            <a:avLst/>
+          </a:prstGeom>
+        </p:spPr>
+      </p:pic>
+      <p:sp>
+        <p:nvSpPr>
+          <p:cNvPr id="3" name="Left Brace 2"/>
+          <p:cNvSpPr/>
+          <p:nvPr/>
+        </p:nvSpPr>
+        <p:spPr>
+          <a:xfrm>
+            <a:off x="1633220" y="2871470"/>
+            <a:ext cx="164465" cy="346710"/>
+          </a:xfrm>
+          <a:prstGeom prst="leftBrace">
+            <a:avLst/>
+          </a:prstGeom>
+          <a:ln w="31750">
+            <a:solidFill>
+              <a:srgbClr val="FF3300"/>
+            </a:solidFill>
+          </a:ln>
+        </p:spPr>
+        <p:style>
+          <a:lnRef idx="1">
+            <a:schemeClr val="accent1"/>
+          </a:lnRef>
+          <a:fillRef idx="0">
+            <a:schemeClr val="accent1"/>
+          </a:fillRef>
+          <a:effectRef idx="0">
+            <a:schemeClr val="accent1"/>
+          </a:effectRef>
+          <a:fontRef idx="minor">
+            <a:schemeClr val="tx1"/>
+          </a:fontRef>
+        </p:style>
+        <p:txBody>
+          <a:bodyPr rtlCol="0" anchor="ctr"/>
+          <a:p>
+            <a:pPr algn="ctr"/>
+            <a:endParaRPr lang="en-US"/>
+          </a:p>
+        </p:txBody>
+      </p:sp>
+      <p:sp>
+        <p:nvSpPr>
+          <p:cNvPr id="18" name="Text Box 17"/>
+          <p:cNvSpPr txBox="1"/>
+          <p:nvPr/>
+        </p:nvSpPr>
+        <p:spPr>
+          <a:xfrm>
+            <a:off x="3213735" y="847725"/>
+            <a:ext cx="6090285" cy="368300"/>
+          </a:xfrm>
+          <a:prstGeom prst="rect">
+            <a:avLst/>
+          </a:prstGeom>
+          <a:noFill/>
+        </p:spPr>
+        <p:txBody>
+          <a:bodyPr wrap="square" rtlCol="0">
+            <a:spAutoFit/>
+          </a:bodyPr>
+          <a:p>
+            <a:r>
+              <a:rPr lang="zh-CN" altLang="en-US">
+                <a:sym typeface="+mn-ea"/>
+              </a:rPr>
+              <a:t>比如要表达一个数组，需要：起始地址指针</a:t>
+            </a:r>
+            <a:r>
+              <a:rPr lang="en-US" altLang="zh-CN">
+                <a:sym typeface="+mn-ea"/>
+              </a:rPr>
+              <a:t>v</a:t>
+            </a:r>
+            <a:r>
+              <a:rPr lang="zh-CN" altLang="en-US">
+                <a:sym typeface="+mn-ea"/>
+              </a:rPr>
+              <a:t>，数组大小</a:t>
+            </a:r>
+            <a:r>
+              <a:rPr lang="en-US" altLang="zh-CN">
+                <a:sym typeface="+mn-ea"/>
+              </a:rPr>
+              <a:t>nv</a:t>
+            </a:r>
+            <a:endParaRPr lang="en-US" altLang="zh-CN">
+              <a:sym typeface="+mn-ea"/>
+            </a:endParaRPr>
+          </a:p>
+        </p:txBody>
+      </p:sp>
+      <p:sp>
+        <p:nvSpPr>
+          <p:cNvPr id="5" name="Text Box 4"/>
+          <p:cNvSpPr txBox="1"/>
+          <p:nvPr/>
+        </p:nvSpPr>
+        <p:spPr>
+          <a:xfrm>
+            <a:off x="3591560" y="441325"/>
+            <a:ext cx="5334635" cy="368300"/>
+          </a:xfrm>
+          <a:prstGeom prst="rect">
+            <a:avLst/>
+          </a:prstGeom>
+          <a:noFill/>
+        </p:spPr>
+        <p:txBody>
+          <a:bodyPr wrap="square" rtlCol="0">
+            <a:spAutoFit/>
+          </a:bodyPr>
+          <a:p>
+            <a:r>
+              <a:rPr lang="zh-CN" altLang="en-US">
+                <a:sym typeface="+mn-ea"/>
+              </a:rPr>
+              <a:t>将多个逻辑上相关的变量包装成一个类</a:t>
+            </a:r>
+            <a:endParaRPr lang="zh-CN" altLang="en-US">
+              <a:sym typeface="+mn-ea"/>
+            </a:endParaRPr>
+          </a:p>
+        </p:txBody>
+      </p:sp>
+      <p:sp>
+        <p:nvSpPr>
+          <p:cNvPr id="7" name="Text Box 6"/>
+          <p:cNvSpPr txBox="1"/>
+          <p:nvPr/>
+        </p:nvSpPr>
+        <p:spPr>
+          <a:xfrm>
+            <a:off x="3329940" y="1216025"/>
+            <a:ext cx="6080125" cy="368300"/>
+          </a:xfrm>
+          <a:prstGeom prst="rect">
+            <a:avLst/>
+          </a:prstGeom>
+          <a:noFill/>
+        </p:spPr>
+        <p:txBody>
+          <a:bodyPr wrap="square" rtlCol="0">
+            <a:spAutoFit/>
+          </a:bodyPr>
+          <a:p>
+            <a:r>
+              <a:rPr lang="zh-CN" altLang="en-US">
+                <a:sym typeface="+mn-ea"/>
+              </a:rPr>
+              <a:t>因此</a:t>
+            </a:r>
+            <a:r>
+              <a:rPr lang="en-US" altLang="zh-CN">
+                <a:sym typeface="+mn-ea"/>
+              </a:rPr>
+              <a:t> C++ </a:t>
+            </a:r>
+            <a:r>
+              <a:rPr lang="zh-CN" altLang="en-US">
+                <a:sym typeface="+mn-ea"/>
+              </a:rPr>
+              <a:t>的</a:t>
+            </a:r>
+            <a:r>
+              <a:rPr lang="en-US" altLang="zh-CN">
+                <a:sym typeface="+mn-ea"/>
+              </a:rPr>
+              <a:t> vector </a:t>
+            </a:r>
+            <a:r>
+              <a:rPr lang="zh-CN" altLang="en-US">
+                <a:sym typeface="+mn-ea"/>
+              </a:rPr>
+              <a:t>将他俩打包起来，避免程序员犯错</a:t>
+            </a:r>
+            <a:endParaRPr lang="zh-CN" altLang="en-US">
+              <a:sym typeface="+mn-ea"/>
+            </a:endParaRPr>
+          </a:p>
+        </p:txBody>
+      </p:sp>
+      <p:sp>
+        <p:nvSpPr>
+          <p:cNvPr id="12" name="Left Brace 11"/>
+          <p:cNvSpPr/>
+          <p:nvPr/>
+        </p:nvSpPr>
+        <p:spPr>
+          <a:xfrm>
+            <a:off x="6849110" y="2917825"/>
+            <a:ext cx="133985" cy="254635"/>
+          </a:xfrm>
+          <a:prstGeom prst="leftBrace">
+            <a:avLst/>
+          </a:prstGeom>
+          <a:ln w="31750">
+            <a:solidFill>
+              <a:srgbClr val="FF3300"/>
+            </a:solidFill>
+          </a:ln>
+        </p:spPr>
+        <p:style>
+          <a:lnRef idx="1">
+            <a:schemeClr val="accent1"/>
+          </a:lnRef>
+          <a:fillRef idx="0">
+            <a:schemeClr val="accent1"/>
+          </a:fillRef>
+          <a:effectRef idx="0">
+            <a:schemeClr val="accent1"/>
+          </a:effectRef>
+          <a:fontRef idx="minor">
+            <a:schemeClr val="tx1"/>
+          </a:fontRef>
+        </p:style>
+        <p:txBody>
+          <a:bodyPr rtlCol="0" anchor="ctr"/>
+          <a:p>
+            <a:pPr algn="ctr"/>
+            <a:endParaRPr lang="en-US"/>
+          </a:p>
+        </p:txBody>
+      </p:sp>
     </p:spTree>
   </p:cSld>
   <p:clrMapOvr>
@@ -4489,25 +5007,2737 @@
           <a:bodyPr/>
           <a:p>
             <a:r>
+              <a:rPr lang="zh-CN" altLang="en-US"/>
+              <a:t>从一个案例看</a:t>
+            </a:r>
+            <a:r>
+              <a:rPr lang="en-US" altLang="zh-CN"/>
+              <a:t> </a:t>
+            </a:r>
+            <a:r>
               <a:rPr lang="en-US"/>
               <a:t>C++ </a:t>
             </a:r>
             <a:r>
               <a:rPr lang="zh-CN" altLang="en-US"/>
-              <a:t>标准委员会</a:t>
+              <a:t>的历史</a:t>
             </a:r>
             <a:endParaRPr lang="zh-CN" altLang="en-US"/>
           </a:p>
         </p:txBody>
       </p:sp>
-      <p:sp>
-        <p:nvSpPr>
+      <p:pic>
+        <p:nvPicPr>
           <p:cNvPr id="3" name="Content Placeholder 2"/>
-          <p:cNvSpPr>
-            <a:spLocks noGrp="1"/>
-          </p:cNvSpPr>
+          <p:cNvPicPr>
+            <a:picLocks noChangeAspect="1"/>
+          </p:cNvPicPr>
           <p:nvPr>
             <p:ph idx="1"/>
+          </p:nvPr>
+        </p:nvPicPr>
+        <p:blipFill>
+          <a:blip r:embed="rId1"/>
+          <a:stretch>
+            <a:fillRect/>
+          </a:stretch>
+        </p:blipFill>
+        <p:spPr>
+          <a:xfrm>
+            <a:off x="4738370" y="3557905"/>
+            <a:ext cx="2333625" cy="885825"/>
+          </a:xfrm>
+          <a:prstGeom prst="rect">
+            <a:avLst/>
+          </a:prstGeom>
+        </p:spPr>
+      </p:pic>
+      <p:sp>
+        <p:nvSpPr>
+          <p:cNvPr id="6" name="Content Placeholder 2"/>
+          <p:cNvSpPr>
+            <a:spLocks noGrp="1"/>
+          </p:cNvSpPr>
+          <p:nvPr/>
+        </p:nvSpPr>
+        <p:spPr>
+          <a:xfrm>
+            <a:off x="647700" y="1825625"/>
+            <a:ext cx="10515600" cy="4351338"/>
+          </a:xfrm>
+          <a:prstGeom prst="rect">
+            <a:avLst/>
+          </a:prstGeom>
+        </p:spPr>
+        <p:txBody>
+          <a:bodyPr vert="horz" lIns="91440" tIns="45720" rIns="91440" bIns="45720" rtlCol="0">
+            <a:normAutofit/>
+          </a:bodyPr>
+          <a:lstStyle>
+            <a:lvl1pPr marL="228600" indent="-228600" algn="l" defTabSz="914400" rtl="0" eaLnBrk="1" latinLnBrk="0" hangingPunct="1">
+              <a:lnSpc>
+                <a:spcPct val="90000"/>
+              </a:lnSpc>
+              <a:spcBef>
+                <a:spcPts val="1000"/>
+              </a:spcBef>
+              <a:buFont typeface="Arial" panose="02080604020202020204" pitchFamily="34" charset="0"/>
+              <a:buChar char="•"/>
+              <a:defRPr sz="2000" kern="1200">
+                <a:solidFill>
+                  <a:schemeClr val="tx1">
+                    <a:lumMod val="75000"/>
+                    <a:lumOff val="25000"/>
+                  </a:schemeClr>
+                </a:solidFill>
+                <a:latin typeface="+mn-lt"/>
+                <a:ea typeface="+mn-ea"/>
+                <a:cs typeface="+mn-cs"/>
+              </a:defRPr>
+            </a:lvl1pPr>
+            <a:lvl2pPr marL="685800" indent="-228600" algn="l" defTabSz="914400" rtl="0" eaLnBrk="1" latinLnBrk="0" hangingPunct="1">
+              <a:lnSpc>
+                <a:spcPct val="90000"/>
+              </a:lnSpc>
+              <a:spcBef>
+                <a:spcPts val="500"/>
+              </a:spcBef>
+              <a:buFont typeface="Arial" panose="02080604020202020204" pitchFamily="34" charset="0"/>
+              <a:buChar char="•"/>
+              <a:defRPr sz="1800" kern="1200">
+                <a:solidFill>
+                  <a:schemeClr val="tx1">
+                    <a:lumMod val="75000"/>
+                    <a:lumOff val="25000"/>
+                  </a:schemeClr>
+                </a:solidFill>
+                <a:latin typeface="+mn-lt"/>
+                <a:ea typeface="+mn-ea"/>
+                <a:cs typeface="+mn-cs"/>
+              </a:defRPr>
+            </a:lvl2pPr>
+            <a:lvl3pPr marL="1143000" indent="-228600" algn="l" defTabSz="914400" rtl="0" eaLnBrk="1" latinLnBrk="0" hangingPunct="1">
+              <a:lnSpc>
+                <a:spcPct val="90000"/>
+              </a:lnSpc>
+              <a:spcBef>
+                <a:spcPts val="500"/>
+              </a:spcBef>
+              <a:buFont typeface="Arial" panose="02080604020202020204" pitchFamily="34" charset="0"/>
+              <a:buChar char="•"/>
+              <a:defRPr sz="1600" kern="1200">
+                <a:solidFill>
+                  <a:schemeClr val="tx1">
+                    <a:lumMod val="75000"/>
+                    <a:lumOff val="25000"/>
+                  </a:schemeClr>
+                </a:solidFill>
+                <a:latin typeface="+mn-lt"/>
+                <a:ea typeface="+mn-ea"/>
+                <a:cs typeface="+mn-cs"/>
+              </a:defRPr>
+            </a:lvl3pPr>
+            <a:lvl4pPr marL="1600200" indent="-228600" algn="l" defTabSz="914400" rtl="0" eaLnBrk="1" latinLnBrk="0" hangingPunct="1">
+              <a:lnSpc>
+                <a:spcPct val="90000"/>
+              </a:lnSpc>
+              <a:spcBef>
+                <a:spcPts val="500"/>
+              </a:spcBef>
+              <a:buFont typeface="Arial" panose="02080604020202020204" pitchFamily="34" charset="0"/>
+              <a:buChar char="•"/>
+              <a:defRPr sz="1600" kern="1200">
+                <a:solidFill>
+                  <a:schemeClr val="tx1">
+                    <a:lumMod val="75000"/>
+                    <a:lumOff val="25000"/>
+                  </a:schemeClr>
+                </a:solidFill>
+                <a:latin typeface="+mn-lt"/>
+                <a:ea typeface="+mn-ea"/>
+                <a:cs typeface="+mn-cs"/>
+              </a:defRPr>
+            </a:lvl4pPr>
+            <a:lvl5pPr marL="2057400" indent="-228600" algn="l" defTabSz="914400" rtl="0" eaLnBrk="1" latinLnBrk="0" hangingPunct="1">
+              <a:lnSpc>
+                <a:spcPct val="90000"/>
+              </a:lnSpc>
+              <a:spcBef>
+                <a:spcPts val="500"/>
+              </a:spcBef>
+              <a:buFont typeface="Arial" panose="02080604020202020204" pitchFamily="34" charset="0"/>
+              <a:buChar char="•"/>
+              <a:defRPr sz="1600" kern="1200">
+                <a:solidFill>
+                  <a:schemeClr val="tx1">
+                    <a:lumMod val="75000"/>
+                    <a:lumOff val="25000"/>
+                  </a:schemeClr>
+                </a:solidFill>
+                <a:latin typeface="+mn-lt"/>
+                <a:ea typeface="+mn-ea"/>
+                <a:cs typeface="+mn-cs"/>
+              </a:defRPr>
+            </a:lvl5pPr>
+            <a:lvl6pPr marL="2514600" indent="-228600" algn="l" defTabSz="914400" rtl="0" eaLnBrk="1" latinLnBrk="0" hangingPunct="1">
+              <a:lnSpc>
+                <a:spcPct val="90000"/>
+              </a:lnSpc>
+              <a:spcBef>
+                <a:spcPts val="500"/>
+              </a:spcBef>
+              <a:buFont typeface="Arial" panose="02080604020202020204" pitchFamily="34" charset="0"/>
+              <a:buChar char="•"/>
+              <a:defRPr sz="1800" kern="1200">
+                <a:solidFill>
+                  <a:schemeClr val="tx1"/>
+                </a:solidFill>
+                <a:latin typeface="+mn-lt"/>
+                <a:ea typeface="+mn-ea"/>
+                <a:cs typeface="+mn-cs"/>
+              </a:defRPr>
+            </a:lvl6pPr>
+            <a:lvl7pPr marL="2971800" indent="-228600" algn="l" defTabSz="914400" rtl="0" eaLnBrk="1" latinLnBrk="0" hangingPunct="1">
+              <a:lnSpc>
+                <a:spcPct val="90000"/>
+              </a:lnSpc>
+              <a:spcBef>
+                <a:spcPts val="500"/>
+              </a:spcBef>
+              <a:buFont typeface="Arial" panose="02080604020202020204" pitchFamily="34" charset="0"/>
+              <a:buChar char="•"/>
+              <a:defRPr sz="1800" kern="1200">
+                <a:solidFill>
+                  <a:schemeClr val="tx1"/>
+                </a:solidFill>
+                <a:latin typeface="+mn-lt"/>
+                <a:ea typeface="+mn-ea"/>
+                <a:cs typeface="+mn-cs"/>
+              </a:defRPr>
+            </a:lvl7pPr>
+            <a:lvl8pPr marL="3429000" indent="-228600" algn="l" defTabSz="914400" rtl="0" eaLnBrk="1" latinLnBrk="0" hangingPunct="1">
+              <a:lnSpc>
+                <a:spcPct val="90000"/>
+              </a:lnSpc>
+              <a:spcBef>
+                <a:spcPts val="500"/>
+              </a:spcBef>
+              <a:buFont typeface="Arial" panose="02080604020202020204" pitchFamily="34" charset="0"/>
+              <a:buChar char="•"/>
+              <a:defRPr sz="1800" kern="1200">
+                <a:solidFill>
+                  <a:schemeClr val="tx1"/>
+                </a:solidFill>
+                <a:latin typeface="+mn-lt"/>
+                <a:ea typeface="+mn-ea"/>
+                <a:cs typeface="+mn-cs"/>
+              </a:defRPr>
+            </a:lvl8pPr>
+            <a:lvl9pPr marL="3886200" indent="-228600" algn="l" defTabSz="914400" rtl="0" eaLnBrk="1" latinLnBrk="0" hangingPunct="1">
+              <a:lnSpc>
+                <a:spcPct val="90000"/>
+              </a:lnSpc>
+              <a:spcBef>
+                <a:spcPts val="500"/>
+              </a:spcBef>
+              <a:buFont typeface="Arial" panose="02080604020202020204" pitchFamily="34" charset="0"/>
+              <a:buChar char="•"/>
+              <a:defRPr sz="1800" kern="1200">
+                <a:solidFill>
+                  <a:schemeClr val="tx1"/>
+                </a:solidFill>
+                <a:latin typeface="+mn-lt"/>
+                <a:ea typeface="+mn-ea"/>
+                <a:cs typeface="+mn-cs"/>
+              </a:defRPr>
+            </a:lvl9pPr>
+          </a:lstStyle>
+          <a:p>
+            <a:r>
+              <a:rPr lang="zh-CN" altLang="en-US"/>
+              <a:t>求一个列表中所有数的和：</a:t>
+            </a:r>
+            <a:endParaRPr lang="zh-CN" altLang="en-US"/>
+          </a:p>
+        </p:txBody>
+      </p:sp>
+    </p:spTree>
+  </p:cSld>
+  <p:clrMapOvr>
+    <a:masterClrMapping/>
+  </p:clrMapOvr>
+</p:sld>
+</file>
+
+<file path=ppt/slides/slide20.xml><?xml version="1.0" encoding="utf-8"?>
+<p:sld xmlns:a="http://schemas.openxmlformats.org/drawingml/2006/main" xmlns:r="http://schemas.openxmlformats.org/officeDocument/2006/relationships" xmlns:p="http://schemas.openxmlformats.org/presentationml/2006/main">
+  <p:cSld>
+    <p:spTree>
+      <p:nvGrpSpPr>
+        <p:cNvPr id="1" name=""/>
+        <p:cNvGrpSpPr/>
+        <p:nvPr/>
+      </p:nvGrpSpPr>
+      <p:grpSpPr/>
+      <p:pic>
+        <p:nvPicPr>
+          <p:cNvPr id="9" name="Content Placeholder 8"/>
+          <p:cNvPicPr>
+            <a:picLocks noChangeAspect="1"/>
+          </p:cNvPicPr>
+          <p:nvPr>
+            <p:ph sz="half" idx="1"/>
+          </p:nvPr>
+        </p:nvPicPr>
+        <p:blipFill>
+          <a:blip r:embed="rId1"/>
+          <a:stretch>
+            <a:fillRect/>
+          </a:stretch>
+        </p:blipFill>
+        <p:spPr>
+          <a:xfrm>
+            <a:off x="1565910" y="1825625"/>
+            <a:ext cx="3344545" cy="4351655"/>
+          </a:xfrm>
+          <a:prstGeom prst="rect">
+            <a:avLst/>
+          </a:prstGeom>
+        </p:spPr>
+      </p:pic>
+      <p:sp>
+        <p:nvSpPr>
+          <p:cNvPr id="2" name="Title 1"/>
+          <p:cNvSpPr>
+            <a:spLocks noGrp="1"/>
+          </p:cNvSpPr>
+          <p:nvPr>
+            <p:ph type="title"/>
+          </p:nvPr>
+        </p:nvSpPr>
+        <p:spPr/>
+        <p:txBody>
+          <a:bodyPr/>
+          <a:p>
+            <a:r>
+              <a:rPr lang="zh-CN" altLang="en-US"/>
+              <a:t>封装：不变性</a:t>
+            </a:r>
+            <a:endParaRPr lang="en-US" altLang="zh-CN"/>
+          </a:p>
+        </p:txBody>
+      </p:sp>
+      <p:sp>
+        <p:nvSpPr>
+          <p:cNvPr id="3" name="Left Brace 2"/>
+          <p:cNvSpPr/>
+          <p:nvPr/>
+        </p:nvSpPr>
+        <p:spPr>
+          <a:xfrm>
+            <a:off x="1960245" y="3525520"/>
+            <a:ext cx="164465" cy="346710"/>
+          </a:xfrm>
+          <a:prstGeom prst="leftBrace">
+            <a:avLst/>
+          </a:prstGeom>
+          <a:ln w="31750">
+            <a:solidFill>
+              <a:srgbClr val="FF3300"/>
+            </a:solidFill>
+          </a:ln>
+        </p:spPr>
+        <p:style>
+          <a:lnRef idx="1">
+            <a:schemeClr val="accent1"/>
+          </a:lnRef>
+          <a:fillRef idx="0">
+            <a:schemeClr val="accent1"/>
+          </a:fillRef>
+          <a:effectRef idx="0">
+            <a:schemeClr val="accent1"/>
+          </a:effectRef>
+          <a:fontRef idx="minor">
+            <a:schemeClr val="tx1"/>
+          </a:fontRef>
+        </p:style>
+        <p:txBody>
+          <a:bodyPr rtlCol="0" anchor="ctr"/>
+          <a:p>
+            <a:pPr algn="ctr"/>
+            <a:endParaRPr lang="en-US"/>
+          </a:p>
+        </p:txBody>
+      </p:sp>
+      <p:sp>
+        <p:nvSpPr>
+          <p:cNvPr id="5" name="Text Box 4"/>
+          <p:cNvSpPr txBox="1"/>
+          <p:nvPr/>
+        </p:nvSpPr>
+        <p:spPr>
+          <a:xfrm>
+            <a:off x="3540760" y="151765"/>
+            <a:ext cx="5334635" cy="645160"/>
+          </a:xfrm>
+          <a:prstGeom prst="rect">
+            <a:avLst/>
+          </a:prstGeom>
+          <a:noFill/>
+        </p:spPr>
+        <p:txBody>
+          <a:bodyPr wrap="square" rtlCol="0">
+            <a:spAutoFit/>
+          </a:bodyPr>
+          <a:p>
+            <a:r>
+              <a:rPr lang="zh-CN" altLang="en-US">
+                <a:sym typeface="+mn-ea"/>
+              </a:rPr>
+              <a:t>比如当我要设置数组大小为</a:t>
+            </a:r>
+            <a:r>
+              <a:rPr lang="en-US" altLang="zh-CN">
+                <a:sym typeface="+mn-ea"/>
+              </a:rPr>
+              <a:t> 4 </a:t>
+            </a:r>
+            <a:r>
+              <a:rPr lang="zh-CN" altLang="en-US">
+                <a:sym typeface="+mn-ea"/>
+              </a:rPr>
+              <a:t>时，不能只</a:t>
+            </a:r>
+            <a:r>
+              <a:rPr lang="en-US" altLang="zh-CN">
+                <a:sym typeface="+mn-ea"/>
+              </a:rPr>
+              <a:t> nv = 4</a:t>
+            </a:r>
+            <a:endParaRPr lang="en-US" altLang="zh-CN">
+              <a:sym typeface="+mn-ea"/>
+            </a:endParaRPr>
+          </a:p>
+          <a:p>
+            <a:r>
+              <a:rPr lang="zh-CN" altLang="en-US">
+                <a:sym typeface="+mn-ea"/>
+              </a:rPr>
+              <a:t>还要重新分配数组内存，从而修改数组起始地址</a:t>
+            </a:r>
+            <a:r>
+              <a:rPr lang="en-US" altLang="zh-CN">
+                <a:sym typeface="+mn-ea"/>
+              </a:rPr>
+              <a:t> v</a:t>
+            </a:r>
+            <a:endParaRPr lang="zh-CN" altLang="en-US">
+              <a:sym typeface="+mn-ea"/>
+            </a:endParaRPr>
+          </a:p>
+        </p:txBody>
+      </p:sp>
+      <p:sp>
+        <p:nvSpPr>
+          <p:cNvPr id="10" name="Text Box 9"/>
+          <p:cNvSpPr txBox="1"/>
+          <p:nvPr/>
+        </p:nvSpPr>
+        <p:spPr>
+          <a:xfrm>
+            <a:off x="3004185" y="929005"/>
+            <a:ext cx="7133590" cy="645160"/>
+          </a:xfrm>
+          <a:prstGeom prst="rect">
+            <a:avLst/>
+          </a:prstGeom>
+          <a:noFill/>
+        </p:spPr>
+        <p:txBody>
+          <a:bodyPr wrap="square" rtlCol="0">
+            <a:spAutoFit/>
+          </a:bodyPr>
+          <a:p>
+            <a:r>
+              <a:rPr lang="zh-CN" altLang="en-US">
+                <a:sym typeface="+mn-ea"/>
+              </a:rPr>
+              <a:t>常遇到：当需要修改一个成员时，其他也成员需要被修改，否则出错</a:t>
+            </a:r>
+            <a:endParaRPr lang="zh-CN" altLang="en-US">
+              <a:sym typeface="+mn-ea"/>
+            </a:endParaRPr>
+          </a:p>
+          <a:p>
+            <a:r>
+              <a:rPr lang="zh-CN" altLang="en-US"/>
+              <a:t>这种情况出现时，意味着着你需要把成员变量的读写封装为成员函数</a:t>
+            </a:r>
+            <a:endParaRPr lang="zh-CN" altLang="en-US"/>
+          </a:p>
+        </p:txBody>
+      </p:sp>
+      <p:pic>
+        <p:nvPicPr>
+          <p:cNvPr id="11" name="Content Placeholder 10"/>
+          <p:cNvPicPr>
+            <a:picLocks noChangeAspect="1"/>
+          </p:cNvPicPr>
+          <p:nvPr>
+            <p:ph sz="half" idx="2"/>
+          </p:nvPr>
+        </p:nvPicPr>
+        <p:blipFill>
+          <a:blip r:embed="rId2"/>
+          <a:stretch>
+            <a:fillRect/>
+          </a:stretch>
+        </p:blipFill>
+        <p:spPr>
+          <a:xfrm>
+            <a:off x="6610985" y="1825625"/>
+            <a:ext cx="3921760" cy="4351655"/>
+          </a:xfrm>
+          <a:prstGeom prst="rect">
+            <a:avLst/>
+          </a:prstGeom>
+        </p:spPr>
+      </p:pic>
+      <p:sp>
+        <p:nvSpPr>
+          <p:cNvPr id="12" name="Left Brace 11"/>
+          <p:cNvSpPr/>
+          <p:nvPr/>
+        </p:nvSpPr>
+        <p:spPr>
+          <a:xfrm>
+            <a:off x="7105015" y="3703320"/>
+            <a:ext cx="133985" cy="254635"/>
+          </a:xfrm>
+          <a:prstGeom prst="leftBrace">
+            <a:avLst/>
+          </a:prstGeom>
+          <a:ln w="31750">
+            <a:solidFill>
+              <a:srgbClr val="FF3300"/>
+            </a:solidFill>
+          </a:ln>
+        </p:spPr>
+        <p:style>
+          <a:lnRef idx="1">
+            <a:schemeClr val="accent1"/>
+          </a:lnRef>
+          <a:fillRef idx="0">
+            <a:schemeClr val="accent1"/>
+          </a:fillRef>
+          <a:effectRef idx="0">
+            <a:schemeClr val="accent1"/>
+          </a:effectRef>
+          <a:fontRef idx="minor">
+            <a:schemeClr val="tx1"/>
+          </a:fontRef>
+        </p:style>
+        <p:txBody>
+          <a:bodyPr rtlCol="0" anchor="ctr"/>
+          <a:p>
+            <a:pPr algn="ctr"/>
+            <a:endParaRPr lang="en-US"/>
+          </a:p>
+        </p:txBody>
+      </p:sp>
+    </p:spTree>
+  </p:cSld>
+  <p:clrMapOvr>
+    <a:masterClrMapping/>
+  </p:clrMapOvr>
+</p:sld>
+</file>
+
+<file path=ppt/slides/slide21.xml><?xml version="1.0" encoding="utf-8"?>
+<p:sld xmlns:a="http://schemas.openxmlformats.org/drawingml/2006/main" xmlns:r="http://schemas.openxmlformats.org/officeDocument/2006/relationships" xmlns:p="http://schemas.openxmlformats.org/presentationml/2006/main">
+  <p:cSld>
+    <p:spTree>
+      <p:nvGrpSpPr>
+        <p:cNvPr id="1" name=""/>
+        <p:cNvGrpSpPr/>
+        <p:nvPr/>
+      </p:nvGrpSpPr>
+      <p:grpSpPr/>
+      <p:pic>
+        <p:nvPicPr>
+          <p:cNvPr id="16" name="Content Placeholder 3"/>
+          <p:cNvPicPr>
+            <a:picLocks noChangeAspect="1"/>
+          </p:cNvPicPr>
+          <p:nvPr>
+            <p:ph sz="half" idx="2"/>
+          </p:nvPr>
+        </p:nvPicPr>
+        <p:blipFill>
+          <a:blip r:embed="rId1"/>
+          <a:stretch>
+            <a:fillRect/>
+          </a:stretch>
+        </p:blipFill>
+        <p:spPr>
+          <a:xfrm>
+            <a:off x="6276975" y="1821180"/>
+            <a:ext cx="4610100" cy="4351655"/>
+          </a:xfrm>
+          <a:prstGeom prst="rect">
+            <a:avLst/>
+          </a:prstGeom>
+        </p:spPr>
+      </p:pic>
+      <p:sp>
+        <p:nvSpPr>
+          <p:cNvPr id="2" name="Title 1"/>
+          <p:cNvSpPr>
+            <a:spLocks noGrp="1"/>
+          </p:cNvSpPr>
+          <p:nvPr>
+            <p:ph type="title"/>
+          </p:nvPr>
+        </p:nvSpPr>
+        <p:spPr/>
+        <p:txBody>
+          <a:bodyPr/>
+          <a:p>
+            <a:r>
+              <a:rPr lang="en-US" altLang="zh-CN">
+                <a:sym typeface="+mn-ea"/>
+              </a:rPr>
+              <a:t>C++</a:t>
+            </a:r>
+            <a:r>
+              <a:rPr lang="zh-CN" altLang="en-US">
+                <a:sym typeface="+mn-ea"/>
+              </a:rPr>
+              <a:t>思想</a:t>
+            </a:r>
+            <a:r>
+              <a:rPr lang="zh-CN" altLang="en-US"/>
+              <a:t>：</a:t>
+            </a:r>
+            <a:r>
+              <a:rPr lang="en-US" altLang="zh-CN"/>
+              <a:t>RAII</a:t>
+            </a:r>
+            <a:r>
+              <a:rPr lang="zh-CN" altLang="en-US"/>
+              <a:t>（</a:t>
+            </a:r>
+            <a:r>
+              <a:rPr lang="en-US" altLang="zh-CN"/>
+              <a:t>Resource Acquisition Is Initialization</a:t>
+            </a:r>
+            <a:r>
+              <a:rPr lang="zh-CN" altLang="en-US"/>
+              <a:t>）</a:t>
+            </a:r>
+            <a:endParaRPr lang="zh-CN" altLang="en-US"/>
+          </a:p>
+        </p:txBody>
+      </p:sp>
+      <p:pic>
+        <p:nvPicPr>
+          <p:cNvPr id="8" name="Content Placeholder 7"/>
+          <p:cNvPicPr>
+            <a:picLocks noChangeAspect="1"/>
+          </p:cNvPicPr>
+          <p:nvPr>
+            <p:ph sz="half" idx="1"/>
+          </p:nvPr>
+        </p:nvPicPr>
+        <p:blipFill>
+          <a:blip r:embed="rId2"/>
+          <a:stretch>
+            <a:fillRect/>
+          </a:stretch>
+        </p:blipFill>
+        <p:spPr>
+          <a:xfrm>
+            <a:off x="1088390" y="1821180"/>
+            <a:ext cx="4319270" cy="4351655"/>
+          </a:xfrm>
+          <a:prstGeom prst="rect">
+            <a:avLst/>
+          </a:prstGeom>
+        </p:spPr>
+      </p:pic>
+      <p:cxnSp>
+        <p:nvCxnSpPr>
+          <p:cNvPr id="9" name="Straight Connector 8"/>
+          <p:cNvCxnSpPr/>
+          <p:nvPr/>
+        </p:nvCxnSpPr>
+        <p:spPr>
+          <a:xfrm>
+            <a:off x="3115945" y="3249930"/>
+            <a:ext cx="2258695" cy="0"/>
+          </a:xfrm>
+          <a:prstGeom prst="line">
+            <a:avLst/>
+          </a:prstGeom>
+          <a:ln w="38100">
+            <a:solidFill>
+              <a:srgbClr val="FF3300"/>
+            </a:solidFill>
+          </a:ln>
+        </p:spPr>
+        <p:style>
+          <a:lnRef idx="1">
+            <a:schemeClr val="accent1"/>
+          </a:lnRef>
+          <a:fillRef idx="0">
+            <a:schemeClr val="accent1"/>
+          </a:fillRef>
+          <a:effectRef idx="0">
+            <a:schemeClr val="accent1"/>
+          </a:effectRef>
+          <a:fontRef idx="minor">
+            <a:schemeClr val="tx1"/>
+          </a:fontRef>
+        </p:style>
+      </p:cxnSp>
+      <p:cxnSp>
+        <p:nvCxnSpPr>
+          <p:cNvPr id="10" name="Straight Connector 9"/>
+          <p:cNvCxnSpPr/>
+          <p:nvPr/>
+        </p:nvCxnSpPr>
+        <p:spPr>
+          <a:xfrm>
+            <a:off x="1787525" y="5866130"/>
+            <a:ext cx="694690" cy="0"/>
+          </a:xfrm>
+          <a:prstGeom prst="line">
+            <a:avLst/>
+          </a:prstGeom>
+          <a:ln w="38100">
+            <a:solidFill>
+              <a:srgbClr val="FF3300"/>
+            </a:solidFill>
+          </a:ln>
+        </p:spPr>
+        <p:style>
+          <a:lnRef idx="1">
+            <a:schemeClr val="accent1"/>
+          </a:lnRef>
+          <a:fillRef idx="0">
+            <a:schemeClr val="accent1"/>
+          </a:fillRef>
+          <a:effectRef idx="0">
+            <a:schemeClr val="accent1"/>
+          </a:effectRef>
+          <a:fontRef idx="minor">
+            <a:schemeClr val="tx1"/>
+          </a:fontRef>
+        </p:style>
+      </p:cxnSp>
+      <p:cxnSp>
+        <p:nvCxnSpPr>
+          <p:cNvPr id="17" name="Straight Connector 16"/>
+          <p:cNvCxnSpPr/>
+          <p:nvPr/>
+        </p:nvCxnSpPr>
+        <p:spPr>
+          <a:xfrm>
+            <a:off x="8679815" y="3182620"/>
+            <a:ext cx="455295" cy="0"/>
+          </a:xfrm>
+          <a:prstGeom prst="line">
+            <a:avLst/>
+          </a:prstGeom>
+          <a:ln w="38100">
+            <a:solidFill>
+              <a:srgbClr val="FF3300"/>
+            </a:solidFill>
+          </a:ln>
+        </p:spPr>
+        <p:style>
+          <a:lnRef idx="1">
+            <a:schemeClr val="accent1"/>
+          </a:lnRef>
+          <a:fillRef idx="0">
+            <a:schemeClr val="accent1"/>
+          </a:fillRef>
+          <a:effectRef idx="0">
+            <a:schemeClr val="accent1"/>
+          </a:effectRef>
+          <a:fontRef idx="minor">
+            <a:schemeClr val="tx1"/>
+          </a:fontRef>
+        </p:style>
+      </p:cxnSp>
+      <p:sp>
+        <p:nvSpPr>
+          <p:cNvPr id="18" name="Text Box 17"/>
+          <p:cNvSpPr txBox="1"/>
+          <p:nvPr/>
+        </p:nvSpPr>
+        <p:spPr>
+          <a:xfrm>
+            <a:off x="3115945" y="1216025"/>
+            <a:ext cx="5334635" cy="368300"/>
+          </a:xfrm>
+          <a:prstGeom prst="rect">
+            <a:avLst/>
+          </a:prstGeom>
+          <a:noFill/>
+        </p:spPr>
+        <p:txBody>
+          <a:bodyPr wrap="square" rtlCol="0">
+            <a:spAutoFit/>
+          </a:bodyPr>
+          <a:p>
+            <a:r>
+              <a:rPr lang="zh-CN" altLang="en-US">
+                <a:sym typeface="+mn-ea"/>
+              </a:rPr>
+              <a:t>资源获取视为初始化，反之，资源释放视为销毁</a:t>
+            </a:r>
+            <a:endParaRPr lang="zh-CN" altLang="en-US">
+              <a:sym typeface="+mn-ea"/>
+            </a:endParaRPr>
+          </a:p>
+        </p:txBody>
+      </p:sp>
+      <p:sp>
+        <p:nvSpPr>
+          <p:cNvPr id="19" name="Text Box 18"/>
+          <p:cNvSpPr txBox="1"/>
+          <p:nvPr/>
+        </p:nvSpPr>
+        <p:spPr>
+          <a:xfrm>
+            <a:off x="3287395" y="6172835"/>
+            <a:ext cx="5469255" cy="922020"/>
+          </a:xfrm>
+          <a:prstGeom prst="rect">
+            <a:avLst/>
+          </a:prstGeom>
+          <a:noFill/>
+        </p:spPr>
+        <p:txBody>
+          <a:bodyPr wrap="square" rtlCol="0">
+            <a:spAutoFit/>
+          </a:bodyPr>
+          <a:p>
+            <a:pPr algn="l"/>
+            <a:r>
+              <a:rPr lang="en-US">
+                <a:sym typeface="+mn-ea"/>
+              </a:rPr>
+              <a:t>C++ </a:t>
+            </a:r>
+            <a:r>
+              <a:rPr lang="zh-CN" altLang="en-US"/>
+              <a:t>除了用于</a:t>
+            </a:r>
+            <a:r>
+              <a:rPr lang="zh-CN" altLang="en-US" b="1"/>
+              <a:t>初始化</a:t>
+            </a:r>
+            <a:r>
+              <a:rPr lang="zh-CN" altLang="en-US">
+                <a:sym typeface="+mn-ea"/>
+              </a:rPr>
+              <a:t>的</a:t>
+            </a:r>
+            <a:r>
+              <a:rPr lang="zh-CN" altLang="en-US"/>
+              <a:t>构造函数（</a:t>
+            </a:r>
+            <a:r>
+              <a:rPr lang="en-US" altLang="zh-CN"/>
+              <a:t>constructor</a:t>
+            </a:r>
+            <a:r>
+              <a:rPr lang="zh-CN" altLang="en-US"/>
+              <a:t>）</a:t>
+            </a:r>
+            <a:endParaRPr lang="zh-CN" altLang="en-US"/>
+          </a:p>
+          <a:p>
+            <a:pPr algn="l"/>
+            <a:r>
+              <a:rPr lang="zh-CN" altLang="en-US"/>
+              <a:t>还包括了用于</a:t>
+            </a:r>
+            <a:r>
+              <a:rPr lang="zh-CN" altLang="en-US" b="1"/>
+              <a:t>销毁</a:t>
+            </a:r>
+            <a:r>
+              <a:rPr lang="zh-CN" altLang="en-US"/>
+              <a:t>的解构函数（</a:t>
+            </a:r>
+            <a:r>
+              <a:rPr lang="en-US" altLang="zh-CN"/>
+              <a:t>destructor</a:t>
+            </a:r>
+            <a:r>
+              <a:rPr lang="zh-CN" altLang="en-US"/>
+              <a:t>）</a:t>
+            </a:r>
+            <a:endParaRPr lang="zh-CN" altLang="en-US"/>
+          </a:p>
+          <a:p>
+            <a:pPr algn="l"/>
+            <a:endParaRPr lang="en-US" altLang="zh-CN"/>
+          </a:p>
+        </p:txBody>
+      </p:sp>
+      <p:sp>
+        <p:nvSpPr>
+          <p:cNvPr id="21" name="Text Box 20"/>
+          <p:cNvSpPr txBox="1"/>
+          <p:nvPr/>
+        </p:nvSpPr>
+        <p:spPr>
+          <a:xfrm>
+            <a:off x="7995285" y="5621020"/>
+            <a:ext cx="2759075" cy="368300"/>
+          </a:xfrm>
+          <a:prstGeom prst="rect">
+            <a:avLst/>
+          </a:prstGeom>
+          <a:noFill/>
+        </p:spPr>
+        <p:txBody>
+          <a:bodyPr wrap="square" rtlCol="0">
+            <a:spAutoFit/>
+          </a:bodyPr>
+          <a:p>
+            <a:r>
+              <a:rPr lang="zh-CN" altLang="en-US">
+                <a:solidFill>
+                  <a:srgbClr val="FF0000"/>
+                </a:solidFill>
+                <a:effectLst>
+                  <a:outerShdw blurRad="38100" dist="19050" dir="2700000" algn="tl" rotWithShape="0">
+                    <a:schemeClr val="dk1">
+                      <a:alpha val="40000"/>
+                    </a:schemeClr>
+                  </a:outerShdw>
+                </a:effectLst>
+                <a:sym typeface="+mn-ea"/>
+              </a:rPr>
+              <a:t>离开</a:t>
+            </a:r>
+            <a:r>
+              <a:rPr lang="en-US" altLang="zh-CN">
+                <a:solidFill>
+                  <a:srgbClr val="FF0000"/>
+                </a:solidFill>
+                <a:effectLst>
+                  <a:outerShdw blurRad="38100" dist="19050" dir="2700000" algn="tl" rotWithShape="0">
+                    <a:schemeClr val="dk1">
+                      <a:alpha val="40000"/>
+                    </a:schemeClr>
+                  </a:outerShdw>
+                </a:effectLst>
+                <a:sym typeface="+mn-ea"/>
+              </a:rPr>
+              <a:t> {} </a:t>
+            </a:r>
+            <a:r>
+              <a:rPr lang="zh-CN" altLang="en-US">
+                <a:solidFill>
+                  <a:srgbClr val="FF0000"/>
+                </a:solidFill>
+                <a:effectLst>
+                  <a:outerShdw blurRad="38100" dist="19050" dir="2700000" algn="tl" rotWithShape="0">
+                    <a:schemeClr val="dk1">
+                      <a:alpha val="40000"/>
+                    </a:schemeClr>
+                  </a:outerShdw>
+                </a:effectLst>
+                <a:sym typeface="+mn-ea"/>
+              </a:rPr>
+              <a:t>作用域自动释放</a:t>
+            </a:r>
+            <a:endParaRPr lang="zh-CN" altLang="en-US">
+              <a:solidFill>
+                <a:srgbClr val="FF0000"/>
+              </a:solidFill>
+              <a:effectLst>
+                <a:outerShdw blurRad="38100" dist="19050" dir="2700000" algn="tl" rotWithShape="0">
+                  <a:schemeClr val="dk1">
+                    <a:alpha val="40000"/>
+                  </a:schemeClr>
+                </a:outerShdw>
+              </a:effectLst>
+              <a:sym typeface="+mn-ea"/>
+            </a:endParaRPr>
+          </a:p>
+        </p:txBody>
+      </p:sp>
+      <p:sp>
+        <p:nvSpPr>
+          <p:cNvPr id="22" name="Text Box 21"/>
+          <p:cNvSpPr txBox="1"/>
+          <p:nvPr/>
+        </p:nvSpPr>
+        <p:spPr>
+          <a:xfrm>
+            <a:off x="2544445" y="5621020"/>
+            <a:ext cx="2759075" cy="368300"/>
+          </a:xfrm>
+          <a:prstGeom prst="rect">
+            <a:avLst/>
+          </a:prstGeom>
+          <a:noFill/>
+        </p:spPr>
+        <p:txBody>
+          <a:bodyPr wrap="square" rtlCol="0">
+            <a:spAutoFit/>
+          </a:bodyPr>
+          <a:p>
+            <a:r>
+              <a:rPr lang="zh-CN">
+                <a:solidFill>
+                  <a:srgbClr val="FF0000"/>
+                </a:solidFill>
+                <a:effectLst>
+                  <a:outerShdw blurRad="38100" dist="19050" dir="2700000" algn="tl" rotWithShape="0">
+                    <a:schemeClr val="dk1">
+                      <a:alpha val="40000"/>
+                    </a:schemeClr>
+                  </a:outerShdw>
+                </a:effectLst>
+                <a:sym typeface="+mn-ea"/>
+              </a:rPr>
+              <a:t>手动</a:t>
+            </a:r>
+            <a:r>
+              <a:rPr lang="zh-CN" altLang="en-US">
+                <a:solidFill>
+                  <a:srgbClr val="FF0000"/>
+                </a:solidFill>
+                <a:effectLst>
+                  <a:outerShdw blurRad="38100" dist="19050" dir="2700000" algn="tl" rotWithShape="0">
+                    <a:schemeClr val="dk1">
+                      <a:alpha val="40000"/>
+                    </a:schemeClr>
+                  </a:outerShdw>
+                </a:effectLst>
+                <a:sym typeface="+mn-ea"/>
+              </a:rPr>
+              <a:t>释放</a:t>
+            </a:r>
+            <a:endParaRPr lang="zh-CN" altLang="en-US">
+              <a:solidFill>
+                <a:srgbClr val="FF0000"/>
+              </a:solidFill>
+              <a:effectLst>
+                <a:outerShdw blurRad="38100" dist="19050" dir="2700000" algn="tl" rotWithShape="0">
+                  <a:schemeClr val="dk1">
+                    <a:alpha val="40000"/>
+                  </a:schemeClr>
+                </a:outerShdw>
+              </a:effectLst>
+              <a:sym typeface="+mn-ea"/>
+            </a:endParaRPr>
+          </a:p>
+        </p:txBody>
+      </p:sp>
+    </p:spTree>
+  </p:cSld>
+  <p:clrMapOvr>
+    <a:masterClrMapping/>
+  </p:clrMapOvr>
+</p:sld>
+</file>
+
+<file path=ppt/slides/slide22.xml><?xml version="1.0" encoding="utf-8"?>
+<p:sld xmlns:a="http://schemas.openxmlformats.org/drawingml/2006/main" xmlns:r="http://schemas.openxmlformats.org/officeDocument/2006/relationships" xmlns:p="http://schemas.openxmlformats.org/presentationml/2006/main">
+  <p:cSld>
+    <p:spTree>
+      <p:nvGrpSpPr>
+        <p:cNvPr id="1" name=""/>
+        <p:cNvGrpSpPr/>
+        <p:nvPr/>
+      </p:nvGrpSpPr>
+      <p:grpSpPr/>
+      <p:pic>
+        <p:nvPicPr>
+          <p:cNvPr id="20" name="Content Placeholder 19"/>
+          <p:cNvPicPr>
+            <a:picLocks noChangeAspect="1"/>
+          </p:cNvPicPr>
+          <p:nvPr>
+            <p:ph sz="half" idx="2"/>
+          </p:nvPr>
+        </p:nvPicPr>
+        <p:blipFill>
+          <a:blip r:embed="rId1"/>
+          <a:stretch>
+            <a:fillRect/>
+          </a:stretch>
+        </p:blipFill>
+        <p:spPr>
+          <a:xfrm>
+            <a:off x="6400165" y="1825625"/>
+            <a:ext cx="4344035" cy="4351655"/>
+          </a:xfrm>
+          <a:prstGeom prst="rect">
+            <a:avLst/>
+          </a:prstGeom>
+        </p:spPr>
+      </p:pic>
+      <p:sp>
+        <p:nvSpPr>
+          <p:cNvPr id="2" name="Title 1"/>
+          <p:cNvSpPr>
+            <a:spLocks noGrp="1"/>
+          </p:cNvSpPr>
+          <p:nvPr>
+            <p:ph type="title"/>
+          </p:nvPr>
+        </p:nvSpPr>
+        <p:spPr/>
+        <p:txBody>
+          <a:bodyPr/>
+          <a:p>
+            <a:r>
+              <a:rPr lang="en-US"/>
+              <a:t>RAII</a:t>
+            </a:r>
+            <a:r>
+              <a:rPr lang="zh-CN" altLang="en-US"/>
+              <a:t>：避免犯错误</a:t>
+            </a:r>
+            <a:endParaRPr lang="zh-CN" altLang="en-US"/>
+          </a:p>
+        </p:txBody>
+      </p:sp>
+      <p:sp>
+        <p:nvSpPr>
+          <p:cNvPr id="6" name="Text Box 5"/>
+          <p:cNvSpPr txBox="1"/>
+          <p:nvPr/>
+        </p:nvSpPr>
+        <p:spPr>
+          <a:xfrm>
+            <a:off x="6058535" y="460375"/>
+            <a:ext cx="5304155" cy="922020"/>
+          </a:xfrm>
+          <a:prstGeom prst="rect">
+            <a:avLst/>
+          </a:prstGeom>
+          <a:noFill/>
+        </p:spPr>
+        <p:txBody>
+          <a:bodyPr wrap="square" rtlCol="0">
+            <a:spAutoFit/>
+          </a:bodyPr>
+          <a:p>
+            <a:r>
+              <a:rPr lang="en-US"/>
+              <a:t>与 Java</a:t>
+            </a:r>
+            <a:r>
+              <a:rPr lang="zh-CN" altLang="en-US"/>
+              <a:t>，</a:t>
+            </a:r>
+            <a:r>
+              <a:rPr lang="en-US" altLang="zh-CN"/>
+              <a:t>Python </a:t>
+            </a:r>
+            <a:r>
+              <a:rPr lang="zh-CN" altLang="en-US"/>
+              <a:t>等</a:t>
+            </a:r>
+            <a:r>
+              <a:rPr lang="en-US"/>
+              <a:t>垃圾回收语言不同</a:t>
+            </a:r>
+            <a:r>
+              <a:rPr lang="zh-CN" altLang="en-US"/>
+              <a:t>，</a:t>
+            </a:r>
+            <a:r>
+              <a:rPr lang="en-US" altLang="zh-CN"/>
+              <a:t>C++ </a:t>
+            </a:r>
+            <a:r>
+              <a:rPr lang="zh-CN" altLang="en-US"/>
+              <a:t>的解构函数是显式的，离开作用域自动销毁，毫不含糊（有好处也有坏处，对高性能计算而言利大于弊）</a:t>
+            </a:r>
+            <a:endParaRPr lang="zh-CN" altLang="en-US"/>
+          </a:p>
+        </p:txBody>
+      </p:sp>
+      <p:pic>
+        <p:nvPicPr>
+          <p:cNvPr id="18" name="Content Placeholder 17"/>
+          <p:cNvPicPr>
+            <a:picLocks noChangeAspect="1"/>
+          </p:cNvPicPr>
+          <p:nvPr>
+            <p:ph sz="half" idx="1"/>
+          </p:nvPr>
+        </p:nvPicPr>
+        <p:blipFill>
+          <a:blip r:embed="rId2"/>
+          <a:stretch>
+            <a:fillRect/>
+          </a:stretch>
+        </p:blipFill>
+        <p:spPr>
+          <a:xfrm>
+            <a:off x="1737360" y="1825625"/>
+            <a:ext cx="3001645" cy="4351655"/>
+          </a:xfrm>
+          <a:prstGeom prst="rect">
+            <a:avLst/>
+          </a:prstGeom>
+        </p:spPr>
+      </p:pic>
+    </p:spTree>
+  </p:cSld>
+  <p:clrMapOvr>
+    <a:masterClrMapping/>
+  </p:clrMapOvr>
+</p:sld>
+</file>
+
+<file path=ppt/slides/slide23.xml><?xml version="1.0" encoding="utf-8"?>
+<p:sld xmlns:a="http://schemas.openxmlformats.org/drawingml/2006/main" xmlns:r="http://schemas.openxmlformats.org/officeDocument/2006/relationships" xmlns:p="http://schemas.openxmlformats.org/presentationml/2006/main">
+  <p:cSld>
+    <p:spTree>
+      <p:nvGrpSpPr>
+        <p:cNvPr id="1" name=""/>
+        <p:cNvGrpSpPr/>
+        <p:nvPr/>
+      </p:nvGrpSpPr>
+      <p:grpSpPr/>
+      <p:sp>
+        <p:nvSpPr>
+          <p:cNvPr id="2" name="Title 1"/>
+          <p:cNvSpPr>
+            <a:spLocks noGrp="1"/>
+          </p:cNvSpPr>
+          <p:nvPr>
+            <p:ph type="title"/>
+          </p:nvPr>
+        </p:nvSpPr>
+        <p:spPr/>
+        <p:txBody>
+          <a:bodyPr/>
+          <a:p>
+            <a:r>
+              <a:rPr lang="en-US"/>
+              <a:t>RAII</a:t>
+            </a:r>
+            <a:r>
+              <a:rPr lang="zh-CN" altLang="en-US"/>
+              <a:t>：异常安全（</a:t>
+            </a:r>
+            <a:r>
+              <a:rPr lang="en-US" altLang="zh-CN"/>
+              <a:t>exception-safe</a:t>
+            </a:r>
+            <a:r>
+              <a:rPr lang="zh-CN" altLang="en-US"/>
+              <a:t>）</a:t>
+            </a:r>
+            <a:endParaRPr lang="zh-CN" altLang="en-US"/>
+          </a:p>
+        </p:txBody>
+      </p:sp>
+      <p:pic>
+        <p:nvPicPr>
+          <p:cNvPr id="5" name="Content Placeholder 4"/>
+          <p:cNvPicPr>
+            <a:picLocks noChangeAspect="1"/>
+          </p:cNvPicPr>
+          <p:nvPr>
+            <p:ph sz="half" idx="1"/>
+          </p:nvPr>
+        </p:nvPicPr>
+        <p:blipFill>
+          <a:blip r:embed="rId1"/>
+          <a:stretch>
+            <a:fillRect/>
+          </a:stretch>
+        </p:blipFill>
+        <p:spPr>
+          <a:xfrm>
+            <a:off x="1033145" y="2808605"/>
+            <a:ext cx="4410075" cy="1771650"/>
+          </a:xfrm>
+          <a:prstGeom prst="rect">
+            <a:avLst/>
+          </a:prstGeom>
+        </p:spPr>
+      </p:pic>
+      <p:sp>
+        <p:nvSpPr>
+          <p:cNvPr id="6" name="Text Box 5"/>
+          <p:cNvSpPr txBox="1"/>
+          <p:nvPr/>
+        </p:nvSpPr>
+        <p:spPr>
+          <a:xfrm>
+            <a:off x="2858135" y="1503045"/>
+            <a:ext cx="6838950" cy="368300"/>
+          </a:xfrm>
+          <a:prstGeom prst="rect">
+            <a:avLst/>
+          </a:prstGeom>
+          <a:noFill/>
+        </p:spPr>
+        <p:txBody>
+          <a:bodyPr wrap="square" rtlCol="0">
+            <a:spAutoFit/>
+          </a:bodyPr>
+          <a:p>
+            <a:r>
+              <a:rPr lang="en-US"/>
+              <a:t>C++ </a:t>
+            </a:r>
+            <a:r>
+              <a:rPr lang="zh-CN" altLang="en-US"/>
+              <a:t>标准保证当异常发生时，会调用需要已创建对象的解构函数</a:t>
+            </a:r>
+            <a:endParaRPr lang="zh-CN" altLang="en-US"/>
+          </a:p>
+        </p:txBody>
+      </p:sp>
+      <p:pic>
+        <p:nvPicPr>
+          <p:cNvPr id="9" name="Picture 8"/>
+          <p:cNvPicPr>
+            <a:picLocks noChangeAspect="1"/>
+          </p:cNvPicPr>
+          <p:nvPr/>
+        </p:nvPicPr>
+        <p:blipFill>
+          <a:blip r:embed="rId2"/>
+          <a:stretch>
+            <a:fillRect/>
+          </a:stretch>
+        </p:blipFill>
+        <p:spPr>
+          <a:xfrm>
+            <a:off x="6824980" y="5427980"/>
+            <a:ext cx="5367020" cy="1430020"/>
+          </a:xfrm>
+          <a:prstGeom prst="rect">
+            <a:avLst/>
+          </a:prstGeom>
+        </p:spPr>
+      </p:pic>
+      <p:pic>
+        <p:nvPicPr>
+          <p:cNvPr id="3" name="Content Placeholder 2"/>
+          <p:cNvPicPr>
+            <a:picLocks noChangeAspect="1"/>
+          </p:cNvPicPr>
+          <p:nvPr>
+            <p:ph sz="half" idx="2"/>
+          </p:nvPr>
+        </p:nvPicPr>
+        <p:blipFill>
+          <a:blip r:embed="rId3"/>
+          <a:stretch>
+            <a:fillRect/>
+          </a:stretch>
+        </p:blipFill>
+        <p:spPr>
+          <a:xfrm>
+            <a:off x="6229350" y="2395220"/>
+            <a:ext cx="4705350" cy="2762250"/>
+          </a:xfrm>
+          <a:prstGeom prst="rect">
+            <a:avLst/>
+          </a:prstGeom>
+        </p:spPr>
+      </p:pic>
+      <p:sp>
+        <p:nvSpPr>
+          <p:cNvPr id="8" name="Text Box 7"/>
+          <p:cNvSpPr txBox="1"/>
+          <p:nvPr/>
+        </p:nvSpPr>
+        <p:spPr>
+          <a:xfrm>
+            <a:off x="1552575" y="4732020"/>
+            <a:ext cx="2830830" cy="2030095"/>
+          </a:xfrm>
+          <a:prstGeom prst="rect">
+            <a:avLst/>
+          </a:prstGeom>
+          <a:noFill/>
+        </p:spPr>
+        <p:txBody>
+          <a:bodyPr wrap="square" rtlCol="0">
+            <a:spAutoFit/>
+          </a:bodyPr>
+          <a:p>
+            <a:r>
+              <a:rPr lang="zh-CN" altLang="en-US"/>
+              <a:t>如果此处不关闭，则可等待稍后</a:t>
+            </a:r>
+            <a:r>
+              <a:rPr lang="zh-CN"/>
+              <a:t>垃圾回收</a:t>
+            </a:r>
+            <a:r>
+              <a:rPr lang="zh-CN" altLang="en-US"/>
+              <a:t>时关闭。</a:t>
+            </a:r>
+            <a:endParaRPr lang="zh-CN" altLang="en-US"/>
+          </a:p>
+          <a:p>
+            <a:r>
+              <a:rPr lang="zh-CN" altLang="en-US"/>
+              <a:t>虽然最后还是关了，但如果对</a:t>
+            </a:r>
+            <a:r>
+              <a:rPr lang="zh-CN" altLang="en-US" b="1"/>
+              <a:t>时序</a:t>
+            </a:r>
+            <a:r>
+              <a:rPr lang="zh-CN" altLang="en-US"/>
+              <a:t>有要求或对</a:t>
+            </a:r>
+            <a:r>
+              <a:rPr lang="zh-CN" altLang="en-US" b="1"/>
+              <a:t>性能</a:t>
+            </a:r>
+            <a:r>
+              <a:rPr lang="zh-CN" altLang="en-US"/>
+              <a:t>有要求就不能依靠</a:t>
+            </a:r>
+            <a:r>
+              <a:rPr lang="en-US" altLang="zh-CN"/>
+              <a:t> GC</a:t>
+            </a:r>
+            <a:r>
+              <a:rPr lang="zh-CN" altLang="en-US"/>
+              <a:t>。</a:t>
+            </a:r>
+            <a:endParaRPr lang="zh-CN" altLang="en-US"/>
+          </a:p>
+          <a:p>
+            <a:r>
+              <a:rPr lang="zh-CN" altLang="en-US"/>
+              <a:t>比如</a:t>
+            </a:r>
+            <a:r>
+              <a:rPr lang="en-US" altLang="zh-CN"/>
+              <a:t> mutex </a:t>
+            </a:r>
+            <a:r>
+              <a:rPr lang="zh-CN" altLang="en-US"/>
+              <a:t>忘记</a:t>
+            </a:r>
+            <a:r>
+              <a:rPr lang="en-US" altLang="zh-CN"/>
+              <a:t> unlock </a:t>
+            </a:r>
+            <a:r>
+              <a:rPr lang="zh-CN" altLang="en-US"/>
+              <a:t>造成死锁等等</a:t>
+            </a:r>
+            <a:r>
+              <a:rPr lang="en-US" altLang="zh-CN"/>
+              <a:t>……</a:t>
+            </a:r>
+            <a:endParaRPr lang="en-US" altLang="zh-CN"/>
+          </a:p>
+        </p:txBody>
+      </p:sp>
+    </p:spTree>
+  </p:cSld>
+  <p:clrMapOvr>
+    <a:masterClrMapping/>
+  </p:clrMapOvr>
+</p:sld>
+</file>
+
+<file path=ppt/slides/slide24.xml><?xml version="1.0" encoding="utf-8"?>
+<p:sld xmlns:a="http://schemas.openxmlformats.org/drawingml/2006/main" xmlns:r="http://schemas.openxmlformats.org/officeDocument/2006/relationships" xmlns:p="http://schemas.openxmlformats.org/presentationml/2006/main">
+  <p:cSld>
+    <p:spTree>
+      <p:nvGrpSpPr>
+        <p:cNvPr id="1" name=""/>
+        <p:cNvGrpSpPr/>
+        <p:nvPr/>
+      </p:nvGrpSpPr>
+      <p:grpSpPr/>
+      <p:sp>
+        <p:nvSpPr>
+          <p:cNvPr id="2" name="Title 1"/>
+          <p:cNvSpPr>
+            <a:spLocks noGrp="1"/>
+          </p:cNvSpPr>
+          <p:nvPr>
+            <p:ph type="title"/>
+          </p:nvPr>
+        </p:nvSpPr>
+        <p:spPr/>
+        <p:txBody>
+          <a:bodyPr/>
+          <a:p>
+            <a:r>
+              <a:rPr lang="zh-CN" altLang="en-US"/>
+              <a:t>编写我们自己的</a:t>
+            </a:r>
+            <a:r>
+              <a:rPr lang="en-US" altLang="zh-CN"/>
+              <a:t> vector </a:t>
+            </a:r>
+            <a:r>
+              <a:rPr lang="zh-CN" altLang="en-US"/>
+              <a:t>类！</a:t>
+            </a:r>
+            <a:endParaRPr lang="zh-CN" altLang="en-US"/>
+          </a:p>
+        </p:txBody>
+      </p:sp>
+      <p:sp>
+        <p:nvSpPr>
+          <p:cNvPr id="6" name="Text Box 5"/>
+          <p:cNvSpPr txBox="1"/>
+          <p:nvPr/>
+        </p:nvSpPr>
+        <p:spPr>
+          <a:xfrm>
+            <a:off x="2960370" y="1216025"/>
+            <a:ext cx="6838950" cy="368300"/>
+          </a:xfrm>
+          <a:prstGeom prst="rect">
+            <a:avLst/>
+          </a:prstGeom>
+          <a:noFill/>
+        </p:spPr>
+        <p:txBody>
+          <a:bodyPr wrap="square" rtlCol="0">
+            <a:spAutoFit/>
+          </a:bodyPr>
+          <a:p>
+            <a:r>
+              <a:rPr lang="zh-CN" altLang="en-US"/>
+              <a:t>看来</a:t>
+            </a:r>
+            <a:r>
+              <a:rPr lang="en-US" altLang="zh-CN"/>
+              <a:t> vector </a:t>
+            </a:r>
+            <a:r>
+              <a:rPr lang="zh-CN" altLang="en-US"/>
+              <a:t>也不过如此！让我们自己实现一个</a:t>
+            </a:r>
+            <a:r>
+              <a:rPr lang="en-US" altLang="zh-CN"/>
+              <a:t> Vector </a:t>
+            </a:r>
+            <a:r>
+              <a:rPr lang="zh-CN" altLang="en-US"/>
+              <a:t>类试试看吧</a:t>
+            </a:r>
+            <a:endParaRPr lang="zh-CN" altLang="en-US"/>
+          </a:p>
+        </p:txBody>
+      </p:sp>
+      <p:pic>
+        <p:nvPicPr>
+          <p:cNvPr id="5" name="Content Placeholder 4"/>
+          <p:cNvPicPr>
+            <a:picLocks noChangeAspect="1"/>
+          </p:cNvPicPr>
+          <p:nvPr>
+            <p:ph sz="half" idx="2"/>
+          </p:nvPr>
+        </p:nvPicPr>
+        <p:blipFill>
+          <a:blip r:embed="rId1"/>
+          <a:stretch>
+            <a:fillRect/>
+          </a:stretch>
+        </p:blipFill>
+        <p:spPr>
+          <a:xfrm>
+            <a:off x="6198870" y="1825625"/>
+            <a:ext cx="4746625" cy="4351655"/>
+          </a:xfrm>
+          <a:prstGeom prst="rect">
+            <a:avLst/>
+          </a:prstGeom>
+        </p:spPr>
+      </p:pic>
+      <p:pic>
+        <p:nvPicPr>
+          <p:cNvPr id="7" name="Content Placeholder 6"/>
+          <p:cNvPicPr>
+            <a:picLocks noChangeAspect="1"/>
+          </p:cNvPicPr>
+          <p:nvPr>
+            <p:ph sz="half" idx="1"/>
+          </p:nvPr>
+        </p:nvPicPr>
+        <p:blipFill>
+          <a:blip r:embed="rId2"/>
+          <a:stretch>
+            <a:fillRect/>
+          </a:stretch>
+        </p:blipFill>
+        <p:spPr>
+          <a:xfrm>
+            <a:off x="1038225" y="1501140"/>
+            <a:ext cx="4399280" cy="5001260"/>
+          </a:xfrm>
+          <a:prstGeom prst="rect">
+            <a:avLst/>
+          </a:prstGeom>
+        </p:spPr>
+      </p:pic>
+      <p:pic>
+        <p:nvPicPr>
+          <p:cNvPr id="8" name="Picture 7"/>
+          <p:cNvPicPr>
+            <a:picLocks noChangeAspect="1"/>
+          </p:cNvPicPr>
+          <p:nvPr/>
+        </p:nvPicPr>
+        <p:blipFill>
+          <a:blip r:embed="rId3"/>
+          <a:stretch>
+            <a:fillRect/>
+          </a:stretch>
+        </p:blipFill>
+        <p:spPr>
+          <a:xfrm>
+            <a:off x="8435975" y="0"/>
+            <a:ext cx="3756025" cy="984885"/>
+          </a:xfrm>
+          <a:prstGeom prst="rect">
+            <a:avLst/>
+          </a:prstGeom>
+        </p:spPr>
+      </p:pic>
+      <p:sp>
+        <p:nvSpPr>
+          <p:cNvPr id="9" name="Text Box 8"/>
+          <p:cNvSpPr txBox="1"/>
+          <p:nvPr/>
+        </p:nvSpPr>
+        <p:spPr>
+          <a:xfrm>
+            <a:off x="7061200" y="258445"/>
+            <a:ext cx="1134110" cy="368300"/>
+          </a:xfrm>
+          <a:prstGeom prst="rect">
+            <a:avLst/>
+          </a:prstGeom>
+          <a:noFill/>
+        </p:spPr>
+        <p:txBody>
+          <a:bodyPr wrap="square" rtlCol="0">
+            <a:spAutoFit/>
+          </a:bodyPr>
+          <a:p>
+            <a:r>
+              <a:rPr lang="en-US" i="1">
+                <a:latin typeface="Adobe New Century Schoolbook" charset="0"/>
+                <a:cs typeface="Adobe New Century Schoolbook" charset="0"/>
+              </a:rPr>
+              <a:t>It works!</a:t>
+            </a:r>
+            <a:endParaRPr lang="en-US" i="1">
+              <a:latin typeface="Adobe New Century Schoolbook" charset="0"/>
+              <a:cs typeface="Adobe New Century Schoolbook" charset="0"/>
+            </a:endParaRPr>
+          </a:p>
+        </p:txBody>
+      </p:sp>
+    </p:spTree>
+  </p:cSld>
+  <p:clrMapOvr>
+    <a:masterClrMapping/>
+  </p:clrMapOvr>
+</p:sld>
+</file>
+
+<file path=ppt/slides/slide25.xml><?xml version="1.0" encoding="utf-8"?>
+<p:sld xmlns:a="http://schemas.openxmlformats.org/drawingml/2006/main" xmlns:r="http://schemas.openxmlformats.org/officeDocument/2006/relationships" xmlns:p="http://schemas.openxmlformats.org/presentationml/2006/main">
+  <p:cSld>
+    <p:spTree>
+      <p:nvGrpSpPr>
+        <p:cNvPr id="1" name=""/>
+        <p:cNvGrpSpPr/>
+        <p:nvPr/>
+      </p:nvGrpSpPr>
+      <p:grpSpPr/>
+      <p:sp>
+        <p:nvSpPr>
+          <p:cNvPr id="2" name="Title 1"/>
+          <p:cNvSpPr>
+            <a:spLocks noGrp="1"/>
+          </p:cNvSpPr>
+          <p:nvPr>
+            <p:ph type="title"/>
+          </p:nvPr>
+        </p:nvSpPr>
+        <p:spPr/>
+        <p:txBody>
+          <a:bodyPr/>
+          <a:p>
+            <a:r>
+              <a:rPr lang="zh-CN" altLang="en-US"/>
+              <a:t>三五法则：规则类怪谈</a:t>
+            </a:r>
+            <a:endParaRPr lang="zh-CN" altLang="en-US"/>
+          </a:p>
+        </p:txBody>
+      </p:sp>
+      <p:sp>
+        <p:nvSpPr>
+          <p:cNvPr id="3" name="Content Placeholder 2"/>
+          <p:cNvSpPr>
+            <a:spLocks noGrp="1"/>
+          </p:cNvSpPr>
+          <p:nvPr>
+            <p:ph sz="half" idx="1"/>
+          </p:nvPr>
+        </p:nvSpPr>
+        <p:spPr>
+          <a:xfrm>
+            <a:off x="647700" y="1825625"/>
+            <a:ext cx="5181600" cy="4351338"/>
+          </a:xfrm>
+        </p:spPr>
+        <p:txBody>
+          <a:bodyPr>
+            <a:normAutofit fontScale="80000"/>
+          </a:bodyPr>
+          <a:p>
+            <a:pPr marL="457200" indent="-457200">
+              <a:buAutoNum type="arabicPeriod"/>
+            </a:pPr>
+            <a:r>
+              <a:rPr lang="zh-CN" altLang="en-US"/>
+              <a:t>如果一个类定义了</a:t>
+            </a:r>
+            <a:r>
+              <a:rPr lang="zh-CN" altLang="en-US" b="1"/>
+              <a:t>解构</a:t>
+            </a:r>
+            <a:r>
+              <a:rPr lang="en-US" b="1"/>
+              <a:t>函数</a:t>
+            </a:r>
+            <a:r>
+              <a:rPr lang="zh-CN" altLang="en-US"/>
+              <a:t>，那么您必须同时定义或删除</a:t>
+            </a:r>
+            <a:r>
+              <a:rPr lang="en-US" b="1"/>
+              <a:t>拷贝构造函数</a:t>
+            </a:r>
+            <a:r>
+              <a:rPr lang="en-US"/>
+              <a:t>和</a:t>
+            </a:r>
+            <a:r>
+              <a:rPr lang="en-US" b="1"/>
+              <a:t>拷贝赋值函数</a:t>
+            </a:r>
+            <a:r>
+              <a:rPr lang="zh-CN" altLang="en-US"/>
+              <a:t>，否则出错</a:t>
+            </a:r>
+            <a:r>
+              <a:rPr lang="en-US"/>
+              <a:t>。</a:t>
+            </a:r>
+            <a:endParaRPr lang="en-US"/>
+          </a:p>
+          <a:p>
+            <a:pPr marL="457200" indent="-457200">
+              <a:buAutoNum type="arabicPeriod"/>
+            </a:pPr>
+            <a:r>
+              <a:rPr lang="zh-CN" altLang="en-US">
+                <a:sym typeface="+mn-ea"/>
+              </a:rPr>
+              <a:t>如果一个类定义</a:t>
+            </a:r>
+            <a:r>
+              <a:rPr lang="zh-CN" altLang="en-US">
+                <a:sym typeface="+mn-ea"/>
+              </a:rPr>
+              <a:t>或删除</a:t>
+            </a:r>
+            <a:r>
+              <a:rPr lang="zh-CN" altLang="en-US">
+                <a:sym typeface="+mn-ea"/>
+              </a:rPr>
+              <a:t>了</a:t>
+            </a:r>
+            <a:r>
+              <a:rPr lang="en-US" b="1"/>
+              <a:t>拷贝</a:t>
+            </a:r>
+            <a:r>
+              <a:rPr lang="zh-CN" altLang="en-US" b="1"/>
+              <a:t>构造函数</a:t>
+            </a:r>
+            <a:r>
+              <a:rPr lang="zh-CN" altLang="en-US"/>
+              <a:t>，</a:t>
+            </a:r>
+            <a:r>
+              <a:rPr lang="zh-CN" altLang="en-US">
+                <a:sym typeface="+mn-ea"/>
+              </a:rPr>
+              <a:t>那么您必须</a:t>
+            </a:r>
+            <a:r>
+              <a:rPr lang="zh-CN" altLang="en-US">
+                <a:sym typeface="+mn-ea"/>
+              </a:rPr>
+              <a:t>同时</a:t>
+            </a:r>
+            <a:r>
+              <a:rPr lang="zh-CN" altLang="en-US">
+                <a:sym typeface="+mn-ea"/>
+              </a:rPr>
+              <a:t>定义或删除</a:t>
+            </a:r>
+            <a:r>
+              <a:rPr lang="zh-CN" altLang="en-US" b="1">
+                <a:sym typeface="+mn-ea"/>
+              </a:rPr>
+              <a:t>拷贝</a:t>
+            </a:r>
+            <a:r>
+              <a:rPr lang="en-US" b="1"/>
+              <a:t>赋值</a:t>
+            </a:r>
+            <a:r>
+              <a:rPr lang="zh-CN" altLang="en-US" b="1"/>
+              <a:t>函数</a:t>
+            </a:r>
+            <a:r>
+              <a:rPr lang="zh-CN" altLang="en-US"/>
+              <a:t>，否则出错。</a:t>
+            </a:r>
+            <a:endParaRPr lang="zh-CN" altLang="en-US"/>
+          </a:p>
+          <a:p>
+            <a:pPr marL="457200" indent="-457200">
+              <a:buAutoNum type="arabicPeriod"/>
+            </a:pPr>
+            <a:r>
+              <a:rPr lang="zh-CN" altLang="en-US">
+                <a:sym typeface="+mn-ea"/>
+              </a:rPr>
+              <a:t>如果一个类定义或删除了</a:t>
+            </a:r>
+            <a:r>
+              <a:rPr lang="zh-CN" altLang="en-US" b="1">
+                <a:sym typeface="+mn-ea"/>
+              </a:rPr>
+              <a:t>移动</a:t>
+            </a:r>
+            <a:r>
+              <a:rPr lang="zh-CN" altLang="en-US" b="1">
+                <a:sym typeface="+mn-ea"/>
+              </a:rPr>
+              <a:t>构造函数</a:t>
+            </a:r>
+            <a:r>
+              <a:rPr lang="zh-CN" altLang="en-US">
+                <a:sym typeface="+mn-ea"/>
+              </a:rPr>
+              <a:t>，</a:t>
+            </a:r>
+            <a:r>
+              <a:rPr lang="zh-CN" altLang="en-US">
+                <a:sym typeface="+mn-ea"/>
+              </a:rPr>
+              <a:t>那么您必须</a:t>
+            </a:r>
+            <a:r>
+              <a:rPr lang="zh-CN" altLang="en-US">
+                <a:sym typeface="+mn-ea"/>
+              </a:rPr>
+              <a:t>同时定义或删除</a:t>
+            </a:r>
+            <a:r>
+              <a:rPr lang="zh-CN" altLang="en-US" b="1">
+                <a:sym typeface="+mn-ea"/>
+              </a:rPr>
+              <a:t>移动</a:t>
+            </a:r>
+            <a:r>
+              <a:rPr lang="en-US" b="1">
+                <a:sym typeface="+mn-ea"/>
+              </a:rPr>
+              <a:t>赋值</a:t>
+            </a:r>
+            <a:r>
+              <a:rPr lang="zh-CN" altLang="en-US" b="1">
+                <a:sym typeface="+mn-ea"/>
+              </a:rPr>
+              <a:t>函数</a:t>
+            </a:r>
+            <a:r>
+              <a:rPr lang="zh-CN" altLang="en-US">
+                <a:sym typeface="+mn-ea"/>
+              </a:rPr>
+              <a:t>，否则出错。</a:t>
+            </a:r>
+            <a:endParaRPr lang="zh-CN" altLang="en-US">
+              <a:sym typeface="+mn-ea"/>
+            </a:endParaRPr>
+          </a:p>
+          <a:p>
+            <a:pPr marL="457200" indent="-457200">
+              <a:buAutoNum type="arabicPeriod"/>
+            </a:pPr>
+            <a:r>
+              <a:rPr lang="zh-CN" altLang="en-US">
+                <a:sym typeface="+mn-ea"/>
+              </a:rPr>
+              <a:t>如果一个类定义了</a:t>
+            </a:r>
+            <a:r>
+              <a:rPr lang="en-US" b="1">
+                <a:sym typeface="+mn-ea"/>
+              </a:rPr>
+              <a:t>拷贝</a:t>
+            </a:r>
+            <a:r>
+              <a:rPr lang="zh-CN" altLang="en-US" b="1">
+                <a:sym typeface="+mn-ea"/>
+              </a:rPr>
+              <a:t>构造函数</a:t>
+            </a:r>
+            <a:r>
+              <a:rPr lang="zh-CN" altLang="en-US">
+                <a:sym typeface="+mn-ea"/>
+              </a:rPr>
+              <a:t>和</a:t>
+            </a:r>
+            <a:r>
+              <a:rPr lang="zh-CN" altLang="en-US" b="1">
+                <a:sym typeface="+mn-ea"/>
+              </a:rPr>
+              <a:t>拷贝</a:t>
+            </a:r>
+            <a:r>
+              <a:rPr lang="en-US" b="1">
+                <a:sym typeface="+mn-ea"/>
+              </a:rPr>
+              <a:t>赋值</a:t>
+            </a:r>
+            <a:r>
+              <a:rPr lang="zh-CN" altLang="en-US" b="1">
+                <a:sym typeface="+mn-ea"/>
+              </a:rPr>
+              <a:t>函数</a:t>
+            </a:r>
+            <a:r>
+              <a:rPr lang="zh-CN" altLang="en-US">
+                <a:sym typeface="+mn-ea"/>
+              </a:rPr>
+              <a:t>，那么您</a:t>
+            </a:r>
+            <a:r>
+              <a:rPr lang="zh-CN" altLang="en-US" b="1">
+                <a:sym typeface="+mn-ea"/>
+              </a:rPr>
+              <a:t>最好</a:t>
+            </a:r>
+            <a:r>
+              <a:rPr lang="zh-CN" altLang="en-US">
+                <a:sym typeface="+mn-ea"/>
+              </a:rPr>
+              <a:t>同时</a:t>
+            </a:r>
+            <a:r>
+              <a:rPr lang="zh-CN" altLang="en-US">
+                <a:sym typeface="+mn-ea"/>
+              </a:rPr>
+              <a:t>定义</a:t>
+            </a:r>
+            <a:r>
+              <a:rPr lang="zh-CN" altLang="en-US" b="1">
+                <a:sym typeface="+mn-ea"/>
+              </a:rPr>
+              <a:t>移动构造函数</a:t>
+            </a:r>
+            <a:r>
+              <a:rPr lang="zh-CN" altLang="en-US">
+                <a:sym typeface="+mn-ea"/>
+              </a:rPr>
+              <a:t>和</a:t>
+            </a:r>
+            <a:r>
+              <a:rPr lang="zh-CN" altLang="en-US" b="1">
+                <a:sym typeface="+mn-ea"/>
+              </a:rPr>
+              <a:t>移动</a:t>
+            </a:r>
+            <a:r>
+              <a:rPr lang="en-US" b="1">
+                <a:sym typeface="+mn-ea"/>
+              </a:rPr>
+              <a:t>赋值</a:t>
+            </a:r>
+            <a:r>
+              <a:rPr lang="zh-CN" altLang="en-US" b="1">
+                <a:sym typeface="+mn-ea"/>
+              </a:rPr>
+              <a:t>函数</a:t>
+            </a:r>
+            <a:r>
+              <a:rPr lang="zh-CN" altLang="en-US">
+                <a:sym typeface="+mn-ea"/>
+              </a:rPr>
+              <a:t>，否则</a:t>
+            </a:r>
+            <a:r>
+              <a:rPr lang="zh-CN" altLang="en-US" b="1">
+                <a:sym typeface="+mn-ea"/>
+              </a:rPr>
+              <a:t>低</a:t>
+            </a:r>
+            <a:r>
+              <a:rPr lang="zh-CN" altLang="en-US" b="1">
+                <a:sym typeface="+mn-ea"/>
+              </a:rPr>
+              <a:t>效</a:t>
+            </a:r>
+            <a:r>
+              <a:rPr lang="en-US">
+                <a:sym typeface="+mn-ea"/>
+              </a:rPr>
+              <a:t>。</a:t>
+            </a:r>
+            <a:endParaRPr lang="zh-CN" altLang="en-US"/>
+          </a:p>
+        </p:txBody>
+      </p:sp>
+      <p:sp>
+        <p:nvSpPr>
+          <p:cNvPr id="5" name="Text Box 4"/>
+          <p:cNvSpPr txBox="1"/>
+          <p:nvPr/>
+        </p:nvSpPr>
+        <p:spPr>
+          <a:xfrm>
+            <a:off x="6306185" y="1216025"/>
+            <a:ext cx="5109845" cy="922020"/>
+          </a:xfrm>
+          <a:prstGeom prst="rect">
+            <a:avLst/>
+          </a:prstGeom>
+          <a:noFill/>
+        </p:spPr>
+        <p:txBody>
+          <a:bodyPr wrap="square" rtlCol="0">
+            <a:spAutoFit/>
+          </a:bodyPr>
+          <a:p>
+            <a:r>
+              <a:rPr lang="zh-CN" altLang="en-US">
+                <a:sym typeface="+mn-ea"/>
+              </a:rPr>
+              <a:t>三五法则是前人总结的，避免犯错的经验。</a:t>
+            </a:r>
+            <a:endParaRPr lang="zh-CN" altLang="en-US">
+              <a:sym typeface="+mn-ea"/>
+            </a:endParaRPr>
+          </a:p>
+          <a:p>
+            <a:r>
+              <a:rPr lang="zh-CN" altLang="en-US"/>
+              <a:t>只告诉做什么，不告诉为什么，是不深入的。</a:t>
+            </a:r>
+            <a:endParaRPr lang="zh-CN" altLang="en-US"/>
+          </a:p>
+          <a:p>
+            <a:r>
+              <a:rPr lang="zh-CN" altLang="en-US"/>
+              <a:t>让我们通过撞南墙的方式来深入理解一下。</a:t>
+            </a:r>
+            <a:endParaRPr lang="zh-CN" altLang="en-US"/>
+          </a:p>
+        </p:txBody>
+      </p:sp>
+      <p:pic>
+        <p:nvPicPr>
+          <p:cNvPr id="6" name="Content Placeholder 5"/>
+          <p:cNvPicPr>
+            <a:picLocks noChangeAspect="1"/>
+          </p:cNvPicPr>
+          <p:nvPr>
+            <p:ph sz="half" idx="2"/>
+          </p:nvPr>
+        </p:nvPicPr>
+        <p:blipFill>
+          <a:blip r:embed="rId1"/>
+          <a:stretch>
+            <a:fillRect/>
+          </a:stretch>
+        </p:blipFill>
+        <p:spPr>
+          <a:xfrm>
+            <a:off x="5930900" y="2670175"/>
+            <a:ext cx="5861050" cy="2293620"/>
+          </a:xfrm>
+          <a:prstGeom prst="rect">
+            <a:avLst/>
+          </a:prstGeom>
+        </p:spPr>
+      </p:pic>
+    </p:spTree>
+  </p:cSld>
+  <p:clrMapOvr>
+    <a:masterClrMapping/>
+  </p:clrMapOvr>
+</p:sld>
+</file>
+
+<file path=ppt/slides/slide26.xml><?xml version="1.0" encoding="utf-8"?>
+<p:sld xmlns:a="http://schemas.openxmlformats.org/drawingml/2006/main" xmlns:r="http://schemas.openxmlformats.org/officeDocument/2006/relationships" xmlns:p="http://schemas.openxmlformats.org/presentationml/2006/main">
+  <p:cSld>
+    <p:spTree>
+      <p:nvGrpSpPr>
+        <p:cNvPr id="1" name=""/>
+        <p:cNvGrpSpPr/>
+        <p:nvPr/>
+      </p:nvGrpSpPr>
+      <p:grpSpPr/>
+      <p:sp>
+        <p:nvSpPr>
+          <p:cNvPr id="2" name="Title 1"/>
+          <p:cNvSpPr>
+            <a:spLocks noGrp="1"/>
+          </p:cNvSpPr>
+          <p:nvPr>
+            <p:ph type="title"/>
+          </p:nvPr>
+        </p:nvSpPr>
+        <p:spPr/>
+        <p:txBody>
+          <a:bodyPr/>
+          <a:p>
+            <a:r>
+              <a:rPr lang="zh-CN" altLang="en-US">
+                <a:sym typeface="+mn-ea"/>
+              </a:rPr>
+              <a:t>三五法则：拷贝构造函数</a:t>
+            </a:r>
+            <a:endParaRPr lang="zh-CN" altLang="en-US">
+              <a:sym typeface="+mn-ea"/>
+            </a:endParaRPr>
+          </a:p>
+        </p:txBody>
+      </p:sp>
+      <p:pic>
+        <p:nvPicPr>
+          <p:cNvPr id="9" name="Content Placeholder 8"/>
+          <p:cNvPicPr>
+            <a:picLocks noChangeAspect="1"/>
+          </p:cNvPicPr>
+          <p:nvPr>
+            <p:ph sz="half" idx="2"/>
+          </p:nvPr>
+        </p:nvPicPr>
+        <p:blipFill>
+          <a:blip r:embed="rId1"/>
+          <a:stretch>
+            <a:fillRect/>
+          </a:stretch>
+        </p:blipFill>
+        <p:spPr>
+          <a:xfrm>
+            <a:off x="6319520" y="2976880"/>
+            <a:ext cx="4505325" cy="2047875"/>
+          </a:xfrm>
+          <a:prstGeom prst="rect">
+            <a:avLst/>
+          </a:prstGeom>
+        </p:spPr>
+      </p:pic>
+      <p:sp>
+        <p:nvSpPr>
+          <p:cNvPr id="10" name="Content Placeholder 9"/>
+          <p:cNvSpPr/>
+          <p:nvPr>
+            <p:ph sz="half" idx="1"/>
+          </p:nvPr>
+        </p:nvSpPr>
+        <p:spPr/>
+        <p:txBody>
+          <a:bodyPr>
+            <a:normAutofit fontScale="90000" lnSpcReduction="10000"/>
+          </a:bodyPr>
+          <a:p>
+            <a:r>
+              <a:rPr lang="zh-CN" altLang="en-US"/>
+              <a:t>在</a:t>
+            </a:r>
+            <a:r>
+              <a:rPr lang="en-US" altLang="zh-CN"/>
+              <a:t> = </a:t>
+            </a:r>
+            <a:r>
+              <a:rPr lang="zh-CN" altLang="en-US"/>
+              <a:t>时，默认是会拷贝的。比如右边这样：</a:t>
+            </a:r>
+            <a:endParaRPr lang="zh-CN" altLang="en-US"/>
+          </a:p>
+          <a:p>
+            <a:r>
+              <a:rPr lang="zh-CN" altLang="en-US"/>
+              <a:t>但是这样对我们当前</a:t>
+            </a:r>
+            <a:r>
+              <a:rPr lang="en-US" altLang="zh-CN"/>
+              <a:t> Vector </a:t>
+            </a:r>
+            <a:r>
+              <a:rPr lang="zh-CN" altLang="en-US"/>
+              <a:t>的实现造成一个很大的问题。其</a:t>
+            </a:r>
+            <a:r>
+              <a:rPr lang="en-US" altLang="zh-CN"/>
+              <a:t> m_data </a:t>
+            </a:r>
+            <a:r>
+              <a:rPr lang="zh-CN" altLang="en-US">
+                <a:sym typeface="+mn-ea"/>
+              </a:rPr>
+              <a:t>指针是按地址值</a:t>
+            </a:r>
+            <a:r>
+              <a:rPr lang="zh-CN" altLang="en-US" b="1">
+                <a:sym typeface="+mn-ea"/>
+              </a:rPr>
+              <a:t>浅</a:t>
+            </a:r>
+            <a:r>
+              <a:rPr lang="zh-CN" altLang="en-US" b="1"/>
+              <a:t>拷贝</a:t>
+            </a:r>
+            <a:r>
+              <a:rPr lang="zh-CN" altLang="en-US"/>
+              <a:t>的，而不</a:t>
+            </a:r>
+            <a:r>
+              <a:rPr lang="zh-CN" altLang="en-US" b="1"/>
+              <a:t>深拷贝</a:t>
+            </a:r>
+            <a:r>
+              <a:rPr lang="zh-CN" altLang="en-US"/>
+              <a:t>其指向的数组！</a:t>
+            </a:r>
+            <a:endParaRPr lang="zh-CN" altLang="en-US"/>
+          </a:p>
+          <a:p>
+            <a:r>
+              <a:rPr lang="zh-CN" altLang="en-US"/>
+              <a:t>这就是说，在退出</a:t>
+            </a:r>
+            <a:r>
+              <a:rPr lang="en-US" altLang="zh-CN"/>
+              <a:t> main </a:t>
+            </a:r>
+            <a:r>
+              <a:rPr lang="zh-CN" altLang="en-US"/>
+              <a:t>函数作用域的时候，</a:t>
+            </a:r>
+            <a:r>
+              <a:rPr lang="en-US" altLang="zh-CN"/>
+              <a:t>v1.m_data </a:t>
+            </a:r>
+            <a:r>
+              <a:rPr lang="zh-CN" altLang="en-US"/>
+              <a:t>会被释放两次！更危险的则是</a:t>
+            </a:r>
+            <a:r>
+              <a:rPr lang="en-US" altLang="zh-CN"/>
+              <a:t> v1 </a:t>
+            </a:r>
+            <a:r>
+              <a:rPr lang="zh-CN" altLang="en-US"/>
+              <a:t>被解构而</a:t>
+            </a:r>
+            <a:r>
+              <a:rPr lang="en-US" altLang="zh-CN"/>
+              <a:t> v2 </a:t>
+            </a:r>
+            <a:r>
+              <a:rPr lang="zh-CN" altLang="en-US"/>
+              <a:t>仍在被使用的情况。</a:t>
+            </a:r>
+            <a:endParaRPr lang="zh-CN" altLang="en-US"/>
+          </a:p>
+          <a:p>
+            <a:r>
+              <a:rPr lang="zh-CN" altLang="en-US">
+                <a:sym typeface="+mn-ea"/>
+              </a:rPr>
+              <a:t>这就是为什么“如果一个类定义或删除了</a:t>
+            </a:r>
+            <a:r>
+              <a:rPr lang="zh-CN" altLang="en-US" b="1">
+                <a:sym typeface="+mn-ea"/>
+              </a:rPr>
+              <a:t>移动构造函数</a:t>
+            </a:r>
+            <a:r>
+              <a:rPr lang="zh-CN" altLang="en-US">
+                <a:sym typeface="+mn-ea"/>
+              </a:rPr>
+              <a:t>，那么您必须同时定义或删除</a:t>
+            </a:r>
+            <a:r>
+              <a:rPr lang="zh-CN" altLang="en-US" b="1">
+                <a:sym typeface="+mn-ea"/>
+              </a:rPr>
+              <a:t>移动</a:t>
+            </a:r>
+            <a:r>
+              <a:rPr lang="en-US" b="1">
+                <a:sym typeface="+mn-ea"/>
+              </a:rPr>
+              <a:t>赋值</a:t>
+            </a:r>
+            <a:r>
+              <a:rPr lang="zh-CN" altLang="en-US" b="1">
+                <a:sym typeface="+mn-ea"/>
+              </a:rPr>
+              <a:t>函数</a:t>
+            </a:r>
+            <a:r>
+              <a:rPr lang="zh-CN" altLang="en-US">
+                <a:sym typeface="+mn-ea"/>
+              </a:rPr>
+              <a:t>，否则出错</a:t>
+            </a:r>
+            <a:r>
+              <a:rPr lang="zh-CN" altLang="en-US">
+                <a:sym typeface="+mn-ea"/>
+              </a:rPr>
+              <a:t>。”</a:t>
+            </a:r>
+            <a:endParaRPr lang="zh-CN" altLang="en-US">
+              <a:sym typeface="+mn-ea"/>
+            </a:endParaRPr>
+          </a:p>
+        </p:txBody>
+      </p:sp>
+      <p:pic>
+        <p:nvPicPr>
+          <p:cNvPr id="11" name="Picture 10"/>
+          <p:cNvPicPr>
+            <a:picLocks noChangeAspect="1"/>
+          </p:cNvPicPr>
+          <p:nvPr/>
+        </p:nvPicPr>
+        <p:blipFill>
+          <a:blip r:embed="rId2"/>
+          <a:stretch>
+            <a:fillRect/>
+          </a:stretch>
+        </p:blipFill>
+        <p:spPr>
+          <a:xfrm>
+            <a:off x="3379470" y="6307455"/>
+            <a:ext cx="8812530" cy="550545"/>
+          </a:xfrm>
+          <a:prstGeom prst="rect">
+            <a:avLst/>
+          </a:prstGeom>
+        </p:spPr>
+      </p:pic>
+    </p:spTree>
+  </p:cSld>
+  <p:clrMapOvr>
+    <a:masterClrMapping/>
+  </p:clrMapOvr>
+</p:sld>
+</file>
+
+<file path=ppt/slides/slide27.xml><?xml version="1.0" encoding="utf-8"?>
+<p:sld xmlns:a="http://schemas.openxmlformats.org/drawingml/2006/main" xmlns:r="http://schemas.openxmlformats.org/officeDocument/2006/relationships" xmlns:p="http://schemas.openxmlformats.org/presentationml/2006/main">
+  <p:cSld>
+    <p:spTree>
+      <p:nvGrpSpPr>
+        <p:cNvPr id="1" name=""/>
+        <p:cNvGrpSpPr/>
+        <p:nvPr/>
+      </p:nvGrpSpPr>
+      <p:grpSpPr/>
+      <p:sp>
+        <p:nvSpPr>
+          <p:cNvPr id="2" name="Title 1"/>
+          <p:cNvSpPr>
+            <a:spLocks noGrp="1"/>
+          </p:cNvSpPr>
+          <p:nvPr>
+            <p:ph type="title"/>
+          </p:nvPr>
+        </p:nvSpPr>
+        <p:spPr/>
+        <p:txBody>
+          <a:bodyPr/>
+          <a:p>
+            <a:r>
+              <a:rPr lang="zh-CN" altLang="en-US"/>
+              <a:t>解决方案：要么删除</a:t>
+            </a:r>
+            <a:endParaRPr lang="zh-CN" altLang="en-US"/>
+          </a:p>
+        </p:txBody>
+      </p:sp>
+      <p:sp>
+        <p:nvSpPr>
+          <p:cNvPr id="3" name="Content Placeholder 2"/>
+          <p:cNvSpPr>
+            <a:spLocks noGrp="1"/>
+          </p:cNvSpPr>
+          <p:nvPr>
+            <p:ph sz="half" idx="1"/>
+          </p:nvPr>
+        </p:nvSpPr>
+        <p:spPr/>
+        <p:txBody>
+          <a:bodyPr/>
+          <a:p>
+            <a:r>
+              <a:rPr lang="zh-CN" altLang="en-US"/>
+              <a:t>最简单的办法是，直接禁止用户拷贝这个类的对象，在</a:t>
+            </a:r>
+            <a:r>
+              <a:rPr lang="en-US" altLang="zh-CN"/>
+              <a:t> C++11 </a:t>
+            </a:r>
+            <a:r>
+              <a:rPr lang="zh-CN" altLang="en-US"/>
+              <a:t>中可以用</a:t>
+            </a:r>
+            <a:r>
+              <a:rPr lang="en-US" altLang="zh-CN"/>
+              <a:t> = delete </a:t>
+            </a:r>
+            <a:r>
+              <a:rPr lang="zh-CN" altLang="en-US"/>
+              <a:t>表示这个函数被删除，让编译器不要自动生成一个默认的（会导致指针浅拷贝的）拷贝构造函数了。</a:t>
+            </a:r>
+            <a:endParaRPr lang="zh-CN" altLang="en-US"/>
+          </a:p>
+        </p:txBody>
+      </p:sp>
+      <p:pic>
+        <p:nvPicPr>
+          <p:cNvPr id="5" name="Content Placeholder 4"/>
+          <p:cNvPicPr>
+            <a:picLocks noChangeAspect="1"/>
+          </p:cNvPicPr>
+          <p:nvPr>
+            <p:ph sz="half" idx="2"/>
+          </p:nvPr>
+        </p:nvPicPr>
+        <p:blipFill>
+          <a:blip r:embed="rId1"/>
+          <a:stretch>
+            <a:fillRect/>
+          </a:stretch>
+        </p:blipFill>
+        <p:spPr>
+          <a:xfrm>
+            <a:off x="6764655" y="1825625"/>
+            <a:ext cx="3615055" cy="4351655"/>
+          </a:xfrm>
+          <a:prstGeom prst="rect">
+            <a:avLst/>
+          </a:prstGeom>
+        </p:spPr>
+      </p:pic>
+    </p:spTree>
+  </p:cSld>
+  <p:clrMapOvr>
+    <a:masterClrMapping/>
+  </p:clrMapOvr>
+</p:sld>
+</file>
+
+<file path=ppt/slides/slide28.xml><?xml version="1.0" encoding="utf-8"?>
+<p:sld xmlns:a="http://schemas.openxmlformats.org/drawingml/2006/main" xmlns:r="http://schemas.openxmlformats.org/officeDocument/2006/relationships" xmlns:p="http://schemas.openxmlformats.org/presentationml/2006/main">
+  <p:cSld>
+    <p:spTree>
+      <p:nvGrpSpPr>
+        <p:cNvPr id="1" name=""/>
+        <p:cNvGrpSpPr/>
+        <p:nvPr/>
+      </p:nvGrpSpPr>
+      <p:grpSpPr/>
+      <p:sp>
+        <p:nvSpPr>
+          <p:cNvPr id="2" name="Title 1"/>
+          <p:cNvSpPr>
+            <a:spLocks noGrp="1"/>
+          </p:cNvSpPr>
+          <p:nvPr>
+            <p:ph type="title"/>
+          </p:nvPr>
+        </p:nvSpPr>
+        <p:spPr/>
+        <p:txBody>
+          <a:bodyPr/>
+          <a:p>
+            <a:r>
+              <a:rPr lang="zh-CN" altLang="en-US">
+                <a:sym typeface="+mn-ea"/>
+              </a:rPr>
+              <a:t>解决方案：</a:t>
+            </a:r>
+            <a:r>
+              <a:rPr lang="zh-CN" altLang="en-US">
+                <a:sym typeface="+mn-ea"/>
+              </a:rPr>
+              <a:t>要么</a:t>
+            </a:r>
+            <a:r>
+              <a:rPr lang="zh-CN" altLang="en-US">
+                <a:sym typeface="+mn-ea"/>
+              </a:rPr>
+              <a:t>定义</a:t>
+            </a:r>
+            <a:endParaRPr lang="en-US"/>
+          </a:p>
+        </p:txBody>
+      </p:sp>
+      <p:sp>
+        <p:nvSpPr>
+          <p:cNvPr id="3" name="Content Placeholder 2"/>
+          <p:cNvSpPr>
+            <a:spLocks noGrp="1"/>
+          </p:cNvSpPr>
+          <p:nvPr>
+            <p:ph sz="half" idx="1"/>
+          </p:nvPr>
+        </p:nvSpPr>
+        <p:spPr/>
+        <p:txBody>
+          <a:bodyPr>
+            <a:normAutofit lnSpcReduction="10000"/>
+          </a:bodyPr>
+          <a:p>
+            <a:r>
+              <a:rPr lang="zh-CN" altLang="en-US"/>
+              <a:t>如果要允许用户拷贝你的</a:t>
+            </a:r>
+            <a:r>
+              <a:rPr lang="en-US" altLang="zh-CN"/>
+              <a:t> Vector </a:t>
+            </a:r>
+            <a:r>
+              <a:rPr lang="zh-CN" altLang="en-US"/>
+              <a:t>类对象，我们还是需要实现一下的。</a:t>
+            </a:r>
+            <a:endParaRPr lang="zh-CN" altLang="en-US"/>
+          </a:p>
+          <a:p>
+            <a:r>
+              <a:rPr lang="zh-CN" altLang="en-US">
+                <a:solidFill>
+                  <a:schemeClr val="bg1">
+                    <a:lumMod val="50000"/>
+                  </a:schemeClr>
+                </a:solidFill>
+              </a:rPr>
+              <a:t>发现了吗？其实不管是</a:t>
+            </a:r>
+            <a:r>
+              <a:rPr lang="en-US" altLang="zh-CN">
+                <a:solidFill>
+                  <a:schemeClr val="bg1">
+                    <a:lumMod val="50000"/>
+                  </a:schemeClr>
+                </a:solidFill>
+              </a:rPr>
+              <a:t> size/resize </a:t>
+            </a:r>
+            <a:r>
+              <a:rPr lang="zh-CN" altLang="en-US">
+                <a:solidFill>
+                  <a:schemeClr val="bg1">
+                    <a:lumMod val="50000"/>
+                  </a:schemeClr>
+                </a:solidFill>
+              </a:rPr>
+              <a:t>这样的</a:t>
+            </a:r>
+            <a:r>
+              <a:rPr lang="en-US" altLang="zh-CN">
+                <a:solidFill>
+                  <a:schemeClr val="bg1">
+                    <a:lumMod val="50000"/>
+                  </a:schemeClr>
+                </a:solidFill>
+              </a:rPr>
+              <a:t> </a:t>
+            </a:r>
+            <a:r>
+              <a:rPr lang="en-US" altLang="zh-CN" b="1">
+                <a:solidFill>
+                  <a:schemeClr val="bg1">
+                    <a:lumMod val="50000"/>
+                  </a:schemeClr>
+                </a:solidFill>
+              </a:rPr>
+              <a:t>get/set </a:t>
+            </a:r>
+            <a:r>
+              <a:rPr lang="zh-CN" altLang="en-US" b="1">
+                <a:solidFill>
+                  <a:schemeClr val="bg1">
+                    <a:lumMod val="50000"/>
+                  </a:schemeClr>
+                </a:solidFill>
+              </a:rPr>
+              <a:t>模式</a:t>
+            </a:r>
+            <a:r>
+              <a:rPr lang="zh-CN" altLang="en-US">
+                <a:solidFill>
+                  <a:schemeClr val="bg1">
+                    <a:lumMod val="50000"/>
+                  </a:schemeClr>
+                </a:solidFill>
+              </a:rPr>
+              <a:t>也好；自定义的</a:t>
+            </a:r>
+            <a:r>
+              <a:rPr lang="zh-CN" altLang="en-US" b="1">
+                <a:solidFill>
+                  <a:schemeClr val="bg1">
+                    <a:lumMod val="50000"/>
+                  </a:schemeClr>
+                </a:solidFill>
+              </a:rPr>
+              <a:t>拷贝构造函数</a:t>
+            </a:r>
+            <a:r>
+              <a:rPr lang="zh-CN" altLang="en-US">
+                <a:solidFill>
+                  <a:schemeClr val="bg1">
+                    <a:lumMod val="50000"/>
+                  </a:schemeClr>
+                </a:solidFill>
+              </a:rPr>
+              <a:t>也好；</a:t>
+            </a:r>
+            <a:r>
+              <a:rPr lang="en-US" altLang="zh-CN">
+                <a:solidFill>
+                  <a:schemeClr val="bg1">
+                    <a:lumMod val="50000"/>
+                  </a:schemeClr>
+                </a:solidFill>
+              </a:rPr>
+              <a:t>RAII </a:t>
+            </a:r>
+            <a:r>
+              <a:rPr lang="zh-CN" altLang="en-US">
+                <a:solidFill>
+                  <a:schemeClr val="bg1">
+                    <a:lumMod val="50000"/>
+                  </a:schemeClr>
+                </a:solidFill>
+              </a:rPr>
+              <a:t>保证异常安全也好；都是在为面向对象思想的“封装：不变性”服务。</a:t>
+            </a:r>
+            <a:endParaRPr lang="zh-CN" altLang="en-US">
+              <a:solidFill>
+                <a:schemeClr val="bg1">
+                  <a:lumMod val="50000"/>
+                </a:schemeClr>
+              </a:solidFill>
+            </a:endParaRPr>
+          </a:p>
+          <a:p>
+            <a:r>
+              <a:rPr lang="zh-CN" altLang="en-US">
+                <a:solidFill>
+                  <a:schemeClr val="bg1">
+                    <a:lumMod val="50000"/>
+                  </a:schemeClr>
+                </a:solidFill>
+              </a:rPr>
+              <a:t>即：保证任何单个操作前后，对象都是处于</a:t>
+            </a:r>
+            <a:r>
+              <a:rPr lang="zh-CN" altLang="en-US" b="1">
+                <a:solidFill>
+                  <a:schemeClr val="bg1">
+                    <a:lumMod val="50000"/>
+                  </a:schemeClr>
+                </a:solidFill>
+              </a:rPr>
+              <a:t>正确的状态</a:t>
+            </a:r>
+            <a:r>
+              <a:rPr lang="zh-CN" altLang="en-US">
+                <a:solidFill>
+                  <a:schemeClr val="bg1">
+                    <a:lumMod val="50000"/>
+                  </a:schemeClr>
+                </a:solidFill>
+              </a:rPr>
+              <a:t>，从而避免程序读到</a:t>
+            </a:r>
+            <a:r>
+              <a:rPr lang="zh-CN" altLang="en-US" b="1">
+                <a:solidFill>
+                  <a:schemeClr val="bg1">
+                    <a:lumMod val="50000"/>
+                  </a:schemeClr>
+                </a:solidFill>
+              </a:rPr>
+              <a:t>错误数据</a:t>
+            </a:r>
+            <a:r>
+              <a:rPr lang="zh-CN" altLang="en-US">
+                <a:solidFill>
+                  <a:schemeClr val="bg1">
+                    <a:lumMod val="50000"/>
+                  </a:schemeClr>
+                </a:solidFill>
+              </a:rPr>
+              <a:t>（如空悬指针）的情况。</a:t>
+            </a:r>
+            <a:endParaRPr lang="zh-CN" altLang="en-US">
+              <a:solidFill>
+                <a:schemeClr val="bg1">
+                  <a:lumMod val="50000"/>
+                </a:schemeClr>
+              </a:solidFill>
+            </a:endParaRPr>
+          </a:p>
+        </p:txBody>
+      </p:sp>
+      <p:sp>
+        <p:nvSpPr>
+          <p:cNvPr id="4" name="Content Placeholder 3"/>
+          <p:cNvSpPr>
+            <a:spLocks noGrp="1"/>
+          </p:cNvSpPr>
+          <p:nvPr>
+            <p:ph sz="half" idx="2"/>
           </p:nvPr>
         </p:nvSpPr>
         <p:spPr/>
@@ -4551,28 +7781,32 @@
           <a:bodyPr/>
           <a:p>
             <a:r>
-              <a:rPr lang="zh-CN" altLang="en-US"/>
-              <a:t>从一个案例看</a:t>
-            </a:r>
-            <a:r>
-              <a:rPr lang="en-US" altLang="zh-CN"/>
-              <a:t> </a:t>
-            </a:r>
-            <a:r>
-              <a:rPr lang="en-US"/>
-              <a:t>C++ </a:t>
-            </a:r>
-            <a:r>
-              <a:rPr lang="zh-CN" altLang="en-US"/>
-              <a:t>的历史</a:t>
-            </a:r>
-            <a:endParaRPr lang="zh-CN" altLang="en-US"/>
+              <a:rPr lang="zh-CN" altLang="en-US">
+                <a:sym typeface="+mn-ea"/>
+              </a:rPr>
+              <a:t>古代：</a:t>
+            </a:r>
+            <a:r>
+              <a:rPr lang="en-US" altLang="zh-CN">
+                <a:sym typeface="+mn-ea"/>
+              </a:rPr>
+              <a:t>C</a:t>
+            </a:r>
+            <a:r>
+              <a:rPr lang="zh-CN" altLang="en-US">
+                <a:sym typeface="+mn-ea"/>
+              </a:rPr>
+              <a:t>语言</a:t>
+            </a:r>
+            <a:endParaRPr lang="zh-CN" altLang="en-US">
+              <a:sym typeface="+mn-ea"/>
+            </a:endParaRPr>
           </a:p>
         </p:txBody>
       </p:sp>
       <p:pic>
         <p:nvPicPr>
-          <p:cNvPr id="3" name="Content Placeholder 2"/>
+          <p:cNvPr id="8" name="Content Placeholder 7"/>
           <p:cNvPicPr>
             <a:picLocks noChangeAspect="1"/>
           </p:cNvPicPr>
@@ -4588,8 +7822,8 @@
         </p:blipFill>
         <p:spPr>
           <a:xfrm>
-            <a:off x="4738370" y="3557905"/>
-            <a:ext cx="2333625" cy="885825"/>
+            <a:off x="3745230" y="1825625"/>
+            <a:ext cx="4319270" cy="4351655"/>
           </a:xfrm>
           <a:prstGeom prst="rect">
             <a:avLst/>
@@ -4629,32 +7863,32 @@
           <a:bodyPr/>
           <a:p>
             <a:r>
-              <a:rPr lang="zh-CN" altLang="en-US">
-                <a:sym typeface="+mn-ea"/>
-              </a:rPr>
-              <a:t>古代：</a:t>
-            </a:r>
-            <a:r>
-              <a:rPr lang="en-US" altLang="zh-CN">
-                <a:sym typeface="+mn-ea"/>
-              </a:rPr>
-              <a:t>C</a:t>
-            </a:r>
-            <a:r>
-              <a:rPr lang="zh-CN" altLang="en-US">
-                <a:sym typeface="+mn-ea"/>
-              </a:rPr>
-              <a:t>语言</a:t>
-            </a:r>
-            <a:endParaRPr lang="zh-CN" altLang="en-US">
-              <a:sym typeface="+mn-ea"/>
-            </a:endParaRPr>
+              <a:rPr lang="zh-CN" altLang="en-US"/>
+              <a:t>近代：</a:t>
+            </a:r>
+            <a:r>
+              <a:rPr lang="en-US" altLang="zh-CN"/>
+              <a:t>C++98 </a:t>
+            </a:r>
+            <a:r>
+              <a:rPr lang="zh-CN" altLang="en-US"/>
+              <a:t>引入</a:t>
+            </a:r>
+            <a:r>
+              <a:rPr lang="en-US" altLang="zh-CN"/>
+              <a:t> STL </a:t>
+            </a:r>
+            <a:r>
+              <a:rPr lang="zh-CN" altLang="en-US"/>
+              <a:t>容器库</a:t>
+            </a:r>
+            <a:endParaRPr lang="zh-CN" altLang="en-US"/>
           </a:p>
         </p:txBody>
       </p:sp>
       <p:pic>
         <p:nvPicPr>
-          <p:cNvPr id="8" name="Content Placeholder 7"/>
+          <p:cNvPr id="4" name="Content Placeholder 3"/>
           <p:cNvPicPr>
             <a:picLocks noChangeAspect="1"/>
           </p:cNvPicPr>
@@ -4670,8 +7904,8 @@
         </p:blipFill>
         <p:spPr>
           <a:xfrm>
-            <a:off x="3745230" y="1825625"/>
-            <a:ext cx="4319270" cy="4351655"/>
+            <a:off x="3599815" y="1825625"/>
+            <a:ext cx="4610100" cy="4351655"/>
           </a:xfrm>
           <a:prstGeom prst="rect">
             <a:avLst/>
@@ -4712,31 +7946,31 @@
           <a:p>
             <a:r>
               <a:rPr lang="zh-CN" altLang="en-US"/>
-              <a:t>近代：</a:t>
+              <a:t>近现代：</a:t>
             </a:r>
             <a:r>
               <a:rPr lang="en-US" altLang="zh-CN"/>
-              <a:t>C++98 </a:t>
-            </a:r>
-            <a:r>
-              <a:rPr lang="zh-CN" altLang="en-US"/>
-              <a:t>引入</a:t>
+              <a:t>C++11 </a:t>
+            </a:r>
+            <a:r>
+              <a:rPr lang="zh-CN" altLang="en-US"/>
+              <a:t>引入了</a:t>
             </a:r>
             <a:r>
               <a:rPr lang="en-US" altLang="zh-CN"/>
-              <a:t> STL </a:t>
-            </a:r>
-            <a:r>
-              <a:rPr lang="zh-CN" altLang="en-US"/>
-              <a:t>容器库</a:t>
-            </a:r>
-            <a:endParaRPr lang="zh-CN" altLang="en-US"/>
+              <a:t> {} </a:t>
+            </a:r>
+            <a:r>
+              <a:rPr lang="zh-CN" altLang="en-US"/>
+              <a:t>初始化表达式</a:t>
+            </a:r>
+            <a:endParaRPr lang="en-US" altLang="zh-CN"/>
           </a:p>
         </p:txBody>
       </p:sp>
       <p:pic>
         <p:nvPicPr>
-          <p:cNvPr id="7" name="Content Placeholder 6"/>
+          <p:cNvPr id="4" name="Content Placeholder 3"/>
           <p:cNvPicPr>
             <a:picLocks noChangeAspect="1"/>
           </p:cNvPicPr>
@@ -4752,8 +7986,8 @@
         </p:blipFill>
         <p:spPr>
           <a:xfrm>
-            <a:off x="3556635" y="1825625"/>
-            <a:ext cx="4696460" cy="4351655"/>
+            <a:off x="3418840" y="2200910"/>
+            <a:ext cx="4972050" cy="3600450"/>
           </a:xfrm>
           <a:prstGeom prst="rect">
             <a:avLst/>
@@ -4806,11 +8040,7 @@
             </a:r>
             <a:r>
               <a:rPr lang="en-US" altLang="zh-CN"/>
-              <a:t> {} </a:t>
-            </a:r>
-            <a:r>
-              <a:rPr lang="zh-CN" altLang="en-US"/>
-              <a:t>初始化表达式</a:t>
+              <a:t> range-based for-loop</a:t>
             </a:r>
             <a:endParaRPr lang="en-US" altLang="zh-CN"/>
           </a:p>
@@ -4834,8 +8064,8 @@
         </p:blipFill>
         <p:spPr>
           <a:xfrm>
-            <a:off x="3418840" y="2200910"/>
-            <a:ext cx="4972050" cy="3600450"/>
+            <a:off x="3676015" y="2214880"/>
+            <a:ext cx="4457700" cy="3571875"/>
           </a:xfrm>
           <a:prstGeom prst="rect">
             <a:avLst/>
@@ -4876,21 +8106,17 @@
           <a:p>
             <a:r>
               <a:rPr lang="zh-CN" altLang="en-US"/>
-              <a:t>近现代：</a:t>
+              <a:t>如果想使用</a:t>
             </a:r>
             <a:r>
               <a:rPr lang="en-US" altLang="zh-CN"/>
-              <a:t>C++11 </a:t>
-            </a:r>
-            <a:r>
-              <a:rPr lang="zh-CN" altLang="en-US"/>
-              <a:t>引入了</a:t>
-            </a:r>
-            <a:r>
-              <a:rPr lang="en-US" altLang="zh-CN"/>
-              <a:t> range-based for-loop</a:t>
-            </a:r>
-            <a:endParaRPr lang="en-US" altLang="zh-CN"/>
+              <a:t> for_each </a:t>
+            </a:r>
+            <a:r>
+              <a:rPr lang="zh-CN" altLang="en-US"/>
+              <a:t>这个算法模板呢？</a:t>
+            </a:r>
+            <a:endParaRPr lang="zh-CN" altLang="en-US"/>
           </a:p>
         </p:txBody>
       </p:sp>
@@ -4912,14 +8138,63 @@
         </p:blipFill>
         <p:spPr>
           <a:xfrm>
-            <a:off x="3676015" y="2214880"/>
-            <a:ext cx="4457700" cy="3571875"/>
+            <a:off x="3538220" y="1825625"/>
+            <a:ext cx="4733290" cy="4351655"/>
           </a:xfrm>
           <a:prstGeom prst="rect">
             <a:avLst/>
           </a:prstGeom>
         </p:spPr>
       </p:pic>
+      <p:sp>
+        <p:nvSpPr>
+          <p:cNvPr id="5" name="Text Box 4"/>
+          <p:cNvSpPr txBox="1"/>
+          <p:nvPr/>
+        </p:nvSpPr>
+        <p:spPr>
+          <a:xfrm>
+            <a:off x="5494020" y="6489700"/>
+            <a:ext cx="6697980" cy="368300"/>
+          </a:xfrm>
+          <a:prstGeom prst="rect">
+            <a:avLst/>
+          </a:prstGeom>
+          <a:noFill/>
+        </p:spPr>
+        <p:txBody>
+          <a:bodyPr wrap="none" rtlCol="0">
+            <a:spAutoFit/>
+          </a:bodyPr>
+          <a:p>
+            <a:r>
+              <a:rPr lang="zh-CN" altLang="en-US"/>
+              <a:t>我知道可以用</a:t>
+            </a:r>
+            <a:r>
+              <a:rPr lang="en-US" altLang="zh-CN"/>
+              <a:t> accumulate </a:t>
+            </a:r>
+            <a:r>
+              <a:rPr lang="zh-CN" altLang="en-US"/>
+              <a:t>啦！但是为了引出</a:t>
+            </a:r>
+            <a:r>
+              <a:rPr lang="en-US" altLang="zh-CN"/>
+              <a:t> lambda </a:t>
+            </a:r>
+            <a:r>
+              <a:rPr lang="zh-CN" altLang="en-US"/>
+              <a:t>表达式</a:t>
+            </a:r>
+            <a:r>
+              <a:rPr lang="en-US" altLang="zh-CN"/>
+              <a:t>……</a:t>
+            </a:r>
+            <a:endParaRPr lang="en-US" altLang="zh-CN"/>
+          </a:p>
+        </p:txBody>
+      </p:sp>
     </p:spTree>
   </p:cSld>
   <p:clrMapOvr>
@@ -4953,18 +8228,38 @@
           <a:bodyPr/>
           <a:p>
             <a:r>
-              <a:rPr lang="zh-CN" altLang="en-US"/>
-              <a:t>如果想使用</a:t>
-            </a:r>
-            <a:r>
-              <a:rPr lang="en-US" altLang="zh-CN"/>
-              <a:t> for_each </a:t>
-            </a:r>
-            <a:r>
-              <a:rPr lang="zh-CN" altLang="en-US"/>
-              <a:t>这个算法模板呢？</a:t>
-            </a:r>
-            <a:endParaRPr lang="zh-CN" altLang="en-US"/>
+              <a:rPr lang="zh-CN" altLang="en-US">
+                <a:sym typeface="+mn-ea"/>
+              </a:rPr>
+              <a:t>近现代：</a:t>
+            </a:r>
+            <a:r>
+              <a:rPr lang="en-US" altLang="zh-CN">
+                <a:sym typeface="+mn-ea"/>
+              </a:rPr>
+              <a:t>C++11 </a:t>
+            </a:r>
+            <a:r>
+              <a:rPr lang="zh-CN" altLang="en-US">
+                <a:sym typeface="+mn-ea"/>
+              </a:rPr>
+              <a:t>引入了</a:t>
+            </a:r>
+            <a:r>
+              <a:rPr lang="en-US" altLang="zh-CN">
+                <a:sym typeface="+mn-ea"/>
+              </a:rPr>
+              <a:t> lambda </a:t>
+            </a:r>
+            <a:r>
+              <a:rPr lang="zh-CN" altLang="en-US">
+                <a:sym typeface="+mn-ea"/>
+              </a:rPr>
+              <a:t>表达式</a:t>
+            </a:r>
+            <a:endParaRPr lang="zh-CN" altLang="en-US">
+              <a:sym typeface="+mn-ea"/>
+            </a:endParaRPr>
           </a:p>
         </p:txBody>
       </p:sp>
@@ -4986,63 +8281,14 @@
         </p:blipFill>
         <p:spPr>
           <a:xfrm>
-            <a:off x="3538220" y="1825625"/>
-            <a:ext cx="4733290" cy="4351655"/>
+            <a:off x="2952115" y="2024380"/>
+            <a:ext cx="5905500" cy="3952875"/>
           </a:xfrm>
           <a:prstGeom prst="rect">
             <a:avLst/>
           </a:prstGeom>
         </p:spPr>
       </p:pic>
-      <p:sp>
-        <p:nvSpPr>
-          <p:cNvPr id="5" name="Text Box 4"/>
-          <p:cNvSpPr txBox="1"/>
-          <p:nvPr/>
-        </p:nvSpPr>
-        <p:spPr>
-          <a:xfrm>
-            <a:off x="5494020" y="6489700"/>
-            <a:ext cx="6697980" cy="368300"/>
-          </a:xfrm>
-          <a:prstGeom prst="rect">
-            <a:avLst/>
-          </a:prstGeom>
-          <a:noFill/>
-        </p:spPr>
-        <p:txBody>
-          <a:bodyPr wrap="none" rtlCol="0">
-            <a:spAutoFit/>
-          </a:bodyPr>
-          <a:p>
-            <a:r>
-              <a:rPr lang="zh-CN" altLang="en-US"/>
-              <a:t>我知道可以用</a:t>
-            </a:r>
-            <a:r>
-              <a:rPr lang="en-US" altLang="zh-CN"/>
-              <a:t> accumulate </a:t>
-            </a:r>
-            <a:r>
-              <a:rPr lang="zh-CN" altLang="en-US"/>
-              <a:t>啦！但是为了引出</a:t>
-            </a:r>
-            <a:r>
-              <a:rPr lang="en-US" altLang="zh-CN"/>
-              <a:t> lambda </a:t>
-            </a:r>
-            <a:r>
-              <a:rPr lang="zh-CN" altLang="en-US"/>
-              <a:t>表达式</a:t>
-            </a:r>
-            <a:r>
-              <a:rPr lang="en-US" altLang="zh-CN"/>
-              <a:t>……</a:t>
-            </a:r>
-            <a:endParaRPr lang="en-US" altLang="zh-CN"/>
-          </a:p>
-        </p:txBody>
-      </p:sp>
     </p:spTree>
   </p:cSld>
   <p:clrMapOvr>
@@ -5076,38 +8322,34 @@
           <a:bodyPr/>
           <a:p>
             <a:r>
-              <a:rPr lang="zh-CN" altLang="en-US">
-                <a:sym typeface="+mn-ea"/>
-              </a:rPr>
-              <a:t>近现代：</a:t>
-            </a:r>
-            <a:r>
-              <a:rPr lang="en-US" altLang="zh-CN">
-                <a:sym typeface="+mn-ea"/>
-              </a:rPr>
-              <a:t>C++11 </a:t>
-            </a:r>
-            <a:r>
-              <a:rPr lang="zh-CN" altLang="en-US">
-                <a:sym typeface="+mn-ea"/>
-              </a:rPr>
-              <a:t>引入了</a:t>
-            </a:r>
-            <a:r>
-              <a:rPr lang="en-US" altLang="zh-CN">
-                <a:sym typeface="+mn-ea"/>
-              </a:rPr>
+              <a:rPr lang="zh-CN" altLang="en-US"/>
+              <a:t>现代：</a:t>
+            </a:r>
+            <a:r>
+              <a:rPr lang="en-US" altLang="zh-CN"/>
+              <a:t>C++14 </a:t>
+            </a:r>
+            <a:r>
+              <a:rPr lang="zh-CN" altLang="en-US"/>
+              <a:t>的</a:t>
+            </a:r>
+            <a:r>
+              <a:rPr lang="en-US" altLang="zh-CN"/>
               <a:t> lambda </a:t>
             </a:r>
             <a:r>
-              <a:rPr lang="zh-CN" altLang="en-US">
-                <a:sym typeface="+mn-ea"/>
-              </a:rPr>
-              <a:t>表达式</a:t>
-            </a:r>
-            <a:endParaRPr lang="zh-CN" altLang="en-US">
-              <a:sym typeface="+mn-ea"/>
-            </a:endParaRPr>
+              <a:rPr lang="zh-CN" altLang="en-US"/>
+              <a:t>允许用</a:t>
+            </a:r>
+            <a:r>
+              <a:rPr lang="en-US" altLang="zh-CN"/>
+              <a:t> auto </a:t>
+            </a:r>
+            <a:r>
+              <a:rPr lang="zh-CN" altLang="en-US"/>
+              <a:t>自动推断类型</a:t>
+            </a:r>
+            <a:endParaRPr lang="zh-CN" altLang="en-US"/>
           </a:p>
         </p:txBody>
       </p:sp>
@@ -5129,8 +8371,8 @@
         </p:blipFill>
         <p:spPr>
           <a:xfrm>
-            <a:off x="2952115" y="2024380"/>
-            <a:ext cx="5905500" cy="3952875"/>
+            <a:off x="2900045" y="2038985"/>
+            <a:ext cx="6010275" cy="3924300"/>
           </a:xfrm>
           <a:prstGeom prst="rect">
             <a:avLst/>

--- a/02/slides.pptx
+++ b/02/slides.pptx
@@ -8,7 +8,7 @@
     <p:notesMasterId r:id="rId25"/>
   </p:notesMasterIdLst>
   <p:handoutMasterIdLst>
-    <p:handoutMasterId r:id="rId32"/>
+    <p:handoutMasterId r:id="rId34"/>
   </p:handoutMasterIdLst>
   <p:sldIdLst>
     <p:sldId id="256" r:id="rId3"/>
@@ -39,6 +39,8 @@
     <p:sldId id="291" r:id="rId29"/>
     <p:sldId id="292" r:id="rId30"/>
     <p:sldId id="293" r:id="rId31"/>
+    <p:sldId id="294" r:id="rId32"/>
+    <p:sldId id="296" r:id="rId33"/>
   </p:sldIdLst>
   <p:sldSz cx="12192000" cy="6858000"/>
   <p:notesSz cx="7103745" cy="10234295"/>
@@ -646,6 +648,94 @@
 </file>
 
 <file path=ppt/notesSlides/notesSlide1.xml><?xml version="1.0" encoding="utf-8"?>
+<p:notes xmlns:a="http://schemas.openxmlformats.org/drawingml/2006/main" xmlns:r="http://schemas.openxmlformats.org/officeDocument/2006/relationships" xmlns:p="http://schemas.openxmlformats.org/presentationml/2006/main">
+  <p:cSld>
+    <p:spTree>
+      <p:nvGrpSpPr>
+        <p:cNvPr id="1" name=""/>
+        <p:cNvGrpSpPr/>
+        <p:nvPr/>
+      </p:nvGrpSpPr>
+      <p:grpSpPr/>
+      <p:sp>
+        <p:nvSpPr>
+          <p:cNvPr id="2" name="Slide Image Placeholder 1"/>
+          <p:cNvSpPr/>
+          <p:nvPr>
+            <p:ph type="sldImg" idx="2"/>
+          </p:nvPr>
+        </p:nvSpPr>
+        <p:spPr/>
+      </p:sp>
+      <p:sp>
+        <p:nvSpPr>
+          <p:cNvPr id="3" name="Text Placeholder 2"/>
+          <p:cNvSpPr/>
+          <p:nvPr>
+            <p:ph type="body" idx="3"/>
+          </p:nvPr>
+        </p:nvSpPr>
+        <p:spPr/>
+        <p:txBody>
+          <a:bodyPr/>
+          <a:p>
+            <a:endParaRPr lang="en-US"/>
+          </a:p>
+        </p:txBody>
+      </p:sp>
+    </p:spTree>
+  </p:cSld>
+  <p:clrMapOvr>
+    <a:masterClrMapping/>
+  </p:clrMapOvr>
+</p:notes>
+</file>
+
+<file path=ppt/notesSlides/notesSlide2.xml><?xml version="1.0" encoding="utf-8"?>
+<p:notes xmlns:a="http://schemas.openxmlformats.org/drawingml/2006/main" xmlns:r="http://schemas.openxmlformats.org/officeDocument/2006/relationships" xmlns:p="http://schemas.openxmlformats.org/presentationml/2006/main">
+  <p:cSld>
+    <p:spTree>
+      <p:nvGrpSpPr>
+        <p:cNvPr id="1" name=""/>
+        <p:cNvGrpSpPr/>
+        <p:nvPr/>
+      </p:nvGrpSpPr>
+      <p:grpSpPr/>
+      <p:sp>
+        <p:nvSpPr>
+          <p:cNvPr id="2" name="Slide Image Placeholder 1"/>
+          <p:cNvSpPr/>
+          <p:nvPr>
+            <p:ph type="sldImg" idx="2"/>
+          </p:nvPr>
+        </p:nvSpPr>
+        <p:spPr/>
+      </p:sp>
+      <p:sp>
+        <p:nvSpPr>
+          <p:cNvPr id="3" name="Text Placeholder 2"/>
+          <p:cNvSpPr/>
+          <p:nvPr>
+            <p:ph type="body" idx="3"/>
+          </p:nvPr>
+        </p:nvSpPr>
+        <p:spPr/>
+        <p:txBody>
+          <a:bodyPr/>
+          <a:p>
+            <a:endParaRPr lang="en-US"/>
+          </a:p>
+        </p:txBody>
+      </p:sp>
+    </p:spTree>
+  </p:cSld>
+  <p:clrMapOvr>
+    <a:masterClrMapping/>
+  </p:clrMapOvr>
+</p:notes>
+</file>
+
+<file path=ppt/notesSlides/notesSlide3.xml><?xml version="1.0" encoding="utf-8"?>
 <p:notes xmlns:a="http://schemas.openxmlformats.org/drawingml/2006/main" xmlns:r="http://schemas.openxmlformats.org/officeDocument/2006/relationships" xmlns:p="http://schemas.openxmlformats.org/presentationml/2006/main">
   <p:cSld>
     <p:spTree>
@@ -3641,16 +3731,12 @@
           <a:bodyPr/>
           <a:p>
             <a:r>
-              <a:rPr lang="zh-CN" altLang="en-US"/>
-              <a:t>现代</a:t>
-            </a:r>
-            <a:r>
               <a:rPr lang="en-US"/>
               <a:t>C++</a:t>
             </a:r>
             <a:r>
               <a:rPr lang="zh-CN" altLang="en-US"/>
-              <a:t>为何现代？</a:t>
+              <a:t>面向对象的特点</a:t>
             </a:r>
             <a:endParaRPr lang="zh-CN" altLang="en-US"/>
           </a:p>
@@ -7438,6 +7524,13 @@
             </a:r>
             <a:endParaRPr lang="zh-CN" altLang="en-US"/>
           </a:p>
+          <a:p>
+            <a:r>
+              <a:rPr lang="zh-CN" altLang="en-US"/>
+              <a:t>这样就可以在编译期提前发现错误：</a:t>
+            </a:r>
+            <a:endParaRPr lang="zh-CN" altLang="en-US"/>
+          </a:p>
         </p:txBody>
       </p:sp>
       <p:pic>
@@ -7466,6 +7559,65 @@
           </a:prstGeom>
         </p:spPr>
       </p:pic>
+      <p:pic>
+        <p:nvPicPr>
+          <p:cNvPr id="6" name="Picture 5"/>
+          <p:cNvPicPr>
+            <a:picLocks noChangeAspect="1"/>
+          </p:cNvPicPr>
+          <p:nvPr/>
+        </p:nvPicPr>
+        <p:blipFill>
+          <a:blip r:embed="rId2"/>
+          <a:stretch>
+            <a:fillRect/>
+          </a:stretch>
+        </p:blipFill>
+        <p:spPr>
+          <a:xfrm>
+            <a:off x="168275" y="5056505"/>
+            <a:ext cx="6140450" cy="1229360"/>
+          </a:xfrm>
+          <a:prstGeom prst="rect">
+            <a:avLst/>
+          </a:prstGeom>
+        </p:spPr>
+      </p:pic>
+      <p:cxnSp>
+        <p:nvCxnSpPr>
+          <p:cNvPr id="9" name="Straight Connector 8"/>
+          <p:cNvCxnSpPr/>
+          <p:nvPr/>
+        </p:nvCxnSpPr>
+        <p:spPr>
+          <a:xfrm>
+            <a:off x="7234555" y="4001770"/>
+            <a:ext cx="2258695" cy="0"/>
+          </a:xfrm>
+          <a:prstGeom prst="line">
+            <a:avLst/>
+          </a:prstGeom>
+          <a:ln w="38100">
+            <a:solidFill>
+              <a:srgbClr val="FF3300"/>
+            </a:solidFill>
+          </a:ln>
+        </p:spPr>
+        <p:style>
+          <a:lnRef idx="1">
+            <a:schemeClr val="accent1"/>
+          </a:lnRef>
+          <a:fillRef idx="0">
+            <a:schemeClr val="accent1"/>
+          </a:fillRef>
+          <a:effectRef idx="0">
+            <a:schemeClr val="accent1"/>
+          </a:effectRef>
+          <a:fontRef idx="minor">
+            <a:schemeClr val="tx1"/>
+          </a:fontRef>
+        </p:style>
+      </p:cxnSp>
     </p:spTree>
   </p:cSld>
   <p:clrMapOvr>
@@ -7538,7 +7690,7 @@
           <a:p>
             <a:r>
               <a:rPr lang="zh-CN" altLang="en-US"/>
-              <a:t>如果要允许用户拷贝你的</a:t>
+              <a:t>如果需要允许用户拷贝你的</a:t>
             </a:r>
             <a:r>
               <a:rPr lang="en-US" altLang="zh-CN"/>
@@ -7730,24 +7882,340 @@
           </a:p>
         </p:txBody>
       </p:sp>
-      <p:sp>
-        <p:nvSpPr>
-          <p:cNvPr id="4" name="Content Placeholder 3"/>
-          <p:cNvSpPr>
-            <a:spLocks noGrp="1"/>
-          </p:cNvSpPr>
+      <p:pic>
+        <p:nvPicPr>
+          <p:cNvPr id="5" name="Content Placeholder 4"/>
+          <p:cNvPicPr>
+            <a:picLocks noChangeAspect="1"/>
+          </p:cNvPicPr>
           <p:nvPr>
             <p:ph sz="half" idx="2"/>
           </p:nvPr>
+        </p:nvPicPr>
+        <p:blipFill>
+          <a:blip r:embed="rId1"/>
+          <a:stretch>
+            <a:fillRect/>
+          </a:stretch>
+        </p:blipFill>
+        <p:spPr>
+          <a:xfrm>
+            <a:off x="5829300" y="3232150"/>
+            <a:ext cx="5877560" cy="1537970"/>
+          </a:xfrm>
+          <a:prstGeom prst="rect">
+            <a:avLst/>
+          </a:prstGeom>
+        </p:spPr>
+      </p:pic>
+    </p:spTree>
+  </p:cSld>
+  <p:clrMapOvr>
+    <a:masterClrMapping/>
+  </p:clrMapOvr>
+</p:sld>
+</file>
+
+<file path=ppt/slides/slide29.xml><?xml version="1.0" encoding="utf-8"?>
+<p:sld xmlns:a="http://schemas.openxmlformats.org/drawingml/2006/main" xmlns:r="http://schemas.openxmlformats.org/officeDocument/2006/relationships" xmlns:p="http://schemas.openxmlformats.org/presentationml/2006/main">
+  <p:cSld>
+    <p:spTree>
+      <p:nvGrpSpPr>
+        <p:cNvPr id="1" name=""/>
+        <p:cNvGrpSpPr/>
+        <p:nvPr/>
+      </p:nvGrpSpPr>
+      <p:grpSpPr/>
+      <p:sp>
+        <p:nvSpPr>
+          <p:cNvPr id="2" name="Title 1"/>
+          <p:cNvSpPr>
+            <a:spLocks noGrp="1"/>
+          </p:cNvSpPr>
+          <p:nvPr>
+            <p:ph type="title"/>
+          </p:nvPr>
         </p:nvSpPr>
         <p:spPr/>
         <p:txBody>
           <a:bodyPr/>
           <a:p>
-            <a:endParaRPr lang="en-US"/>
-          </a:p>
-        </p:txBody>
-      </p:sp>
+            <a:r>
+              <a:rPr lang="zh-CN" altLang="en-US">
+                <a:sym typeface="+mn-ea"/>
+              </a:rPr>
+              <a:t>三五法则：拷贝赋值函数</a:t>
+            </a:r>
+            <a:endParaRPr lang="zh-CN" altLang="en-US">
+              <a:sym typeface="+mn-ea"/>
+            </a:endParaRPr>
+          </a:p>
+        </p:txBody>
+      </p:sp>
+      <p:sp>
+        <p:nvSpPr>
+          <p:cNvPr id="10" name="Content Placeholder 9"/>
+          <p:cNvSpPr/>
+          <p:nvPr>
+            <p:ph sz="half" idx="1"/>
+          </p:nvPr>
+        </p:nvSpPr>
+        <p:spPr/>
+        <p:txBody>
+          <a:bodyPr>
+            <a:normAutofit lnSpcReduction="20000"/>
+          </a:bodyPr>
+          <a:p>
+            <a:r>
+              <a:rPr lang="zh-CN" altLang="en-US">
+                <a:sym typeface="+mn-ea"/>
+              </a:rPr>
+              <a:t>区分两种实现可以</a:t>
+            </a:r>
+            <a:r>
+              <a:rPr lang="zh-CN" altLang="en-US" b="1">
+                <a:sym typeface="+mn-ea"/>
+              </a:rPr>
+              <a:t>提高性能</a:t>
+            </a:r>
+            <a:r>
+              <a:rPr lang="zh-CN" altLang="en-US">
+                <a:sym typeface="+mn-ea"/>
+              </a:rPr>
+              <a:t>。</a:t>
+            </a:r>
+            <a:endParaRPr lang="zh-CN" altLang="en-US">
+              <a:sym typeface="+mn-ea"/>
+            </a:endParaRPr>
+          </a:p>
+          <a:p>
+            <a:r>
+              <a:rPr lang="en-US" altLang="zh-CN">
+                <a:sym typeface="+mn-ea"/>
+              </a:rPr>
+              <a:t>int x = 1;   // </a:t>
+            </a:r>
+            <a:r>
+              <a:rPr lang="zh-CN" altLang="en-US">
+                <a:sym typeface="+mn-ea"/>
+              </a:rPr>
+              <a:t>拷贝构造函数</a:t>
+            </a:r>
+            <a:endParaRPr lang="zh-CN" altLang="en-US">
+              <a:sym typeface="+mn-ea"/>
+            </a:endParaRPr>
+          </a:p>
+          <a:p>
+            <a:r>
+              <a:rPr lang="en-US" altLang="zh-CN">
+                <a:sym typeface="+mn-ea"/>
+              </a:rPr>
+              <a:t>x = 2;        // </a:t>
+            </a:r>
+            <a:r>
+              <a:rPr lang="zh-CN" altLang="en-US">
+                <a:sym typeface="+mn-ea"/>
+              </a:rPr>
+              <a:t>拷贝赋值函数</a:t>
+            </a:r>
+            <a:endParaRPr lang="zh-CN" altLang="en-US">
+              <a:sym typeface="+mn-ea"/>
+            </a:endParaRPr>
+          </a:p>
+          <a:p>
+            <a:r>
+              <a:rPr lang="zh-CN" altLang="en-US">
+                <a:solidFill>
+                  <a:schemeClr val="accent2">
+                    <a:lumMod val="75000"/>
+                  </a:schemeClr>
+                </a:solidFill>
+                <a:sym typeface="+mn-ea"/>
+              </a:rPr>
+              <a:t>拷贝赋值函数</a:t>
+            </a:r>
+            <a:r>
+              <a:rPr lang="en-US" altLang="zh-CN">
+                <a:solidFill>
+                  <a:schemeClr val="accent2">
+                    <a:lumMod val="75000"/>
+                  </a:schemeClr>
+                </a:solidFill>
+                <a:sym typeface="+mn-ea"/>
+              </a:rPr>
+              <a:t>≈</a:t>
+            </a:r>
+            <a:r>
+              <a:rPr lang="zh-CN" altLang="en-US">
+                <a:solidFill>
+                  <a:schemeClr val="accent2">
+                    <a:lumMod val="75000"/>
+                  </a:schemeClr>
+                </a:solidFill>
+                <a:sym typeface="+mn-ea"/>
+              </a:rPr>
+              <a:t>解构函数</a:t>
+            </a:r>
+            <a:r>
+              <a:rPr lang="en-US" altLang="zh-CN">
+                <a:solidFill>
+                  <a:schemeClr val="accent2">
+                    <a:lumMod val="75000"/>
+                  </a:schemeClr>
+                </a:solidFill>
+                <a:sym typeface="+mn-ea"/>
+              </a:rPr>
+              <a:t>+</a:t>
+            </a:r>
+            <a:r>
+              <a:rPr lang="zh-CN" altLang="en-US">
+                <a:solidFill>
+                  <a:schemeClr val="accent2">
+                    <a:lumMod val="75000"/>
+                  </a:schemeClr>
+                </a:solidFill>
+                <a:sym typeface="+mn-ea"/>
+              </a:rPr>
+              <a:t>拷贝构造函数</a:t>
+            </a:r>
+            <a:endParaRPr lang="zh-CN" altLang="en-US">
+              <a:sym typeface="+mn-ea"/>
+            </a:endParaRPr>
+          </a:p>
+          <a:p>
+            <a:r>
+              <a:rPr lang="zh-CN" altLang="en-US">
+                <a:sym typeface="+mn-ea"/>
+              </a:rPr>
+              <a:t>拷贝构造：直接未初始化的内存上构造</a:t>
+            </a:r>
+            <a:r>
+              <a:rPr lang="en-US" altLang="zh-CN">
+                <a:sym typeface="+mn-ea"/>
+              </a:rPr>
+              <a:t> 2</a:t>
+            </a:r>
+            <a:endParaRPr lang="zh-CN" altLang="en-US">
+              <a:sym typeface="+mn-ea"/>
+            </a:endParaRPr>
+          </a:p>
+          <a:p>
+            <a:r>
+              <a:rPr lang="zh-CN" altLang="en-US">
+                <a:sym typeface="+mn-ea"/>
+              </a:rPr>
+              <a:t>拷贝赋值：</a:t>
+            </a:r>
+            <a:r>
+              <a:rPr lang="zh-CN" altLang="en-US">
+                <a:sym typeface="+mn-ea"/>
+              </a:rPr>
+              <a:t>先销毁现有的</a:t>
+            </a:r>
+            <a:r>
+              <a:rPr lang="en-US" altLang="zh-CN">
+                <a:sym typeface="+mn-ea"/>
+              </a:rPr>
+              <a:t> 1</a:t>
+            </a:r>
+            <a:r>
+              <a:rPr lang="zh-CN" altLang="en-US">
+                <a:sym typeface="+mn-ea"/>
+              </a:rPr>
+              <a:t>，再重新构造</a:t>
+            </a:r>
+            <a:r>
+              <a:rPr lang="en-US" altLang="zh-CN">
+                <a:sym typeface="+mn-ea"/>
+              </a:rPr>
+              <a:t> 2</a:t>
+            </a:r>
+            <a:endParaRPr lang="en-US" altLang="zh-CN">
+              <a:sym typeface="+mn-ea"/>
+            </a:endParaRPr>
+          </a:p>
+          <a:p>
+            <a:r>
+              <a:rPr lang="zh-CN" altLang="en-US">
+                <a:solidFill>
+                  <a:schemeClr val="accent2">
+                    <a:lumMod val="75000"/>
+                  </a:schemeClr>
+                </a:solidFill>
+                <a:sym typeface="+mn-ea"/>
+              </a:rPr>
+              <a:t>如果对</a:t>
+            </a:r>
+            <a:r>
+              <a:rPr lang="zh-CN" altLang="en-US" b="1">
+                <a:solidFill>
+                  <a:schemeClr val="accent2">
+                    <a:lumMod val="75000"/>
+                  </a:schemeClr>
+                </a:solidFill>
+                <a:sym typeface="+mn-ea"/>
+              </a:rPr>
+              <a:t>提高性能</a:t>
+            </a:r>
+            <a:r>
+              <a:rPr lang="zh-CN" altLang="en-US">
+                <a:solidFill>
+                  <a:schemeClr val="accent2">
+                    <a:lumMod val="75000"/>
+                  </a:schemeClr>
+                </a:solidFill>
+                <a:sym typeface="+mn-ea"/>
+              </a:rPr>
+              <a:t>不感兴趣，</a:t>
+            </a:r>
+            <a:r>
+              <a:rPr lang="zh-CN" altLang="en-US">
+                <a:solidFill>
+                  <a:schemeClr val="accent2">
+                    <a:lumMod val="75000"/>
+                  </a:schemeClr>
+                </a:solidFill>
+                <a:sym typeface="+mn-ea"/>
+              </a:rPr>
+              <a:t>可以这样写：</a:t>
+            </a:r>
+            <a:endParaRPr lang="zh-CN" altLang="en-US">
+              <a:solidFill>
+                <a:schemeClr val="accent2">
+                  <a:lumMod val="75000"/>
+                </a:schemeClr>
+              </a:solidFill>
+              <a:sym typeface="+mn-ea"/>
+            </a:endParaRPr>
+          </a:p>
+        </p:txBody>
+      </p:sp>
+      <p:pic>
+        <p:nvPicPr>
+          <p:cNvPr id="6" name="Content Placeholder 5"/>
+          <p:cNvPicPr>
+            <a:picLocks noChangeAspect="1"/>
+          </p:cNvPicPr>
+          <p:nvPr>
+            <p:ph sz="half" idx="2"/>
+          </p:nvPr>
+        </p:nvPicPr>
+        <p:blipFill>
+          <a:blip r:embed="rId1"/>
+          <a:stretch>
+            <a:fillRect/>
+          </a:stretch>
+        </p:blipFill>
+        <p:spPr>
+          <a:xfrm>
+            <a:off x="5798185" y="2318385"/>
+            <a:ext cx="5855970" cy="3366135"/>
+          </a:xfrm>
+          <a:prstGeom prst="rect">
+            <a:avLst/>
+          </a:prstGeom>
+        </p:spPr>
+      </p:pic>
     </p:spTree>
   </p:cSld>
   <p:clrMapOvr>
@@ -7830,6 +8298,185 @@
           </a:prstGeom>
         </p:spPr>
       </p:pic>
+    </p:spTree>
+  </p:cSld>
+  <p:clrMapOvr>
+    <a:masterClrMapping/>
+  </p:clrMapOvr>
+</p:sld>
+</file>
+
+<file path=ppt/slides/slide30.xml><?xml version="1.0" encoding="utf-8"?>
+<p:sld xmlns:a="http://schemas.openxmlformats.org/drawingml/2006/main" xmlns:r="http://schemas.openxmlformats.org/officeDocument/2006/relationships" xmlns:p="http://schemas.openxmlformats.org/presentationml/2006/main">
+  <p:cSld>
+    <p:spTree>
+      <p:nvGrpSpPr>
+        <p:cNvPr id="1" name=""/>
+        <p:cNvGrpSpPr/>
+        <p:nvPr/>
+      </p:nvGrpSpPr>
+      <p:grpSpPr/>
+      <p:sp>
+        <p:nvSpPr>
+          <p:cNvPr id="2" name="Title 1"/>
+          <p:cNvSpPr>
+            <a:spLocks noGrp="1"/>
+          </p:cNvSpPr>
+          <p:nvPr>
+            <p:ph type="title"/>
+          </p:nvPr>
+        </p:nvSpPr>
+        <p:spPr/>
+        <p:txBody>
+          <a:bodyPr/>
+          <a:p>
+            <a:r>
+              <a:rPr lang="zh-CN" altLang="en-US">
+                <a:sym typeface="+mn-ea"/>
+              </a:rPr>
+              <a:t>拷贝赋值函数：提高性能</a:t>
+            </a:r>
+            <a:endParaRPr lang="zh-CN" altLang="en-US">
+              <a:sym typeface="+mn-ea"/>
+            </a:endParaRPr>
+          </a:p>
+        </p:txBody>
+      </p:sp>
+      <p:sp>
+        <p:nvSpPr>
+          <p:cNvPr id="10" name="Content Placeholder 9"/>
+          <p:cNvSpPr/>
+          <p:nvPr>
+            <p:ph sz="half" idx="1"/>
+          </p:nvPr>
+        </p:nvSpPr>
+        <p:spPr/>
+        <p:txBody>
+          <a:bodyPr>
+            <a:normAutofit lnSpcReduction="20000"/>
+          </a:bodyPr>
+          <a:p>
+            <a:r>
+              <a:rPr lang="zh-CN" altLang="en-US">
+                <a:sym typeface="+mn-ea"/>
+              </a:rPr>
+              <a:t>区分两种实现可以</a:t>
+            </a:r>
+            <a:r>
+              <a:rPr lang="zh-CN" altLang="en-US" b="1">
+                <a:sym typeface="+mn-ea"/>
+              </a:rPr>
+              <a:t>提高性能</a:t>
+            </a:r>
+            <a:r>
+              <a:rPr lang="zh-CN" altLang="en-US">
+                <a:sym typeface="+mn-ea"/>
+              </a:rPr>
+              <a:t>。</a:t>
+            </a:r>
+            <a:endParaRPr lang="zh-CN" altLang="en-US">
+              <a:sym typeface="+mn-ea"/>
+            </a:endParaRPr>
+          </a:p>
+          <a:p>
+            <a:r>
+              <a:rPr lang="zh-CN" altLang="en-US">
+                <a:solidFill>
+                  <a:schemeClr val="accent2">
+                    <a:lumMod val="75000"/>
+                  </a:schemeClr>
+                </a:solidFill>
+                <a:sym typeface="+mn-ea"/>
+              </a:rPr>
+              <a:t>内存的销毁重新分配可以通过</a:t>
+            </a:r>
+            <a:r>
+              <a:rPr lang="en-US" altLang="zh-CN">
+                <a:solidFill>
+                  <a:schemeClr val="accent2">
+                    <a:lumMod val="75000"/>
+                  </a:schemeClr>
+                </a:solidFill>
+                <a:sym typeface="+mn-ea"/>
+              </a:rPr>
+              <a:t>realloc</a:t>
+            </a:r>
+            <a:r>
+              <a:rPr lang="zh-CN" altLang="en-US">
+                <a:solidFill>
+                  <a:schemeClr val="accent2">
+                    <a:lumMod val="75000"/>
+                  </a:schemeClr>
+                </a:solidFill>
+                <a:sym typeface="+mn-ea"/>
+              </a:rPr>
+              <a:t>，从而就地利用当前现有的</a:t>
+            </a:r>
+            <a:r>
+              <a:rPr lang="en-US" altLang="zh-CN">
+                <a:solidFill>
+                  <a:schemeClr val="accent2">
+                    <a:lumMod val="75000"/>
+                  </a:schemeClr>
+                </a:solidFill>
+                <a:sym typeface="+mn-ea"/>
+              </a:rPr>
+              <a:t>m_data</a:t>
+            </a:r>
+            <a:r>
+              <a:rPr lang="zh-CN" altLang="en-US">
+                <a:solidFill>
+                  <a:schemeClr val="accent2">
+                    <a:lumMod val="75000"/>
+                  </a:schemeClr>
+                </a:solidFill>
+                <a:sym typeface="+mn-ea"/>
+              </a:rPr>
+              <a:t>，避免重新分配。</a:t>
+            </a:r>
+            <a:endParaRPr lang="zh-CN" altLang="en-US">
+              <a:solidFill>
+                <a:schemeClr val="accent2">
+                  <a:lumMod val="75000"/>
+                </a:schemeClr>
+              </a:solidFill>
+              <a:sym typeface="+mn-ea"/>
+            </a:endParaRPr>
+          </a:p>
+          <a:p>
+            <a:r>
+              <a:rPr lang="zh-CN" altLang="en-US">
+                <a:sym typeface="+mn-ea"/>
+              </a:rPr>
+              <a:t>因此拷贝赋值函数还是定义一下比较好：</a:t>
+            </a:r>
+            <a:endParaRPr lang="zh-CN" altLang="en-US">
+              <a:solidFill>
+                <a:schemeClr val="accent2">
+                  <a:lumMod val="75000"/>
+                </a:schemeClr>
+              </a:solidFill>
+              <a:sym typeface="+mn-ea"/>
+            </a:endParaRPr>
+          </a:p>
+        </p:txBody>
+      </p:sp>
+      <p:sp>
+        <p:nvSpPr>
+          <p:cNvPr id="3" name="Content Placeholder 2"/>
+          <p:cNvSpPr/>
+          <p:nvPr>
+            <p:ph sz="half" idx="2"/>
+          </p:nvPr>
+        </p:nvSpPr>
+        <p:spPr/>
+        <p:txBody>
+          <a:bodyPr/>
+          <a:p>
+            <a:endParaRPr lang="en-US"/>
+          </a:p>
+        </p:txBody>
+      </p:sp>
     </p:spTree>
   </p:cSld>
   <p:clrMapOvr>

--- a/02/slides.pptx
+++ b/02/slides.pptx
@@ -5,10 +5,10 @@
     <p:sldMasterId id="2147483648" r:id="rId1"/>
   </p:sldMasterIdLst>
   <p:notesMasterIdLst>
-    <p:notesMasterId r:id="rId25"/>
+    <p:notesMasterId r:id="rId26"/>
   </p:notesMasterIdLst>
   <p:handoutMasterIdLst>
-    <p:handoutMasterId r:id="rId34"/>
+    <p:handoutMasterId r:id="rId36"/>
   </p:handoutMasterIdLst>
   <p:sldIdLst>
     <p:sldId id="256" r:id="rId3"/>
@@ -31,16 +31,18 @@
     <p:sldId id="276" r:id="rId20"/>
     <p:sldId id="277" r:id="rId21"/>
     <p:sldId id="278" r:id="rId22"/>
-    <p:sldId id="275" r:id="rId23"/>
-    <p:sldId id="282" r:id="rId24"/>
-    <p:sldId id="283" r:id="rId26"/>
-    <p:sldId id="290" r:id="rId27"/>
-    <p:sldId id="289" r:id="rId28"/>
-    <p:sldId id="291" r:id="rId29"/>
-    <p:sldId id="292" r:id="rId30"/>
-    <p:sldId id="293" r:id="rId31"/>
-    <p:sldId id="294" r:id="rId32"/>
-    <p:sldId id="296" r:id="rId33"/>
+    <p:sldId id="298" r:id="rId23"/>
+    <p:sldId id="275" r:id="rId24"/>
+    <p:sldId id="282" r:id="rId25"/>
+    <p:sldId id="283" r:id="rId27"/>
+    <p:sldId id="290" r:id="rId28"/>
+    <p:sldId id="289" r:id="rId29"/>
+    <p:sldId id="291" r:id="rId30"/>
+    <p:sldId id="292" r:id="rId31"/>
+    <p:sldId id="293" r:id="rId32"/>
+    <p:sldId id="294" r:id="rId33"/>
+    <p:sldId id="296" r:id="rId34"/>
+    <p:sldId id="297" r:id="rId35"/>
   </p:sldIdLst>
   <p:sldSz cx="12192000" cy="6858000"/>
   <p:notesSz cx="7103745" cy="10234295"/>
@@ -736,6 +738,50 @@
 </file>
 
 <file path=ppt/notesSlides/notesSlide3.xml><?xml version="1.0" encoding="utf-8"?>
+<p:notes xmlns:a="http://schemas.openxmlformats.org/drawingml/2006/main" xmlns:r="http://schemas.openxmlformats.org/officeDocument/2006/relationships" xmlns:p="http://schemas.openxmlformats.org/presentationml/2006/main">
+  <p:cSld>
+    <p:spTree>
+      <p:nvGrpSpPr>
+        <p:cNvPr id="1" name=""/>
+        <p:cNvGrpSpPr/>
+        <p:nvPr/>
+      </p:nvGrpSpPr>
+      <p:grpSpPr/>
+      <p:sp>
+        <p:nvSpPr>
+          <p:cNvPr id="2" name="Slide Image Placeholder 1"/>
+          <p:cNvSpPr/>
+          <p:nvPr>
+            <p:ph type="sldImg" idx="2"/>
+          </p:nvPr>
+        </p:nvSpPr>
+        <p:spPr/>
+      </p:sp>
+      <p:sp>
+        <p:nvSpPr>
+          <p:cNvPr id="3" name="Text Placeholder 2"/>
+          <p:cNvSpPr/>
+          <p:nvPr>
+            <p:ph type="body" idx="3"/>
+          </p:nvPr>
+        </p:nvSpPr>
+        <p:spPr/>
+        <p:txBody>
+          <a:bodyPr/>
+          <a:p>
+            <a:endParaRPr lang="en-US"/>
+          </a:p>
+        </p:txBody>
+      </p:sp>
+    </p:spTree>
+  </p:cSld>
+  <p:clrMapOvr>
+    <a:masterClrMapping/>
+  </p:clrMapOvr>
+</p:notes>
+</file>
+
+<file path=ppt/notesSlides/notesSlide4.xml><?xml version="1.0" encoding="utf-8"?>
 <p:notes xmlns:a="http://schemas.openxmlformats.org/drawingml/2006/main" xmlns:r="http://schemas.openxmlformats.org/officeDocument/2006/relationships" xmlns:p="http://schemas.openxmlformats.org/presentationml/2006/main">
   <p:cSld>
     <p:spTree>
@@ -5649,6 +5695,139 @@
         <p:nvPr/>
       </p:nvGrpSpPr>
       <p:grpSpPr/>
+      <p:sp>
+        <p:nvSpPr>
+          <p:cNvPr id="2" name="Title 1"/>
+          <p:cNvSpPr>
+            <a:spLocks noGrp="1"/>
+          </p:cNvSpPr>
+          <p:nvPr>
+            <p:ph type="title"/>
+          </p:nvPr>
+        </p:nvSpPr>
+        <p:spPr/>
+        <p:txBody>
+          <a:bodyPr/>
+          <a:p>
+            <a:r>
+              <a:rPr lang="zh-CN" altLang="en-US">
+                <a:sym typeface="+mn-ea"/>
+              </a:rPr>
+              <a:t>不变性：请勿滥用封装</a:t>
+            </a:r>
+            <a:endParaRPr lang="en-US"/>
+          </a:p>
+        </p:txBody>
+      </p:sp>
+      <p:sp>
+        <p:nvSpPr>
+          <p:cNvPr id="3" name="Content Placeholder 2"/>
+          <p:cNvSpPr>
+            <a:spLocks noGrp="1"/>
+          </p:cNvSpPr>
+          <p:nvPr>
+            <p:ph sz="half" idx="1"/>
+          </p:nvPr>
+        </p:nvSpPr>
+        <p:spPr/>
+        <p:txBody>
+          <a:bodyPr/>
+          <a:p>
+            <a:r>
+              <a:rPr lang="zh-CN" altLang="en-US"/>
+              <a:t>仅当出现“</a:t>
+            </a:r>
+            <a:r>
+              <a:rPr lang="zh-CN" altLang="en-US">
+                <a:sym typeface="+mn-ea"/>
+              </a:rPr>
+              <a:t>修改一个成员时，其他也成员要被修改，否则出错</a:t>
+            </a:r>
+            <a:r>
+              <a:rPr lang="zh-CN" altLang="en-US"/>
+              <a:t>”的现象时，才需要</a:t>
+            </a:r>
+            <a:r>
+              <a:rPr lang="en-US" altLang="zh-CN">
+                <a:sym typeface="+mn-ea"/>
+              </a:rPr>
+              <a:t>getter/setter </a:t>
+            </a:r>
+            <a:r>
+              <a:rPr lang="zh-CN" altLang="en-US"/>
+              <a:t>封装。</a:t>
+            </a:r>
+            <a:endParaRPr lang="zh-CN" altLang="en-US"/>
+          </a:p>
+          <a:p>
+            <a:r>
+              <a:rPr lang="zh-CN" altLang="en-US"/>
+              <a:t>各个成员之间相互正交，比如数学矢量类</a:t>
+            </a:r>
+            <a:r>
+              <a:rPr lang="en-US" altLang="zh-CN"/>
+              <a:t> Vec3</a:t>
+            </a:r>
+            <a:r>
+              <a:rPr lang="zh-CN" altLang="en-US"/>
+              <a:t>，就没必要去搞封装，只会让程序员变得痛苦，同时还有一定性能损失：特别是如果</a:t>
+            </a:r>
+            <a:r>
+              <a:rPr lang="en-US" altLang="zh-CN"/>
+              <a:t> getter/setter </a:t>
+            </a:r>
+            <a:r>
+              <a:rPr lang="zh-CN" altLang="en-US"/>
+              <a:t>函数分离了声明和定义，实现在另一个文件时！</a:t>
+            </a:r>
+            <a:endParaRPr lang="zh-CN" altLang="en-US"/>
+          </a:p>
+        </p:txBody>
+      </p:sp>
+      <p:pic>
+        <p:nvPicPr>
+          <p:cNvPr id="5" name="Content Placeholder 4"/>
+          <p:cNvPicPr>
+            <a:picLocks noChangeAspect="1"/>
+          </p:cNvPicPr>
+          <p:nvPr>
+            <p:ph sz="half" idx="2"/>
+          </p:nvPr>
+        </p:nvPicPr>
+        <p:blipFill>
+          <a:blip r:embed="rId1"/>
+          <a:stretch>
+            <a:fillRect/>
+          </a:stretch>
+        </p:blipFill>
+        <p:spPr>
+          <a:xfrm>
+            <a:off x="7119620" y="1871980"/>
+            <a:ext cx="2905125" cy="4257675"/>
+          </a:xfrm>
+          <a:prstGeom prst="rect">
+            <a:avLst/>
+          </a:prstGeom>
+        </p:spPr>
+      </p:pic>
+    </p:spTree>
+  </p:cSld>
+  <p:clrMapOvr>
+    <a:masterClrMapping/>
+  </p:clrMapOvr>
+</p:sld>
+</file>
+
+<file path=ppt/slides/slide22.xml><?xml version="1.0" encoding="utf-8"?>
+<p:sld xmlns:a="http://schemas.openxmlformats.org/drawingml/2006/main" xmlns:r="http://schemas.openxmlformats.org/officeDocument/2006/relationships" xmlns:p="http://schemas.openxmlformats.org/presentationml/2006/main">
+  <p:cSld>
+    <p:spTree>
+      <p:nvGrpSpPr>
+        <p:cNvPr id="1" name=""/>
+        <p:cNvGrpSpPr/>
+        <p:nvPr/>
+      </p:nvGrpSpPr>
+      <p:grpSpPr/>
       <p:pic>
         <p:nvPicPr>
           <p:cNvPr id="16" name="Content Placeholder 3"/>
@@ -6137,7 +6316,7 @@
 </p:sld>
 </file>
 
-<file path=ppt/slides/slide22.xml><?xml version="1.0" encoding="utf-8"?>
+<file path=ppt/slides/slide23.xml><?xml version="1.0" encoding="utf-8"?>
 <p:sld xmlns:a="http://schemas.openxmlformats.org/drawingml/2006/main" xmlns:r="http://schemas.openxmlformats.org/officeDocument/2006/relationships" xmlns:p="http://schemas.openxmlformats.org/presentationml/2006/main">
   <p:cSld>
     <p:spTree>
@@ -6282,262 +6461,6 @@
           </a:prstGeom>
         </p:spPr>
       </p:pic>
-    </p:spTree>
-  </p:cSld>
-  <p:clrMapOvr>
-    <a:masterClrMapping/>
-  </p:clrMapOvr>
-</p:sld>
-</file>
-
-<file path=ppt/slides/slide23.xml><?xml version="1.0" encoding="utf-8"?>
-<p:sld xmlns:a="http://schemas.openxmlformats.org/drawingml/2006/main" xmlns:r="http://schemas.openxmlformats.org/officeDocument/2006/relationships" xmlns:p="http://schemas.openxmlformats.org/presentationml/2006/main">
-  <p:cSld>
-    <p:spTree>
-      <p:nvGrpSpPr>
-        <p:cNvPr id="1" name=""/>
-        <p:cNvGrpSpPr/>
-        <p:nvPr/>
-      </p:nvGrpSpPr>
-      <p:grpSpPr/>
-      <p:sp>
-        <p:nvSpPr>
-          <p:cNvPr id="2" name="Title 1"/>
-          <p:cNvSpPr>
-            <a:spLocks noGrp="1"/>
-          </p:cNvSpPr>
-          <p:nvPr>
-            <p:ph type="title"/>
-          </p:nvPr>
-        </p:nvSpPr>
-        <p:spPr/>
-        <p:txBody>
-          <a:bodyPr/>
-          <a:p>
-            <a:r>
-              <a:rPr lang="en-US"/>
-              <a:t>RAII</a:t>
-            </a:r>
-            <a:r>
-              <a:rPr lang="zh-CN" altLang="en-US"/>
-              <a:t>：异常安全（</a:t>
-            </a:r>
-            <a:r>
-              <a:rPr lang="en-US" altLang="zh-CN"/>
-              <a:t>exception-safe</a:t>
-            </a:r>
-            <a:r>
-              <a:rPr lang="zh-CN" altLang="en-US"/>
-              <a:t>）</a:t>
-            </a:r>
-            <a:endParaRPr lang="zh-CN" altLang="en-US"/>
-          </a:p>
-        </p:txBody>
-      </p:sp>
-      <p:pic>
-        <p:nvPicPr>
-          <p:cNvPr id="5" name="Content Placeholder 4"/>
-          <p:cNvPicPr>
-            <a:picLocks noChangeAspect="1"/>
-          </p:cNvPicPr>
-          <p:nvPr>
-            <p:ph sz="half" idx="1"/>
-          </p:nvPr>
-        </p:nvPicPr>
-        <p:blipFill>
-          <a:blip r:embed="rId1"/>
-          <a:stretch>
-            <a:fillRect/>
-          </a:stretch>
-        </p:blipFill>
-        <p:spPr>
-          <a:xfrm>
-            <a:off x="1033145" y="2808605"/>
-            <a:ext cx="4410075" cy="1771650"/>
-          </a:xfrm>
-          <a:prstGeom prst="rect">
-            <a:avLst/>
-          </a:prstGeom>
-        </p:spPr>
-      </p:pic>
-      <p:sp>
-        <p:nvSpPr>
-          <p:cNvPr id="6" name="Text Box 5"/>
-          <p:cNvSpPr txBox="1"/>
-          <p:nvPr/>
-        </p:nvSpPr>
-        <p:spPr>
-          <a:xfrm>
-            <a:off x="2858135" y="1503045"/>
-            <a:ext cx="6838950" cy="368300"/>
-          </a:xfrm>
-          <a:prstGeom prst="rect">
-            <a:avLst/>
-          </a:prstGeom>
-          <a:noFill/>
-        </p:spPr>
-        <p:txBody>
-          <a:bodyPr wrap="square" rtlCol="0">
-            <a:spAutoFit/>
-          </a:bodyPr>
-          <a:p>
-            <a:r>
-              <a:rPr lang="en-US"/>
-              <a:t>C++ </a:t>
-            </a:r>
-            <a:r>
-              <a:rPr lang="zh-CN" altLang="en-US"/>
-              <a:t>标准保证当异常发生时，会调用需要已创建对象的解构函数</a:t>
-            </a:r>
-            <a:endParaRPr lang="zh-CN" altLang="en-US"/>
-          </a:p>
-        </p:txBody>
-      </p:sp>
-      <p:pic>
-        <p:nvPicPr>
-          <p:cNvPr id="9" name="Picture 8"/>
-          <p:cNvPicPr>
-            <a:picLocks noChangeAspect="1"/>
-          </p:cNvPicPr>
-          <p:nvPr/>
-        </p:nvPicPr>
-        <p:blipFill>
-          <a:blip r:embed="rId2"/>
-          <a:stretch>
-            <a:fillRect/>
-          </a:stretch>
-        </p:blipFill>
-        <p:spPr>
-          <a:xfrm>
-            <a:off x="6824980" y="5427980"/>
-            <a:ext cx="5367020" cy="1430020"/>
-          </a:xfrm>
-          <a:prstGeom prst="rect">
-            <a:avLst/>
-          </a:prstGeom>
-        </p:spPr>
-      </p:pic>
-      <p:pic>
-        <p:nvPicPr>
-          <p:cNvPr id="3" name="Content Placeholder 2"/>
-          <p:cNvPicPr>
-            <a:picLocks noChangeAspect="1"/>
-          </p:cNvPicPr>
-          <p:nvPr>
-            <p:ph sz="half" idx="2"/>
-          </p:nvPr>
-        </p:nvPicPr>
-        <p:blipFill>
-          <a:blip r:embed="rId3"/>
-          <a:stretch>
-            <a:fillRect/>
-          </a:stretch>
-        </p:blipFill>
-        <p:spPr>
-          <a:xfrm>
-            <a:off x="6229350" y="2395220"/>
-            <a:ext cx="4705350" cy="2762250"/>
-          </a:xfrm>
-          <a:prstGeom prst="rect">
-            <a:avLst/>
-          </a:prstGeom>
-        </p:spPr>
-      </p:pic>
-      <p:sp>
-        <p:nvSpPr>
-          <p:cNvPr id="8" name="Text Box 7"/>
-          <p:cNvSpPr txBox="1"/>
-          <p:nvPr/>
-        </p:nvSpPr>
-        <p:spPr>
-          <a:xfrm>
-            <a:off x="1552575" y="4732020"/>
-            <a:ext cx="2830830" cy="2030095"/>
-          </a:xfrm>
-          <a:prstGeom prst="rect">
-            <a:avLst/>
-          </a:prstGeom>
-          <a:noFill/>
-        </p:spPr>
-        <p:txBody>
-          <a:bodyPr wrap="square" rtlCol="0">
-            <a:spAutoFit/>
-          </a:bodyPr>
-          <a:p>
-            <a:r>
-              <a:rPr lang="zh-CN" altLang="en-US"/>
-              <a:t>如果此处不关闭，则可等待稍后</a:t>
-            </a:r>
-            <a:r>
-              <a:rPr lang="zh-CN"/>
-              <a:t>垃圾回收</a:t>
-            </a:r>
-            <a:r>
-              <a:rPr lang="zh-CN" altLang="en-US"/>
-              <a:t>时关闭。</a:t>
-            </a:r>
-            <a:endParaRPr lang="zh-CN" altLang="en-US"/>
-          </a:p>
-          <a:p>
-            <a:r>
-              <a:rPr lang="zh-CN" altLang="en-US"/>
-              <a:t>虽然最后还是关了，但如果对</a:t>
-            </a:r>
-            <a:r>
-              <a:rPr lang="zh-CN" altLang="en-US" b="1"/>
-              <a:t>时序</a:t>
-            </a:r>
-            <a:r>
-              <a:rPr lang="zh-CN" altLang="en-US"/>
-              <a:t>有要求或对</a:t>
-            </a:r>
-            <a:r>
-              <a:rPr lang="zh-CN" altLang="en-US" b="1"/>
-              <a:t>性能</a:t>
-            </a:r>
-            <a:r>
-              <a:rPr lang="zh-CN" altLang="en-US"/>
-              <a:t>有要求就不能依靠</a:t>
-            </a:r>
-            <a:r>
-              <a:rPr lang="en-US" altLang="zh-CN"/>
-              <a:t> GC</a:t>
-            </a:r>
-            <a:r>
-              <a:rPr lang="zh-CN" altLang="en-US"/>
-              <a:t>。</a:t>
-            </a:r>
-            <a:endParaRPr lang="zh-CN" altLang="en-US"/>
-          </a:p>
-          <a:p>
-            <a:r>
-              <a:rPr lang="zh-CN" altLang="en-US"/>
-              <a:t>比如</a:t>
-            </a:r>
-            <a:r>
-              <a:rPr lang="en-US" altLang="zh-CN"/>
-              <a:t> mutex </a:t>
-            </a:r>
-            <a:r>
-              <a:rPr lang="zh-CN" altLang="en-US"/>
-              <a:t>忘记</a:t>
-            </a:r>
-            <a:r>
-              <a:rPr lang="en-US" altLang="zh-CN"/>
-              <a:t> unlock </a:t>
-            </a:r>
-            <a:r>
-              <a:rPr lang="zh-CN" altLang="en-US"/>
-              <a:t>造成死锁等等</a:t>
-            </a:r>
-            <a:r>
-              <a:rPr lang="en-US" altLang="zh-CN"/>
-              <a:t>……</a:t>
-            </a:r>
-            <a:endParaRPr lang="en-US" altLang="zh-CN"/>
-          </a:p>
-        </p:txBody>
-      </p:sp>
     </p:spTree>
   </p:cSld>
   <p:clrMapOvr>
@@ -6571,61 +6494,20 @@
           <a:bodyPr/>
           <a:p>
             <a:r>
-              <a:rPr lang="zh-CN" altLang="en-US"/>
-              <a:t>编写我们自己的</a:t>
+              <a:rPr lang="en-US"/>
+              <a:t>RAII</a:t>
+            </a:r>
+            <a:r>
+              <a:rPr lang="zh-CN" altLang="en-US"/>
+              <a:t>：异常安全（</a:t>
             </a:r>
             <a:r>
               <a:rPr lang="en-US" altLang="zh-CN"/>
-              <a:t> vector </a:t>
-            </a:r>
-            <a:r>
-              <a:rPr lang="zh-CN" altLang="en-US"/>
-              <a:t>类！</a:t>
-            </a:r>
-            <a:endParaRPr lang="zh-CN" altLang="en-US"/>
-          </a:p>
-        </p:txBody>
-      </p:sp>
-      <p:sp>
-        <p:nvSpPr>
-          <p:cNvPr id="6" name="Text Box 5"/>
-          <p:cNvSpPr txBox="1"/>
-          <p:nvPr/>
-        </p:nvSpPr>
-        <p:spPr>
-          <a:xfrm>
-            <a:off x="2960370" y="1216025"/>
-            <a:ext cx="6838950" cy="368300"/>
-          </a:xfrm>
-          <a:prstGeom prst="rect">
-            <a:avLst/>
-          </a:prstGeom>
-          <a:noFill/>
-        </p:spPr>
-        <p:txBody>
-          <a:bodyPr wrap="square" rtlCol="0">
-            <a:spAutoFit/>
-          </a:bodyPr>
-          <a:p>
-            <a:r>
-              <a:rPr lang="zh-CN" altLang="en-US"/>
-              <a:t>看来</a:t>
-            </a:r>
-            <a:r>
-              <a:rPr lang="en-US" altLang="zh-CN"/>
-              <a:t> vector </a:t>
-            </a:r>
-            <a:r>
-              <a:rPr lang="zh-CN" altLang="en-US"/>
-              <a:t>也不过如此！让我们自己实现一个</a:t>
-            </a:r>
-            <a:r>
-              <a:rPr lang="en-US" altLang="zh-CN"/>
-              <a:t> Vector </a:t>
-            </a:r>
-            <a:r>
-              <a:rPr lang="zh-CN" altLang="en-US"/>
-              <a:t>类试试看吧</a:t>
+              <a:t>exception-safe</a:t>
+            </a:r>
+            <a:r>
+              <a:rPr lang="zh-CN" altLang="en-US"/>
+              <a:t>）</a:t>
             </a:r>
             <a:endParaRPr lang="zh-CN" altLang="en-US"/>
           </a:p>
@@ -6638,7 +6520,7 @@
             <a:picLocks noChangeAspect="1"/>
           </p:cNvPicPr>
           <p:nvPr>
-            <p:ph sz="half" idx="2"/>
+            <p:ph sz="half" idx="1"/>
           </p:nvPr>
         </p:nvPicPr>
         <p:blipFill>
@@ -6649,23 +6531,54 @@
         </p:blipFill>
         <p:spPr>
           <a:xfrm>
-            <a:off x="6198870" y="1825625"/>
-            <a:ext cx="4746625" cy="4351655"/>
+            <a:off x="1033145" y="2808605"/>
+            <a:ext cx="4410075" cy="1771650"/>
           </a:xfrm>
           <a:prstGeom prst="rect">
             <a:avLst/>
           </a:prstGeom>
         </p:spPr>
       </p:pic>
+      <p:sp>
+        <p:nvSpPr>
+          <p:cNvPr id="6" name="Text Box 5"/>
+          <p:cNvSpPr txBox="1"/>
+          <p:nvPr/>
+        </p:nvSpPr>
+        <p:spPr>
+          <a:xfrm>
+            <a:off x="2858135" y="1503045"/>
+            <a:ext cx="6838950" cy="368300"/>
+          </a:xfrm>
+          <a:prstGeom prst="rect">
+            <a:avLst/>
+          </a:prstGeom>
+          <a:noFill/>
+        </p:spPr>
+        <p:txBody>
+          <a:bodyPr wrap="square" rtlCol="0">
+            <a:spAutoFit/>
+          </a:bodyPr>
+          <a:p>
+            <a:r>
+              <a:rPr lang="en-US"/>
+              <a:t>C++ </a:t>
+            </a:r>
+            <a:r>
+              <a:rPr lang="zh-CN" altLang="en-US"/>
+              <a:t>标准保证当异常发生时，会调用需要已创建对象的解构函数</a:t>
+            </a:r>
+            <a:endParaRPr lang="zh-CN" altLang="en-US"/>
+          </a:p>
+        </p:txBody>
+      </p:sp>
       <p:pic>
         <p:nvPicPr>
-          <p:cNvPr id="7" name="Content Placeholder 6"/>
+          <p:cNvPr id="9" name="Picture 8"/>
           <p:cNvPicPr>
             <a:picLocks noChangeAspect="1"/>
           </p:cNvPicPr>
-          <p:nvPr>
-            <p:ph sz="half" idx="1"/>
-          </p:nvPr>
+          <p:nvPr/>
         </p:nvPicPr>
         <p:blipFill>
           <a:blip r:embed="rId2"/>
@@ -6675,8 +6588,8 @@
         </p:blipFill>
         <p:spPr>
           <a:xfrm>
-            <a:off x="1038225" y="1501140"/>
-            <a:ext cx="4399280" cy="5001260"/>
+            <a:off x="6824980" y="5427980"/>
+            <a:ext cx="5367020" cy="1430020"/>
           </a:xfrm>
           <a:prstGeom prst="rect">
             <a:avLst/>
@@ -6685,11 +6598,13 @@
       </p:pic>
       <p:pic>
         <p:nvPicPr>
-          <p:cNvPr id="8" name="Picture 7"/>
+          <p:cNvPr id="3" name="Content Placeholder 2"/>
           <p:cNvPicPr>
             <a:picLocks noChangeAspect="1"/>
           </p:cNvPicPr>
-          <p:nvPr/>
+          <p:nvPr>
+            <p:ph sz="half" idx="2"/>
+          </p:nvPr>
         </p:nvPicPr>
         <p:blipFill>
           <a:blip r:embed="rId3"/>
@@ -6699,8 +6614,8 @@
         </p:blipFill>
         <p:spPr>
           <a:xfrm>
-            <a:off x="8435975" y="0"/>
-            <a:ext cx="3756025" cy="984885"/>
+            <a:off x="6229350" y="2395220"/>
+            <a:ext cx="4705350" cy="2762250"/>
           </a:xfrm>
           <a:prstGeom prst="rect">
             <a:avLst/>
@@ -6709,14 +6624,14 @@
       </p:pic>
       <p:sp>
         <p:nvSpPr>
-          <p:cNvPr id="9" name="Text Box 8"/>
+          <p:cNvPr id="8" name="Text Box 7"/>
           <p:cNvSpPr txBox="1"/>
           <p:nvPr/>
         </p:nvSpPr>
         <p:spPr>
           <a:xfrm>
-            <a:off x="7061200" y="258445"/>
-            <a:ext cx="1134110" cy="368300"/>
+            <a:off x="1552575" y="4732020"/>
+            <a:ext cx="2830830" cy="2030095"/>
           </a:xfrm>
           <a:prstGeom prst="rect">
             <a:avLst/>
@@ -6729,16 +6644,76 @@
           </a:bodyPr>
           <a:p>
             <a:r>
-              <a:rPr lang="en-US" i="1">
-                <a:latin typeface="Adobe New Century Schoolbook" charset="0"/>
-                <a:cs typeface="Adobe New Century Schoolbook" charset="0"/>
-              </a:rPr>
-              <a:t>It works!</a:t>
-            </a:r>
-            <a:endParaRPr lang="en-US" i="1">
-              <a:latin typeface="Adobe New Century Schoolbook" charset="0"/>
-              <a:cs typeface="Adobe New Century Schoolbook" charset="0"/>
-            </a:endParaRPr>
+              <a:rPr lang="zh-CN" altLang="en-US"/>
+              <a:t>如果此处不关闭，则可等待稍后</a:t>
+            </a:r>
+            <a:r>
+              <a:rPr lang="zh-CN"/>
+              <a:t>垃圾回收</a:t>
+            </a:r>
+            <a:r>
+              <a:rPr lang="zh-CN" altLang="en-US"/>
+              <a:t>时关闭。</a:t>
+            </a:r>
+            <a:endParaRPr lang="zh-CN" altLang="en-US"/>
+          </a:p>
+          <a:p>
+            <a:r>
+              <a:rPr lang="zh-CN" altLang="en-US"/>
+              <a:t>虽然最后还是关了，但如果对</a:t>
+            </a:r>
+            <a:r>
+              <a:rPr lang="zh-CN" altLang="en-US" b="1"/>
+              <a:t>时序</a:t>
+            </a:r>
+            <a:r>
+              <a:rPr lang="zh-CN" altLang="en-US"/>
+              <a:t>有要求或对</a:t>
+            </a:r>
+            <a:r>
+              <a:rPr lang="zh-CN" altLang="en-US" b="1"/>
+              <a:t>性能</a:t>
+            </a:r>
+            <a:r>
+              <a:rPr lang="zh-CN" altLang="en-US"/>
+              <a:t>有要求就不能依靠</a:t>
+            </a:r>
+            <a:r>
+              <a:rPr lang="en-US" altLang="zh-CN"/>
+              <a:t> GC</a:t>
+            </a:r>
+            <a:r>
+              <a:rPr lang="zh-CN" altLang="en-US"/>
+              <a:t>。</a:t>
+            </a:r>
+            <a:endParaRPr lang="zh-CN" altLang="en-US"/>
+          </a:p>
+          <a:p>
+            <a:r>
+              <a:rPr lang="zh-CN" altLang="en-US"/>
+              <a:t>比如</a:t>
+            </a:r>
+            <a:r>
+              <a:rPr lang="en-US" altLang="zh-CN"/>
+              <a:t> mutex </a:t>
+            </a:r>
+            <a:r>
+              <a:rPr lang="zh-CN" altLang="en-US"/>
+              <a:t>忘记</a:t>
+            </a:r>
+            <a:r>
+              <a:rPr lang="en-US" altLang="zh-CN"/>
+              <a:t> unlock </a:t>
+            </a:r>
+            <a:r>
+              <a:rPr lang="zh-CN" altLang="en-US"/>
+              <a:t>造成死锁等等</a:t>
+            </a:r>
+            <a:r>
+              <a:rPr lang="en-US" altLang="zh-CN"/>
+              <a:t>……</a:t>
+            </a:r>
+            <a:endParaRPr lang="en-US" altLang="zh-CN"/>
           </a:p>
         </p:txBody>
       </p:sp>
@@ -6776,7 +6751,15 @@
           <a:p>
             <a:r>
               <a:rPr lang="zh-CN" altLang="en-US"/>
-              <a:t>三五法则：规则类怪谈</a:t>
+              <a:t>编写我们自己的</a:t>
+            </a:r>
+            <a:r>
+              <a:rPr lang="en-US" altLang="zh-CN"/>
+              <a:t> vector </a:t>
+            </a:r>
+            <a:r>
+              <a:rPr lang="zh-CN" altLang="en-US"/>
+              <a:t>类！</a:t>
             </a:r>
             <a:endParaRPr lang="zh-CN" altLang="en-US"/>
           </a:p>
@@ -6784,344 +6767,14 @@
       </p:sp>
       <p:sp>
         <p:nvSpPr>
-          <p:cNvPr id="3" name="Content Placeholder 2"/>
-          <p:cNvSpPr>
-            <a:spLocks noGrp="1"/>
-          </p:cNvSpPr>
-          <p:nvPr>
-            <p:ph sz="half" idx="1"/>
-          </p:nvPr>
-        </p:nvSpPr>
-        <p:spPr>
-          <a:xfrm>
-            <a:off x="647700" y="1825625"/>
-            <a:ext cx="5181600" cy="4351338"/>
-          </a:xfrm>
-        </p:spPr>
-        <p:txBody>
-          <a:bodyPr>
-            <a:normAutofit fontScale="80000"/>
-          </a:bodyPr>
-          <a:p>
-            <a:pPr marL="457200" indent="-457200">
-              <a:buAutoNum type="arabicPeriod"/>
-            </a:pPr>
-            <a:r>
-              <a:rPr lang="zh-CN" altLang="en-US"/>
-              <a:t>如果一个类定义了</a:t>
-            </a:r>
-            <a:r>
-              <a:rPr lang="zh-CN" altLang="en-US" b="1"/>
-              <a:t>解构</a:t>
-            </a:r>
-            <a:r>
-              <a:rPr lang="en-US" b="1"/>
-              <a:t>函数</a:t>
-            </a:r>
-            <a:r>
-              <a:rPr lang="zh-CN" altLang="en-US"/>
-              <a:t>，那么您必须同时定义或删除</a:t>
-            </a:r>
-            <a:r>
-              <a:rPr lang="en-US" b="1"/>
-              <a:t>拷贝构造函数</a:t>
-            </a:r>
-            <a:r>
-              <a:rPr lang="en-US"/>
-              <a:t>和</a:t>
-            </a:r>
-            <a:r>
-              <a:rPr lang="en-US" b="1"/>
-              <a:t>拷贝赋值函数</a:t>
-            </a:r>
-            <a:r>
-              <a:rPr lang="zh-CN" altLang="en-US"/>
-              <a:t>，否则出错</a:t>
-            </a:r>
-            <a:r>
-              <a:rPr lang="en-US"/>
-              <a:t>。</a:t>
-            </a:r>
-            <a:endParaRPr lang="en-US"/>
-          </a:p>
-          <a:p>
-            <a:pPr marL="457200" indent="-457200">
-              <a:buAutoNum type="arabicPeriod"/>
-            </a:pPr>
-            <a:r>
-              <a:rPr lang="zh-CN" altLang="en-US">
-                <a:sym typeface="+mn-ea"/>
-              </a:rPr>
-              <a:t>如果一个类定义</a:t>
-            </a:r>
-            <a:r>
-              <a:rPr lang="zh-CN" altLang="en-US">
-                <a:sym typeface="+mn-ea"/>
-              </a:rPr>
-              <a:t>或删除</a:t>
-            </a:r>
-            <a:r>
-              <a:rPr lang="zh-CN" altLang="en-US">
-                <a:sym typeface="+mn-ea"/>
-              </a:rPr>
-              <a:t>了</a:t>
-            </a:r>
-            <a:r>
-              <a:rPr lang="en-US" b="1"/>
-              <a:t>拷贝</a:t>
-            </a:r>
-            <a:r>
-              <a:rPr lang="zh-CN" altLang="en-US" b="1"/>
-              <a:t>构造函数</a:t>
-            </a:r>
-            <a:r>
-              <a:rPr lang="zh-CN" altLang="en-US"/>
-              <a:t>，</a:t>
-            </a:r>
-            <a:r>
-              <a:rPr lang="zh-CN" altLang="en-US">
-                <a:sym typeface="+mn-ea"/>
-              </a:rPr>
-              <a:t>那么您必须</a:t>
-            </a:r>
-            <a:r>
-              <a:rPr lang="zh-CN" altLang="en-US">
-                <a:sym typeface="+mn-ea"/>
-              </a:rPr>
-              <a:t>同时</a:t>
-            </a:r>
-            <a:r>
-              <a:rPr lang="zh-CN" altLang="en-US">
-                <a:sym typeface="+mn-ea"/>
-              </a:rPr>
-              <a:t>定义或删除</a:t>
-            </a:r>
-            <a:r>
-              <a:rPr lang="zh-CN" altLang="en-US" b="1">
-                <a:sym typeface="+mn-ea"/>
-              </a:rPr>
-              <a:t>拷贝</a:t>
-            </a:r>
-            <a:r>
-              <a:rPr lang="en-US" b="1"/>
-              <a:t>赋值</a:t>
-            </a:r>
-            <a:r>
-              <a:rPr lang="zh-CN" altLang="en-US" b="1"/>
-              <a:t>函数</a:t>
-            </a:r>
-            <a:r>
-              <a:rPr lang="zh-CN" altLang="en-US"/>
-              <a:t>，否则出错。</a:t>
-            </a:r>
-            <a:endParaRPr lang="zh-CN" altLang="en-US"/>
-          </a:p>
-          <a:p>
-            <a:pPr marL="457200" indent="-457200">
-              <a:buAutoNum type="arabicPeriod"/>
-            </a:pPr>
-            <a:r>
-              <a:rPr lang="zh-CN" altLang="en-US">
-                <a:sym typeface="+mn-ea"/>
-              </a:rPr>
-              <a:t>如果一个类定义或删除了</a:t>
-            </a:r>
-            <a:r>
-              <a:rPr lang="zh-CN" altLang="en-US" b="1">
-                <a:sym typeface="+mn-ea"/>
-              </a:rPr>
-              <a:t>移动</a:t>
-            </a:r>
-            <a:r>
-              <a:rPr lang="zh-CN" altLang="en-US" b="1">
-                <a:sym typeface="+mn-ea"/>
-              </a:rPr>
-              <a:t>构造函数</a:t>
-            </a:r>
-            <a:r>
-              <a:rPr lang="zh-CN" altLang="en-US">
-                <a:sym typeface="+mn-ea"/>
-              </a:rPr>
-              <a:t>，</a:t>
-            </a:r>
-            <a:r>
-              <a:rPr lang="zh-CN" altLang="en-US">
-                <a:sym typeface="+mn-ea"/>
-              </a:rPr>
-              <a:t>那么您必须</a:t>
-            </a:r>
-            <a:r>
-              <a:rPr lang="zh-CN" altLang="en-US">
-                <a:sym typeface="+mn-ea"/>
-              </a:rPr>
-              <a:t>同时定义或删除</a:t>
-            </a:r>
-            <a:r>
-              <a:rPr lang="zh-CN" altLang="en-US" b="1">
-                <a:sym typeface="+mn-ea"/>
-              </a:rPr>
-              <a:t>移动</a:t>
-            </a:r>
-            <a:r>
-              <a:rPr lang="en-US" b="1">
-                <a:sym typeface="+mn-ea"/>
-              </a:rPr>
-              <a:t>赋值</a:t>
-            </a:r>
-            <a:r>
-              <a:rPr lang="zh-CN" altLang="en-US" b="1">
-                <a:sym typeface="+mn-ea"/>
-              </a:rPr>
-              <a:t>函数</a:t>
-            </a:r>
-            <a:r>
-              <a:rPr lang="zh-CN" altLang="en-US">
-                <a:sym typeface="+mn-ea"/>
-              </a:rPr>
-              <a:t>，否则出错。</a:t>
-            </a:r>
-            <a:endParaRPr lang="zh-CN" altLang="en-US">
-              <a:sym typeface="+mn-ea"/>
-            </a:endParaRPr>
-          </a:p>
-          <a:p>
-            <a:pPr marL="457200" indent="-457200">
-              <a:buAutoNum type="arabicPeriod"/>
-            </a:pPr>
-            <a:r>
-              <a:rPr lang="zh-CN" altLang="en-US">
-                <a:sym typeface="+mn-ea"/>
-              </a:rPr>
-              <a:t>如果一个类定义了</a:t>
-            </a:r>
-            <a:r>
-              <a:rPr lang="en-US" b="1">
-                <a:sym typeface="+mn-ea"/>
-              </a:rPr>
-              <a:t>拷贝</a:t>
-            </a:r>
-            <a:r>
-              <a:rPr lang="zh-CN" altLang="en-US" b="1">
-                <a:sym typeface="+mn-ea"/>
-              </a:rPr>
-              <a:t>构造函数</a:t>
-            </a:r>
-            <a:r>
-              <a:rPr lang="zh-CN" altLang="en-US">
-                <a:sym typeface="+mn-ea"/>
-              </a:rPr>
-              <a:t>和</a:t>
-            </a:r>
-            <a:r>
-              <a:rPr lang="zh-CN" altLang="en-US" b="1">
-                <a:sym typeface="+mn-ea"/>
-              </a:rPr>
-              <a:t>拷贝</a:t>
-            </a:r>
-            <a:r>
-              <a:rPr lang="en-US" b="1">
-                <a:sym typeface="+mn-ea"/>
-              </a:rPr>
-              <a:t>赋值</a:t>
-            </a:r>
-            <a:r>
-              <a:rPr lang="zh-CN" altLang="en-US" b="1">
-                <a:sym typeface="+mn-ea"/>
-              </a:rPr>
-              <a:t>函数</a:t>
-            </a:r>
-            <a:r>
-              <a:rPr lang="zh-CN" altLang="en-US">
-                <a:sym typeface="+mn-ea"/>
-              </a:rPr>
-              <a:t>，那么您</a:t>
-            </a:r>
-            <a:r>
-              <a:rPr lang="zh-CN" altLang="en-US" b="1">
-                <a:sym typeface="+mn-ea"/>
-              </a:rPr>
-              <a:t>最好</a:t>
-            </a:r>
-            <a:r>
-              <a:rPr lang="zh-CN" altLang="en-US">
-                <a:sym typeface="+mn-ea"/>
-              </a:rPr>
-              <a:t>同时</a:t>
-            </a:r>
-            <a:r>
-              <a:rPr lang="zh-CN" altLang="en-US">
-                <a:sym typeface="+mn-ea"/>
-              </a:rPr>
-              <a:t>定义</a:t>
-            </a:r>
-            <a:r>
-              <a:rPr lang="zh-CN" altLang="en-US" b="1">
-                <a:sym typeface="+mn-ea"/>
-              </a:rPr>
-              <a:t>移动构造函数</a:t>
-            </a:r>
-            <a:r>
-              <a:rPr lang="zh-CN" altLang="en-US">
-                <a:sym typeface="+mn-ea"/>
-              </a:rPr>
-              <a:t>和</a:t>
-            </a:r>
-            <a:r>
-              <a:rPr lang="zh-CN" altLang="en-US" b="1">
-                <a:sym typeface="+mn-ea"/>
-              </a:rPr>
-              <a:t>移动</a:t>
-            </a:r>
-            <a:r>
-              <a:rPr lang="en-US" b="1">
-                <a:sym typeface="+mn-ea"/>
-              </a:rPr>
-              <a:t>赋值</a:t>
-            </a:r>
-            <a:r>
-              <a:rPr lang="zh-CN" altLang="en-US" b="1">
-                <a:sym typeface="+mn-ea"/>
-              </a:rPr>
-              <a:t>函数</a:t>
-            </a:r>
-            <a:r>
-              <a:rPr lang="zh-CN" altLang="en-US">
-                <a:sym typeface="+mn-ea"/>
-              </a:rPr>
-              <a:t>，否则</a:t>
-            </a:r>
-            <a:r>
-              <a:rPr lang="zh-CN" altLang="en-US" b="1">
-                <a:sym typeface="+mn-ea"/>
-              </a:rPr>
-              <a:t>低</a:t>
-            </a:r>
-            <a:r>
-              <a:rPr lang="zh-CN" altLang="en-US" b="1">
-                <a:sym typeface="+mn-ea"/>
-              </a:rPr>
-              <a:t>效</a:t>
-            </a:r>
-            <a:r>
-              <a:rPr lang="en-US">
-                <a:sym typeface="+mn-ea"/>
-              </a:rPr>
-              <a:t>。</a:t>
-            </a:r>
-            <a:endParaRPr lang="zh-CN" altLang="en-US"/>
-          </a:p>
-        </p:txBody>
-      </p:sp>
-      <p:sp>
-        <p:nvSpPr>
-          <p:cNvPr id="5" name="Text Box 4"/>
+          <p:cNvPr id="6" name="Text Box 5"/>
           <p:cNvSpPr txBox="1"/>
           <p:nvPr/>
         </p:nvSpPr>
         <p:spPr>
           <a:xfrm>
-            <a:off x="6306185" y="1216025"/>
-            <a:ext cx="5109845" cy="922020"/>
+            <a:off x="3082925" y="1132840"/>
+            <a:ext cx="6838950" cy="368300"/>
           </a:xfrm>
           <a:prstGeom prst="rect">
             <a:avLst/>
@@ -7134,26 +6787,24 @@
           </a:bodyPr>
           <a:p>
             <a:r>
-              <a:rPr lang="zh-CN" altLang="en-US">
-                <a:sym typeface="+mn-ea"/>
-              </a:rPr>
-              <a:t>三五法则是前人总结的，避免犯错的经验。</a:t>
-            </a:r>
-            <a:endParaRPr lang="zh-CN" altLang="en-US">
-              <a:sym typeface="+mn-ea"/>
-            </a:endParaRPr>
-          </a:p>
-          <a:p>
-            <a:r>
-              <a:rPr lang="zh-CN" altLang="en-US"/>
-              <a:t>只告诉做什么，不告诉为什么，是不深入的。</a:t>
-            </a:r>
-            <a:endParaRPr lang="zh-CN" altLang="en-US"/>
-          </a:p>
-          <a:p>
-            <a:r>
-              <a:rPr lang="zh-CN" altLang="en-US"/>
-              <a:t>让我们通过撞南墙的方式来深入理解一下。</a:t>
+              <a:rPr lang="zh-CN" altLang="en-US"/>
+              <a:t>看来</a:t>
+            </a:r>
+            <a:r>
+              <a:rPr lang="en-US" altLang="zh-CN"/>
+              <a:t> vector </a:t>
+            </a:r>
+            <a:r>
+              <a:rPr lang="zh-CN" altLang="en-US"/>
+              <a:t>也不过如此！让我们自己实现一个</a:t>
+            </a:r>
+            <a:r>
+              <a:rPr lang="en-US" altLang="zh-CN"/>
+              <a:t> Vector </a:t>
+            </a:r>
+            <a:r>
+              <a:rPr lang="zh-CN" altLang="en-US"/>
+              <a:t>类试试看吧</a:t>
             </a:r>
             <a:endParaRPr lang="zh-CN" altLang="en-US"/>
           </a:p>
@@ -7161,7 +6812,7 @@
       </p:sp>
       <p:pic>
         <p:nvPicPr>
-          <p:cNvPr id="6" name="Content Placeholder 5"/>
+          <p:cNvPr id="5" name="Content Placeholder 4"/>
           <p:cNvPicPr>
             <a:picLocks noChangeAspect="1"/>
           </p:cNvPicPr>
@@ -7177,14 +6828,99 @@
         </p:blipFill>
         <p:spPr>
           <a:xfrm>
-            <a:off x="5930900" y="2670175"/>
-            <a:ext cx="5861050" cy="2293620"/>
+            <a:off x="6198870" y="1825625"/>
+            <a:ext cx="4746625" cy="4351655"/>
           </a:xfrm>
           <a:prstGeom prst="rect">
             <a:avLst/>
           </a:prstGeom>
         </p:spPr>
       </p:pic>
+      <p:pic>
+        <p:nvPicPr>
+          <p:cNvPr id="7" name="Content Placeholder 6"/>
+          <p:cNvPicPr>
+            <a:picLocks noChangeAspect="1"/>
+          </p:cNvPicPr>
+          <p:nvPr>
+            <p:ph sz="half" idx="1"/>
+          </p:nvPr>
+        </p:nvPicPr>
+        <p:blipFill>
+          <a:blip r:embed="rId2"/>
+          <a:stretch>
+            <a:fillRect/>
+          </a:stretch>
+        </p:blipFill>
+        <p:spPr>
+          <a:xfrm>
+            <a:off x="1038225" y="1501140"/>
+            <a:ext cx="4399280" cy="5001260"/>
+          </a:xfrm>
+          <a:prstGeom prst="rect">
+            <a:avLst/>
+          </a:prstGeom>
+        </p:spPr>
+      </p:pic>
+      <p:pic>
+        <p:nvPicPr>
+          <p:cNvPr id="8" name="Picture 7"/>
+          <p:cNvPicPr>
+            <a:picLocks noChangeAspect="1"/>
+          </p:cNvPicPr>
+          <p:nvPr/>
+        </p:nvPicPr>
+        <p:blipFill>
+          <a:blip r:embed="rId3"/>
+          <a:stretch>
+            <a:fillRect/>
+          </a:stretch>
+        </p:blipFill>
+        <p:spPr>
+          <a:xfrm>
+            <a:off x="8435975" y="0"/>
+            <a:ext cx="3756025" cy="984885"/>
+          </a:xfrm>
+          <a:prstGeom prst="rect">
+            <a:avLst/>
+          </a:prstGeom>
+        </p:spPr>
+      </p:pic>
+      <p:sp>
+        <p:nvSpPr>
+          <p:cNvPr id="9" name="Text Box 8"/>
+          <p:cNvSpPr txBox="1"/>
+          <p:nvPr/>
+        </p:nvSpPr>
+        <p:spPr>
+          <a:xfrm>
+            <a:off x="7061200" y="258445"/>
+            <a:ext cx="1134110" cy="368300"/>
+          </a:xfrm>
+          <a:prstGeom prst="rect">
+            <a:avLst/>
+          </a:prstGeom>
+          <a:noFill/>
+        </p:spPr>
+        <p:txBody>
+          <a:bodyPr wrap="square" rtlCol="0">
+            <a:spAutoFit/>
+          </a:bodyPr>
+          <a:p>
+            <a:r>
+              <a:rPr lang="en-US" i="1">
+                <a:latin typeface="Adobe New Century Schoolbook" charset="0"/>
+                <a:cs typeface="Adobe New Century Schoolbook" charset="0"/>
+              </a:rPr>
+              <a:t>It works!</a:t>
+            </a:r>
+            <a:endParaRPr lang="en-US" i="1">
+              <a:latin typeface="Adobe New Century Schoolbook" charset="0"/>
+              <a:cs typeface="Adobe New Century Schoolbook" charset="0"/>
+            </a:endParaRPr>
+          </a:p>
+        </p:txBody>
+      </p:sp>
     </p:spTree>
   </p:cSld>
   <p:clrMapOvr>
@@ -7218,20 +6954,373 @@
           <a:bodyPr/>
           <a:p>
             <a:r>
+              <a:rPr lang="zh-CN" altLang="en-US"/>
+              <a:t>三五法则：规则类怪谈</a:t>
+            </a:r>
+            <a:endParaRPr lang="zh-CN" altLang="en-US"/>
+          </a:p>
+        </p:txBody>
+      </p:sp>
+      <p:sp>
+        <p:nvSpPr>
+          <p:cNvPr id="3" name="Content Placeholder 2"/>
+          <p:cNvSpPr>
+            <a:spLocks noGrp="1"/>
+          </p:cNvSpPr>
+          <p:nvPr>
+            <p:ph sz="half" idx="1"/>
+          </p:nvPr>
+        </p:nvSpPr>
+        <p:spPr>
+          <a:xfrm>
+            <a:off x="647700" y="1744345"/>
+            <a:ext cx="5181600" cy="4493895"/>
+          </a:xfrm>
+        </p:spPr>
+        <p:txBody>
+          <a:bodyPr>
+            <a:noAutofit/>
+          </a:bodyPr>
+          <a:p>
+            <a:pPr marL="457200" indent="-457200">
+              <a:buAutoNum type="arabicPeriod"/>
+            </a:pPr>
+            <a:r>
+              <a:rPr lang="zh-CN" altLang="en-US" sz="1600"/>
+              <a:t>如果一个类定义了</a:t>
+            </a:r>
+            <a:r>
+              <a:rPr lang="zh-CN" altLang="en-US" sz="1600" b="1"/>
+              <a:t>解构</a:t>
+            </a:r>
+            <a:r>
+              <a:rPr lang="en-US" sz="1600" b="1"/>
+              <a:t>函数</a:t>
+            </a:r>
+            <a:r>
+              <a:rPr lang="zh-CN" altLang="en-US" sz="1600"/>
+              <a:t>，那么您必须同时定义或删除</a:t>
+            </a:r>
+            <a:r>
+              <a:rPr lang="en-US" sz="1600" b="1"/>
+              <a:t>拷贝构造函数</a:t>
+            </a:r>
+            <a:r>
+              <a:rPr lang="en-US" sz="1600"/>
+              <a:t>和</a:t>
+            </a:r>
+            <a:r>
+              <a:rPr lang="en-US" sz="1600" b="1"/>
+              <a:t>拷贝赋值函数</a:t>
+            </a:r>
+            <a:r>
+              <a:rPr lang="zh-CN" altLang="en-US" sz="1600">
+                <a:sym typeface="+mn-ea"/>
+              </a:rPr>
+              <a:t>，否则出错</a:t>
+            </a:r>
+            <a:r>
+              <a:rPr lang="en-US" sz="1600"/>
+              <a:t>。</a:t>
+            </a:r>
+            <a:endParaRPr lang="en-US" sz="1600"/>
+          </a:p>
+          <a:p>
+            <a:pPr marL="457200" indent="-457200">
+              <a:buAutoNum type="arabicPeriod"/>
+            </a:pPr>
+            <a:r>
+              <a:rPr lang="zh-CN" altLang="en-US" sz="1600">
+                <a:sym typeface="+mn-ea"/>
+              </a:rPr>
+              <a:t>如果一个类定义了</a:t>
+            </a:r>
+            <a:r>
+              <a:rPr lang="en-US" sz="1600" b="1"/>
+              <a:t>拷贝</a:t>
+            </a:r>
+            <a:r>
+              <a:rPr lang="zh-CN" altLang="en-US" sz="1600" b="1"/>
+              <a:t>构造函数</a:t>
+            </a:r>
+            <a:r>
+              <a:rPr lang="zh-CN" altLang="en-US" sz="1600"/>
+              <a:t>，</a:t>
+            </a:r>
+            <a:r>
+              <a:rPr lang="zh-CN" altLang="en-US" sz="1600">
+                <a:sym typeface="+mn-ea"/>
+              </a:rPr>
+              <a:t>那么您必须同时定义或删除</a:t>
+            </a:r>
+            <a:r>
+              <a:rPr lang="zh-CN" altLang="en-US" sz="1600" b="1">
+                <a:sym typeface="+mn-ea"/>
+              </a:rPr>
+              <a:t>拷贝</a:t>
+            </a:r>
+            <a:r>
+              <a:rPr lang="en-US" sz="1600" b="1"/>
+              <a:t>赋值</a:t>
+            </a:r>
+            <a:r>
+              <a:rPr lang="zh-CN" altLang="en-US" sz="1600" b="1"/>
+              <a:t>函数</a:t>
+            </a:r>
+            <a:r>
+              <a:rPr lang="zh-CN" altLang="en-US" sz="1600">
+                <a:sym typeface="+mn-ea"/>
+              </a:rPr>
+              <a:t>，否则出错，删除可导致低效</a:t>
+            </a:r>
+            <a:r>
+              <a:rPr lang="zh-CN" altLang="en-US" sz="1600"/>
+              <a:t>。</a:t>
+            </a:r>
+            <a:endParaRPr lang="zh-CN" altLang="en-US" sz="1600"/>
+          </a:p>
+          <a:p>
+            <a:pPr marL="457200" indent="-457200">
+              <a:buAutoNum type="arabicPeriod"/>
+            </a:pPr>
+            <a:r>
+              <a:rPr lang="zh-CN" altLang="en-US" sz="1600">
+                <a:sym typeface="+mn-ea"/>
+              </a:rPr>
+              <a:t>如果一个类定义了</a:t>
+            </a:r>
+            <a:r>
+              <a:rPr lang="zh-CN" altLang="en-US" sz="1600" b="1">
+                <a:sym typeface="+mn-ea"/>
+              </a:rPr>
+              <a:t>移动构造函数</a:t>
+            </a:r>
+            <a:r>
+              <a:rPr lang="zh-CN" altLang="en-US" sz="1600">
+                <a:sym typeface="+mn-ea"/>
+              </a:rPr>
+              <a:t>，那么您必须同时定义或删除</a:t>
+            </a:r>
+            <a:r>
+              <a:rPr lang="zh-CN" altLang="en-US" sz="1600" b="1">
+                <a:sym typeface="+mn-ea"/>
+              </a:rPr>
+              <a:t>移动</a:t>
+            </a:r>
+            <a:r>
+              <a:rPr lang="en-US" sz="1600" b="1">
+                <a:sym typeface="+mn-ea"/>
+              </a:rPr>
+              <a:t>赋值</a:t>
+            </a:r>
+            <a:r>
+              <a:rPr lang="zh-CN" altLang="en-US" sz="1600" b="1">
+                <a:sym typeface="+mn-ea"/>
+              </a:rPr>
+              <a:t>函数</a:t>
+            </a:r>
+            <a:r>
+              <a:rPr lang="zh-CN" altLang="en-US" sz="1600">
+                <a:sym typeface="+mn-ea"/>
+              </a:rPr>
+              <a:t>，否则出错，删除可导致低效</a:t>
+            </a:r>
+            <a:r>
+              <a:rPr lang="zh-CN" altLang="en-US" sz="1600">
+                <a:sym typeface="+mn-ea"/>
+              </a:rPr>
+              <a:t>。</a:t>
+            </a:r>
+            <a:endParaRPr lang="zh-CN" altLang="en-US" sz="1600">
+              <a:sym typeface="+mn-ea"/>
+            </a:endParaRPr>
+          </a:p>
+          <a:p>
+            <a:pPr marL="457200" indent="-457200">
+              <a:buAutoNum type="arabicPeriod"/>
+            </a:pPr>
+            <a:r>
+              <a:rPr lang="zh-CN" altLang="en-US" sz="1600">
+                <a:sym typeface="+mn-ea"/>
+              </a:rPr>
+              <a:t>如果一个类定义了</a:t>
+            </a:r>
+            <a:r>
+              <a:rPr lang="en-US" sz="1600" b="1">
+                <a:sym typeface="+mn-ea"/>
+              </a:rPr>
+              <a:t>拷贝</a:t>
+            </a:r>
+            <a:r>
+              <a:rPr lang="zh-CN" altLang="en-US" sz="1600" b="1">
+                <a:sym typeface="+mn-ea"/>
+              </a:rPr>
+              <a:t>构造函数</a:t>
+            </a:r>
+            <a:r>
+              <a:rPr lang="zh-CN" altLang="en-US" sz="1600">
+                <a:sym typeface="+mn-ea"/>
+              </a:rPr>
+              <a:t>或</a:t>
+            </a:r>
+            <a:r>
+              <a:rPr lang="zh-CN" altLang="en-US" sz="1600" b="1">
+                <a:sym typeface="+mn-ea"/>
+              </a:rPr>
+              <a:t>拷贝</a:t>
+            </a:r>
+            <a:r>
+              <a:rPr lang="en-US" sz="1600" b="1">
+                <a:sym typeface="+mn-ea"/>
+              </a:rPr>
+              <a:t>赋值</a:t>
+            </a:r>
+            <a:r>
+              <a:rPr lang="zh-CN" altLang="en-US" sz="1600" b="1">
+                <a:sym typeface="+mn-ea"/>
+              </a:rPr>
+              <a:t>函数</a:t>
+            </a:r>
+            <a:r>
+              <a:rPr lang="zh-CN" altLang="en-US" sz="1600">
+                <a:sym typeface="+mn-ea"/>
+              </a:rPr>
+              <a:t>，那么您</a:t>
+            </a:r>
+            <a:r>
+              <a:rPr lang="zh-CN" altLang="en-US" sz="1600">
+                <a:sym typeface="+mn-ea"/>
+              </a:rPr>
+              <a:t>必须</a:t>
+            </a:r>
+            <a:r>
+              <a:rPr lang="zh-CN" altLang="en-US" sz="1600">
+                <a:sym typeface="+mn-ea"/>
+              </a:rPr>
+              <a:t>最好</a:t>
+            </a:r>
+            <a:r>
+              <a:rPr lang="zh-CN" altLang="en-US" sz="1600">
+                <a:sym typeface="+mn-ea"/>
+              </a:rPr>
+              <a:t>同时</a:t>
+            </a:r>
+            <a:r>
+              <a:rPr lang="zh-CN" altLang="en-US" sz="1600">
+                <a:sym typeface="+mn-ea"/>
+              </a:rPr>
+              <a:t>定义</a:t>
+            </a:r>
+            <a:r>
+              <a:rPr lang="zh-CN" altLang="en-US" sz="1600" b="1">
+                <a:sym typeface="+mn-ea"/>
+              </a:rPr>
+              <a:t>移动构造函数</a:t>
+            </a:r>
+            <a:r>
+              <a:rPr lang="zh-CN" altLang="en-US" sz="1600">
+                <a:sym typeface="+mn-ea"/>
+              </a:rPr>
+              <a:t>或</a:t>
+            </a:r>
+            <a:r>
+              <a:rPr lang="zh-CN" altLang="en-US" sz="1600" b="1">
+                <a:sym typeface="+mn-ea"/>
+              </a:rPr>
+              <a:t>移动</a:t>
+            </a:r>
+            <a:r>
+              <a:rPr lang="en-US" sz="1600" b="1">
+                <a:sym typeface="+mn-ea"/>
+              </a:rPr>
+              <a:t>赋值</a:t>
+            </a:r>
+            <a:r>
+              <a:rPr lang="zh-CN" altLang="en-US" sz="1600" b="1">
+                <a:sym typeface="+mn-ea"/>
+              </a:rPr>
+              <a:t>函数</a:t>
+            </a:r>
+            <a:r>
+              <a:rPr lang="zh-CN" altLang="en-US" sz="1600">
+                <a:sym typeface="+mn-ea"/>
+              </a:rPr>
+              <a:t>，</a:t>
+            </a:r>
+            <a:r>
+              <a:rPr lang="zh-CN" altLang="en-US" sz="1600">
+                <a:sym typeface="+mn-ea"/>
+              </a:rPr>
+              <a:t>否则</a:t>
+            </a:r>
+            <a:r>
+              <a:rPr lang="zh-CN" altLang="en-US" sz="1600">
+                <a:sym typeface="+mn-ea"/>
+              </a:rPr>
+              <a:t>低效</a:t>
+            </a:r>
+            <a:r>
+              <a:rPr lang="en-US" sz="1600">
+                <a:sym typeface="+mn-ea"/>
+              </a:rPr>
+              <a:t>。</a:t>
+            </a:r>
+            <a:endParaRPr lang="en-US" altLang="en-US" sz="1600">
+              <a:sym typeface="+mn-ea"/>
+            </a:endParaRPr>
+          </a:p>
+        </p:txBody>
+      </p:sp>
+      <p:sp>
+        <p:nvSpPr>
+          <p:cNvPr id="5" name="Text Box 4"/>
+          <p:cNvSpPr txBox="1"/>
+          <p:nvPr/>
+        </p:nvSpPr>
+        <p:spPr>
+          <a:xfrm>
+            <a:off x="6306185" y="1216025"/>
+            <a:ext cx="5109845" cy="922020"/>
+          </a:xfrm>
+          <a:prstGeom prst="rect">
+            <a:avLst/>
+          </a:prstGeom>
+          <a:noFill/>
+        </p:spPr>
+        <p:txBody>
+          <a:bodyPr wrap="square" rtlCol="0">
+            <a:spAutoFit/>
+          </a:bodyPr>
+          <a:p>
+            <a:r>
               <a:rPr lang="zh-CN" altLang="en-US">
                 <a:sym typeface="+mn-ea"/>
               </a:rPr>
-              <a:t>三五法则：拷贝构造函数</a:t>
+              <a:t>三五法则是前人总结的，避免犯错的经验。</a:t>
             </a:r>
             <a:endParaRPr lang="zh-CN" altLang="en-US">
               <a:sym typeface="+mn-ea"/>
             </a:endParaRPr>
           </a:p>
+          <a:p>
+            <a:r>
+              <a:rPr lang="zh-CN" altLang="en-US"/>
+              <a:t>只告诉做什么，不告诉为什么，是不深入的。</a:t>
+            </a:r>
+            <a:endParaRPr lang="zh-CN" altLang="en-US"/>
+          </a:p>
+          <a:p>
+            <a:r>
+              <a:rPr lang="zh-CN" altLang="en-US"/>
+              <a:t>让我们通过撞南墙的方式来深入理解一下。</a:t>
+            </a:r>
+            <a:endParaRPr lang="zh-CN" altLang="en-US"/>
+          </a:p>
         </p:txBody>
       </p:sp>
       <p:pic>
         <p:nvPicPr>
-          <p:cNvPr id="9" name="Content Placeholder 8"/>
+          <p:cNvPr id="6" name="Content Placeholder 5"/>
           <p:cNvPicPr>
             <a:picLocks noChangeAspect="1"/>
           </p:cNvPicPr>
@@ -7247,14 +7336,84 @@
         </p:blipFill>
         <p:spPr>
           <a:xfrm>
-            <a:off x="6319520" y="2976880"/>
-            <a:ext cx="4505325" cy="2047875"/>
+            <a:off x="5930900" y="2670175"/>
+            <a:ext cx="5861050" cy="2293620"/>
           </a:xfrm>
           <a:prstGeom prst="rect">
             <a:avLst/>
           </a:prstGeom>
         </p:spPr>
       </p:pic>
+    </p:spTree>
+  </p:cSld>
+  <p:clrMapOvr>
+    <a:masterClrMapping/>
+  </p:clrMapOvr>
+</p:sld>
+</file>
+
+<file path=ppt/slides/slide27.xml><?xml version="1.0" encoding="utf-8"?>
+<p:sld xmlns:a="http://schemas.openxmlformats.org/drawingml/2006/main" xmlns:r="http://schemas.openxmlformats.org/officeDocument/2006/relationships" xmlns:p="http://schemas.openxmlformats.org/presentationml/2006/main">
+  <p:cSld>
+    <p:spTree>
+      <p:nvGrpSpPr>
+        <p:cNvPr id="1" name=""/>
+        <p:cNvGrpSpPr/>
+        <p:nvPr/>
+      </p:nvGrpSpPr>
+      <p:grpSpPr/>
+      <p:sp>
+        <p:nvSpPr>
+          <p:cNvPr id="2" name="Title 1"/>
+          <p:cNvSpPr>
+            <a:spLocks noGrp="1"/>
+          </p:cNvSpPr>
+          <p:nvPr>
+            <p:ph type="title"/>
+          </p:nvPr>
+        </p:nvSpPr>
+        <p:spPr/>
+        <p:txBody>
+          <a:bodyPr/>
+          <a:p>
+            <a:r>
+              <a:rPr lang="zh-CN" altLang="en-US">
+                <a:sym typeface="+mn-ea"/>
+              </a:rPr>
+              <a:t>三五法则：拷贝构造函数</a:t>
+            </a:r>
+            <a:endParaRPr lang="zh-CN" altLang="en-US">
+              <a:sym typeface="+mn-ea"/>
+            </a:endParaRPr>
+          </a:p>
+        </p:txBody>
+      </p:sp>
+      <p:pic>
+        <p:nvPicPr>
+          <p:cNvPr id="9" name="Content Placeholder 8"/>
+          <p:cNvPicPr>
+            <a:picLocks noChangeAspect="1"/>
+          </p:cNvPicPr>
+          <p:nvPr>
+            <p:ph sz="half" idx="2"/>
+          </p:nvPr>
+        </p:nvPicPr>
+        <p:blipFill>
+          <a:blip r:embed="rId1"/>
+          <a:stretch>
+            <a:fillRect/>
+          </a:stretch>
+        </p:blipFill>
+        <p:spPr>
+          <a:xfrm>
+            <a:off x="6319520" y="2976880"/>
+            <a:ext cx="4505325" cy="2047875"/>
+          </a:xfrm>
+          <a:prstGeom prst="rect">
+            <a:avLst/>
+          </a:prstGeom>
+        </p:spPr>
+      </p:pic>
       <p:sp>
         <p:nvSpPr>
           <p:cNvPr id="10" name="Content Placeholder 9"/>
@@ -7374,13 +7533,25 @@
               <a:rPr lang="zh-CN" altLang="en-US">
                 <a:sym typeface="+mn-ea"/>
               </a:rPr>
-              <a:t>这就是为什么“如果一个类定义或删除了</a:t>
+              <a:t>这就是为什么“如</a:t>
+            </a:r>
+            <a:r>
+              <a:rPr lang="zh-CN" altLang="en-US">
+                <a:sym typeface="+mn-ea"/>
+              </a:rPr>
+              <a:t>果一个类定义了</a:t>
             </a:r>
             <a:r>
               <a:rPr lang="zh-CN" altLang="en-US" b="1">
                 <a:sym typeface="+mn-ea"/>
               </a:rPr>
-              <a:t>移动构造函数</a:t>
+              <a:t>解构</a:t>
+            </a:r>
+            <a:r>
+              <a:rPr lang="en-US" b="1">
+                <a:sym typeface="+mn-ea"/>
+              </a:rPr>
+              <a:t>函数</a:t>
             </a:r>
             <a:r>
               <a:rPr lang="zh-CN" altLang="en-US">
@@ -7389,22 +7560,22 @@
               <a:t>，那么您必须同时定义或删除</a:t>
             </a:r>
             <a:r>
-              <a:rPr lang="zh-CN" altLang="en-US" b="1">
-                <a:sym typeface="+mn-ea"/>
-              </a:rPr>
-              <a:t>移动</a:t>
-            </a:r>
-            <a:r>
               <a:rPr lang="en-US" b="1">
                 <a:sym typeface="+mn-ea"/>
               </a:rPr>
-              <a:t>赋值</a:t>
-            </a:r>
-            <a:r>
-              <a:rPr lang="zh-CN" altLang="en-US" b="1">
-                <a:sym typeface="+mn-ea"/>
-              </a:rPr>
-              <a:t>函数</a:t>
+              <a:t>拷贝构造函数</a:t>
+            </a:r>
+            <a:r>
+              <a:rPr lang="en-US">
+                <a:sym typeface="+mn-ea"/>
+              </a:rPr>
+              <a:t>和</a:t>
+            </a:r>
+            <a:r>
+              <a:rPr lang="en-US" b="1">
+                <a:sym typeface="+mn-ea"/>
+              </a:rPr>
+              <a:t>拷贝赋值函数</a:t>
             </a:r>
             <a:r>
               <a:rPr lang="zh-CN" altLang="en-US">
@@ -7456,7 +7627,7 @@
 </p:sld>
 </file>
 
-<file path=ppt/slides/slide27.xml><?xml version="1.0" encoding="utf-8"?>
+<file path=ppt/slides/slide28.xml><?xml version="1.0" encoding="utf-8"?>
 <p:sld xmlns:a="http://schemas.openxmlformats.org/drawingml/2006/main" xmlns:r="http://schemas.openxmlformats.org/officeDocument/2006/relationships" xmlns:p="http://schemas.openxmlformats.org/presentationml/2006/main">
   <p:cSld>
     <p:spTree>
@@ -7626,296 +7797,6 @@
 </p:sld>
 </file>
 
-<file path=ppt/slides/slide28.xml><?xml version="1.0" encoding="utf-8"?>
-<p:sld xmlns:a="http://schemas.openxmlformats.org/drawingml/2006/main" xmlns:r="http://schemas.openxmlformats.org/officeDocument/2006/relationships" xmlns:p="http://schemas.openxmlformats.org/presentationml/2006/main">
-  <p:cSld>
-    <p:spTree>
-      <p:nvGrpSpPr>
-        <p:cNvPr id="1" name=""/>
-        <p:cNvGrpSpPr/>
-        <p:nvPr/>
-      </p:nvGrpSpPr>
-      <p:grpSpPr/>
-      <p:sp>
-        <p:nvSpPr>
-          <p:cNvPr id="2" name="Title 1"/>
-          <p:cNvSpPr>
-            <a:spLocks noGrp="1"/>
-          </p:cNvSpPr>
-          <p:nvPr>
-            <p:ph type="title"/>
-          </p:nvPr>
-        </p:nvSpPr>
-        <p:spPr/>
-        <p:txBody>
-          <a:bodyPr/>
-          <a:p>
-            <a:r>
-              <a:rPr lang="zh-CN" altLang="en-US">
-                <a:sym typeface="+mn-ea"/>
-              </a:rPr>
-              <a:t>解决方案：</a:t>
-            </a:r>
-            <a:r>
-              <a:rPr lang="zh-CN" altLang="en-US">
-                <a:sym typeface="+mn-ea"/>
-              </a:rPr>
-              <a:t>要么</a:t>
-            </a:r>
-            <a:r>
-              <a:rPr lang="zh-CN" altLang="en-US">
-                <a:sym typeface="+mn-ea"/>
-              </a:rPr>
-              <a:t>定义</a:t>
-            </a:r>
-            <a:endParaRPr lang="en-US"/>
-          </a:p>
-        </p:txBody>
-      </p:sp>
-      <p:sp>
-        <p:nvSpPr>
-          <p:cNvPr id="3" name="Content Placeholder 2"/>
-          <p:cNvSpPr>
-            <a:spLocks noGrp="1"/>
-          </p:cNvSpPr>
-          <p:nvPr>
-            <p:ph sz="half" idx="1"/>
-          </p:nvPr>
-        </p:nvSpPr>
-        <p:spPr/>
-        <p:txBody>
-          <a:bodyPr>
-            <a:normAutofit lnSpcReduction="10000"/>
-          </a:bodyPr>
-          <a:p>
-            <a:r>
-              <a:rPr lang="zh-CN" altLang="en-US"/>
-              <a:t>如果需要允许用户拷贝你的</a:t>
-            </a:r>
-            <a:r>
-              <a:rPr lang="en-US" altLang="zh-CN"/>
-              <a:t> Vector </a:t>
-            </a:r>
-            <a:r>
-              <a:rPr lang="zh-CN" altLang="en-US"/>
-              <a:t>类对象，我们还是需要实现一下的。</a:t>
-            </a:r>
-            <a:endParaRPr lang="zh-CN" altLang="en-US"/>
-          </a:p>
-          <a:p>
-            <a:r>
-              <a:rPr lang="zh-CN" altLang="en-US">
-                <a:solidFill>
-                  <a:schemeClr val="bg1">
-                    <a:lumMod val="50000"/>
-                  </a:schemeClr>
-                </a:solidFill>
-              </a:rPr>
-              <a:t>发现了吗？其实不管是</a:t>
-            </a:r>
-            <a:r>
-              <a:rPr lang="en-US" altLang="zh-CN">
-                <a:solidFill>
-                  <a:schemeClr val="bg1">
-                    <a:lumMod val="50000"/>
-                  </a:schemeClr>
-                </a:solidFill>
-              </a:rPr>
-              <a:t> size/resize </a:t>
-            </a:r>
-            <a:r>
-              <a:rPr lang="zh-CN" altLang="en-US">
-                <a:solidFill>
-                  <a:schemeClr val="bg1">
-                    <a:lumMod val="50000"/>
-                  </a:schemeClr>
-                </a:solidFill>
-              </a:rPr>
-              <a:t>这样的</a:t>
-            </a:r>
-            <a:r>
-              <a:rPr lang="en-US" altLang="zh-CN">
-                <a:solidFill>
-                  <a:schemeClr val="bg1">
-                    <a:lumMod val="50000"/>
-                  </a:schemeClr>
-                </a:solidFill>
-              </a:rPr>
-              <a:t> </a:t>
-            </a:r>
-            <a:r>
-              <a:rPr lang="en-US" altLang="zh-CN" b="1">
-                <a:solidFill>
-                  <a:schemeClr val="bg1">
-                    <a:lumMod val="50000"/>
-                  </a:schemeClr>
-                </a:solidFill>
-              </a:rPr>
-              <a:t>get/set </a:t>
-            </a:r>
-            <a:r>
-              <a:rPr lang="zh-CN" altLang="en-US" b="1">
-                <a:solidFill>
-                  <a:schemeClr val="bg1">
-                    <a:lumMod val="50000"/>
-                  </a:schemeClr>
-                </a:solidFill>
-              </a:rPr>
-              <a:t>模式</a:t>
-            </a:r>
-            <a:r>
-              <a:rPr lang="zh-CN" altLang="en-US">
-                <a:solidFill>
-                  <a:schemeClr val="bg1">
-                    <a:lumMod val="50000"/>
-                  </a:schemeClr>
-                </a:solidFill>
-              </a:rPr>
-              <a:t>也好；自定义的</a:t>
-            </a:r>
-            <a:r>
-              <a:rPr lang="zh-CN" altLang="en-US" b="1">
-                <a:solidFill>
-                  <a:schemeClr val="bg1">
-                    <a:lumMod val="50000"/>
-                  </a:schemeClr>
-                </a:solidFill>
-              </a:rPr>
-              <a:t>拷贝构造函数</a:t>
-            </a:r>
-            <a:r>
-              <a:rPr lang="zh-CN" altLang="en-US">
-                <a:solidFill>
-                  <a:schemeClr val="bg1">
-                    <a:lumMod val="50000"/>
-                  </a:schemeClr>
-                </a:solidFill>
-              </a:rPr>
-              <a:t>也好；</a:t>
-            </a:r>
-            <a:r>
-              <a:rPr lang="en-US" altLang="zh-CN">
-                <a:solidFill>
-                  <a:schemeClr val="bg1">
-                    <a:lumMod val="50000"/>
-                  </a:schemeClr>
-                </a:solidFill>
-              </a:rPr>
-              <a:t>RAII </a:t>
-            </a:r>
-            <a:r>
-              <a:rPr lang="zh-CN" altLang="en-US">
-                <a:solidFill>
-                  <a:schemeClr val="bg1">
-                    <a:lumMod val="50000"/>
-                  </a:schemeClr>
-                </a:solidFill>
-              </a:rPr>
-              <a:t>保证异常安全也好；都是在为面向对象思想的“封装：不变性”服务。</a:t>
-            </a:r>
-            <a:endParaRPr lang="zh-CN" altLang="en-US">
-              <a:solidFill>
-                <a:schemeClr val="bg1">
-                  <a:lumMod val="50000"/>
-                </a:schemeClr>
-              </a:solidFill>
-            </a:endParaRPr>
-          </a:p>
-          <a:p>
-            <a:r>
-              <a:rPr lang="zh-CN" altLang="en-US">
-                <a:solidFill>
-                  <a:schemeClr val="bg1">
-                    <a:lumMod val="50000"/>
-                  </a:schemeClr>
-                </a:solidFill>
-              </a:rPr>
-              <a:t>即：保证任何单个操作前后，对象都是处于</a:t>
-            </a:r>
-            <a:r>
-              <a:rPr lang="zh-CN" altLang="en-US" b="1">
-                <a:solidFill>
-                  <a:schemeClr val="bg1">
-                    <a:lumMod val="50000"/>
-                  </a:schemeClr>
-                </a:solidFill>
-              </a:rPr>
-              <a:t>正确的状态</a:t>
-            </a:r>
-            <a:r>
-              <a:rPr lang="zh-CN" altLang="en-US">
-                <a:solidFill>
-                  <a:schemeClr val="bg1">
-                    <a:lumMod val="50000"/>
-                  </a:schemeClr>
-                </a:solidFill>
-              </a:rPr>
-              <a:t>，从而避免程序读到</a:t>
-            </a:r>
-            <a:r>
-              <a:rPr lang="zh-CN" altLang="en-US" b="1">
-                <a:solidFill>
-                  <a:schemeClr val="bg1">
-                    <a:lumMod val="50000"/>
-                  </a:schemeClr>
-                </a:solidFill>
-              </a:rPr>
-              <a:t>错误数据</a:t>
-            </a:r>
-            <a:r>
-              <a:rPr lang="zh-CN" altLang="en-US">
-                <a:solidFill>
-                  <a:schemeClr val="bg1">
-                    <a:lumMod val="50000"/>
-                  </a:schemeClr>
-                </a:solidFill>
-              </a:rPr>
-              <a:t>（如空悬指针）的情况。</a:t>
-            </a:r>
-            <a:endParaRPr lang="zh-CN" altLang="en-US">
-              <a:solidFill>
-                <a:schemeClr val="bg1">
-                  <a:lumMod val="50000"/>
-                </a:schemeClr>
-              </a:solidFill>
-            </a:endParaRPr>
-          </a:p>
-        </p:txBody>
-      </p:sp>
-      <p:pic>
-        <p:nvPicPr>
-          <p:cNvPr id="5" name="Content Placeholder 4"/>
-          <p:cNvPicPr>
-            <a:picLocks noChangeAspect="1"/>
-          </p:cNvPicPr>
-          <p:nvPr>
-            <p:ph sz="half" idx="2"/>
-          </p:nvPr>
-        </p:nvPicPr>
-        <p:blipFill>
-          <a:blip r:embed="rId1"/>
-          <a:stretch>
-            <a:fillRect/>
-          </a:stretch>
-        </p:blipFill>
-        <p:spPr>
-          <a:xfrm>
-            <a:off x="5829300" y="3232150"/>
-            <a:ext cx="5877560" cy="1537970"/>
-          </a:xfrm>
-          <a:prstGeom prst="rect">
-            <a:avLst/>
-          </a:prstGeom>
-        </p:spPr>
-      </p:pic>
-    </p:spTree>
-  </p:cSld>
-  <p:clrMapOvr>
-    <a:masterClrMapping/>
-  </p:clrMapOvr>
-</p:sld>
-</file>
-
 <file path=ppt/slides/slide29.xml><?xml version="1.0" encoding="utf-8"?>
 <p:sld xmlns:a="http://schemas.openxmlformats.org/drawingml/2006/main" xmlns:r="http://schemas.openxmlformats.org/officeDocument/2006/relationships" xmlns:p="http://schemas.openxmlformats.org/presentationml/2006/main">
   <p:cSld>
@@ -7944,18 +7825,30 @@
               <a:rPr lang="zh-CN" altLang="en-US">
                 <a:sym typeface="+mn-ea"/>
               </a:rPr>
-              <a:t>三五法则：拷贝赋值函数</a:t>
-            </a:r>
-            <a:endParaRPr lang="zh-CN" altLang="en-US">
-              <a:sym typeface="+mn-ea"/>
-            </a:endParaRPr>
-          </a:p>
-        </p:txBody>
-      </p:sp>
-      <p:sp>
-        <p:nvSpPr>
-          <p:cNvPr id="10" name="Content Placeholder 9"/>
-          <p:cNvSpPr/>
+              <a:t>解决方案：</a:t>
+            </a:r>
+            <a:r>
+              <a:rPr lang="zh-CN" altLang="en-US">
+                <a:sym typeface="+mn-ea"/>
+              </a:rPr>
+              <a:t>要么</a:t>
+            </a:r>
+            <a:r>
+              <a:rPr lang="zh-CN" altLang="en-US">
+                <a:sym typeface="+mn-ea"/>
+              </a:rPr>
+              <a:t>定义</a:t>
+            </a:r>
+            <a:endParaRPr lang="en-US"/>
+          </a:p>
+        </p:txBody>
+      </p:sp>
+      <p:sp>
+        <p:nvSpPr>
+          <p:cNvPr id="3" name="Content Placeholder 2"/>
+          <p:cNvSpPr>
+            <a:spLocks noGrp="1"/>
+          </p:cNvSpPr>
           <p:nvPr>
             <p:ph sz="half" idx="1"/>
           </p:nvPr>
@@ -7963,236 +7856,206 @@
         <p:spPr/>
         <p:txBody>
           <a:bodyPr>
-            <a:normAutofit lnSpcReduction="20000"/>
+            <a:normAutofit lnSpcReduction="10000"/>
           </a:bodyPr>
           <a:p>
             <a:r>
-              <a:rPr lang="zh-CN" altLang="en-US">
-                <a:sym typeface="+mn-ea"/>
-              </a:rPr>
-              <a:t>区分两种实现可以</a:t>
-            </a:r>
-            <a:r>
-              <a:rPr lang="zh-CN" altLang="en-US" b="1">
-                <a:sym typeface="+mn-ea"/>
-              </a:rPr>
-              <a:t>提高性能</a:t>
-            </a:r>
-            <a:r>
-              <a:rPr lang="zh-CN" altLang="en-US">
-                <a:sym typeface="+mn-ea"/>
-              </a:rPr>
-              <a:t>。</a:t>
-            </a:r>
-            <a:endParaRPr lang="zh-CN" altLang="en-US">
-              <a:sym typeface="+mn-ea"/>
-            </a:endParaRPr>
-          </a:p>
-          <a:p>
-            <a:r>
-              <a:rPr lang="en-US" altLang="zh-CN">
-                <a:sym typeface="+mn-ea"/>
-              </a:rPr>
-              <a:t>int x = 1;   // </a:t>
-            </a:r>
-            <a:r>
-              <a:rPr lang="zh-CN" altLang="en-US">
-                <a:sym typeface="+mn-ea"/>
-              </a:rPr>
-              <a:t>拷贝构造函数</a:t>
-            </a:r>
-            <a:endParaRPr lang="zh-CN" altLang="en-US">
-              <a:sym typeface="+mn-ea"/>
-            </a:endParaRPr>
-          </a:p>
-          <a:p>
-            <a:r>
-              <a:rPr lang="en-US" altLang="zh-CN">
-                <a:sym typeface="+mn-ea"/>
-              </a:rPr>
-              <a:t>x = 2;        // </a:t>
-            </a:r>
-            <a:r>
-              <a:rPr lang="zh-CN" altLang="en-US">
-                <a:sym typeface="+mn-ea"/>
-              </a:rPr>
-              <a:t>拷贝赋值函数</a:t>
-            </a:r>
-            <a:endParaRPr lang="zh-CN" altLang="en-US">
-              <a:sym typeface="+mn-ea"/>
-            </a:endParaRPr>
+              <a:rPr lang="zh-CN" altLang="en-US"/>
+              <a:t>如果需要允许用户拷贝你的</a:t>
+            </a:r>
+            <a:r>
+              <a:rPr lang="en-US" altLang="zh-CN"/>
+              <a:t> Vector </a:t>
+            </a:r>
+            <a:r>
+              <a:rPr lang="zh-CN" altLang="en-US"/>
+              <a:t>类对象，我们还是需要实现一下的。</a:t>
+            </a:r>
+            <a:endParaRPr lang="zh-CN" altLang="en-US"/>
           </a:p>
           <a:p>
             <a:r>
               <a:rPr lang="zh-CN" altLang="en-US">
                 <a:solidFill>
-                  <a:schemeClr val="accent2">
-                    <a:lumMod val="75000"/>
+                  <a:schemeClr val="bg1">
+                    <a:lumMod val="50000"/>
                   </a:schemeClr>
                 </a:solidFill>
-                <a:sym typeface="+mn-ea"/>
-              </a:rPr>
-              <a:t>拷贝赋值函数</a:t>
+              </a:rPr>
+              <a:t>发现了吗？其实不管是</a:t>
             </a:r>
             <a:r>
               <a:rPr lang="en-US" altLang="zh-CN">
                 <a:solidFill>
-                  <a:schemeClr val="accent2">
-                    <a:lumMod val="75000"/>
+                  <a:schemeClr val="bg1">
+                    <a:lumMod val="50000"/>
                   </a:schemeClr>
                 </a:solidFill>
-                <a:sym typeface="+mn-ea"/>
-              </a:rPr>
-              <a:t>≈</a:t>
+              </a:rPr>
+              <a:t> size/resize </a:t>
             </a:r>
             <a:r>
               <a:rPr lang="zh-CN" altLang="en-US">
                 <a:solidFill>
-                  <a:schemeClr val="accent2">
-                    <a:lumMod val="75000"/>
+                  <a:schemeClr val="bg1">
+                    <a:lumMod val="50000"/>
                   </a:schemeClr>
                 </a:solidFill>
-                <a:sym typeface="+mn-ea"/>
-              </a:rPr>
-              <a:t>解构函数</a:t>
+              </a:rPr>
+              <a:t>这样的</a:t>
             </a:r>
             <a:r>
               <a:rPr lang="en-US" altLang="zh-CN">
                 <a:solidFill>
-                  <a:schemeClr val="accent2">
-                    <a:lumMod val="75000"/>
+                  <a:schemeClr val="bg1">
+                    <a:lumMod val="50000"/>
                   </a:schemeClr>
                 </a:solidFill>
-                <a:sym typeface="+mn-ea"/>
-              </a:rPr>
-              <a:t>+</a:t>
+              </a:rPr>
+              <a:t> </a:t>
+            </a:r>
+            <a:r>
+              <a:rPr lang="en-US" altLang="zh-CN" b="1">
+                <a:solidFill>
+                  <a:schemeClr val="bg1">
+                    <a:lumMod val="50000"/>
+                  </a:schemeClr>
+                </a:solidFill>
+              </a:rPr>
+              <a:t>get/set </a:t>
+            </a:r>
+            <a:r>
+              <a:rPr lang="zh-CN" altLang="en-US" b="1">
+                <a:solidFill>
+                  <a:schemeClr val="bg1">
+                    <a:lumMod val="50000"/>
+                  </a:schemeClr>
+                </a:solidFill>
+              </a:rPr>
+              <a:t>模式</a:t>
             </a:r>
             <a:r>
               <a:rPr lang="zh-CN" altLang="en-US">
                 <a:solidFill>
-                  <a:schemeClr val="accent2">
-                    <a:lumMod val="75000"/>
+                  <a:schemeClr val="bg1">
+                    <a:lumMod val="50000"/>
                   </a:schemeClr>
                 </a:solidFill>
-                <a:sym typeface="+mn-ea"/>
+              </a:rPr>
+              <a:t>也好；自定义的</a:t>
+            </a:r>
+            <a:r>
+              <a:rPr lang="zh-CN" altLang="en-US" b="1">
+                <a:solidFill>
+                  <a:schemeClr val="bg1">
+                    <a:lumMod val="50000"/>
+                  </a:schemeClr>
+                </a:solidFill>
               </a:rPr>
               <a:t>拷贝构造函数</a:t>
             </a:r>
-            <a:endParaRPr lang="zh-CN" altLang="en-US">
-              <a:sym typeface="+mn-ea"/>
-            </a:endParaRPr>
-          </a:p>
-          <a:p>
-            <a:r>
-              <a:rPr lang="zh-CN" altLang="en-US">
-                <a:sym typeface="+mn-ea"/>
-              </a:rPr>
-              <a:t>拷贝构造：直接未初始化的内存上构造</a:t>
-            </a:r>
-            <a:r>
-              <a:rPr lang="en-US" altLang="zh-CN">
-                <a:sym typeface="+mn-ea"/>
-              </a:rPr>
-              <a:t> 2</a:t>
-            </a:r>
-            <a:endParaRPr lang="zh-CN" altLang="en-US">
-              <a:sym typeface="+mn-ea"/>
-            </a:endParaRPr>
-          </a:p>
-          <a:p>
-            <a:r>
-              <a:rPr lang="zh-CN" altLang="en-US">
-                <a:sym typeface="+mn-ea"/>
-              </a:rPr>
-              <a:t>拷贝赋值：</a:t>
-            </a:r>
-            <a:r>
-              <a:rPr lang="zh-CN" altLang="en-US">
-                <a:sym typeface="+mn-ea"/>
-              </a:rPr>
-              <a:t>先销毁现有的</a:t>
-            </a:r>
-            <a:r>
-              <a:rPr lang="en-US" altLang="zh-CN">
-                <a:sym typeface="+mn-ea"/>
-              </a:rPr>
-              <a:t> 1</a:t>
-            </a:r>
-            <a:r>
-              <a:rPr lang="zh-CN" altLang="en-US">
-                <a:sym typeface="+mn-ea"/>
-              </a:rPr>
-              <a:t>，再重新构造</a:t>
-            </a:r>
-            <a:r>
-              <a:rPr lang="en-US" altLang="zh-CN">
-                <a:sym typeface="+mn-ea"/>
-              </a:rPr>
-              <a:t> 2</a:t>
-            </a:r>
-            <a:endParaRPr lang="en-US" altLang="zh-CN">
-              <a:sym typeface="+mn-ea"/>
-            </a:endParaRPr>
-          </a:p>
-          <a:p>
             <a:r>
               <a:rPr lang="zh-CN" altLang="en-US">
                 <a:solidFill>
-                  <a:schemeClr val="accent2">
-                    <a:lumMod val="75000"/>
+                  <a:schemeClr val="bg1">
+                    <a:lumMod val="50000"/>
                   </a:schemeClr>
                 </a:solidFill>
-                <a:sym typeface="+mn-ea"/>
-              </a:rPr>
-              <a:t>如果对</a:t>
+              </a:rPr>
+              <a:t>也好；</a:t>
+            </a:r>
+            <a:r>
+              <a:rPr lang="en-US" altLang="zh-CN">
+                <a:solidFill>
+                  <a:schemeClr val="bg1">
+                    <a:lumMod val="50000"/>
+                  </a:schemeClr>
+                </a:solidFill>
+              </a:rPr>
+              <a:t>RAII </a:t>
+            </a:r>
+            <a:r>
+              <a:rPr lang="zh-CN" altLang="en-US">
+                <a:solidFill>
+                  <a:schemeClr val="bg1">
+                    <a:lumMod val="50000"/>
+                  </a:schemeClr>
+                </a:solidFill>
+              </a:rPr>
+              <a:t>保证异常安全也好；都是在为面向对象思想的“封装：不变性”服务。</a:t>
+            </a:r>
+            <a:endParaRPr lang="zh-CN" altLang="en-US">
+              <a:solidFill>
+                <a:schemeClr val="bg1">
+                  <a:lumMod val="50000"/>
+                </a:schemeClr>
+              </a:solidFill>
+            </a:endParaRPr>
+          </a:p>
+          <a:p>
+            <a:r>
+              <a:rPr lang="zh-CN" altLang="en-US">
+                <a:solidFill>
+                  <a:schemeClr val="bg1">
+                    <a:lumMod val="50000"/>
+                  </a:schemeClr>
+                </a:solidFill>
+              </a:rPr>
+              <a:t>即：保证任何单个操作前后，对象都是处于</a:t>
             </a:r>
             <a:r>
               <a:rPr lang="zh-CN" altLang="en-US" b="1">
                 <a:solidFill>
-                  <a:schemeClr val="accent2">
-                    <a:lumMod val="75000"/>
+                  <a:schemeClr val="bg1">
+                    <a:lumMod val="50000"/>
                   </a:schemeClr>
                 </a:solidFill>
-                <a:sym typeface="+mn-ea"/>
-              </a:rPr>
-              <a:t>提高性能</a:t>
+              </a:rPr>
+              <a:t>正确的状态</a:t>
             </a:r>
             <a:r>
               <a:rPr lang="zh-CN" altLang="en-US">
                 <a:solidFill>
-                  <a:schemeClr val="accent2">
-                    <a:lumMod val="75000"/>
+                  <a:schemeClr val="bg1">
+                    <a:lumMod val="50000"/>
                   </a:schemeClr>
                 </a:solidFill>
-                <a:sym typeface="+mn-ea"/>
-              </a:rPr>
-              <a:t>不感兴趣，</a:t>
+              </a:rPr>
+              <a:t>，从而避免程序读到</a:t>
+            </a:r>
+            <a:r>
+              <a:rPr lang="zh-CN" altLang="en-US" b="1">
+                <a:solidFill>
+                  <a:schemeClr val="bg1">
+                    <a:lumMod val="50000"/>
+                  </a:schemeClr>
+                </a:solidFill>
+              </a:rPr>
+              <a:t>错误数据</a:t>
             </a:r>
             <a:r>
               <a:rPr lang="zh-CN" altLang="en-US">
                 <a:solidFill>
-                  <a:schemeClr val="accent2">
-                    <a:lumMod val="75000"/>
+                  <a:schemeClr val="bg1">
+                    <a:lumMod val="50000"/>
                   </a:schemeClr>
                 </a:solidFill>
-                <a:sym typeface="+mn-ea"/>
-              </a:rPr>
-              <a:t>可以这样写：</a:t>
+              </a:rPr>
+              <a:t>（如空悬指针）的情况。</a:t>
             </a:r>
             <a:endParaRPr lang="zh-CN" altLang="en-US">
               <a:solidFill>
-                <a:schemeClr val="accent2">
-                  <a:lumMod val="75000"/>
+                <a:schemeClr val="bg1">
+                  <a:lumMod val="50000"/>
                 </a:schemeClr>
               </a:solidFill>
-              <a:sym typeface="+mn-ea"/>
             </a:endParaRPr>
           </a:p>
         </p:txBody>
       </p:sp>
       <p:pic>
         <p:nvPicPr>
-          <p:cNvPr id="6" name="Content Placeholder 5"/>
+          <p:cNvPr id="5" name="Content Placeholder 4"/>
           <p:cNvPicPr>
             <a:picLocks noChangeAspect="1"/>
           </p:cNvPicPr>
@@ -8208,8 +8071,8 @@
         </p:blipFill>
         <p:spPr>
           <a:xfrm>
-            <a:off x="5798185" y="2318385"/>
-            <a:ext cx="5855970" cy="3366135"/>
+            <a:off x="5829300" y="3232150"/>
+            <a:ext cx="5877560" cy="1537970"/>
           </a:xfrm>
           <a:prstGeom prst="rect">
             <a:avLst/>
@@ -8334,7 +8197,7 @@
               <a:rPr lang="zh-CN" altLang="en-US">
                 <a:sym typeface="+mn-ea"/>
               </a:rPr>
-              <a:t>拷贝赋值函数：提高性能</a:t>
+              <a:t>三五法则：拷贝赋值函数</a:t>
             </a:r>
             <a:endParaRPr lang="zh-CN" altLang="en-US">
               <a:sym typeface="+mn-ea"/>
@@ -8360,7 +8223,7 @@
               <a:rPr lang="zh-CN" altLang="en-US">
                 <a:sym typeface="+mn-ea"/>
               </a:rPr>
-              <a:t>区分两种实现可以</a:t>
+              <a:t>区分两种拷贝可以</a:t>
             </a:r>
             <a:r>
               <a:rPr lang="zh-CN" altLang="en-US" b="1">
@@ -8373,6 +8236,40 @@
                 <a:sym typeface="+mn-ea"/>
               </a:rPr>
               <a:t>。</a:t>
+            </a:r>
+            <a:endParaRPr lang="zh-CN" altLang="en-US">
+              <a:sym typeface="+mn-ea"/>
+            </a:endParaRPr>
+          </a:p>
+          <a:p>
+            <a:r>
+              <a:rPr lang="en-US" altLang="zh-CN">
+                <a:sym typeface="+mn-ea"/>
+              </a:rPr>
+              <a:t>int x = 1;   // </a:t>
+            </a:r>
+            <a:r>
+              <a:rPr lang="zh-CN" altLang="en-US">
+                <a:sym typeface="+mn-ea"/>
+              </a:rPr>
+              <a:t>拷贝构造函数</a:t>
+            </a:r>
+            <a:endParaRPr lang="zh-CN" altLang="en-US">
+              <a:sym typeface="+mn-ea"/>
+            </a:endParaRPr>
+          </a:p>
+          <a:p>
+            <a:r>
+              <a:rPr lang="en-US" altLang="zh-CN">
+                <a:sym typeface="+mn-ea"/>
+              </a:rPr>
+              <a:t>x = 2;        // </a:t>
+            </a:r>
+            <a:r>
+              <a:rPr lang="zh-CN" altLang="en-US">
+                <a:sym typeface="+mn-ea"/>
+              </a:rPr>
+              <a:t>拷贝赋值函数</a:t>
             </a:r>
             <a:endParaRPr lang="zh-CN" altLang="en-US">
               <a:sym typeface="+mn-ea"/>
@@ -8388,7 +8285,7 @@
                 </a:solidFill>
                 <a:sym typeface="+mn-ea"/>
               </a:rPr>
-              <a:t>内存的销毁重新分配可以通过</a:t>
+              <a:t>拷贝赋值函数</a:t>
             </a:r>
             <a:r>
               <a:rPr lang="en-US" altLang="zh-CN">
@@ -8399,7 +8296,7 @@
                 </a:solidFill>
                 <a:sym typeface="+mn-ea"/>
               </a:rPr>
-              <a:t>realloc</a:t>
+              <a:t>≈</a:t>
             </a:r>
             <a:r>
               <a:rPr lang="zh-CN" altLang="en-US">
@@ -8410,7 +8307,7 @@
                 </a:solidFill>
                 <a:sym typeface="+mn-ea"/>
               </a:rPr>
-              <a:t>，从而就地利用当前现有的</a:t>
+              <a:t>解构函数</a:t>
             </a:r>
             <a:r>
               <a:rPr lang="en-US" altLang="zh-CN">
@@ -8421,7 +8318,7 @@
                 </a:solidFill>
                 <a:sym typeface="+mn-ea"/>
               </a:rPr>
-              <a:t>m_data</a:t>
+              <a:t>+</a:t>
             </a:r>
             <a:r>
               <a:rPr lang="zh-CN" altLang="en-US">
@@ -8432,7 +8329,108 @@
                 </a:solidFill>
                 <a:sym typeface="+mn-ea"/>
               </a:rPr>
-              <a:t>，避免重新分配。</a:t>
+              <a:t>拷贝构造函数</a:t>
+            </a:r>
+            <a:endParaRPr lang="zh-CN" altLang="en-US">
+              <a:sym typeface="+mn-ea"/>
+            </a:endParaRPr>
+          </a:p>
+          <a:p>
+            <a:r>
+              <a:rPr lang="zh-CN" altLang="en-US">
+                <a:sym typeface="+mn-ea"/>
+              </a:rPr>
+              <a:t>拷贝构造：直接未初始化的内存上构造</a:t>
+            </a:r>
+            <a:r>
+              <a:rPr lang="en-US" altLang="zh-CN">
+                <a:sym typeface="+mn-ea"/>
+              </a:rPr>
+              <a:t> 2</a:t>
+            </a:r>
+            <a:endParaRPr lang="zh-CN" altLang="en-US">
+              <a:sym typeface="+mn-ea"/>
+            </a:endParaRPr>
+          </a:p>
+          <a:p>
+            <a:r>
+              <a:rPr lang="zh-CN" altLang="en-US">
+                <a:sym typeface="+mn-ea"/>
+              </a:rPr>
+              <a:t>拷贝赋值：</a:t>
+            </a:r>
+            <a:r>
+              <a:rPr lang="zh-CN" altLang="en-US">
+                <a:sym typeface="+mn-ea"/>
+              </a:rPr>
+              <a:t>先销毁现有的</a:t>
+            </a:r>
+            <a:r>
+              <a:rPr lang="en-US" altLang="zh-CN">
+                <a:sym typeface="+mn-ea"/>
+              </a:rPr>
+              <a:t> 1</a:t>
+            </a:r>
+            <a:r>
+              <a:rPr lang="zh-CN" altLang="en-US">
+                <a:sym typeface="+mn-ea"/>
+              </a:rPr>
+              <a:t>，再重新构造</a:t>
+            </a:r>
+            <a:r>
+              <a:rPr lang="en-US" altLang="zh-CN">
+                <a:sym typeface="+mn-ea"/>
+              </a:rPr>
+              <a:t> 2</a:t>
+            </a:r>
+            <a:endParaRPr lang="en-US" altLang="zh-CN">
+              <a:sym typeface="+mn-ea"/>
+            </a:endParaRPr>
+          </a:p>
+          <a:p>
+            <a:r>
+              <a:rPr lang="zh-CN" altLang="en-US">
+                <a:solidFill>
+                  <a:schemeClr val="accent2">
+                    <a:lumMod val="75000"/>
+                  </a:schemeClr>
+                </a:solidFill>
+                <a:sym typeface="+mn-ea"/>
+              </a:rPr>
+              <a:t>因此若对</a:t>
+            </a:r>
+            <a:r>
+              <a:rPr lang="zh-CN" altLang="en-US" b="1">
+                <a:solidFill>
+                  <a:schemeClr val="accent2">
+                    <a:lumMod val="75000"/>
+                  </a:schemeClr>
+                </a:solidFill>
+                <a:sym typeface="+mn-ea"/>
+              </a:rPr>
+              <a:t>提高性能</a:t>
+            </a:r>
+            <a:r>
+              <a:rPr lang="zh-CN" altLang="en-US">
+                <a:solidFill>
+                  <a:schemeClr val="accent2">
+                    <a:lumMod val="75000"/>
+                  </a:schemeClr>
+                </a:solidFill>
+                <a:sym typeface="+mn-ea"/>
+              </a:rPr>
+              <a:t>不感兴趣，</a:t>
+            </a:r>
+            <a:r>
+              <a:rPr lang="zh-CN" altLang="en-US">
+                <a:solidFill>
+                  <a:schemeClr val="accent2">
+                    <a:lumMod val="75000"/>
+                  </a:schemeClr>
+                </a:solidFill>
+                <a:sym typeface="+mn-ea"/>
+              </a:rPr>
+              <a:t>可以这样写：</a:t>
             </a:r>
             <a:endParaRPr lang="zh-CN" altLang="en-US">
               <a:solidFill>
@@ -8443,12 +8441,181 @@
               <a:sym typeface="+mn-ea"/>
             </a:endParaRPr>
           </a:p>
+        </p:txBody>
+      </p:sp>
+      <p:pic>
+        <p:nvPicPr>
+          <p:cNvPr id="6" name="Content Placeholder 5"/>
+          <p:cNvPicPr>
+            <a:picLocks noChangeAspect="1"/>
+          </p:cNvPicPr>
+          <p:nvPr>
+            <p:ph sz="half" idx="2"/>
+          </p:nvPr>
+        </p:nvPicPr>
+        <p:blipFill>
+          <a:blip r:embed="rId1"/>
+          <a:stretch>
+            <a:fillRect/>
+          </a:stretch>
+        </p:blipFill>
+        <p:spPr>
+          <a:xfrm>
+            <a:off x="5798185" y="2318385"/>
+            <a:ext cx="5855970" cy="3366135"/>
+          </a:xfrm>
+          <a:prstGeom prst="rect">
+            <a:avLst/>
+          </a:prstGeom>
+        </p:spPr>
+      </p:pic>
+    </p:spTree>
+  </p:cSld>
+  <p:clrMapOvr>
+    <a:masterClrMapping/>
+  </p:clrMapOvr>
+</p:sld>
+</file>
+
+<file path=ppt/slides/slide31.xml><?xml version="1.0" encoding="utf-8"?>
+<p:sld xmlns:a="http://schemas.openxmlformats.org/drawingml/2006/main" xmlns:r="http://schemas.openxmlformats.org/officeDocument/2006/relationships" xmlns:p="http://schemas.openxmlformats.org/presentationml/2006/main">
+  <p:cSld>
+    <p:spTree>
+      <p:nvGrpSpPr>
+        <p:cNvPr id="1" name=""/>
+        <p:cNvGrpSpPr/>
+        <p:nvPr/>
+      </p:nvGrpSpPr>
+      <p:grpSpPr/>
+      <p:sp>
+        <p:nvSpPr>
+          <p:cNvPr id="2" name="Title 1"/>
+          <p:cNvSpPr>
+            <a:spLocks noGrp="1"/>
+          </p:cNvSpPr>
+          <p:nvPr>
+            <p:ph type="title"/>
+          </p:nvPr>
+        </p:nvSpPr>
+        <p:spPr/>
+        <p:txBody>
+          <a:bodyPr/>
           <a:p>
             <a:r>
               <a:rPr lang="zh-CN" altLang="en-US">
                 <a:sym typeface="+mn-ea"/>
               </a:rPr>
-              <a:t>因此拷贝赋值函数还是定义一下比较好：</a:t>
+              <a:t>拷贝赋值函数：提高性能</a:t>
+            </a:r>
+            <a:endParaRPr lang="zh-CN" altLang="en-US">
+              <a:sym typeface="+mn-ea"/>
+            </a:endParaRPr>
+          </a:p>
+        </p:txBody>
+      </p:sp>
+      <p:sp>
+        <p:nvSpPr>
+          <p:cNvPr id="10" name="Content Placeholder 9"/>
+          <p:cNvSpPr/>
+          <p:nvPr>
+            <p:ph sz="half" idx="1"/>
+          </p:nvPr>
+        </p:nvSpPr>
+        <p:spPr/>
+        <p:txBody>
+          <a:bodyPr>
+            <a:normAutofit lnSpcReduction="20000"/>
+          </a:bodyPr>
+          <a:p>
+            <a:r>
+              <a:rPr lang="zh-CN" altLang="en-US">
+                <a:sym typeface="+mn-ea"/>
+              </a:rPr>
+              <a:t>区分两种</a:t>
+            </a:r>
+            <a:r>
+              <a:rPr lang="zh-CN" altLang="en-US">
+                <a:sym typeface="+mn-ea"/>
+              </a:rPr>
+              <a:t>拷贝</a:t>
+            </a:r>
+            <a:r>
+              <a:rPr lang="zh-CN" altLang="en-US">
+                <a:sym typeface="+mn-ea"/>
+              </a:rPr>
+              <a:t>可以</a:t>
+            </a:r>
+            <a:r>
+              <a:rPr lang="zh-CN" altLang="en-US" b="1">
+                <a:sym typeface="+mn-ea"/>
+              </a:rPr>
+              <a:t>提高性能</a:t>
+            </a:r>
+            <a:r>
+              <a:rPr lang="zh-CN" altLang="en-US">
+                <a:sym typeface="+mn-ea"/>
+              </a:rPr>
+              <a:t>。</a:t>
+            </a:r>
+            <a:endParaRPr lang="zh-CN" altLang="en-US">
+              <a:sym typeface="+mn-ea"/>
+            </a:endParaRPr>
+          </a:p>
+          <a:p>
+            <a:r>
+              <a:rPr lang="zh-CN" altLang="en-US">
+                <a:solidFill>
+                  <a:schemeClr val="accent2">
+                    <a:lumMod val="75000"/>
+                  </a:schemeClr>
+                </a:solidFill>
+                <a:sym typeface="+mn-ea"/>
+              </a:rPr>
+              <a:t>内存的销毁重新分配可以通过</a:t>
+            </a:r>
+            <a:r>
+              <a:rPr lang="en-US" altLang="zh-CN">
+                <a:solidFill>
+                  <a:schemeClr val="accent2">
+                    <a:lumMod val="75000"/>
+                  </a:schemeClr>
+                </a:solidFill>
+                <a:sym typeface="+mn-ea"/>
+              </a:rPr>
+              <a:t>realloc</a:t>
+            </a:r>
+            <a:r>
+              <a:rPr lang="zh-CN" altLang="en-US">
+                <a:solidFill>
+                  <a:schemeClr val="accent2">
+                    <a:lumMod val="75000"/>
+                  </a:schemeClr>
+                </a:solidFill>
+                <a:sym typeface="+mn-ea"/>
+              </a:rPr>
+              <a:t>，从而就地利用当前现有的</a:t>
+            </a:r>
+            <a:r>
+              <a:rPr lang="en-US" altLang="zh-CN">
+                <a:solidFill>
+                  <a:schemeClr val="accent2">
+                    <a:lumMod val="75000"/>
+                  </a:schemeClr>
+                </a:solidFill>
+                <a:sym typeface="+mn-ea"/>
+              </a:rPr>
+              <a:t>m_data</a:t>
+            </a:r>
+            <a:r>
+              <a:rPr lang="zh-CN" altLang="en-US">
+                <a:solidFill>
+                  <a:schemeClr val="accent2">
+                    <a:lumMod val="75000"/>
+                  </a:schemeClr>
+                </a:solidFill>
+                <a:sym typeface="+mn-ea"/>
+              </a:rPr>
+              <a:t>，避免重新分配。</a:t>
             </a:r>
             <a:endParaRPr lang="zh-CN" altLang="en-US">
               <a:solidFill>
@@ -8459,12 +8626,182 @@
               <a:sym typeface="+mn-ea"/>
             </a:endParaRPr>
           </a:p>
+          <a:p>
+            <a:r>
+              <a:rPr lang="zh-CN" altLang="en-US">
+                <a:sym typeface="+mn-ea"/>
+              </a:rPr>
+              <a:t>因此拷贝赋值函数还是自定义下比较好：</a:t>
+            </a:r>
+            <a:endParaRPr lang="zh-CN" altLang="en-US">
+              <a:sym typeface="+mn-ea"/>
+            </a:endParaRPr>
+          </a:p>
+          <a:p>
+            <a:r>
+              <a:rPr lang="zh-CN" altLang="en-US">
+                <a:sym typeface="+mn-ea"/>
+              </a:rPr>
+              <a:t>这解释了“如果一个类定义或删除了</a:t>
+            </a:r>
+            <a:r>
+              <a:rPr lang="en-US" b="1">
+                <a:sym typeface="+mn-ea"/>
+              </a:rPr>
+              <a:t>拷贝</a:t>
+            </a:r>
+            <a:r>
+              <a:rPr lang="zh-CN" altLang="en-US" b="1">
+                <a:sym typeface="+mn-ea"/>
+              </a:rPr>
+              <a:t>构造函数</a:t>
+            </a:r>
+            <a:r>
+              <a:rPr lang="zh-CN" altLang="en-US">
+                <a:sym typeface="+mn-ea"/>
+              </a:rPr>
+              <a:t>，</a:t>
+            </a:r>
+            <a:r>
+              <a:rPr lang="zh-CN" altLang="en-US">
+                <a:sym typeface="+mn-ea"/>
+              </a:rPr>
+              <a:t>那么您必须同时定义或删除</a:t>
+            </a:r>
+            <a:r>
+              <a:rPr lang="zh-CN" altLang="en-US" b="1">
+                <a:sym typeface="+mn-ea"/>
+              </a:rPr>
+              <a:t>拷贝</a:t>
+            </a:r>
+            <a:r>
+              <a:rPr lang="en-US" b="1">
+                <a:sym typeface="+mn-ea"/>
+              </a:rPr>
+              <a:t>赋值</a:t>
+            </a:r>
+            <a:r>
+              <a:rPr lang="zh-CN" altLang="en-US" b="1">
+                <a:sym typeface="+mn-ea"/>
+              </a:rPr>
+              <a:t>函数</a:t>
+            </a:r>
+            <a:r>
+              <a:rPr lang="zh-CN" altLang="en-US">
+                <a:sym typeface="+mn-ea"/>
+              </a:rPr>
+              <a:t>，否则出错。”</a:t>
+            </a:r>
+            <a:endParaRPr lang="zh-CN" altLang="en-US">
+              <a:solidFill>
+                <a:schemeClr val="accent2">
+                  <a:lumMod val="75000"/>
+                </a:schemeClr>
+              </a:solidFill>
+              <a:sym typeface="+mn-ea"/>
+            </a:endParaRPr>
+          </a:p>
+        </p:txBody>
+      </p:sp>
+      <p:pic>
+        <p:nvPicPr>
+          <p:cNvPr id="4" name="Content Placeholder 3"/>
+          <p:cNvPicPr>
+            <a:picLocks noChangeAspect="1"/>
+          </p:cNvPicPr>
+          <p:nvPr>
+            <p:ph sz="half" idx="2"/>
+          </p:nvPr>
+        </p:nvPicPr>
+        <p:blipFill>
+          <a:blip r:embed="rId1"/>
+          <a:stretch>
+            <a:fillRect/>
+          </a:stretch>
+        </p:blipFill>
+        <p:spPr>
+          <a:xfrm>
+            <a:off x="5676265" y="3201035"/>
+            <a:ext cx="6078855" cy="1784350"/>
+          </a:xfrm>
+          <a:prstGeom prst="rect">
+            <a:avLst/>
+          </a:prstGeom>
+        </p:spPr>
+      </p:pic>
+    </p:spTree>
+  </p:cSld>
+  <p:clrMapOvr>
+    <a:masterClrMapping/>
+  </p:clrMapOvr>
+</p:sld>
+</file>
+
+<file path=ppt/slides/slide32.xml><?xml version="1.0" encoding="utf-8"?>
+<p:sld xmlns:a="http://schemas.openxmlformats.org/drawingml/2006/main" xmlns:r="http://schemas.openxmlformats.org/officeDocument/2006/relationships" xmlns:p="http://schemas.openxmlformats.org/presentationml/2006/main">
+  <p:cSld>
+    <p:spTree>
+      <p:nvGrpSpPr>
+        <p:cNvPr id="1" name=""/>
+        <p:cNvGrpSpPr/>
+        <p:nvPr/>
+      </p:nvGrpSpPr>
+      <p:grpSpPr/>
+      <p:sp>
+        <p:nvSpPr>
+          <p:cNvPr id="2" name="Title 1"/>
+          <p:cNvSpPr>
+            <a:spLocks noGrp="1"/>
+          </p:cNvSpPr>
+          <p:nvPr>
+            <p:ph type="title"/>
+          </p:nvPr>
+        </p:nvSpPr>
+        <p:spPr/>
+        <p:txBody>
+          <a:bodyPr/>
+          <a:p>
+            <a:r>
+              <a:rPr lang="zh-CN" altLang="en-US">
+                <a:sym typeface="+mn-ea"/>
+              </a:rPr>
+              <a:t>三五法则：移动构造函数</a:t>
+            </a:r>
+            <a:endParaRPr lang="en-US"/>
+          </a:p>
         </p:txBody>
       </p:sp>
       <p:sp>
         <p:nvSpPr>
           <p:cNvPr id="3" name="Content Placeholder 2"/>
-          <p:cNvSpPr/>
+          <p:cNvSpPr>
+            <a:spLocks noGrp="1"/>
+          </p:cNvSpPr>
+          <p:nvPr>
+            <p:ph sz="half" idx="1"/>
+          </p:nvPr>
+        </p:nvSpPr>
+        <p:spPr/>
+        <p:txBody>
+          <a:bodyPr/>
+          <a:p>
+            <a:r>
+              <a:rPr lang="zh-CN" altLang="en-US"/>
+              <a:t>似乎拷贝已经满足我的需求了？</a:t>
+            </a:r>
+            <a:endParaRPr lang="zh-CN" altLang="en-US"/>
+          </a:p>
+          <a:p>
+            <a:endParaRPr lang="zh-CN" altLang="en-US"/>
+          </a:p>
+        </p:txBody>
+      </p:sp>
+      <p:sp>
+        <p:nvSpPr>
+          <p:cNvPr id="4" name="Content Placeholder 3"/>
+          <p:cNvSpPr>
+            <a:spLocks noGrp="1"/>
+          </p:cNvSpPr>
           <p:nvPr>
             <p:ph sz="half" idx="2"/>
           </p:nvPr>

--- a/02/slides.pptx
+++ b/02/slides.pptx
@@ -8,7 +8,7 @@
     <p:notesMasterId r:id="rId26"/>
   </p:notesMasterIdLst>
   <p:handoutMasterIdLst>
-    <p:handoutMasterId r:id="rId36"/>
+    <p:handoutMasterId r:id="rId41"/>
   </p:handoutMasterIdLst>
   <p:sldIdLst>
     <p:sldId id="256" r:id="rId3"/>
@@ -36,13 +36,18 @@
     <p:sldId id="282" r:id="rId25"/>
     <p:sldId id="283" r:id="rId27"/>
     <p:sldId id="290" r:id="rId28"/>
-    <p:sldId id="289" r:id="rId29"/>
-    <p:sldId id="291" r:id="rId30"/>
-    <p:sldId id="292" r:id="rId31"/>
-    <p:sldId id="293" r:id="rId32"/>
-    <p:sldId id="294" r:id="rId33"/>
-    <p:sldId id="296" r:id="rId34"/>
-    <p:sldId id="297" r:id="rId35"/>
+    <p:sldId id="303" r:id="rId29"/>
+    <p:sldId id="289" r:id="rId30"/>
+    <p:sldId id="291" r:id="rId31"/>
+    <p:sldId id="292" r:id="rId32"/>
+    <p:sldId id="293" r:id="rId33"/>
+    <p:sldId id="294" r:id="rId34"/>
+    <p:sldId id="296" r:id="rId35"/>
+    <p:sldId id="299" r:id="rId36"/>
+    <p:sldId id="301" r:id="rId37"/>
+    <p:sldId id="300" r:id="rId38"/>
+    <p:sldId id="297" r:id="rId39"/>
+    <p:sldId id="304" r:id="rId40"/>
   </p:sldIdLst>
   <p:sldSz cx="12192000" cy="6858000"/>
   <p:notesSz cx="7103745" cy="10234295"/>
@@ -782,6 +787,94 @@
 </file>
 
 <file path=ppt/notesSlides/notesSlide4.xml><?xml version="1.0" encoding="utf-8"?>
+<p:notes xmlns:a="http://schemas.openxmlformats.org/drawingml/2006/main" xmlns:r="http://schemas.openxmlformats.org/officeDocument/2006/relationships" xmlns:p="http://schemas.openxmlformats.org/presentationml/2006/main">
+  <p:cSld>
+    <p:spTree>
+      <p:nvGrpSpPr>
+        <p:cNvPr id="1" name=""/>
+        <p:cNvGrpSpPr/>
+        <p:nvPr/>
+      </p:nvGrpSpPr>
+      <p:grpSpPr/>
+      <p:sp>
+        <p:nvSpPr>
+          <p:cNvPr id="2" name="Slide Image Placeholder 1"/>
+          <p:cNvSpPr/>
+          <p:nvPr>
+            <p:ph type="sldImg" idx="2"/>
+          </p:nvPr>
+        </p:nvSpPr>
+        <p:spPr/>
+      </p:sp>
+      <p:sp>
+        <p:nvSpPr>
+          <p:cNvPr id="3" name="Text Placeholder 2"/>
+          <p:cNvSpPr/>
+          <p:nvPr>
+            <p:ph type="body" idx="3"/>
+          </p:nvPr>
+        </p:nvSpPr>
+        <p:spPr/>
+        <p:txBody>
+          <a:bodyPr/>
+          <a:p>
+            <a:endParaRPr lang="en-US"/>
+          </a:p>
+        </p:txBody>
+      </p:sp>
+    </p:spTree>
+  </p:cSld>
+  <p:clrMapOvr>
+    <a:masterClrMapping/>
+  </p:clrMapOvr>
+</p:notes>
+</file>
+
+<file path=ppt/notesSlides/notesSlide5.xml><?xml version="1.0" encoding="utf-8"?>
+<p:notes xmlns:a="http://schemas.openxmlformats.org/drawingml/2006/main" xmlns:r="http://schemas.openxmlformats.org/officeDocument/2006/relationships" xmlns:p="http://schemas.openxmlformats.org/presentationml/2006/main">
+  <p:cSld>
+    <p:spTree>
+      <p:nvGrpSpPr>
+        <p:cNvPr id="1" name=""/>
+        <p:cNvGrpSpPr/>
+        <p:nvPr/>
+      </p:nvGrpSpPr>
+      <p:grpSpPr/>
+      <p:sp>
+        <p:nvSpPr>
+          <p:cNvPr id="2" name="Slide Image Placeholder 1"/>
+          <p:cNvSpPr/>
+          <p:nvPr>
+            <p:ph type="sldImg" idx="2"/>
+          </p:nvPr>
+        </p:nvSpPr>
+        <p:spPr/>
+      </p:sp>
+      <p:sp>
+        <p:nvSpPr>
+          <p:cNvPr id="3" name="Text Placeholder 2"/>
+          <p:cNvSpPr/>
+          <p:nvPr>
+            <p:ph type="body" idx="3"/>
+          </p:nvPr>
+        </p:nvSpPr>
+        <p:spPr/>
+        <p:txBody>
+          <a:bodyPr/>
+          <a:p>
+            <a:endParaRPr lang="en-US"/>
+          </a:p>
+        </p:txBody>
+      </p:sp>
+    </p:spTree>
+  </p:cSld>
+  <p:clrMapOvr>
+    <a:masterClrMapping/>
+  </p:clrMapOvr>
+</p:notes>
+</file>
+
+<file path=ppt/notesSlides/notesSlide6.xml><?xml version="1.0" encoding="utf-8"?>
 <p:notes xmlns:a="http://schemas.openxmlformats.org/drawingml/2006/main" xmlns:r="http://schemas.openxmlformats.org/officeDocument/2006/relationships" xmlns:p="http://schemas.openxmlformats.org/presentationml/2006/main">
   <p:cSld>
     <p:spTree>
@@ -3774,7 +3867,9 @@
         </p:nvSpPr>
         <p:spPr/>
         <p:txBody>
-          <a:bodyPr/>
+          <a:bodyPr>
+            <a:normAutofit fontScale="90000"/>
+          </a:bodyPr>
           <a:p>
             <a:r>
               <a:rPr lang="en-US"/>
@@ -3782,7 +3877,7 @@
             </a:r>
             <a:r>
               <a:rPr lang="zh-CN" altLang="en-US"/>
-              <a:t>面向对象的特点</a:t>
+              <a:t>面向对象与众不同之处</a:t>
             </a:r>
             <a:endParaRPr lang="zh-CN" altLang="en-US"/>
           </a:p>
@@ -6941,6 +7036,144 @@
       <p:grpSpPr/>
       <p:sp>
         <p:nvSpPr>
+          <p:cNvPr id="5" name="Title 4"/>
+          <p:cNvSpPr>
+            <a:spLocks noGrp="1"/>
+          </p:cNvSpPr>
+          <p:nvPr>
+            <p:ph type="title"/>
+          </p:nvPr>
+        </p:nvSpPr>
+        <p:spPr/>
+        <p:txBody>
+          <a:bodyPr/>
+          <a:p>
+            <a:r>
+              <a:rPr lang="zh-CN" altLang="en-US"/>
+              <a:t>构造函数全家桶：</a:t>
+            </a:r>
+            <a:endParaRPr lang="zh-CN" altLang="en-US"/>
+          </a:p>
+        </p:txBody>
+      </p:sp>
+      <p:sp>
+        <p:nvSpPr>
+          <p:cNvPr id="7" name="Content Placeholder 6"/>
+          <p:cNvSpPr>
+            <a:spLocks noGrp="1"/>
+          </p:cNvSpPr>
+          <p:nvPr>
+            <p:ph idx="1"/>
+          </p:nvPr>
+        </p:nvSpPr>
+        <p:spPr/>
+        <p:txBody>
+          <a:bodyPr>
+            <a:normAutofit lnSpcReduction="10000"/>
+          </a:bodyPr>
+          <a:p>
+            <a:r>
+              <a:rPr lang="zh-CN" altLang="en-US"/>
+              <a:t>对于任何一个</a:t>
+            </a:r>
+            <a:r>
+              <a:rPr lang="en-US" altLang="zh-CN"/>
+              <a:t> </a:t>
+            </a:r>
+            <a:r>
+              <a:rPr lang="en-US"/>
+              <a:t>C++ </a:t>
+            </a:r>
+            <a:r>
+              <a:rPr lang="zh-CN" altLang="en-US"/>
+              <a:t>类，这几个函数是特殊的：</a:t>
+            </a:r>
+            <a:endParaRPr lang="zh-CN" altLang="en-US"/>
+          </a:p>
+          <a:p>
+            <a:endParaRPr lang="zh-CN" altLang="en-US"/>
+          </a:p>
+          <a:p>
+            <a:endParaRPr lang="zh-CN" altLang="en-US"/>
+          </a:p>
+          <a:p>
+            <a:endParaRPr lang="zh-CN" altLang="en-US"/>
+          </a:p>
+          <a:p>
+            <a:endParaRPr lang="zh-CN" altLang="en-US"/>
+          </a:p>
+          <a:p>
+            <a:endParaRPr lang="zh-CN" altLang="en-US"/>
+          </a:p>
+          <a:p>
+            <a:endParaRPr lang="zh-CN" altLang="en-US"/>
+          </a:p>
+          <a:p>
+            <a:endParaRPr lang="zh-CN" altLang="en-US"/>
+          </a:p>
+          <a:p>
+            <a:endParaRPr lang="zh-CN" altLang="en-US"/>
+          </a:p>
+          <a:p>
+            <a:endParaRPr lang="zh-CN" altLang="en-US"/>
+          </a:p>
+          <a:p>
+            <a:r>
+              <a:rPr lang="zh-CN" altLang="en-US">
+                <a:sym typeface="+mn-ea"/>
+              </a:rPr>
+              <a:t>这在其他面向对象语言中是看不到的。他们分别是什么作用？让我们一一揭晓</a:t>
+            </a:r>
+            <a:endParaRPr lang="zh-CN" altLang="en-US"/>
+          </a:p>
+        </p:txBody>
+      </p:sp>
+      <p:pic>
+        <p:nvPicPr>
+          <p:cNvPr id="11" name="Content Placeholder 10"/>
+          <p:cNvPicPr>
+            <a:picLocks noChangeAspect="1"/>
+          </p:cNvPicPr>
+          <p:nvPr>
+            <p:ph sz="half" idx="2"/>
+          </p:nvPr>
+        </p:nvPicPr>
+        <p:blipFill>
+          <a:blip r:embed="rId1"/>
+          <a:stretch>
+            <a:fillRect/>
+          </a:stretch>
+        </p:blipFill>
+        <p:spPr>
+          <a:xfrm>
+            <a:off x="2127250" y="2336800"/>
+            <a:ext cx="7937500" cy="3106420"/>
+          </a:xfrm>
+          <a:prstGeom prst="rect">
+            <a:avLst/>
+          </a:prstGeom>
+        </p:spPr>
+      </p:pic>
+    </p:spTree>
+  </p:cSld>
+  <p:clrMapOvr>
+    <a:masterClrMapping/>
+  </p:clrMapOvr>
+</p:sld>
+</file>
+
+<file path=ppt/slides/slide27.xml><?xml version="1.0" encoding="utf-8"?>
+<p:sld xmlns:a="http://schemas.openxmlformats.org/drawingml/2006/main" xmlns:r="http://schemas.openxmlformats.org/officeDocument/2006/relationships" xmlns:p="http://schemas.openxmlformats.org/presentationml/2006/main">
+  <p:cSld>
+    <p:spTree>
+      <p:nvGrpSpPr>
+        <p:cNvPr id="1" name=""/>
+        <p:cNvGrpSpPr/>
+        <p:nvPr/>
+      </p:nvGrpSpPr>
+      <p:grpSpPr/>
+      <p:sp>
+        <p:nvSpPr>
           <p:cNvPr id="2" name="Title 1"/>
           <p:cNvSpPr>
             <a:spLocks noGrp="1"/>
@@ -7352,7 +7585,7 @@
 </p:sld>
 </file>
 
-<file path=ppt/slides/slide27.xml><?xml version="1.0" encoding="utf-8"?>
+<file path=ppt/slides/slide28.xml><?xml version="1.0" encoding="utf-8"?>
 <p:sld xmlns:a="http://schemas.openxmlformats.org/drawingml/2006/main" xmlns:r="http://schemas.openxmlformats.org/officeDocument/2006/relationships" xmlns:p="http://schemas.openxmlformats.org/presentationml/2006/main">
   <p:cSld>
     <p:spTree>
@@ -7627,7 +7860,7 @@
 </p:sld>
 </file>
 
-<file path=ppt/slides/slide28.xml><?xml version="1.0" encoding="utf-8"?>
+<file path=ppt/slides/slide29.xml><?xml version="1.0" encoding="utf-8"?>
 <p:sld xmlns:a="http://schemas.openxmlformats.org/drawingml/2006/main" xmlns:r="http://schemas.openxmlformats.org/officeDocument/2006/relationships" xmlns:p="http://schemas.openxmlformats.org/presentationml/2006/main">
   <p:cSld>
     <p:spTree>
@@ -7797,296 +8030,6 @@
 </p:sld>
 </file>
 
-<file path=ppt/slides/slide29.xml><?xml version="1.0" encoding="utf-8"?>
-<p:sld xmlns:a="http://schemas.openxmlformats.org/drawingml/2006/main" xmlns:r="http://schemas.openxmlformats.org/officeDocument/2006/relationships" xmlns:p="http://schemas.openxmlformats.org/presentationml/2006/main">
-  <p:cSld>
-    <p:spTree>
-      <p:nvGrpSpPr>
-        <p:cNvPr id="1" name=""/>
-        <p:cNvGrpSpPr/>
-        <p:nvPr/>
-      </p:nvGrpSpPr>
-      <p:grpSpPr/>
-      <p:sp>
-        <p:nvSpPr>
-          <p:cNvPr id="2" name="Title 1"/>
-          <p:cNvSpPr>
-            <a:spLocks noGrp="1"/>
-          </p:cNvSpPr>
-          <p:nvPr>
-            <p:ph type="title"/>
-          </p:nvPr>
-        </p:nvSpPr>
-        <p:spPr/>
-        <p:txBody>
-          <a:bodyPr/>
-          <a:p>
-            <a:r>
-              <a:rPr lang="zh-CN" altLang="en-US">
-                <a:sym typeface="+mn-ea"/>
-              </a:rPr>
-              <a:t>解决方案：</a:t>
-            </a:r>
-            <a:r>
-              <a:rPr lang="zh-CN" altLang="en-US">
-                <a:sym typeface="+mn-ea"/>
-              </a:rPr>
-              <a:t>要么</a:t>
-            </a:r>
-            <a:r>
-              <a:rPr lang="zh-CN" altLang="en-US">
-                <a:sym typeface="+mn-ea"/>
-              </a:rPr>
-              <a:t>定义</a:t>
-            </a:r>
-            <a:endParaRPr lang="en-US"/>
-          </a:p>
-        </p:txBody>
-      </p:sp>
-      <p:sp>
-        <p:nvSpPr>
-          <p:cNvPr id="3" name="Content Placeholder 2"/>
-          <p:cNvSpPr>
-            <a:spLocks noGrp="1"/>
-          </p:cNvSpPr>
-          <p:nvPr>
-            <p:ph sz="half" idx="1"/>
-          </p:nvPr>
-        </p:nvSpPr>
-        <p:spPr/>
-        <p:txBody>
-          <a:bodyPr>
-            <a:normAutofit lnSpcReduction="10000"/>
-          </a:bodyPr>
-          <a:p>
-            <a:r>
-              <a:rPr lang="zh-CN" altLang="en-US"/>
-              <a:t>如果需要允许用户拷贝你的</a:t>
-            </a:r>
-            <a:r>
-              <a:rPr lang="en-US" altLang="zh-CN"/>
-              <a:t> Vector </a:t>
-            </a:r>
-            <a:r>
-              <a:rPr lang="zh-CN" altLang="en-US"/>
-              <a:t>类对象，我们还是需要实现一下的。</a:t>
-            </a:r>
-            <a:endParaRPr lang="zh-CN" altLang="en-US"/>
-          </a:p>
-          <a:p>
-            <a:r>
-              <a:rPr lang="zh-CN" altLang="en-US">
-                <a:solidFill>
-                  <a:schemeClr val="bg1">
-                    <a:lumMod val="50000"/>
-                  </a:schemeClr>
-                </a:solidFill>
-              </a:rPr>
-              <a:t>发现了吗？其实不管是</a:t>
-            </a:r>
-            <a:r>
-              <a:rPr lang="en-US" altLang="zh-CN">
-                <a:solidFill>
-                  <a:schemeClr val="bg1">
-                    <a:lumMod val="50000"/>
-                  </a:schemeClr>
-                </a:solidFill>
-              </a:rPr>
-              <a:t> size/resize </a:t>
-            </a:r>
-            <a:r>
-              <a:rPr lang="zh-CN" altLang="en-US">
-                <a:solidFill>
-                  <a:schemeClr val="bg1">
-                    <a:lumMod val="50000"/>
-                  </a:schemeClr>
-                </a:solidFill>
-              </a:rPr>
-              <a:t>这样的</a:t>
-            </a:r>
-            <a:r>
-              <a:rPr lang="en-US" altLang="zh-CN">
-                <a:solidFill>
-                  <a:schemeClr val="bg1">
-                    <a:lumMod val="50000"/>
-                  </a:schemeClr>
-                </a:solidFill>
-              </a:rPr>
-              <a:t> </a:t>
-            </a:r>
-            <a:r>
-              <a:rPr lang="en-US" altLang="zh-CN" b="1">
-                <a:solidFill>
-                  <a:schemeClr val="bg1">
-                    <a:lumMod val="50000"/>
-                  </a:schemeClr>
-                </a:solidFill>
-              </a:rPr>
-              <a:t>get/set </a:t>
-            </a:r>
-            <a:r>
-              <a:rPr lang="zh-CN" altLang="en-US" b="1">
-                <a:solidFill>
-                  <a:schemeClr val="bg1">
-                    <a:lumMod val="50000"/>
-                  </a:schemeClr>
-                </a:solidFill>
-              </a:rPr>
-              <a:t>模式</a:t>
-            </a:r>
-            <a:r>
-              <a:rPr lang="zh-CN" altLang="en-US">
-                <a:solidFill>
-                  <a:schemeClr val="bg1">
-                    <a:lumMod val="50000"/>
-                  </a:schemeClr>
-                </a:solidFill>
-              </a:rPr>
-              <a:t>也好；自定义的</a:t>
-            </a:r>
-            <a:r>
-              <a:rPr lang="zh-CN" altLang="en-US" b="1">
-                <a:solidFill>
-                  <a:schemeClr val="bg1">
-                    <a:lumMod val="50000"/>
-                  </a:schemeClr>
-                </a:solidFill>
-              </a:rPr>
-              <a:t>拷贝构造函数</a:t>
-            </a:r>
-            <a:r>
-              <a:rPr lang="zh-CN" altLang="en-US">
-                <a:solidFill>
-                  <a:schemeClr val="bg1">
-                    <a:lumMod val="50000"/>
-                  </a:schemeClr>
-                </a:solidFill>
-              </a:rPr>
-              <a:t>也好；</a:t>
-            </a:r>
-            <a:r>
-              <a:rPr lang="en-US" altLang="zh-CN">
-                <a:solidFill>
-                  <a:schemeClr val="bg1">
-                    <a:lumMod val="50000"/>
-                  </a:schemeClr>
-                </a:solidFill>
-              </a:rPr>
-              <a:t>RAII </a:t>
-            </a:r>
-            <a:r>
-              <a:rPr lang="zh-CN" altLang="en-US">
-                <a:solidFill>
-                  <a:schemeClr val="bg1">
-                    <a:lumMod val="50000"/>
-                  </a:schemeClr>
-                </a:solidFill>
-              </a:rPr>
-              <a:t>保证异常安全也好；都是在为面向对象思想的“封装：不变性”服务。</a:t>
-            </a:r>
-            <a:endParaRPr lang="zh-CN" altLang="en-US">
-              <a:solidFill>
-                <a:schemeClr val="bg1">
-                  <a:lumMod val="50000"/>
-                </a:schemeClr>
-              </a:solidFill>
-            </a:endParaRPr>
-          </a:p>
-          <a:p>
-            <a:r>
-              <a:rPr lang="zh-CN" altLang="en-US">
-                <a:solidFill>
-                  <a:schemeClr val="bg1">
-                    <a:lumMod val="50000"/>
-                  </a:schemeClr>
-                </a:solidFill>
-              </a:rPr>
-              <a:t>即：保证任何单个操作前后，对象都是处于</a:t>
-            </a:r>
-            <a:r>
-              <a:rPr lang="zh-CN" altLang="en-US" b="1">
-                <a:solidFill>
-                  <a:schemeClr val="bg1">
-                    <a:lumMod val="50000"/>
-                  </a:schemeClr>
-                </a:solidFill>
-              </a:rPr>
-              <a:t>正确的状态</a:t>
-            </a:r>
-            <a:r>
-              <a:rPr lang="zh-CN" altLang="en-US">
-                <a:solidFill>
-                  <a:schemeClr val="bg1">
-                    <a:lumMod val="50000"/>
-                  </a:schemeClr>
-                </a:solidFill>
-              </a:rPr>
-              <a:t>，从而避免程序读到</a:t>
-            </a:r>
-            <a:r>
-              <a:rPr lang="zh-CN" altLang="en-US" b="1">
-                <a:solidFill>
-                  <a:schemeClr val="bg1">
-                    <a:lumMod val="50000"/>
-                  </a:schemeClr>
-                </a:solidFill>
-              </a:rPr>
-              <a:t>错误数据</a:t>
-            </a:r>
-            <a:r>
-              <a:rPr lang="zh-CN" altLang="en-US">
-                <a:solidFill>
-                  <a:schemeClr val="bg1">
-                    <a:lumMod val="50000"/>
-                  </a:schemeClr>
-                </a:solidFill>
-              </a:rPr>
-              <a:t>（如空悬指针）的情况。</a:t>
-            </a:r>
-            <a:endParaRPr lang="zh-CN" altLang="en-US">
-              <a:solidFill>
-                <a:schemeClr val="bg1">
-                  <a:lumMod val="50000"/>
-                </a:schemeClr>
-              </a:solidFill>
-            </a:endParaRPr>
-          </a:p>
-        </p:txBody>
-      </p:sp>
-      <p:pic>
-        <p:nvPicPr>
-          <p:cNvPr id="5" name="Content Placeholder 4"/>
-          <p:cNvPicPr>
-            <a:picLocks noChangeAspect="1"/>
-          </p:cNvPicPr>
-          <p:nvPr>
-            <p:ph sz="half" idx="2"/>
-          </p:nvPr>
-        </p:nvPicPr>
-        <p:blipFill>
-          <a:blip r:embed="rId1"/>
-          <a:stretch>
-            <a:fillRect/>
-          </a:stretch>
-        </p:blipFill>
-        <p:spPr>
-          <a:xfrm>
-            <a:off x="5829300" y="3232150"/>
-            <a:ext cx="5877560" cy="1537970"/>
-          </a:xfrm>
-          <a:prstGeom prst="rect">
-            <a:avLst/>
-          </a:prstGeom>
-        </p:spPr>
-      </p:pic>
-    </p:spTree>
-  </p:cSld>
-  <p:clrMapOvr>
-    <a:masterClrMapping/>
-  </p:clrMapOvr>
-</p:sld>
-</file>
-
 <file path=ppt/slides/slide3.xml><?xml version="1.0" encoding="utf-8"?>
 <p:sld xmlns:a="http://schemas.openxmlformats.org/drawingml/2006/main" xmlns:r="http://schemas.openxmlformats.org/officeDocument/2006/relationships" xmlns:p="http://schemas.openxmlformats.org/presentationml/2006/main">
   <p:cSld>
@@ -8197,6 +8140,296 @@
               <a:rPr lang="zh-CN" altLang="en-US">
                 <a:sym typeface="+mn-ea"/>
               </a:rPr>
+              <a:t>解决方案：</a:t>
+            </a:r>
+            <a:r>
+              <a:rPr lang="zh-CN" altLang="en-US">
+                <a:sym typeface="+mn-ea"/>
+              </a:rPr>
+              <a:t>要么</a:t>
+            </a:r>
+            <a:r>
+              <a:rPr lang="zh-CN" altLang="en-US">
+                <a:sym typeface="+mn-ea"/>
+              </a:rPr>
+              <a:t>定义</a:t>
+            </a:r>
+            <a:endParaRPr lang="en-US"/>
+          </a:p>
+        </p:txBody>
+      </p:sp>
+      <p:sp>
+        <p:nvSpPr>
+          <p:cNvPr id="3" name="Content Placeholder 2"/>
+          <p:cNvSpPr>
+            <a:spLocks noGrp="1"/>
+          </p:cNvSpPr>
+          <p:nvPr>
+            <p:ph sz="half" idx="1"/>
+          </p:nvPr>
+        </p:nvSpPr>
+        <p:spPr/>
+        <p:txBody>
+          <a:bodyPr>
+            <a:normAutofit lnSpcReduction="10000"/>
+          </a:bodyPr>
+          <a:p>
+            <a:r>
+              <a:rPr lang="zh-CN" altLang="en-US"/>
+              <a:t>如果需要允许用户拷贝你的</a:t>
+            </a:r>
+            <a:r>
+              <a:rPr lang="en-US" altLang="zh-CN"/>
+              <a:t> Vector </a:t>
+            </a:r>
+            <a:r>
+              <a:rPr lang="zh-CN" altLang="en-US"/>
+              <a:t>类对象，我们还是需要实现一下的。</a:t>
+            </a:r>
+            <a:endParaRPr lang="zh-CN" altLang="en-US"/>
+          </a:p>
+          <a:p>
+            <a:r>
+              <a:rPr lang="zh-CN" altLang="en-US">
+                <a:solidFill>
+                  <a:schemeClr val="bg1">
+                    <a:lumMod val="50000"/>
+                  </a:schemeClr>
+                </a:solidFill>
+              </a:rPr>
+              <a:t>发现了吗？其实不管是</a:t>
+            </a:r>
+            <a:r>
+              <a:rPr lang="en-US" altLang="zh-CN">
+                <a:solidFill>
+                  <a:schemeClr val="bg1">
+                    <a:lumMod val="50000"/>
+                  </a:schemeClr>
+                </a:solidFill>
+              </a:rPr>
+              <a:t> size/resize </a:t>
+            </a:r>
+            <a:r>
+              <a:rPr lang="zh-CN" altLang="en-US">
+                <a:solidFill>
+                  <a:schemeClr val="bg1">
+                    <a:lumMod val="50000"/>
+                  </a:schemeClr>
+                </a:solidFill>
+              </a:rPr>
+              <a:t>这样的</a:t>
+            </a:r>
+            <a:r>
+              <a:rPr lang="en-US" altLang="zh-CN">
+                <a:solidFill>
+                  <a:schemeClr val="bg1">
+                    <a:lumMod val="50000"/>
+                  </a:schemeClr>
+                </a:solidFill>
+              </a:rPr>
+              <a:t> </a:t>
+            </a:r>
+            <a:r>
+              <a:rPr lang="en-US" altLang="zh-CN" b="1">
+                <a:solidFill>
+                  <a:schemeClr val="bg1">
+                    <a:lumMod val="50000"/>
+                  </a:schemeClr>
+                </a:solidFill>
+              </a:rPr>
+              <a:t>get/set </a:t>
+            </a:r>
+            <a:r>
+              <a:rPr lang="zh-CN" altLang="en-US" b="1">
+                <a:solidFill>
+                  <a:schemeClr val="bg1">
+                    <a:lumMod val="50000"/>
+                  </a:schemeClr>
+                </a:solidFill>
+              </a:rPr>
+              <a:t>模式</a:t>
+            </a:r>
+            <a:r>
+              <a:rPr lang="zh-CN" altLang="en-US">
+                <a:solidFill>
+                  <a:schemeClr val="bg1">
+                    <a:lumMod val="50000"/>
+                  </a:schemeClr>
+                </a:solidFill>
+              </a:rPr>
+              <a:t>也好；自定义的</a:t>
+            </a:r>
+            <a:r>
+              <a:rPr lang="zh-CN" altLang="en-US" b="1">
+                <a:solidFill>
+                  <a:schemeClr val="bg1">
+                    <a:lumMod val="50000"/>
+                  </a:schemeClr>
+                </a:solidFill>
+              </a:rPr>
+              <a:t>拷贝构造函数</a:t>
+            </a:r>
+            <a:r>
+              <a:rPr lang="zh-CN" altLang="en-US">
+                <a:solidFill>
+                  <a:schemeClr val="bg1">
+                    <a:lumMod val="50000"/>
+                  </a:schemeClr>
+                </a:solidFill>
+              </a:rPr>
+              <a:t>也好；</a:t>
+            </a:r>
+            <a:r>
+              <a:rPr lang="en-US" altLang="zh-CN">
+                <a:solidFill>
+                  <a:schemeClr val="bg1">
+                    <a:lumMod val="50000"/>
+                  </a:schemeClr>
+                </a:solidFill>
+              </a:rPr>
+              <a:t>RAII </a:t>
+            </a:r>
+            <a:r>
+              <a:rPr lang="zh-CN" altLang="en-US">
+                <a:solidFill>
+                  <a:schemeClr val="bg1">
+                    <a:lumMod val="50000"/>
+                  </a:schemeClr>
+                </a:solidFill>
+              </a:rPr>
+              <a:t>保证异常安全也好；都是在为面向对象思想的“封装：不变性”服务。</a:t>
+            </a:r>
+            <a:endParaRPr lang="zh-CN" altLang="en-US">
+              <a:solidFill>
+                <a:schemeClr val="bg1">
+                  <a:lumMod val="50000"/>
+                </a:schemeClr>
+              </a:solidFill>
+            </a:endParaRPr>
+          </a:p>
+          <a:p>
+            <a:r>
+              <a:rPr lang="zh-CN" altLang="en-US">
+                <a:solidFill>
+                  <a:schemeClr val="bg1">
+                    <a:lumMod val="50000"/>
+                  </a:schemeClr>
+                </a:solidFill>
+              </a:rPr>
+              <a:t>即：保证任何单个操作前后，对象都是处于</a:t>
+            </a:r>
+            <a:r>
+              <a:rPr lang="zh-CN" altLang="en-US" b="1">
+                <a:solidFill>
+                  <a:schemeClr val="bg1">
+                    <a:lumMod val="50000"/>
+                  </a:schemeClr>
+                </a:solidFill>
+              </a:rPr>
+              <a:t>正确的状态</a:t>
+            </a:r>
+            <a:r>
+              <a:rPr lang="zh-CN" altLang="en-US">
+                <a:solidFill>
+                  <a:schemeClr val="bg1">
+                    <a:lumMod val="50000"/>
+                  </a:schemeClr>
+                </a:solidFill>
+              </a:rPr>
+              <a:t>，从而避免程序读到</a:t>
+            </a:r>
+            <a:r>
+              <a:rPr lang="zh-CN" altLang="en-US" b="1">
+                <a:solidFill>
+                  <a:schemeClr val="bg1">
+                    <a:lumMod val="50000"/>
+                  </a:schemeClr>
+                </a:solidFill>
+              </a:rPr>
+              <a:t>错误数据</a:t>
+            </a:r>
+            <a:r>
+              <a:rPr lang="zh-CN" altLang="en-US">
+                <a:solidFill>
+                  <a:schemeClr val="bg1">
+                    <a:lumMod val="50000"/>
+                  </a:schemeClr>
+                </a:solidFill>
+              </a:rPr>
+              <a:t>（如空悬指针）的情况。</a:t>
+            </a:r>
+            <a:endParaRPr lang="zh-CN" altLang="en-US">
+              <a:solidFill>
+                <a:schemeClr val="bg1">
+                  <a:lumMod val="50000"/>
+                </a:schemeClr>
+              </a:solidFill>
+            </a:endParaRPr>
+          </a:p>
+        </p:txBody>
+      </p:sp>
+      <p:pic>
+        <p:nvPicPr>
+          <p:cNvPr id="5" name="Content Placeholder 4"/>
+          <p:cNvPicPr>
+            <a:picLocks noChangeAspect="1"/>
+          </p:cNvPicPr>
+          <p:nvPr>
+            <p:ph sz="half" idx="2"/>
+          </p:nvPr>
+        </p:nvPicPr>
+        <p:blipFill>
+          <a:blip r:embed="rId1"/>
+          <a:stretch>
+            <a:fillRect/>
+          </a:stretch>
+        </p:blipFill>
+        <p:spPr>
+          <a:xfrm>
+            <a:off x="5829300" y="3232150"/>
+            <a:ext cx="5877560" cy="1537970"/>
+          </a:xfrm>
+          <a:prstGeom prst="rect">
+            <a:avLst/>
+          </a:prstGeom>
+        </p:spPr>
+      </p:pic>
+    </p:spTree>
+  </p:cSld>
+  <p:clrMapOvr>
+    <a:masterClrMapping/>
+  </p:clrMapOvr>
+</p:sld>
+</file>
+
+<file path=ppt/slides/slide31.xml><?xml version="1.0" encoding="utf-8"?>
+<p:sld xmlns:a="http://schemas.openxmlformats.org/drawingml/2006/main" xmlns:r="http://schemas.openxmlformats.org/officeDocument/2006/relationships" xmlns:p="http://schemas.openxmlformats.org/presentationml/2006/main">
+  <p:cSld>
+    <p:spTree>
+      <p:nvGrpSpPr>
+        <p:cNvPr id="1" name=""/>
+        <p:cNvGrpSpPr/>
+        <p:nvPr/>
+      </p:nvGrpSpPr>
+      <p:grpSpPr/>
+      <p:sp>
+        <p:nvSpPr>
+          <p:cNvPr id="2" name="Title 1"/>
+          <p:cNvSpPr>
+            <a:spLocks noGrp="1"/>
+          </p:cNvSpPr>
+          <p:nvPr>
+            <p:ph type="title"/>
+          </p:nvPr>
+        </p:nvSpPr>
+        <p:spPr/>
+        <p:txBody>
+          <a:bodyPr/>
+          <a:p>
+            <a:r>
+              <a:rPr lang="zh-CN" altLang="en-US">
+                <a:sym typeface="+mn-ea"/>
+              </a:rPr>
               <a:t>三五法则：拷贝赋值函数</a:t>
             </a:r>
             <a:endParaRPr lang="zh-CN" altLang="en-US">
@@ -8477,7 +8710,7 @@
 </p:sld>
 </file>
 
-<file path=ppt/slides/slide31.xml><?xml version="1.0" encoding="utf-8"?>
+<file path=ppt/slides/slide32.xml><?xml version="1.0" encoding="utf-8"?>
 <p:sld xmlns:a="http://schemas.openxmlformats.org/drawingml/2006/main" xmlns:r="http://schemas.openxmlformats.org/officeDocument/2006/relationships" xmlns:p="http://schemas.openxmlformats.org/presentationml/2006/main">
   <p:cSld>
     <p:spTree>
@@ -8737,7 +8970,7 @@
 </p:sld>
 </file>
 
-<file path=ppt/slides/slide32.xml><?xml version="1.0" encoding="utf-8"?>
+<file path=ppt/slides/slide33.xml><?xml version="1.0" encoding="utf-8"?>
 <p:sld xmlns:a="http://schemas.openxmlformats.org/drawingml/2006/main" xmlns:r="http://schemas.openxmlformats.org/officeDocument/2006/relationships" xmlns:p="http://schemas.openxmlformats.org/presentationml/2006/main">
   <p:cSld>
     <p:spTree>
@@ -8762,10 +8995,16 @@
           <a:bodyPr/>
           <a:p>
             <a:r>
+              <a:rPr lang="en-US" altLang="zh-CN">
+                <a:sym typeface="+mn-ea"/>
+              </a:rPr>
+              <a:t>C++11</a:t>
+            </a:r>
+            <a:r>
               <a:rPr lang="zh-CN" altLang="en-US">
                 <a:sym typeface="+mn-ea"/>
               </a:rPr>
-              <a:t>三五法则：移动构造函数</a:t>
+              <a:t>：为什么区分拷贝和移动？</a:t>
             </a:r>
             <a:endParaRPr lang="en-US"/>
           </a:p>
@@ -8787,33 +9026,1804 @@
           <a:p>
             <a:r>
               <a:rPr lang="zh-CN" altLang="en-US"/>
-              <a:t>似乎拷贝已经满足我的需求了？</a:t>
+              <a:t>有时候，我们需要把一个对象</a:t>
+            </a:r>
+            <a:r>
+              <a:rPr lang="en-US" altLang="zh-CN"/>
+              <a:t> v2 </a:t>
+            </a:r>
+            <a:r>
+              <a:rPr lang="zh-CN" altLang="en-US" b="1"/>
+              <a:t>移动</a:t>
+            </a:r>
+            <a:r>
+              <a:rPr lang="zh-CN" altLang="en-US"/>
+              <a:t>到</a:t>
+            </a:r>
+            <a:r>
+              <a:rPr lang="en-US" altLang="zh-CN"/>
+              <a:t> v1 </a:t>
+            </a:r>
+            <a:r>
+              <a:rPr lang="zh-CN" altLang="en-US"/>
+              <a:t>上。而不需要涉及实际数据的拷贝。</a:t>
             </a:r>
             <a:endParaRPr lang="zh-CN" altLang="en-US"/>
           </a:p>
           <a:p>
+            <a:r>
+              <a:rPr lang="zh-CN" altLang="en-US"/>
+              <a:t>时间复杂度：移动是</a:t>
+            </a:r>
+            <a:r>
+              <a:rPr lang="en-US" altLang="zh-CN"/>
+              <a:t> O(1)</a:t>
+            </a:r>
+            <a:r>
+              <a:rPr lang="zh-CN" altLang="en-US"/>
+              <a:t>，拷贝是</a:t>
+            </a:r>
+            <a:r>
+              <a:rPr lang="en-US" altLang="zh-CN"/>
+              <a:t> O(n)</a:t>
+            </a:r>
+            <a:r>
+              <a:rPr lang="zh-CN" altLang="en-US"/>
+              <a:t>。</a:t>
+            </a:r>
             <a:endParaRPr lang="zh-CN" altLang="en-US"/>
           </a:p>
-        </p:txBody>
-      </p:sp>
-      <p:sp>
-        <p:nvSpPr>
-          <p:cNvPr id="4" name="Content Placeholder 3"/>
+          <a:p>
+            <a:r>
+              <a:rPr lang="zh-CN" altLang="en-US">
+                <a:sym typeface="+mn-ea"/>
+              </a:rPr>
+              <a:t>我们可以用</a:t>
+            </a:r>
+            <a:r>
+              <a:rPr lang="en-US" altLang="zh-CN">
+                <a:sym typeface="+mn-ea"/>
+              </a:rPr>
+              <a:t> std::move </a:t>
+            </a:r>
+            <a:r>
+              <a:rPr lang="zh-CN" altLang="en-US">
+                <a:sym typeface="+mn-ea"/>
+              </a:rPr>
+              <a:t>实现移动。</a:t>
+            </a:r>
+            <a:endParaRPr lang="zh-CN" altLang="en-US">
+              <a:sym typeface="+mn-ea"/>
+            </a:endParaRPr>
+          </a:p>
+          <a:p>
+            <a:r>
+              <a:rPr lang="en-US" altLang="zh-CN">
+                <a:sym typeface="+mn-ea"/>
+              </a:rPr>
+              <a:t>v2 </a:t>
+            </a:r>
+            <a:r>
+              <a:rPr lang="zh-CN" altLang="en-US">
+                <a:sym typeface="+mn-ea"/>
+              </a:rPr>
+              <a:t>被移动到</a:t>
+            </a:r>
+            <a:r>
+              <a:rPr lang="en-US" altLang="zh-CN">
+                <a:sym typeface="+mn-ea"/>
+              </a:rPr>
+              <a:t> v1 </a:t>
+            </a:r>
+            <a:r>
+              <a:rPr lang="zh-CN" altLang="en-US">
+                <a:sym typeface="+mn-ea"/>
+              </a:rPr>
+              <a:t>后，原来的</a:t>
+            </a:r>
+            <a:r>
+              <a:rPr lang="en-US" altLang="zh-CN">
+                <a:sym typeface="+mn-ea"/>
+              </a:rPr>
+              <a:t> v2 </a:t>
+            </a:r>
+            <a:r>
+              <a:rPr lang="zh-CN" altLang="en-US">
+                <a:sym typeface="+mn-ea"/>
+              </a:rPr>
+              <a:t>会被</a:t>
+            </a:r>
+            <a:r>
+              <a:rPr lang="zh-CN" altLang="en-US" b="1">
+                <a:sym typeface="+mn-ea"/>
+              </a:rPr>
+              <a:t>清空</a:t>
+            </a:r>
+            <a:r>
+              <a:rPr lang="zh-CN" altLang="en-US">
+                <a:sym typeface="+mn-ea"/>
+              </a:rPr>
+              <a:t>，因此仅当</a:t>
+            </a:r>
+            <a:r>
+              <a:rPr lang="en-US" altLang="zh-CN">
+                <a:sym typeface="+mn-ea"/>
+              </a:rPr>
+              <a:t> v2 </a:t>
+            </a:r>
+            <a:r>
+              <a:rPr lang="zh-CN" altLang="en-US">
+                <a:sym typeface="+mn-ea"/>
+              </a:rPr>
+              <a:t>再也用不到时才用移动。</a:t>
+            </a:r>
+            <a:endParaRPr lang="zh-CN" altLang="en-US">
+              <a:sym typeface="+mn-ea"/>
+            </a:endParaRPr>
+          </a:p>
+        </p:txBody>
+      </p:sp>
+      <p:pic>
+        <p:nvPicPr>
+          <p:cNvPr id="8" name="Content Placeholder 7"/>
+          <p:cNvPicPr>
+            <a:picLocks noChangeAspect="1"/>
+          </p:cNvPicPr>
+          <p:nvPr>
+            <p:ph sz="half" idx="2"/>
+          </p:nvPr>
+        </p:nvPicPr>
+        <p:blipFill>
+          <a:blip r:embed="rId1"/>
+          <a:stretch>
+            <a:fillRect/>
+          </a:stretch>
+        </p:blipFill>
+        <p:spPr>
+          <a:xfrm>
+            <a:off x="5650230" y="1940560"/>
+            <a:ext cx="5845175" cy="4121150"/>
+          </a:xfrm>
+          <a:prstGeom prst="rect">
+            <a:avLst/>
+          </a:prstGeom>
+        </p:spPr>
+      </p:pic>
+      <p:sp>
+        <p:nvSpPr>
+          <p:cNvPr id="9" name="Text Box 8"/>
+          <p:cNvSpPr txBox="1"/>
+          <p:nvPr/>
+        </p:nvSpPr>
+        <p:spPr>
+          <a:xfrm>
+            <a:off x="6985000" y="6061710"/>
+            <a:ext cx="4510405" cy="368300"/>
+          </a:xfrm>
+          <a:prstGeom prst="rect">
+            <a:avLst/>
+          </a:prstGeom>
+          <a:noFill/>
+        </p:spPr>
+        <p:txBody>
+          <a:bodyPr wrap="square" rtlCol="0">
+            <a:spAutoFit/>
+          </a:bodyPr>
+          <a:p>
+            <a:r>
+              <a:rPr lang="en-US"/>
+              <a:t>v2 </a:t>
+            </a:r>
+            <a:r>
+              <a:rPr lang="zh-CN" altLang="en-US"/>
+              <a:t>的内容被移走，所以只剩</a:t>
+            </a:r>
+            <a:r>
+              <a:rPr lang="en-US" altLang="zh-CN"/>
+              <a:t>0</a:t>
+            </a:r>
+            <a:r>
+              <a:rPr lang="zh-CN" altLang="en-US"/>
+              <a:t>个元素了</a:t>
+            </a:r>
+            <a:r>
+              <a:rPr lang="en-US" altLang="zh-CN"/>
+              <a:t>↑</a:t>
+            </a:r>
+            <a:r>
+              <a:rPr lang="en-US" altLang="zh-CN">
+                <a:sym typeface="+mn-ea"/>
+              </a:rPr>
+              <a:t>↑↑</a:t>
+            </a:r>
+            <a:endParaRPr lang="en-US" altLang="zh-CN"/>
+          </a:p>
+        </p:txBody>
+      </p:sp>
+    </p:spTree>
+  </p:cSld>
+  <p:clrMapOvr>
+    <a:masterClrMapping/>
+  </p:clrMapOvr>
+</p:sld>
+</file>
+
+<file path=ppt/slides/slide34.xml><?xml version="1.0" encoding="utf-8"?>
+<p:sld xmlns:a="http://schemas.openxmlformats.org/drawingml/2006/main" xmlns:r="http://schemas.openxmlformats.org/officeDocument/2006/relationships" xmlns:p="http://schemas.openxmlformats.org/presentationml/2006/main">
+  <p:cSld>
+    <p:spTree>
+      <p:nvGrpSpPr>
+        <p:cNvPr id="1" name=""/>
+        <p:cNvGrpSpPr/>
+        <p:nvPr/>
+      </p:nvGrpSpPr>
+      <p:grpSpPr/>
+      <p:sp>
+        <p:nvSpPr>
+          <p:cNvPr id="2" name="Title 1"/>
           <p:cNvSpPr>
             <a:spLocks noGrp="1"/>
           </p:cNvSpPr>
           <p:nvPr>
+            <p:ph type="title"/>
+          </p:nvPr>
+        </p:nvSpPr>
+        <p:spPr/>
+        <p:txBody>
+          <a:bodyPr/>
+          <a:p>
+            <a:r>
+              <a:rPr lang="zh-CN" altLang="en-US"/>
+              <a:t>移动进阶：交换两者的值</a:t>
+            </a:r>
+            <a:endParaRPr lang="zh-CN" altLang="en-US"/>
+          </a:p>
+        </p:txBody>
+      </p:sp>
+      <p:sp>
+        <p:nvSpPr>
+          <p:cNvPr id="3" name="Content Placeholder 2"/>
+          <p:cNvSpPr>
+            <a:spLocks noGrp="1"/>
+          </p:cNvSpPr>
+          <p:nvPr>
+            <p:ph sz="half" idx="1"/>
+          </p:nvPr>
+        </p:nvSpPr>
+        <p:spPr>
+          <a:xfrm>
+            <a:off x="361315" y="1733550"/>
+            <a:ext cx="5285105" cy="4351655"/>
+          </a:xfrm>
+        </p:spPr>
+        <p:txBody>
+          <a:bodyPr/>
+          <a:p>
+            <a:r>
+              <a:rPr lang="zh-CN" altLang="en-US"/>
+              <a:t>除了</a:t>
+            </a:r>
+            <a:r>
+              <a:rPr lang="en-US" altLang="zh-CN"/>
+              <a:t> std::move </a:t>
+            </a:r>
+            <a:r>
+              <a:rPr lang="zh-CN" altLang="en-US"/>
+              <a:t>可以把</a:t>
+            </a:r>
+            <a:r>
+              <a:rPr lang="en-US" altLang="zh-CN"/>
+              <a:t> v2 </a:t>
+            </a:r>
+            <a:r>
+              <a:rPr lang="zh-CN" altLang="en-US" b="1"/>
+              <a:t>移动</a:t>
+            </a:r>
+            <a:r>
+              <a:rPr lang="zh-CN" altLang="en-US"/>
+              <a:t>到</a:t>
+            </a:r>
+            <a:r>
+              <a:rPr lang="en-US" altLang="zh-CN"/>
+              <a:t> v1 </a:t>
+            </a:r>
+            <a:r>
+              <a:rPr lang="zh-CN" altLang="en-US"/>
+              <a:t>外，</a:t>
+            </a:r>
+            <a:endParaRPr lang="zh-CN" altLang="en-US"/>
+          </a:p>
+          <a:p>
+            <a:r>
+              <a:rPr lang="zh-CN" altLang="en-US">
+                <a:sym typeface="+mn-ea"/>
+              </a:rPr>
+              <a:t>还可以通过</a:t>
+            </a:r>
+            <a:r>
+              <a:rPr lang="en-US" altLang="zh-CN">
+                <a:sym typeface="+mn-ea"/>
+              </a:rPr>
+              <a:t> </a:t>
+            </a:r>
+            <a:r>
+              <a:rPr lang="en-US" altLang="zh-CN"/>
+              <a:t>std::swap </a:t>
+            </a:r>
+            <a:r>
+              <a:rPr lang="zh-CN" altLang="en-US" b="1"/>
+              <a:t>交换</a:t>
+            </a:r>
+            <a:r>
+              <a:rPr lang="en-US" altLang="zh-CN"/>
+              <a:t> v1 </a:t>
+            </a:r>
+            <a:r>
+              <a:rPr lang="zh-CN" altLang="en-US"/>
+              <a:t>和</a:t>
+            </a:r>
+            <a:r>
+              <a:rPr lang="en-US" altLang="zh-CN"/>
+              <a:t> v2</a:t>
+            </a:r>
+            <a:r>
+              <a:rPr lang="zh-CN" altLang="en-US"/>
+              <a:t>。</a:t>
+            </a:r>
+            <a:endParaRPr lang="zh-CN" altLang="en-US"/>
+          </a:p>
+          <a:p>
+            <a:r>
+              <a:rPr lang="en-US" altLang="zh-CN"/>
+              <a:t>swap </a:t>
+            </a:r>
+            <a:r>
+              <a:rPr lang="zh-CN" altLang="en-US"/>
+              <a:t>在高性能计算中可以用来实现双缓存（</a:t>
+            </a:r>
+            <a:r>
+              <a:rPr lang="en-US" altLang="zh-CN"/>
+              <a:t>ping-pong buffer</a:t>
+            </a:r>
+            <a:r>
+              <a:rPr lang="zh-CN" altLang="en-US"/>
+              <a:t>）。</a:t>
+            </a:r>
+            <a:endParaRPr lang="zh-CN" altLang="en-US"/>
+          </a:p>
+          <a:p>
+            <a:endParaRPr lang="zh-CN" altLang="en-US"/>
+          </a:p>
+        </p:txBody>
+      </p:sp>
+      <p:sp>
+        <p:nvSpPr>
+          <p:cNvPr id="8" name="Text Box 7"/>
+          <p:cNvSpPr txBox="1"/>
+          <p:nvPr/>
+        </p:nvSpPr>
+        <p:spPr>
+          <a:xfrm>
+            <a:off x="7896860" y="0"/>
+            <a:ext cx="1532890" cy="645160"/>
+          </a:xfrm>
+          <a:prstGeom prst="rect">
+            <a:avLst/>
+          </a:prstGeom>
+          <a:noFill/>
+        </p:spPr>
+        <p:txBody>
+          <a:bodyPr wrap="square" rtlCol="0">
+            <a:spAutoFit/>
+          </a:bodyPr>
+          <a:p>
+            <a:r>
+              <a:rPr lang="en-US">
+                <a:solidFill>
+                  <a:schemeClr val="bg1">
+                    <a:lumMod val="65000"/>
+                  </a:schemeClr>
+                </a:solidFill>
+              </a:rPr>
+              <a:t>swap </a:t>
+            </a:r>
+            <a:r>
+              <a:rPr lang="zh-CN" altLang="en-US">
+                <a:solidFill>
+                  <a:schemeClr val="bg1">
+                    <a:lumMod val="65000"/>
+                  </a:schemeClr>
+                </a:solidFill>
+              </a:rPr>
+              <a:t>可能是这样实现的：</a:t>
+            </a:r>
+            <a:endParaRPr lang="zh-CN" altLang="en-US">
+              <a:solidFill>
+                <a:schemeClr val="bg1">
+                  <a:lumMod val="65000"/>
+                </a:schemeClr>
+              </a:solidFill>
+            </a:endParaRPr>
+          </a:p>
+        </p:txBody>
+      </p:sp>
+      <p:pic>
+        <p:nvPicPr>
+          <p:cNvPr id="9" name="Picture 8"/>
+          <p:cNvPicPr>
+            <a:picLocks noChangeAspect="1"/>
+          </p:cNvPicPr>
+          <p:nvPr/>
+        </p:nvPicPr>
+        <p:blipFill>
+          <a:blip r:embed="rId1"/>
+          <a:stretch>
+            <a:fillRect/>
+          </a:stretch>
+        </p:blipFill>
+        <p:spPr>
+          <a:xfrm>
+            <a:off x="9429750" y="0"/>
+            <a:ext cx="2762250" cy="1647825"/>
+          </a:xfrm>
+          <a:prstGeom prst="rect">
+            <a:avLst/>
+          </a:prstGeom>
+        </p:spPr>
+      </p:pic>
+      <p:pic>
+        <p:nvPicPr>
+          <p:cNvPr id="10" name="Picture 9"/>
+          <p:cNvPicPr>
+            <a:picLocks noChangeAspect="1"/>
+          </p:cNvPicPr>
+          <p:nvPr/>
+        </p:nvPicPr>
+        <p:blipFill>
+          <a:blip r:embed="rId2"/>
+          <a:stretch>
+            <a:fillRect/>
+          </a:stretch>
+        </p:blipFill>
+        <p:spPr>
+          <a:xfrm>
+            <a:off x="0" y="4629150"/>
+            <a:ext cx="1581150" cy="2228850"/>
+          </a:xfrm>
+          <a:prstGeom prst="rect">
+            <a:avLst/>
+          </a:prstGeom>
+        </p:spPr>
+      </p:pic>
+      <p:pic>
+        <p:nvPicPr>
+          <p:cNvPr id="12" name="Content Placeholder 11"/>
+          <p:cNvPicPr>
+            <a:picLocks noChangeAspect="1"/>
+          </p:cNvPicPr>
+          <p:nvPr>
             <p:ph sz="half" idx="2"/>
           </p:nvPr>
+        </p:nvPicPr>
+        <p:blipFill>
+          <a:blip r:embed="rId3"/>
+          <a:stretch>
+            <a:fillRect/>
+          </a:stretch>
+        </p:blipFill>
+        <p:spPr>
+          <a:xfrm>
+            <a:off x="5981700" y="2998470"/>
+            <a:ext cx="5181600" cy="2004695"/>
+          </a:xfrm>
+          <a:prstGeom prst="rect">
+            <a:avLst/>
+          </a:prstGeom>
+        </p:spPr>
+      </p:pic>
+    </p:spTree>
+  </p:cSld>
+  <p:clrMapOvr>
+    <a:masterClrMapping/>
+  </p:clrMapOvr>
+</p:sld>
+</file>
+
+<file path=ppt/slides/slide35.xml><?xml version="1.0" encoding="utf-8"?>
+<p:sld xmlns:a="http://schemas.openxmlformats.org/drawingml/2006/main" xmlns:r="http://schemas.openxmlformats.org/officeDocument/2006/relationships" xmlns:p="http://schemas.openxmlformats.org/presentationml/2006/main">
+  <p:cSld>
+    <p:spTree>
+      <p:nvGrpSpPr>
+        <p:cNvPr id="1" name=""/>
+        <p:cNvGrpSpPr/>
+        <p:nvPr/>
+      </p:nvGrpSpPr>
+      <p:grpSpPr/>
+      <p:sp>
+        <p:nvSpPr>
+          <p:cNvPr id="2" name="Title 1"/>
+          <p:cNvSpPr>
+            <a:spLocks noGrp="1"/>
+          </p:cNvSpPr>
+          <p:nvPr>
+            <p:ph type="title"/>
+          </p:nvPr>
         </p:nvSpPr>
         <p:spPr/>
         <p:txBody>
           <a:bodyPr/>
           <a:p>
+            <a:r>
+              <a:rPr lang="zh-CN" altLang="en-US">
+                <a:sym typeface="+mn-ea"/>
+              </a:rPr>
+              <a:t>还有哪些情况会触发“移动</a:t>
+            </a:r>
+            <a:r>
+              <a:rPr lang="zh-CN" altLang="en-US">
+                <a:sym typeface="+mn-ea"/>
+              </a:rPr>
+              <a:t>”</a:t>
+            </a:r>
             <a:endParaRPr lang="en-US"/>
           </a:p>
         </p:txBody>
       </p:sp>
+      <p:sp>
+        <p:nvSpPr>
+          <p:cNvPr id="3" name="Content Placeholder 2"/>
+          <p:cNvSpPr>
+            <a:spLocks noGrp="1"/>
+          </p:cNvSpPr>
+          <p:nvPr>
+            <p:ph idx="1"/>
+          </p:nvPr>
+        </p:nvSpPr>
+        <p:spPr/>
+        <p:txBody>
+          <a:bodyPr>
+            <a:noAutofit/>
+          </a:bodyPr>
+          <a:p>
+            <a:r>
+              <a:rPr lang="zh-CN" altLang="en-US" sz="1800"/>
+              <a:t>这些情况下编译器会调用</a:t>
+            </a:r>
+            <a:r>
+              <a:rPr lang="zh-CN" altLang="en-US" sz="1800" b="1"/>
+              <a:t>移动</a:t>
+            </a:r>
+            <a:r>
+              <a:rPr lang="zh-CN" altLang="en-US" sz="1800"/>
+              <a:t>：</a:t>
+            </a:r>
+            <a:endParaRPr lang="zh-CN" altLang="en-US" sz="1800"/>
+          </a:p>
+          <a:p>
+            <a:r>
+              <a:rPr lang="en-US" altLang="zh-CN" sz="1800">
+                <a:solidFill>
+                  <a:schemeClr val="accent1">
+                    <a:lumMod val="75000"/>
+                  </a:schemeClr>
+                </a:solidFill>
+                <a:sym typeface="+mn-ea"/>
+              </a:rPr>
+              <a:t>return v2                                       </a:t>
+            </a:r>
+            <a:r>
+              <a:rPr lang="en-US" altLang="zh-CN" sz="1800">
+                <a:solidFill>
+                  <a:schemeClr val="accent1">
+                    <a:lumMod val="75000"/>
+                  </a:schemeClr>
+                </a:solidFill>
+                <a:sym typeface="+mn-ea"/>
+              </a:rPr>
+              <a:t>           </a:t>
+            </a:r>
+            <a:r>
+              <a:rPr lang="en-US" altLang="zh-CN" sz="1800">
+                <a:solidFill>
+                  <a:schemeClr val="accent1">
+                    <a:lumMod val="75000"/>
+                  </a:schemeClr>
+                </a:solidFill>
+                <a:sym typeface="+mn-ea"/>
+              </a:rPr>
+              <a:t> </a:t>
+            </a:r>
+            <a:r>
+              <a:rPr lang="en-US" altLang="zh-CN" sz="1800">
+                <a:solidFill>
+                  <a:schemeClr val="accent6">
+                    <a:lumMod val="75000"/>
+                  </a:schemeClr>
+                </a:solidFill>
+                <a:sym typeface="+mn-ea"/>
+              </a:rPr>
+              <a:t> // v2 </a:t>
+            </a:r>
+            <a:r>
+              <a:rPr lang="zh-CN" altLang="en-US" sz="1800">
+                <a:solidFill>
+                  <a:schemeClr val="accent6">
+                    <a:lumMod val="75000"/>
+                  </a:schemeClr>
+                </a:solidFill>
+                <a:sym typeface="+mn-ea"/>
+              </a:rPr>
+              <a:t>作</a:t>
+            </a:r>
+            <a:r>
+              <a:rPr lang="zh-CN" altLang="en-US" sz="1800" b="1">
+                <a:solidFill>
+                  <a:schemeClr val="accent6">
+                    <a:lumMod val="75000"/>
+                  </a:schemeClr>
+                </a:solidFill>
+                <a:sym typeface="+mn-ea"/>
+              </a:rPr>
+              <a:t>返回值</a:t>
+            </a:r>
+            <a:endParaRPr lang="en-US" altLang="zh-CN" sz="1800">
+              <a:solidFill>
+                <a:schemeClr val="accent6">
+                  <a:lumMod val="75000"/>
+                </a:schemeClr>
+              </a:solidFill>
+              <a:sym typeface="+mn-ea"/>
+            </a:endParaRPr>
+          </a:p>
+          <a:p>
+            <a:r>
+              <a:rPr lang="en-US" altLang="zh-CN" sz="1800">
+                <a:solidFill>
+                  <a:schemeClr val="accent1">
+                    <a:lumMod val="75000"/>
+                  </a:schemeClr>
+                </a:solidFill>
+                <a:sym typeface="+mn-ea"/>
+              </a:rPr>
+              <a:t>v1 = std::vector&lt;int&gt;(200)             </a:t>
+            </a:r>
+            <a:r>
+              <a:rPr lang="en-US" altLang="zh-CN" sz="1800">
+                <a:solidFill>
+                  <a:schemeClr val="accent1">
+                    <a:lumMod val="75000"/>
+                  </a:schemeClr>
+                </a:solidFill>
+                <a:sym typeface="+mn-ea"/>
+              </a:rPr>
+              <a:t>           </a:t>
+            </a:r>
+            <a:r>
+              <a:rPr lang="en-US" altLang="zh-CN" sz="1800">
+                <a:solidFill>
+                  <a:schemeClr val="accent1">
+                    <a:lumMod val="75000"/>
+                  </a:schemeClr>
+                </a:solidFill>
+                <a:sym typeface="+mn-ea"/>
+              </a:rPr>
+              <a:t> </a:t>
+            </a:r>
+            <a:r>
+              <a:rPr lang="en-US" altLang="zh-CN" sz="1800">
+                <a:solidFill>
+                  <a:schemeClr val="accent6">
+                    <a:lumMod val="75000"/>
+                  </a:schemeClr>
+                </a:solidFill>
+                <a:sym typeface="+mn-ea"/>
+              </a:rPr>
+              <a:t>// </a:t>
+            </a:r>
+            <a:r>
+              <a:rPr lang="zh-CN" altLang="en-US" sz="1800" b="1">
+                <a:solidFill>
+                  <a:schemeClr val="accent6">
+                    <a:lumMod val="75000"/>
+                  </a:schemeClr>
+                </a:solidFill>
+                <a:sym typeface="+mn-ea"/>
+              </a:rPr>
+              <a:t>就地构造</a:t>
+            </a:r>
+            <a:r>
+              <a:rPr lang="zh-CN" altLang="en-US" sz="1800">
+                <a:solidFill>
+                  <a:schemeClr val="accent6">
+                    <a:lumMod val="75000"/>
+                  </a:schemeClr>
+                </a:solidFill>
+                <a:sym typeface="+mn-ea"/>
+              </a:rPr>
+              <a:t>的</a:t>
+            </a:r>
+            <a:r>
+              <a:rPr lang="en-US" altLang="zh-CN" sz="1800">
+                <a:solidFill>
+                  <a:schemeClr val="accent6">
+                    <a:lumMod val="75000"/>
+                  </a:schemeClr>
+                </a:solidFill>
+                <a:sym typeface="+mn-ea"/>
+              </a:rPr>
+              <a:t> v2</a:t>
+            </a:r>
+            <a:endParaRPr lang="en-US" altLang="zh-CN" sz="1800">
+              <a:solidFill>
+                <a:schemeClr val="accent1">
+                  <a:lumMod val="75000"/>
+                </a:schemeClr>
+              </a:solidFill>
+              <a:sym typeface="+mn-ea"/>
+            </a:endParaRPr>
+          </a:p>
+          <a:p>
+            <a:r>
+              <a:rPr lang="en-US" altLang="zh-CN" sz="1800">
+                <a:solidFill>
+                  <a:schemeClr val="accent1">
+                    <a:lumMod val="75000"/>
+                  </a:schemeClr>
+                </a:solidFill>
+                <a:sym typeface="+mn-ea"/>
+              </a:rPr>
+              <a:t>v1 = std::move(v2)                         </a:t>
+            </a:r>
+            <a:r>
+              <a:rPr lang="en-US" altLang="zh-CN" sz="1800">
+                <a:solidFill>
+                  <a:schemeClr val="accent1">
+                    <a:lumMod val="75000"/>
+                  </a:schemeClr>
+                </a:solidFill>
+                <a:sym typeface="+mn-ea"/>
+              </a:rPr>
+              <a:t>           </a:t>
+            </a:r>
+            <a:r>
+              <a:rPr lang="en-US" altLang="zh-CN" sz="1800">
+                <a:solidFill>
+                  <a:schemeClr val="accent6">
+                    <a:lumMod val="75000"/>
+                  </a:schemeClr>
+                </a:solidFill>
+                <a:sym typeface="+mn-ea"/>
+              </a:rPr>
+              <a:t>// </a:t>
+            </a:r>
+            <a:r>
+              <a:rPr lang="zh-CN" altLang="en-US" sz="1800">
+                <a:solidFill>
+                  <a:schemeClr val="accent6">
+                    <a:lumMod val="75000"/>
+                  </a:schemeClr>
+                </a:solidFill>
+                <a:sym typeface="+mn-ea"/>
+              </a:rPr>
+              <a:t>显式地移动</a:t>
+            </a:r>
+            <a:endParaRPr lang="zh-CN" altLang="en-US" sz="1800">
+              <a:solidFill>
+                <a:schemeClr val="accent1">
+                  <a:lumMod val="75000"/>
+                </a:schemeClr>
+              </a:solidFill>
+              <a:sym typeface="+mn-ea"/>
+            </a:endParaRPr>
+          </a:p>
+          <a:p>
+            <a:r>
+              <a:rPr lang="zh-CN" altLang="en-US" sz="1800">
+                <a:sym typeface="+mn-ea"/>
+              </a:rPr>
+              <a:t>这些情况下编译器会调用</a:t>
+            </a:r>
+            <a:r>
+              <a:rPr lang="zh-CN" altLang="en-US" sz="1800" b="1">
+                <a:sym typeface="+mn-ea"/>
+              </a:rPr>
+              <a:t>拷贝</a:t>
+            </a:r>
+            <a:r>
+              <a:rPr lang="zh-CN" altLang="en-US" sz="1800">
+                <a:sym typeface="+mn-ea"/>
+              </a:rPr>
+              <a:t>：</a:t>
+            </a:r>
+            <a:endParaRPr lang="zh-CN" altLang="en-US" sz="1800">
+              <a:sym typeface="+mn-ea"/>
+            </a:endParaRPr>
+          </a:p>
+          <a:p>
+            <a:r>
+              <a:rPr lang="en-US" altLang="zh-CN" sz="1800">
+                <a:solidFill>
+                  <a:schemeClr val="accent1">
+                    <a:lumMod val="75000"/>
+                  </a:schemeClr>
+                </a:solidFill>
+                <a:sym typeface="+mn-ea"/>
+              </a:rPr>
+              <a:t>return std::as_const(v2)                            </a:t>
+            </a:r>
+            <a:r>
+              <a:rPr lang="en-US" altLang="zh-CN" sz="1800">
+                <a:solidFill>
+                  <a:schemeClr val="accent6">
+                    <a:lumMod val="75000"/>
+                  </a:schemeClr>
+                </a:solidFill>
+                <a:sym typeface="+mn-ea"/>
+              </a:rPr>
+              <a:t>// </a:t>
+            </a:r>
+            <a:r>
+              <a:rPr lang="zh-CN" altLang="en-US" sz="1800">
+                <a:solidFill>
+                  <a:schemeClr val="accent6">
+                    <a:lumMod val="75000"/>
+                  </a:schemeClr>
+                </a:solidFill>
+                <a:sym typeface="+mn-ea"/>
+              </a:rPr>
+              <a:t>显式地拷贝</a:t>
+            </a:r>
+            <a:endParaRPr lang="en-US" altLang="zh-CN" sz="1800">
+              <a:solidFill>
+                <a:schemeClr val="accent1">
+                  <a:lumMod val="75000"/>
+                </a:schemeClr>
+              </a:solidFill>
+              <a:sym typeface="+mn-ea"/>
+            </a:endParaRPr>
+          </a:p>
+          <a:p>
+            <a:r>
+              <a:rPr lang="en-US" altLang="zh-CN" sz="1800">
+                <a:solidFill>
+                  <a:schemeClr val="accent1">
+                    <a:lumMod val="75000"/>
+                  </a:schemeClr>
+                </a:solidFill>
+                <a:sym typeface="+mn-ea"/>
+              </a:rPr>
+              <a:t>v1 = v2                                                     </a:t>
+            </a:r>
+            <a:r>
+              <a:rPr lang="en-US" altLang="zh-CN" sz="1800">
+                <a:solidFill>
+                  <a:schemeClr val="accent6">
+                    <a:lumMod val="75000"/>
+                  </a:schemeClr>
+                </a:solidFill>
+                <a:sym typeface="+mn-ea"/>
+              </a:rPr>
+              <a:t> // </a:t>
+            </a:r>
+            <a:r>
+              <a:rPr lang="zh-CN" altLang="en-US" sz="1800">
+                <a:solidFill>
+                  <a:schemeClr val="accent6">
+                    <a:lumMod val="75000"/>
+                  </a:schemeClr>
+                </a:solidFill>
+                <a:sym typeface="+mn-ea"/>
+              </a:rPr>
+              <a:t>默认拷贝</a:t>
+            </a:r>
+            <a:endParaRPr lang="zh-CN" altLang="en-US" sz="1800">
+              <a:solidFill>
+                <a:schemeClr val="accent6">
+                  <a:lumMod val="75000"/>
+                </a:schemeClr>
+              </a:solidFill>
+              <a:sym typeface="+mn-ea"/>
+            </a:endParaRPr>
+          </a:p>
+          <a:p>
+            <a:r>
+              <a:rPr lang="zh-CN" altLang="en-US" sz="1800">
+                <a:sym typeface="+mn-ea"/>
+              </a:rPr>
+              <a:t>注意</a:t>
+            </a:r>
+            <a:r>
+              <a:rPr lang="zh-CN" sz="1800">
+                <a:sym typeface="+mn-ea"/>
+              </a:rPr>
+              <a:t>，以下语句</a:t>
+            </a:r>
+            <a:r>
+              <a:rPr lang="zh-CN" sz="1800" b="1">
+                <a:sym typeface="+mn-ea"/>
+              </a:rPr>
+              <a:t>没有任何作用</a:t>
+            </a:r>
+            <a:r>
+              <a:rPr lang="zh-CN" sz="1800">
+                <a:sym typeface="+mn-ea"/>
+              </a:rPr>
+              <a:t>：</a:t>
+            </a:r>
+            <a:endParaRPr lang="zh-CN" sz="1800">
+              <a:sym typeface="+mn-ea"/>
+            </a:endParaRPr>
+          </a:p>
+          <a:p>
+            <a:r>
+              <a:rPr lang="en-US" altLang="zh-CN" sz="1800">
+                <a:solidFill>
+                  <a:schemeClr val="accent1">
+                    <a:lumMod val="75000"/>
+                  </a:schemeClr>
+                </a:solidFill>
+                <a:sym typeface="+mn-ea"/>
+              </a:rPr>
+              <a:t>std::move(v2)                                            </a:t>
+            </a:r>
+            <a:r>
+              <a:rPr lang="en-US" altLang="zh-CN" sz="1800">
+                <a:solidFill>
+                  <a:schemeClr val="accent6">
+                    <a:lumMod val="75000"/>
+                  </a:schemeClr>
+                </a:solidFill>
+                <a:sym typeface="+mn-ea"/>
+              </a:rPr>
+              <a:t>// </a:t>
+            </a:r>
+            <a:r>
+              <a:rPr lang="zh-CN" altLang="en-US" sz="1800">
+                <a:solidFill>
+                  <a:schemeClr val="accent6">
+                    <a:lumMod val="75000"/>
+                  </a:schemeClr>
+                </a:solidFill>
+                <a:sym typeface="+mn-ea"/>
+              </a:rPr>
+              <a:t>不会清空</a:t>
+            </a:r>
+            <a:r>
+              <a:rPr lang="en-US" altLang="zh-CN" sz="1800">
+                <a:solidFill>
+                  <a:schemeClr val="accent6">
+                    <a:lumMod val="75000"/>
+                  </a:schemeClr>
+                </a:solidFill>
+                <a:sym typeface="+mn-ea"/>
+              </a:rPr>
+              <a:t> v2</a:t>
+            </a:r>
+            <a:r>
+              <a:rPr lang="zh-CN" altLang="en-US" sz="1800">
+                <a:solidFill>
+                  <a:schemeClr val="accent6">
+                    <a:lumMod val="75000"/>
+                  </a:schemeClr>
+                </a:solidFill>
+                <a:sym typeface="+mn-ea"/>
+              </a:rPr>
+              <a:t>，需要清空可以用</a:t>
+            </a:r>
+            <a:r>
+              <a:rPr lang="en-US" altLang="zh-CN" sz="1800">
+                <a:solidFill>
+                  <a:schemeClr val="accent6">
+                    <a:lumMod val="75000"/>
+                  </a:schemeClr>
+                </a:solidFill>
+                <a:sym typeface="+mn-ea"/>
+              </a:rPr>
+              <a:t> v2 = {} </a:t>
+            </a:r>
+            <a:r>
+              <a:rPr lang="zh-CN" altLang="en-US" sz="1800">
+                <a:solidFill>
+                  <a:schemeClr val="accent6">
+                    <a:lumMod val="75000"/>
+                  </a:schemeClr>
+                </a:solidFill>
+                <a:sym typeface="+mn-ea"/>
+              </a:rPr>
+              <a:t>或</a:t>
+            </a:r>
+            <a:r>
+              <a:rPr lang="en-US" altLang="zh-CN" sz="1800">
+                <a:solidFill>
+                  <a:schemeClr val="accent6">
+                    <a:lumMod val="75000"/>
+                  </a:schemeClr>
+                </a:solidFill>
+                <a:sym typeface="+mn-ea"/>
+              </a:rPr>
+              <a:t> v2.clear()</a:t>
+            </a:r>
+            <a:endParaRPr lang="en-US" altLang="zh-CN" sz="1800">
+              <a:solidFill>
+                <a:schemeClr val="accent1">
+                  <a:lumMod val="75000"/>
+                </a:schemeClr>
+              </a:solidFill>
+              <a:sym typeface="+mn-ea"/>
+            </a:endParaRPr>
+          </a:p>
+          <a:p>
+            <a:r>
+              <a:rPr lang="en-US" altLang="zh-CN" sz="1800">
+                <a:solidFill>
+                  <a:schemeClr val="accent1">
+                    <a:lumMod val="75000"/>
+                  </a:schemeClr>
+                </a:solidFill>
+                <a:sym typeface="+mn-ea"/>
+              </a:rPr>
+              <a:t>std::as_const(v2)                                      </a:t>
+            </a:r>
+            <a:r>
+              <a:rPr lang="en-US" altLang="zh-CN" sz="1800">
+                <a:solidFill>
+                  <a:schemeClr val="accent6">
+                    <a:lumMod val="75000"/>
+                  </a:schemeClr>
+                </a:solidFill>
+                <a:sym typeface="+mn-ea"/>
+              </a:rPr>
+              <a:t>// </a:t>
+            </a:r>
+            <a:r>
+              <a:rPr lang="zh-CN" altLang="en-US" sz="1800">
+                <a:solidFill>
+                  <a:schemeClr val="accent6">
+                    <a:lumMod val="75000"/>
+                  </a:schemeClr>
+                </a:solidFill>
+                <a:sym typeface="+mn-ea"/>
+              </a:rPr>
+              <a:t>不会拷贝</a:t>
+            </a:r>
+            <a:r>
+              <a:rPr lang="en-US" altLang="zh-CN" sz="1800">
+                <a:solidFill>
+                  <a:schemeClr val="accent6">
+                    <a:lumMod val="75000"/>
+                  </a:schemeClr>
+                </a:solidFill>
+                <a:sym typeface="+mn-ea"/>
+              </a:rPr>
+              <a:t> v2</a:t>
+            </a:r>
+            <a:r>
+              <a:rPr lang="zh-CN" altLang="en-US" sz="1800">
+                <a:solidFill>
+                  <a:schemeClr val="accent6">
+                    <a:lumMod val="75000"/>
+                  </a:schemeClr>
+                </a:solidFill>
+                <a:sym typeface="+mn-ea"/>
+              </a:rPr>
+              <a:t>，需要拷贝可以用</a:t>
+            </a:r>
+            <a:r>
+              <a:rPr lang="en-US" altLang="zh-CN" sz="1800">
+                <a:solidFill>
+                  <a:schemeClr val="accent6">
+                    <a:lumMod val="75000"/>
+                  </a:schemeClr>
+                </a:solidFill>
+                <a:sym typeface="+mn-ea"/>
+              </a:rPr>
+              <a:t> { auto _ = v2; }</a:t>
+            </a:r>
+            <a:endParaRPr lang="en-US" altLang="zh-CN" sz="1800">
+              <a:solidFill>
+                <a:schemeClr val="accent1">
+                  <a:lumMod val="75000"/>
+                </a:schemeClr>
+              </a:solidFill>
+              <a:sym typeface="+mn-ea"/>
+            </a:endParaRPr>
+          </a:p>
+          <a:p>
+            <a:r>
+              <a:rPr lang="zh-CN" altLang="en-US" sz="1800">
+                <a:sym typeface="+mn-ea"/>
+              </a:rPr>
+              <a:t>这两个函数只是负责转换类型，实际产生移动</a:t>
+            </a:r>
+            <a:r>
+              <a:rPr lang="en-US" altLang="zh-CN" sz="1800">
+                <a:sym typeface="+mn-ea"/>
+              </a:rPr>
+              <a:t>/</a:t>
+            </a:r>
+            <a:r>
+              <a:rPr lang="zh-CN" altLang="en-US" sz="1800">
+                <a:sym typeface="+mn-ea"/>
+              </a:rPr>
+              <a:t>拷贝效果的是在类的构造</a:t>
+            </a:r>
+            <a:r>
+              <a:rPr lang="en-US" altLang="zh-CN" sz="1800">
+                <a:sym typeface="+mn-ea"/>
+              </a:rPr>
+              <a:t>/</a:t>
+            </a:r>
+            <a:r>
+              <a:rPr lang="zh-CN" altLang="en-US" sz="1800">
+                <a:sym typeface="+mn-ea"/>
+              </a:rPr>
+              <a:t>赋值函数里。</a:t>
+            </a:r>
+            <a:endParaRPr lang="en-US" altLang="zh-CN" sz="1800">
+              <a:solidFill>
+                <a:schemeClr val="accent1">
+                  <a:lumMod val="75000"/>
+                </a:schemeClr>
+              </a:solidFill>
+              <a:sym typeface="+mn-ea"/>
+            </a:endParaRPr>
+          </a:p>
+        </p:txBody>
+      </p:sp>
+      <p:sp>
+        <p:nvSpPr>
+          <p:cNvPr id="5" name="Text Box 4"/>
+          <p:cNvSpPr txBox="1"/>
+          <p:nvPr/>
+        </p:nvSpPr>
+        <p:spPr>
+          <a:xfrm>
+            <a:off x="6539865" y="327025"/>
+            <a:ext cx="5007610" cy="645160"/>
+          </a:xfrm>
+          <a:prstGeom prst="rect">
+            <a:avLst/>
+          </a:prstGeom>
+          <a:noFill/>
+        </p:spPr>
+        <p:txBody>
+          <a:bodyPr wrap="square" rtlCol="0">
+            <a:spAutoFit/>
+          </a:bodyPr>
+          <a:p>
+            <a:r>
+              <a:rPr lang="en-US">
+                <a:solidFill>
+                  <a:schemeClr val="bg1">
+                    <a:lumMod val="75000"/>
+                  </a:schemeClr>
+                </a:solidFill>
+              </a:rPr>
+              <a:t>std::move(t)       </a:t>
+            </a:r>
+            <a:r>
+              <a:rPr lang="zh-CN" altLang="en-US">
+                <a:solidFill>
+                  <a:schemeClr val="bg1">
+                    <a:lumMod val="75000"/>
+                  </a:schemeClr>
+                </a:solidFill>
+              </a:rPr>
+              <a:t>相当于</a:t>
+            </a:r>
+            <a:r>
+              <a:rPr lang="en-US" altLang="zh-CN">
+                <a:solidFill>
+                  <a:schemeClr val="bg1">
+                    <a:lumMod val="75000"/>
+                  </a:schemeClr>
+                </a:solidFill>
+              </a:rPr>
+              <a:t> (T &amp;&amp;)t</a:t>
+            </a:r>
+            <a:endParaRPr lang="en-US" altLang="zh-CN">
+              <a:solidFill>
+                <a:schemeClr val="bg1">
+                  <a:lumMod val="75000"/>
+                </a:schemeClr>
+              </a:solidFill>
+            </a:endParaRPr>
+          </a:p>
+          <a:p>
+            <a:r>
+              <a:rPr lang="en-US" altLang="zh-CN">
+                <a:solidFill>
+                  <a:schemeClr val="bg1">
+                    <a:lumMod val="75000"/>
+                  </a:schemeClr>
+                </a:solidFill>
+              </a:rPr>
+              <a:t>std::as_const(t) </a:t>
+            </a:r>
+            <a:r>
+              <a:rPr lang="zh-CN" altLang="en-US">
+                <a:solidFill>
+                  <a:schemeClr val="bg1">
+                    <a:lumMod val="75000"/>
+                  </a:schemeClr>
+                </a:solidFill>
+              </a:rPr>
+              <a:t>相当于</a:t>
+            </a:r>
+            <a:r>
+              <a:rPr lang="en-US" altLang="zh-CN">
+                <a:solidFill>
+                  <a:schemeClr val="bg1">
+                    <a:lumMod val="75000"/>
+                  </a:schemeClr>
+                </a:solidFill>
+              </a:rPr>
+              <a:t> (T const &amp;)t</a:t>
+            </a:r>
+            <a:endParaRPr lang="en-US" altLang="zh-CN">
+              <a:solidFill>
+                <a:schemeClr val="bg1">
+                  <a:lumMod val="75000"/>
+                </a:schemeClr>
+              </a:solidFill>
+            </a:endParaRPr>
+          </a:p>
+        </p:txBody>
+      </p:sp>
+    </p:spTree>
+  </p:cSld>
+  <p:clrMapOvr>
+    <a:masterClrMapping/>
+  </p:clrMapOvr>
+</p:sld>
+</file>
+
+<file path=ppt/slides/slide36.xml><?xml version="1.0" encoding="utf-8"?>
+<p:sld xmlns:a="http://schemas.openxmlformats.org/drawingml/2006/main" xmlns:r="http://schemas.openxmlformats.org/officeDocument/2006/relationships" xmlns:p="http://schemas.openxmlformats.org/presentationml/2006/main">
+  <p:cSld>
+    <p:spTree>
+      <p:nvGrpSpPr>
+        <p:cNvPr id="1" name=""/>
+        <p:cNvGrpSpPr/>
+        <p:nvPr/>
+      </p:nvGrpSpPr>
+      <p:grpSpPr/>
+      <p:sp>
+        <p:nvSpPr>
+          <p:cNvPr id="2" name="Title 1"/>
+          <p:cNvSpPr>
+            <a:spLocks noGrp="1"/>
+          </p:cNvSpPr>
+          <p:nvPr>
+            <p:ph type="title"/>
+          </p:nvPr>
+        </p:nvSpPr>
+        <p:spPr/>
+        <p:txBody>
+          <a:bodyPr/>
+          <a:p>
+            <a:r>
+              <a:rPr lang="zh-CN" altLang="en-US">
+                <a:sym typeface="+mn-ea"/>
+              </a:rPr>
+              <a:t>移动构造函数：缺省实现</a:t>
+            </a:r>
+            <a:endParaRPr lang="en-US"/>
+          </a:p>
+        </p:txBody>
+      </p:sp>
+      <p:sp>
+        <p:nvSpPr>
+          <p:cNvPr id="3" name="Content Placeholder 2"/>
+          <p:cNvSpPr>
+            <a:spLocks noGrp="1"/>
+          </p:cNvSpPr>
+          <p:nvPr>
+            <p:ph sz="half" idx="1"/>
+          </p:nvPr>
+        </p:nvSpPr>
+        <p:spPr/>
+        <p:txBody>
+          <a:bodyPr>
+            <a:normAutofit/>
+          </a:bodyPr>
+          <a:p>
+            <a:r>
+              <a:rPr lang="zh-CN" altLang="en-US" sz="1800"/>
+              <a:t>同样，如果对</a:t>
+            </a:r>
+            <a:r>
+              <a:rPr lang="zh-CN" altLang="en-US" sz="1800" b="1"/>
+              <a:t>降低时间复杂度</a:t>
+            </a:r>
+            <a:r>
+              <a:rPr lang="zh-CN" altLang="en-US" sz="1800"/>
+              <a:t>不感兴趣：</a:t>
+            </a:r>
+            <a:endParaRPr lang="zh-CN" altLang="en-US" sz="1800"/>
+          </a:p>
+          <a:p>
+            <a:r>
+              <a:rPr lang="zh-CN" altLang="en-US" sz="1800">
+                <a:solidFill>
+                  <a:schemeClr val="accent4">
+                    <a:lumMod val="75000"/>
+                  </a:schemeClr>
+                </a:solidFill>
+              </a:rPr>
+              <a:t>移动构造</a:t>
+            </a:r>
+            <a:r>
+              <a:rPr lang="en-US" altLang="zh-CN" sz="1800">
+                <a:solidFill>
+                  <a:schemeClr val="accent4">
+                    <a:lumMod val="75000"/>
+                  </a:schemeClr>
+                </a:solidFill>
+              </a:rPr>
+              <a:t>≈</a:t>
+            </a:r>
+            <a:r>
+              <a:rPr lang="zh-CN" altLang="en-US" sz="1800">
+                <a:solidFill>
+                  <a:schemeClr val="accent4">
+                    <a:lumMod val="75000"/>
+                  </a:schemeClr>
+                </a:solidFill>
+              </a:rPr>
+              <a:t>拷贝构造</a:t>
+            </a:r>
+            <a:r>
+              <a:rPr lang="en-US" altLang="zh-CN" sz="1800">
+                <a:solidFill>
+                  <a:schemeClr val="accent4">
+                    <a:lumMod val="75000"/>
+                  </a:schemeClr>
+                </a:solidFill>
+              </a:rPr>
+              <a:t>+</a:t>
+            </a:r>
+            <a:r>
+              <a:rPr lang="zh-CN" altLang="en-US" sz="1800">
+                <a:solidFill>
+                  <a:schemeClr val="accent4">
+                    <a:lumMod val="75000"/>
+                  </a:schemeClr>
+                </a:solidFill>
+              </a:rPr>
+              <a:t>他解构</a:t>
+            </a:r>
+            <a:r>
+              <a:rPr lang="en-US" altLang="zh-CN" sz="1800">
+                <a:solidFill>
+                  <a:schemeClr val="accent4">
+                    <a:lumMod val="75000"/>
+                  </a:schemeClr>
+                </a:solidFill>
+              </a:rPr>
+              <a:t>+</a:t>
+            </a:r>
+            <a:r>
+              <a:rPr lang="zh-CN" altLang="en-US" sz="1800">
+                <a:solidFill>
+                  <a:schemeClr val="accent4">
+                    <a:lumMod val="75000"/>
+                  </a:schemeClr>
+                </a:solidFill>
+              </a:rPr>
+              <a:t>他默认构造</a:t>
+            </a:r>
+            <a:endParaRPr lang="zh-CN" altLang="en-US" sz="1800">
+              <a:solidFill>
+                <a:schemeClr val="accent4">
+                  <a:lumMod val="75000"/>
+                </a:schemeClr>
+              </a:solidFill>
+            </a:endParaRPr>
+          </a:p>
+          <a:p>
+            <a:r>
+              <a:rPr lang="zh-CN" altLang="en-US" sz="1800">
+                <a:solidFill>
+                  <a:schemeClr val="accent4">
+                    <a:lumMod val="75000"/>
+                  </a:schemeClr>
+                </a:solidFill>
+              </a:rPr>
+              <a:t>移动赋值</a:t>
+            </a:r>
+            <a:r>
+              <a:rPr lang="en-US" altLang="zh-CN" sz="1800">
+                <a:solidFill>
+                  <a:schemeClr val="accent4">
+                    <a:lumMod val="75000"/>
+                  </a:schemeClr>
+                </a:solidFill>
+              </a:rPr>
+              <a:t>≈</a:t>
+            </a:r>
+            <a:r>
+              <a:rPr lang="zh-CN" altLang="en-US" sz="1800">
+                <a:solidFill>
+                  <a:schemeClr val="accent4">
+                    <a:lumMod val="75000"/>
+                  </a:schemeClr>
+                </a:solidFill>
+                <a:sym typeface="+mn-ea"/>
+              </a:rPr>
+              <a:t>拷贝赋值</a:t>
+            </a:r>
+            <a:r>
+              <a:rPr lang="en-US" altLang="zh-CN" sz="1800">
+                <a:solidFill>
+                  <a:schemeClr val="accent4">
+                    <a:lumMod val="75000"/>
+                  </a:schemeClr>
+                </a:solidFill>
+                <a:sym typeface="+mn-ea"/>
+              </a:rPr>
+              <a:t>+</a:t>
+            </a:r>
+            <a:r>
+              <a:rPr lang="zh-CN" altLang="en-US" sz="1800">
+                <a:solidFill>
+                  <a:schemeClr val="accent4">
+                    <a:lumMod val="75000"/>
+                  </a:schemeClr>
+                </a:solidFill>
+                <a:sym typeface="+mn-ea"/>
+              </a:rPr>
+              <a:t>他解构</a:t>
+            </a:r>
+            <a:r>
+              <a:rPr lang="en-US" altLang="zh-CN" sz="1800">
+                <a:solidFill>
+                  <a:schemeClr val="accent4">
+                    <a:lumMod val="75000"/>
+                  </a:schemeClr>
+                </a:solidFill>
+                <a:sym typeface="+mn-ea"/>
+              </a:rPr>
+              <a:t>+</a:t>
+            </a:r>
+            <a:r>
+              <a:rPr lang="zh-CN" altLang="en-US" sz="1800">
+                <a:solidFill>
+                  <a:schemeClr val="accent4">
+                    <a:lumMod val="75000"/>
+                  </a:schemeClr>
+                </a:solidFill>
+                <a:sym typeface="+mn-ea"/>
+              </a:rPr>
+              <a:t>他默认构造</a:t>
+            </a:r>
+            <a:endParaRPr lang="zh-CN" altLang="en-US" sz="1800">
+              <a:solidFill>
+                <a:schemeClr val="accent4">
+                  <a:lumMod val="75000"/>
+                </a:schemeClr>
+              </a:solidFill>
+              <a:sym typeface="+mn-ea"/>
+            </a:endParaRPr>
+          </a:p>
+          <a:p>
+            <a:r>
+              <a:rPr lang="zh-CN" altLang="en-US" sz="1800">
+                <a:sym typeface="+mn-ea"/>
+              </a:rPr>
+              <a:t>只要</a:t>
+            </a:r>
+            <a:r>
+              <a:rPr lang="zh-CN" altLang="en-US" sz="1800" b="1">
+                <a:sym typeface="+mn-ea"/>
+              </a:rPr>
+              <a:t>不定义</a:t>
+            </a:r>
+            <a:r>
+              <a:rPr lang="zh-CN" altLang="en-US" sz="1800">
+                <a:sym typeface="+mn-ea"/>
+              </a:rPr>
+              <a:t>移动构造和移动赋值，编译器会自动</a:t>
+            </a:r>
+            <a:r>
+              <a:rPr lang="zh-CN" altLang="en-US" sz="1800">
+                <a:solidFill>
+                  <a:schemeClr val="accent4">
+                    <a:lumMod val="75000"/>
+                  </a:schemeClr>
+                </a:solidFill>
+                <a:sym typeface="+mn-ea"/>
+              </a:rPr>
+              <a:t>这样做</a:t>
+            </a:r>
+            <a:r>
+              <a:rPr lang="zh-CN" altLang="en-US" sz="1800">
+                <a:sym typeface="+mn-ea"/>
+              </a:rPr>
+              <a:t>。</a:t>
+            </a:r>
+            <a:r>
+              <a:rPr lang="zh-CN" altLang="en-US" sz="1800">
+                <a:sym typeface="+mn-ea"/>
+              </a:rPr>
+              <a:t>虽然</a:t>
+            </a:r>
+            <a:r>
+              <a:rPr lang="zh-CN" altLang="en-US" sz="1800" b="1">
+                <a:sym typeface="+mn-ea"/>
+              </a:rPr>
+              <a:t>低效，</a:t>
+            </a:r>
+            <a:r>
+              <a:rPr lang="zh-CN" altLang="en-US" sz="1800">
+                <a:sym typeface="+mn-ea"/>
+              </a:rPr>
+              <a:t>但至少可以保证</a:t>
+            </a:r>
+            <a:r>
+              <a:rPr lang="zh-CN" altLang="en-US" sz="1800" b="1">
+                <a:sym typeface="+mn-ea"/>
+              </a:rPr>
+              <a:t>不出错</a:t>
+            </a:r>
+            <a:r>
+              <a:rPr lang="zh-CN" altLang="en-US" sz="1800">
+                <a:sym typeface="+mn-ea"/>
+              </a:rPr>
+              <a:t>。</a:t>
+            </a:r>
+            <a:endParaRPr lang="zh-CN" altLang="en-US" sz="1800">
+              <a:sym typeface="+mn-ea"/>
+            </a:endParaRPr>
+          </a:p>
+          <a:p>
+            <a:r>
+              <a:rPr lang="zh-CN" altLang="en-US" sz="1800">
+                <a:sym typeface="+mn-ea"/>
+              </a:rPr>
+              <a:t>若自定义了移动构造，对</a:t>
+            </a:r>
+            <a:r>
+              <a:rPr lang="zh-CN" altLang="en-US" sz="1800" b="1">
+                <a:sym typeface="+mn-ea"/>
+              </a:rPr>
+              <a:t>提高性能</a:t>
+            </a:r>
+            <a:r>
+              <a:rPr lang="zh-CN" altLang="en-US" sz="1800">
+                <a:sym typeface="+mn-ea"/>
+              </a:rPr>
+              <a:t>不感兴趣：</a:t>
+            </a:r>
+            <a:endParaRPr lang="zh-CN" altLang="en-US" sz="1800"/>
+          </a:p>
+          <a:p>
+            <a:r>
+              <a:rPr lang="zh-CN" altLang="en-US" sz="1800">
+                <a:solidFill>
+                  <a:schemeClr val="accent2">
+                    <a:lumMod val="75000"/>
+                  </a:schemeClr>
+                </a:solidFill>
+              </a:rPr>
+              <a:t>移动赋值</a:t>
+            </a:r>
+            <a:r>
+              <a:rPr lang="en-US" altLang="zh-CN" sz="1800">
+                <a:solidFill>
+                  <a:schemeClr val="accent2">
+                    <a:lumMod val="75000"/>
+                  </a:schemeClr>
+                </a:solidFill>
+              </a:rPr>
+              <a:t>≈</a:t>
+            </a:r>
+            <a:r>
+              <a:rPr lang="zh-CN" altLang="en-US" sz="1800">
+                <a:solidFill>
+                  <a:schemeClr val="accent2">
+                    <a:lumMod val="75000"/>
+                  </a:schemeClr>
+                </a:solidFill>
+              </a:rPr>
+              <a:t>解构</a:t>
+            </a:r>
+            <a:r>
+              <a:rPr lang="en-US" altLang="zh-CN" sz="1800">
+                <a:solidFill>
+                  <a:schemeClr val="accent2">
+                    <a:lumMod val="75000"/>
+                  </a:schemeClr>
+                </a:solidFill>
+              </a:rPr>
+              <a:t>+</a:t>
+            </a:r>
+            <a:r>
+              <a:rPr lang="zh-CN" altLang="en-US" sz="1800">
+                <a:solidFill>
+                  <a:schemeClr val="accent2">
+                    <a:lumMod val="75000"/>
+                  </a:schemeClr>
+                </a:solidFill>
+                <a:sym typeface="+mn-ea"/>
+              </a:rPr>
+              <a:t>移动构造</a:t>
+            </a:r>
+            <a:endParaRPr lang="zh-CN" altLang="en-US" sz="1800">
+              <a:sym typeface="+mn-ea"/>
+            </a:endParaRPr>
+          </a:p>
+        </p:txBody>
+      </p:sp>
+      <p:pic>
+        <p:nvPicPr>
+          <p:cNvPr id="7" name="Content Placeholder 6"/>
+          <p:cNvPicPr>
+            <a:picLocks noChangeAspect="1"/>
+          </p:cNvPicPr>
+          <p:nvPr>
+            <p:ph sz="half" idx="2"/>
+          </p:nvPr>
+        </p:nvPicPr>
+        <p:blipFill>
+          <a:blip r:embed="rId1"/>
+          <a:stretch>
+            <a:fillRect/>
+          </a:stretch>
+        </p:blipFill>
+        <p:spPr>
+          <a:xfrm>
+            <a:off x="5865495" y="2098675"/>
+            <a:ext cx="5414010" cy="3804920"/>
+          </a:xfrm>
+          <a:prstGeom prst="rect">
+            <a:avLst/>
+          </a:prstGeom>
+        </p:spPr>
+      </p:pic>
+      <p:sp>
+        <p:nvSpPr>
+          <p:cNvPr id="8" name="Text Box 7"/>
+          <p:cNvSpPr txBox="1"/>
+          <p:nvPr/>
+        </p:nvSpPr>
+        <p:spPr>
+          <a:xfrm>
+            <a:off x="6866890" y="306705"/>
+            <a:ext cx="4526915" cy="922020"/>
+          </a:xfrm>
+          <a:prstGeom prst="rect">
+            <a:avLst/>
+          </a:prstGeom>
+          <a:noFill/>
+        </p:spPr>
+        <p:txBody>
+          <a:bodyPr wrap="square" rtlCol="0">
+            <a:spAutoFit/>
+          </a:bodyPr>
+          <a:p>
+            <a:r>
+              <a:rPr lang="zh-CN" altLang="en-US"/>
+              <a:t>注：</a:t>
+            </a:r>
+            <a:endParaRPr lang="zh-CN" altLang="en-US"/>
+          </a:p>
+          <a:p>
+            <a:r>
+              <a:rPr lang="zh-CN" altLang="en-US"/>
+              <a:t>降低时间复杂度：</a:t>
+            </a:r>
+            <a:r>
+              <a:rPr lang="en-US" altLang="zh-CN"/>
+              <a:t>O(n) -&gt; O(1)</a:t>
+            </a:r>
+            <a:endParaRPr lang="en-US" altLang="zh-CN"/>
+          </a:p>
+          <a:p>
+            <a:r>
+              <a:rPr lang="zh-CN" altLang="en-US"/>
+              <a:t>提高性能：</a:t>
+            </a:r>
+            <a:r>
+              <a:rPr lang="en-US" altLang="zh-CN"/>
+              <a:t>           O(1) -&gt; O(0.1)</a:t>
+            </a:r>
+            <a:endParaRPr lang="en-US" altLang="zh-CN"/>
+          </a:p>
+        </p:txBody>
+      </p:sp>
+    </p:spTree>
+  </p:cSld>
+  <p:clrMapOvr>
+    <a:masterClrMapping/>
+  </p:clrMapOvr>
+</p:sld>
+</file>
+
+<file path=ppt/slides/slide37.xml><?xml version="1.0" encoding="utf-8"?>
+<p:sld xmlns:a="http://schemas.openxmlformats.org/drawingml/2006/main" xmlns:r="http://schemas.openxmlformats.org/officeDocument/2006/relationships" xmlns:p="http://schemas.openxmlformats.org/presentationml/2006/main">
+  <p:cSld>
+    <p:spTree>
+      <p:nvGrpSpPr>
+        <p:cNvPr id="1" name=""/>
+        <p:cNvGrpSpPr/>
+        <p:nvPr/>
+      </p:nvGrpSpPr>
+      <p:grpSpPr/>
+      <p:sp>
+        <p:nvSpPr>
+          <p:cNvPr id="2" name="Title 1"/>
+          <p:cNvSpPr>
+            <a:spLocks noGrp="1"/>
+          </p:cNvSpPr>
+          <p:nvPr>
+            <p:ph type="title"/>
+          </p:nvPr>
+        </p:nvSpPr>
+        <p:spPr/>
+        <p:txBody>
+          <a:bodyPr/>
+          <a:p>
+            <a:r>
+              <a:rPr lang="zh-CN" altLang="en-US"/>
+              <a:t>构造函数全家桶：总结</a:t>
+            </a:r>
+            <a:endParaRPr lang="zh-CN" altLang="en-US"/>
+          </a:p>
+        </p:txBody>
+      </p:sp>
+      <p:pic>
+        <p:nvPicPr>
+          <p:cNvPr id="11" name="Content Placeholder 10"/>
+          <p:cNvPicPr>
+            <a:picLocks noChangeAspect="1"/>
+          </p:cNvPicPr>
+          <p:nvPr>
+            <p:ph sz="half" idx="2"/>
+          </p:nvPr>
+        </p:nvPicPr>
+        <p:blipFill>
+          <a:blip r:embed="rId1"/>
+          <a:stretch>
+            <a:fillRect/>
+          </a:stretch>
+        </p:blipFill>
+        <p:spPr>
+          <a:xfrm>
+            <a:off x="5981700" y="2987040"/>
+            <a:ext cx="5181600" cy="2027555"/>
+          </a:xfrm>
+          <a:prstGeom prst="rect">
+            <a:avLst/>
+          </a:prstGeom>
+        </p:spPr>
+      </p:pic>
+      <p:pic>
+        <p:nvPicPr>
+          <p:cNvPr id="5" name="Content Placeholder 4"/>
+          <p:cNvPicPr>
+            <a:picLocks noChangeAspect="1"/>
+          </p:cNvPicPr>
+          <p:nvPr>
+            <p:ph sz="half" idx="1"/>
+          </p:nvPr>
+        </p:nvPicPr>
+        <p:blipFill>
+          <a:blip r:embed="rId2"/>
+          <a:stretch>
+            <a:fillRect/>
+          </a:stretch>
+        </p:blipFill>
+        <p:spPr>
+          <a:xfrm>
+            <a:off x="923290" y="2748280"/>
+            <a:ext cx="4629150" cy="2505075"/>
+          </a:xfrm>
+          <a:prstGeom prst="rect">
+            <a:avLst/>
+          </a:prstGeom>
+        </p:spPr>
+      </p:pic>
     </p:spTree>
   </p:cSld>
   <p:clrMapOvr>
